--- a/CPSC-24500/Week03/2017SpringW03Slides.pptx
+++ b/CPSC-24500/Week03/2017SpringW03Slides.pptx
@@ -5,24 +5,32 @@
     <p:sldMasterId id="2147483648" r:id="rId4"/>
   </p:sldMasterIdLst>
   <p:notesMasterIdLst>
-    <p:notesMasterId r:id="rId20"/>
+    <p:notesMasterId r:id="rId28"/>
   </p:notesMasterIdLst>
   <p:sldIdLst>
     <p:sldId id="330" r:id="rId5"/>
-    <p:sldId id="289" r:id="rId6"/>
-    <p:sldId id="356" r:id="rId7"/>
-    <p:sldId id="350" r:id="rId8"/>
-    <p:sldId id="359" r:id="rId9"/>
-    <p:sldId id="351" r:id="rId10"/>
-    <p:sldId id="358" r:id="rId11"/>
-    <p:sldId id="349" r:id="rId12"/>
-    <p:sldId id="342" r:id="rId13"/>
-    <p:sldId id="353" r:id="rId14"/>
-    <p:sldId id="355" r:id="rId15"/>
-    <p:sldId id="266" r:id="rId16"/>
-    <p:sldId id="354" r:id="rId17"/>
-    <p:sldId id="340" r:id="rId18"/>
-    <p:sldId id="357" r:id="rId19"/>
+    <p:sldId id="381" r:id="rId6"/>
+    <p:sldId id="371" r:id="rId7"/>
+    <p:sldId id="289" r:id="rId8"/>
+    <p:sldId id="356" r:id="rId9"/>
+    <p:sldId id="350" r:id="rId10"/>
+    <p:sldId id="359" r:id="rId11"/>
+    <p:sldId id="361" r:id="rId12"/>
+    <p:sldId id="362" r:id="rId13"/>
+    <p:sldId id="373" r:id="rId14"/>
+    <p:sldId id="372" r:id="rId15"/>
+    <p:sldId id="363" r:id="rId16"/>
+    <p:sldId id="375" r:id="rId17"/>
+    <p:sldId id="376" r:id="rId18"/>
+    <p:sldId id="366" r:id="rId19"/>
+    <p:sldId id="377" r:id="rId20"/>
+    <p:sldId id="378" r:id="rId21"/>
+    <p:sldId id="380" r:id="rId22"/>
+    <p:sldId id="357" r:id="rId23"/>
+    <p:sldId id="369" r:id="rId24"/>
+    <p:sldId id="365" r:id="rId25"/>
+    <p:sldId id="379" r:id="rId26"/>
+    <p:sldId id="360" r:id="rId27"/>
   </p:sldIdLst>
   <p:sldSz cx="12192000" cy="6858000"/>
   <p:notesSz cx="7315200" cy="9601200"/>
@@ -214,7 +222,7 @@
           <a:p>
             <a:fld id="{91ED72D7-FE6F-4B82-8D31-76BC00B06094}" type="datetimeFigureOut">
               <a:rPr lang="en-US" smtClean="0"/>
-              <a:t>3/28/2017</a:t>
+              <a:t>3/31/2017</a:t>
             </a:fld>
             <a:endParaRPr lang="en-US"/>
           </a:p>
@@ -525,7 +533,7 @@
           <a:bodyPr/>
           <a:lstStyle/>
           <a:p>
-            <a:endParaRPr lang="en-US"/>
+            <a:endParaRPr lang="en-US" dirty="0"/>
           </a:p>
         </p:txBody>
       </p:sp>
@@ -610,30 +618,106 @@
           <a:lstStyle/>
           <a:p>
             <a:r>
+              <a:rPr lang="en-US" sz="1000" dirty="0"/>
+              <a:t>This is different from environments where developers (or designers) layout screens pixel by pixel (like Visual Basic for example). With modern UIs that need to fit in all types of sizes and orientations, layout managers are a necessity.  </a:t>
+            </a:r>
+          </a:p>
+          <a:p>
+            <a:endParaRPr lang="en-US" sz="1000" dirty="0"/>
+          </a:p>
+          <a:p>
+            <a:r>
+              <a:rPr lang="en-US" sz="1000" dirty="0"/>
+              <a:t>Several AWT and Swing classes provide layout managers for general use:</a:t>
+            </a:r>
+          </a:p>
+          <a:p>
+            <a:pPr marL="171450" indent="-171450">
+              <a:buFont typeface="Arial" panose="020B0604020202020204" pitchFamily="34" charset="0"/>
+              <a:buChar char="•"/>
+            </a:pPr>
+            <a:r>
               <a:rPr lang="en-US" sz="1000" dirty="0" err="1"/>
-              <a:t>AddThreeNums</a:t>
-            </a:r>
-            <a:r>
-              <a:rPr lang="en-US" sz="1000" dirty="0"/>
-              <a:t> overloads the Add method. It is important to understand Overloading; however, it is not as important or powerful as Overriding. Overloading is also only loosely related to object-oriented programming. </a:t>
-            </a:r>
-          </a:p>
-          <a:p>
+              <a:t>BorderLayout</a:t>
+            </a:r>
             <a:endParaRPr lang="en-US" sz="1000" dirty="0"/>
           </a:p>
           <a:p>
-            <a:r>
-              <a:rPr lang="en-US" sz="1000" dirty="0"/>
-              <a:t>Note that  we  could have overloaded the Add method in </a:t>
-            </a:r>
+            <a:pPr marL="171450" indent="-171450">
+              <a:buFont typeface="Arial" panose="020B0604020202020204" pitchFamily="34" charset="0"/>
+              <a:buChar char="•"/>
+            </a:pPr>
             <a:r>
               <a:rPr lang="en-US" sz="1000" dirty="0" err="1"/>
-              <a:t>AddTwoNums</a:t>
-            </a:r>
-            <a:r>
-              <a:rPr lang="en-US" sz="1000" dirty="0"/>
-              <a:t> (without creating a subclass) and it still would be considered method overloading. </a:t>
-            </a:r>
+              <a:t>BoxLayout</a:t>
+            </a:r>
+            <a:endParaRPr lang="en-US" sz="1000" dirty="0"/>
+          </a:p>
+          <a:p>
+            <a:pPr marL="171450" indent="-171450">
+              <a:buFont typeface="Arial" panose="020B0604020202020204" pitchFamily="34" charset="0"/>
+              <a:buChar char="•"/>
+            </a:pPr>
+            <a:r>
+              <a:rPr lang="en-US" sz="1000" dirty="0" err="1"/>
+              <a:t>CardLayout</a:t>
+            </a:r>
+            <a:endParaRPr lang="en-US" sz="1000" dirty="0"/>
+          </a:p>
+          <a:p>
+            <a:pPr marL="171450" indent="-171450">
+              <a:buFont typeface="Arial" panose="020B0604020202020204" pitchFamily="34" charset="0"/>
+              <a:buChar char="•"/>
+            </a:pPr>
+            <a:r>
+              <a:rPr lang="en-US" sz="1000" dirty="0" err="1"/>
+              <a:t>FlowLayout</a:t>
+            </a:r>
+            <a:endParaRPr lang="en-US" sz="1000" dirty="0"/>
+          </a:p>
+          <a:p>
+            <a:pPr marL="171450" indent="-171450">
+              <a:buFont typeface="Arial" panose="020B0604020202020204" pitchFamily="34" charset="0"/>
+              <a:buChar char="•"/>
+            </a:pPr>
+            <a:r>
+              <a:rPr lang="en-US" sz="1000" dirty="0" err="1"/>
+              <a:t>GridBagLayout</a:t>
+            </a:r>
+            <a:endParaRPr lang="en-US" sz="1000" dirty="0"/>
+          </a:p>
+          <a:p>
+            <a:pPr marL="171450" indent="-171450">
+              <a:buFont typeface="Arial" panose="020B0604020202020204" pitchFamily="34" charset="0"/>
+              <a:buChar char="•"/>
+            </a:pPr>
+            <a:r>
+              <a:rPr lang="en-US" sz="1000" dirty="0" err="1"/>
+              <a:t>GridLayout</a:t>
+            </a:r>
+            <a:endParaRPr lang="en-US" sz="1000" dirty="0"/>
+          </a:p>
+          <a:p>
+            <a:pPr marL="171450" indent="-171450">
+              <a:buFont typeface="Arial" panose="020B0604020202020204" pitchFamily="34" charset="0"/>
+              <a:buChar char="•"/>
+            </a:pPr>
+            <a:r>
+              <a:rPr lang="en-US" sz="1000" dirty="0" err="1"/>
+              <a:t>GroupLayout</a:t>
+            </a:r>
+            <a:endParaRPr lang="en-US" sz="1000" dirty="0"/>
+          </a:p>
+          <a:p>
+            <a:pPr marL="171450" indent="-171450">
+              <a:buFont typeface="Arial" panose="020B0604020202020204" pitchFamily="34" charset="0"/>
+              <a:buChar char="•"/>
+            </a:pPr>
+            <a:r>
+              <a:rPr lang="en-US" sz="1000" dirty="0" err="1"/>
+              <a:t>SpringLayout</a:t>
+            </a:r>
+            <a:endParaRPr lang="en-US" sz="1000" dirty="0"/>
           </a:p>
         </p:txBody>
       </p:sp>
@@ -663,7 +747,7 @@
     </p:spTree>
     <p:extLst>
       <p:ext uri="{BB962C8B-B14F-4D97-AF65-F5344CB8AC3E}">
-        <p14:creationId xmlns:p14="http://schemas.microsoft.com/office/powerpoint/2010/main" val="1271938695"/>
+        <p14:creationId xmlns:p14="http://schemas.microsoft.com/office/powerpoint/2010/main" val="836207622"/>
       </p:ext>
     </p:extLst>
   </p:cSld>
@@ -717,18 +801,36 @@
           <a:bodyPr/>
           <a:lstStyle/>
           <a:p>
+            <a:pPr marL="0" indent="0">
+              <a:buNone/>
+            </a:pPr>
             <a:r>
               <a:rPr lang="en-US" sz="1000" dirty="0"/>
-              <a:t>Java code (.java) –&gt; Java compiler –&gt; Java bytecodes – Java runtime Environment (JRE)</a:t>
-            </a:r>
-          </a:p>
-          <a:p>
+              <a:t>We will be focuses on the View this week, and will keep our references to Models and Controllers to a minimum. </a:t>
+            </a:r>
+          </a:p>
+          <a:p>
+            <a:pPr marL="0" indent="0">
+              <a:buNone/>
+            </a:pPr>
             <a:endParaRPr lang="en-US" sz="1000" dirty="0"/>
           </a:p>
           <a:p>
+            <a:pPr marL="0" indent="0">
+              <a:buNone/>
+            </a:pPr>
             <a:r>
               <a:rPr lang="en-US" sz="1000" dirty="0"/>
-              <a:t>Java API is made up of LOTS of classes. Those classes are organized into Packages which are simply libraries of related classes. </a:t>
+              <a:t>MVC is an important pattern, will be a primary focus of this course, and will be an important pattern for you to master in your career.</a:t>
+            </a:r>
+          </a:p>
+          <a:p>
+            <a:pPr marL="0" indent="0">
+              <a:buNone/>
+            </a:pPr>
+            <a:r>
+              <a:rPr lang="en-US" sz="1000" dirty="0"/>
+              <a:t>Segregation of our Model (data) from our View (user interface) is necessary to effectively develop, enhance,  and maintain modern software.</a:t>
             </a:r>
           </a:p>
           <a:p>
@@ -736,91 +838,83 @@
           </a:p>
           <a:p>
             <a:r>
+              <a:rPr lang="en-US" sz="1000" dirty="0"/>
+              <a:t>An example would be a system that manages student data. We would want to segregate the Model (data) from the View (UI) for several reasons including that there will likely be many different Views that access the same data including: </a:t>
+            </a:r>
+          </a:p>
+          <a:p>
+            <a:r>
+              <a:rPr lang="en-US" sz="1000" dirty="0"/>
+              <a:t>student view</a:t>
+            </a:r>
+          </a:p>
+          <a:p>
+            <a:r>
+              <a:rPr lang="en-US" sz="1000" dirty="0"/>
+              <a:t>faculty view </a:t>
+            </a:r>
+          </a:p>
+          <a:p>
+            <a:r>
+              <a:rPr lang="en-US" sz="1000" dirty="0"/>
+              <a:t>administrator view, </a:t>
+            </a:r>
+          </a:p>
+          <a:p>
+            <a:r>
+              <a:rPr lang="en-US" sz="1000" dirty="0"/>
+              <a:t>Web student view, </a:t>
+            </a:r>
+          </a:p>
+          <a:p>
+            <a:r>
+              <a:rPr lang="en-US" sz="1000" dirty="0"/>
+              <a:t>mobile student view, etc. </a:t>
+            </a:r>
+          </a:p>
+          <a:p>
+            <a:endParaRPr lang="en-US" sz="1000" dirty="0"/>
+          </a:p>
+          <a:p>
+            <a:r>
+              <a:rPr lang="en-US" sz="1000" dirty="0"/>
+              <a:t>Evolution of UI and Data segregation</a:t>
+            </a:r>
+          </a:p>
+          <a:p>
+            <a:pPr marL="181240" indent="-181240">
+              <a:buFont typeface="Arial" panose="020B0604020202020204" pitchFamily="34" charset="0"/>
+              <a:buChar char="•"/>
+            </a:pPr>
+            <a:r>
+              <a:rPr lang="en-US" sz="1000" dirty="0"/>
+              <a:t>Document-View (View was responsible for View-Controller functionality)</a:t>
+            </a:r>
+          </a:p>
+          <a:p>
+            <a:pPr marL="181240" indent="-181240">
+              <a:buFont typeface="Arial" panose="020B0604020202020204" pitchFamily="34" charset="0"/>
+              <a:buChar char="•"/>
+            </a:pPr>
+            <a:r>
+              <a:rPr lang="en-US" sz="1000" dirty="0"/>
+              <a:t>Model-View-Controller</a:t>
+            </a:r>
+          </a:p>
+          <a:p>
+            <a:pPr marL="181240" indent="-181240" defTabSz="966612">
+              <a:buFont typeface="Arial" panose="020B0604020202020204" pitchFamily="34" charset="0"/>
+              <a:buChar char="•"/>
+              <a:defRPr/>
+            </a:pPr>
+            <a:r>
+              <a:rPr lang="en-US" sz="1000" dirty="0"/>
+              <a:t>Model–View–</a:t>
+            </a:r>
+            <a:r>
               <a:rPr lang="en-US" sz="1000" dirty="0" err="1"/>
-              <a:t>JavaDoc</a:t>
-            </a:r>
-            <a:r>
-              <a:rPr lang="en-US" sz="1000" dirty="0"/>
-              <a:t> example:</a:t>
-            </a:r>
-          </a:p>
-          <a:p>
-            <a:r>
-              <a:rPr lang="en-US" sz="1000" dirty="0"/>
-              <a:t>/**</a:t>
-            </a:r>
-          </a:p>
-          <a:p>
-            <a:r>
-              <a:rPr lang="en-US" sz="1000" dirty="0"/>
-              <a:t>    This class does lots of good things.</a:t>
-            </a:r>
-          </a:p>
-          <a:p>
-            <a:r>
-              <a:rPr lang="en-US" sz="1000" dirty="0"/>
-              <a:t>    @author Eric Pogue</a:t>
-            </a:r>
-          </a:p>
-          <a:p>
-            <a:r>
-              <a:rPr lang="en-US" sz="1000" dirty="0"/>
-              <a:t>*/</a:t>
-            </a:r>
-          </a:p>
-          <a:p>
-            <a:endParaRPr lang="en-US" sz="1000" dirty="0"/>
-          </a:p>
-          <a:p>
-            <a:r>
-              <a:rPr lang="en-US" sz="1000" dirty="0"/>
-              <a:t>@author</a:t>
-            </a:r>
-          </a:p>
-          <a:p>
-            <a:r>
-              <a:rPr lang="en-US" sz="1000" dirty="0"/>
-              <a:t>@</a:t>
-            </a:r>
-            <a:r>
-              <a:rPr lang="en-US" sz="1000" dirty="0" err="1"/>
-              <a:t>param</a:t>
-            </a:r>
-            <a:r>
-              <a:rPr lang="en-US" sz="1000" dirty="0"/>
-              <a:t> </a:t>
-            </a:r>
-          </a:p>
-          <a:p>
-            <a:r>
-              <a:rPr lang="en-US" sz="1000" dirty="0"/>
-              <a:t>@return</a:t>
-            </a:r>
-          </a:p>
-          <a:p>
-            <a:endParaRPr lang="en-US" sz="1000" dirty="0"/>
-          </a:p>
-          <a:p>
-            <a:r>
-              <a:rPr lang="en-US" sz="1000" dirty="0"/>
-              <a:t>Example: </a:t>
-            </a:r>
-            <a:r>
-              <a:rPr lang="en-US" sz="1000" dirty="0" err="1"/>
-              <a:t>javadoc</a:t>
-            </a:r>
-            <a:r>
-              <a:rPr lang="en-US" sz="1000" dirty="0"/>
-              <a:t> –d .\docs Shares.java</a:t>
-            </a:r>
-          </a:p>
-          <a:p>
-            <a:endParaRPr lang="en-US" sz="1000" dirty="0"/>
-          </a:p>
-          <a:p>
-            <a:endParaRPr lang="en-US" sz="1000" dirty="0"/>
-          </a:p>
-          <a:p>
+              <a:t>Viewmodel</a:t>
+            </a:r>
             <a:endParaRPr lang="en-US" sz="1000" dirty="0"/>
           </a:p>
         </p:txBody>
@@ -844,14 +938,14 @@
               <a:rPr lang="en-US" smtClean="0"/>
               <a:t>11</a:t>
             </a:fld>
-            <a:endParaRPr lang="en-US" dirty="0"/>
+            <a:endParaRPr lang="en-US"/>
           </a:p>
         </p:txBody>
       </p:sp>
     </p:spTree>
     <p:extLst>
       <p:ext uri="{BB962C8B-B14F-4D97-AF65-F5344CB8AC3E}">
-        <p14:creationId xmlns:p14="http://schemas.microsoft.com/office/powerpoint/2010/main" val="3478255087"/>
+        <p14:creationId xmlns:p14="http://schemas.microsoft.com/office/powerpoint/2010/main" val="3266394855"/>
       </p:ext>
     </p:extLst>
   </p:cSld>
@@ -906,175 +1000,45 @@
           <a:lstStyle/>
           <a:p>
             <a:r>
+              <a:rPr lang="en-US" sz="1000" u="sng" dirty="0"/>
+              <a:t>A little history:</a:t>
+            </a:r>
+          </a:p>
+          <a:p>
+            <a:r>
               <a:rPr lang="en-US" sz="1000" dirty="0"/>
-              <a:t>We want to develop our understanding of object-oriented programming concepts, patterns, and principles in a way that is independent of any particular language or platform. However, in order to practice those concepts, patterns, and principles, we need to utilize at least one (and preferably several) language and environment. </a:t>
-            </a:r>
-          </a:p>
-          <a:p>
-            <a:endParaRPr lang="en-US" sz="1000" dirty="0"/>
+              <a:t>Some languages including C++ implemented multiple inheritance in order to allow Classes to inherit from multiple parent classes. That solution has pros and cons beyond the scope of this course. </a:t>
+            </a:r>
           </a:p>
           <a:p>
             <a:r>
               <a:rPr lang="en-US" sz="1000" dirty="0"/>
-              <a:t>If you don’t already have an appropriate Java development environment installed, you will need to install it. I would like you to actually set this up on your local computer and validate that it is installed properly. This will likely take quite a while depending on your internet download speed and if you run into any environment issues. </a:t>
-            </a:r>
-          </a:p>
-          <a:p>
-            <a:endParaRPr lang="en-US" sz="1000" dirty="0"/>
-          </a:p>
-          <a:p>
+              <a:t>Other languages including Java only support single inheritance, but also implemented Interfaces in order to allow class to act like multiple things. An example that we will be discussing this week is our </a:t>
+            </a:r>
+            <a:r>
+              <a:rPr lang="en-US" sz="1000" dirty="0" err="1"/>
+              <a:t>OvalFrame</a:t>
+            </a:r>
             <a:r>
               <a:rPr lang="en-US" sz="1000" dirty="0"/>
-              <a:t>Steps: </a:t>
-            </a:r>
-          </a:p>
-          <a:p>
+              <a:t> that we would like to be a </a:t>
+            </a:r>
+            <a:r>
+              <a:rPr lang="en-US" sz="1000" dirty="0" err="1"/>
+              <a:t>JFrame</a:t>
+            </a:r>
             <a:r>
               <a:rPr lang="en-US" sz="1000" dirty="0"/>
-              <a:t>#1: Select the appropriate Java SE install from the Oracle site: </a:t>
-            </a:r>
-          </a:p>
-          <a:p>
+              <a:t> but may also want it to act like an </a:t>
+            </a:r>
+            <a:r>
+              <a:rPr lang="en-US" sz="1000" dirty="0" err="1"/>
+              <a:t>ActionHandler</a:t>
+            </a:r>
             <a:r>
               <a:rPr lang="en-US" sz="1000" dirty="0"/>
-              <a:t>http://www.oracle.com/technetwork/java/javase/downloads/jdk8-downloads-2133151.html</a:t>
-            </a:r>
-          </a:p>
-          <a:p>
-            <a:r>
-              <a:rPr lang="en-US" sz="1000" dirty="0"/>
-              <a:t>For example, I am using “Windows 10” and selected the “Windows x64” version. </a:t>
-            </a:r>
-          </a:p>
-          <a:p>
-            <a:endParaRPr lang="en-US" sz="1000" dirty="0"/>
-          </a:p>
-          <a:p>
-            <a:r>
-              <a:rPr lang="en-US" sz="1000" dirty="0"/>
-              <a:t>#2: Validate your installation is installed properly and that you have access to the key tools. For examples, I am using the Windows 10 </a:t>
-            </a:r>
-            <a:r>
-              <a:rPr lang="en-US" sz="1000" dirty="0" err="1"/>
-              <a:t>cmd</a:t>
-            </a:r>
-            <a:r>
-              <a:rPr lang="en-US" sz="1000" dirty="0"/>
-              <a:t> prompt (and PowerShell) so I opened a command window and executed “java -version” and “</a:t>
-            </a:r>
-            <a:r>
-              <a:rPr lang="en-US" sz="1000" dirty="0" err="1"/>
-              <a:t>javac</a:t>
-            </a:r>
-            <a:r>
-              <a:rPr lang="en-US" sz="1000" dirty="0"/>
-              <a:t> -version” to verify the tools were in place.</a:t>
-            </a:r>
-          </a:p>
-          <a:p>
-            <a:endParaRPr lang="en-US" sz="1000" dirty="0"/>
-          </a:p>
-          <a:p>
-            <a:pPr marL="0" marR="0" lvl="0" indent="0" algn="l" defTabSz="914400" rtl="0" eaLnBrk="1" fontAlgn="auto" latinLnBrk="0" hangingPunct="1">
-              <a:lnSpc>
-                <a:spcPct val="100000"/>
-              </a:lnSpc>
-              <a:spcBef>
-                <a:spcPts val="0"/>
-              </a:spcBef>
-              <a:spcAft>
-                <a:spcPts val="0"/>
-              </a:spcAft>
-              <a:buClrTx/>
-              <a:buSzTx/>
-              <a:buFontTx/>
-              <a:buNone/>
-              <a:tabLst/>
-              <a:defRPr/>
-            </a:pPr>
-            <a:r>
-              <a:rPr lang="en-US" sz="1000" dirty="0"/>
-              <a:t>Note that I did initially run into a “Path” challenge in Windows 10 where the prompt could not find the “</a:t>
-            </a:r>
-            <a:r>
-              <a:rPr lang="en-US" sz="1000" dirty="0" err="1"/>
-              <a:t>javac</a:t>
-            </a:r>
-            <a:r>
-              <a:rPr lang="en-US" sz="1000" dirty="0"/>
-              <a:t>” compiler. I found a pretty good YouTube video that showed how to update the Path to add the location of the “</a:t>
-            </a:r>
-            <a:r>
-              <a:rPr lang="en-US" sz="1000" dirty="0" err="1"/>
-              <a:t>javac</a:t>
-            </a:r>
-            <a:r>
-              <a:rPr lang="en-US" sz="1000" dirty="0"/>
-              <a:t>” compiler. It is located at: https://www.youtube.com/watch?v=Wp6uS7CmivE</a:t>
-            </a:r>
-          </a:p>
-          <a:p>
-            <a:pPr marL="0" marR="0" lvl="0" indent="0" algn="l" defTabSz="914400" rtl="0" eaLnBrk="1" fontAlgn="auto" latinLnBrk="0" hangingPunct="1">
-              <a:lnSpc>
-                <a:spcPct val="100000"/>
-              </a:lnSpc>
-              <a:spcBef>
-                <a:spcPts val="0"/>
-              </a:spcBef>
-              <a:spcAft>
-                <a:spcPts val="0"/>
-              </a:spcAft>
-              <a:buClrTx/>
-              <a:buSzTx/>
-              <a:buFontTx/>
-              <a:buNone/>
-              <a:tabLst/>
-              <a:defRPr/>
-            </a:pPr>
-            <a:endParaRPr lang="en-US" sz="1000" dirty="0"/>
-          </a:p>
-          <a:p>
-            <a:pPr marL="0" marR="0" lvl="0" indent="0" algn="l" defTabSz="914400" rtl="0" eaLnBrk="1" fontAlgn="auto" latinLnBrk="0" hangingPunct="1">
-              <a:lnSpc>
-                <a:spcPct val="100000"/>
-              </a:lnSpc>
-              <a:spcBef>
-                <a:spcPts val="0"/>
-              </a:spcBef>
-              <a:spcAft>
-                <a:spcPts val="0"/>
-              </a:spcAft>
-              <a:buClrTx/>
-              <a:buSzTx/>
-              <a:buFontTx/>
-              <a:buNone/>
-              <a:tabLst/>
-              <a:defRPr/>
-            </a:pPr>
-            <a:r>
-              <a:rPr lang="en-US" sz="1000" dirty="0"/>
-              <a:t>You will want to verify you environment before implanting HelloWorld.</a:t>
-            </a:r>
-          </a:p>
-          <a:p>
-            <a:pPr marL="0" marR="0" lvl="0" indent="0" algn="l" defTabSz="914400" rtl="0" eaLnBrk="1" fontAlgn="auto" latinLnBrk="0" hangingPunct="1">
-              <a:lnSpc>
-                <a:spcPct val="100000"/>
-              </a:lnSpc>
-              <a:spcBef>
-                <a:spcPts val="0"/>
-              </a:spcBef>
-              <a:spcAft>
-                <a:spcPts val="0"/>
-              </a:spcAft>
-              <a:buClrTx/>
-              <a:buSzTx/>
-              <a:buFontTx/>
-              <a:buNone/>
-              <a:tabLst/>
-              <a:defRPr/>
-            </a:pPr>
-            <a:endParaRPr lang="en-US" sz="1000" dirty="0"/>
+              <a:t> to respond to buttons being pushed. </a:t>
+            </a:r>
           </a:p>
         </p:txBody>
       </p:sp>
@@ -1097,14 +1061,14 @@
               <a:rPr lang="en-US" smtClean="0"/>
               <a:t>12</a:t>
             </a:fld>
-            <a:endParaRPr lang="en-US" dirty="0"/>
+            <a:endParaRPr lang="en-US"/>
           </a:p>
         </p:txBody>
       </p:sp>
     </p:spTree>
     <p:extLst>
       <p:ext uri="{BB962C8B-B14F-4D97-AF65-F5344CB8AC3E}">
-        <p14:creationId xmlns:p14="http://schemas.microsoft.com/office/powerpoint/2010/main" val="1839070082"/>
+        <p14:creationId xmlns:p14="http://schemas.microsoft.com/office/powerpoint/2010/main" val="2116104713"/>
       </p:ext>
     </p:extLst>
   </p:cSld>
@@ -1158,104 +1122,6 @@
           <a:bodyPr/>
           <a:lstStyle/>
           <a:p>
-            <a:pPr marL="0" marR="0" lvl="0" indent="0" algn="l" defTabSz="914400" rtl="0" eaLnBrk="1" fontAlgn="auto" latinLnBrk="0" hangingPunct="1">
-              <a:lnSpc>
-                <a:spcPct val="100000"/>
-              </a:lnSpc>
-              <a:spcBef>
-                <a:spcPts val="0"/>
-              </a:spcBef>
-              <a:spcAft>
-                <a:spcPts val="0"/>
-              </a:spcAft>
-              <a:buClrTx/>
-              <a:buSzTx/>
-              <a:buFontTx/>
-              <a:buNone/>
-              <a:tabLst/>
-              <a:defRPr/>
-            </a:pPr>
-            <a:r>
-              <a:rPr lang="en-US" sz="1000" dirty="0"/>
-              <a:t>#3: Verify that your favorite text editor is working, or download the one you want to use.</a:t>
-            </a:r>
-          </a:p>
-          <a:p>
-            <a:pPr marL="0" marR="0" lvl="0" indent="0" algn="l" defTabSz="914400" rtl="0" eaLnBrk="1" fontAlgn="auto" latinLnBrk="0" hangingPunct="1">
-              <a:lnSpc>
-                <a:spcPct val="100000"/>
-              </a:lnSpc>
-              <a:spcBef>
-                <a:spcPts val="0"/>
-              </a:spcBef>
-              <a:spcAft>
-                <a:spcPts val="0"/>
-              </a:spcAft>
-              <a:buClrTx/>
-              <a:buSzTx/>
-              <a:buFontTx/>
-              <a:buNone/>
-              <a:tabLst/>
-              <a:defRPr/>
-            </a:pPr>
-            <a:endParaRPr lang="en-US" sz="1000" dirty="0"/>
-          </a:p>
-          <a:p>
-            <a:pPr marL="0" marR="0" lvl="0" indent="0" algn="l" defTabSz="914400" rtl="0" eaLnBrk="1" fontAlgn="auto" latinLnBrk="0" hangingPunct="1">
-              <a:lnSpc>
-                <a:spcPct val="100000"/>
-              </a:lnSpc>
-              <a:spcBef>
-                <a:spcPts val="0"/>
-              </a:spcBef>
-              <a:spcAft>
-                <a:spcPts val="0"/>
-              </a:spcAft>
-              <a:buClrTx/>
-              <a:buSzTx/>
-              <a:buFontTx/>
-              <a:buNone/>
-              <a:tabLst/>
-              <a:defRPr/>
-            </a:pPr>
-            <a:r>
-              <a:rPr lang="en-US" sz="1000" dirty="0"/>
-              <a:t>For example, I have recently switched to using the Microsoft Code editor (note that it is cross platform and available for Mac and Linux). I have had mixed results, but if you want to use it, it is available for free download at:</a:t>
-            </a:r>
-          </a:p>
-          <a:p>
-            <a:pPr marL="0" marR="0" lvl="0" indent="0" algn="l" defTabSz="914400" rtl="0" eaLnBrk="1" fontAlgn="auto" latinLnBrk="0" hangingPunct="1">
-              <a:lnSpc>
-                <a:spcPct val="100000"/>
-              </a:lnSpc>
-              <a:spcBef>
-                <a:spcPts val="0"/>
-              </a:spcBef>
-              <a:spcAft>
-                <a:spcPts val="0"/>
-              </a:spcAft>
-              <a:buClrTx/>
-              <a:buSzTx/>
-              <a:buFontTx/>
-              <a:buNone/>
-              <a:tabLst/>
-              <a:defRPr/>
-            </a:pPr>
-            <a:r>
-              <a:rPr lang="en-US" sz="1000" dirty="0"/>
-              <a:t>http://code.visualstudio.com/</a:t>
-            </a:r>
-          </a:p>
-          <a:p>
-            <a:endParaRPr lang="en-US" sz="1000" dirty="0"/>
-          </a:p>
-          <a:p>
-            <a:r>
-              <a:rPr lang="en-US" sz="1000" dirty="0"/>
-              <a:t>I will be using the command line Java JDK to review and grade your assignments. Make CERTAIN that the assignments you submit compile an run in this environments. </a:t>
-            </a:r>
-          </a:p>
-          <a:p>
             <a:endParaRPr lang="en-US" sz="1000" dirty="0"/>
           </a:p>
         </p:txBody>
@@ -1279,14 +1145,14 @@
               <a:rPr lang="en-US" smtClean="0"/>
               <a:t>13</a:t>
             </a:fld>
-            <a:endParaRPr lang="en-US" dirty="0"/>
+            <a:endParaRPr lang="en-US"/>
           </a:p>
         </p:txBody>
       </p:sp>
     </p:spTree>
     <p:extLst>
       <p:ext uri="{BB962C8B-B14F-4D97-AF65-F5344CB8AC3E}">
-        <p14:creationId xmlns:p14="http://schemas.microsoft.com/office/powerpoint/2010/main" val="2578903481"/>
+        <p14:creationId xmlns:p14="http://schemas.microsoft.com/office/powerpoint/2010/main" val="1417904966"/>
       </p:ext>
     </p:extLst>
   </p:cSld>
@@ -1340,28 +1206,7 @@
           <a:bodyPr/>
           <a:lstStyle/>
           <a:p>
-            <a:r>
-              <a:rPr lang="en-US" sz="1000" dirty="0"/>
-              <a:t>We will likely take a look at Eclipse in the coming weeks; however, for now let’s focus on using just a text editor and command line tools. </a:t>
-            </a:r>
-          </a:p>
-          <a:p>
             <a:endParaRPr lang="en-US" sz="1000" dirty="0"/>
-          </a:p>
-          <a:p>
-            <a:r>
-              <a:rPr lang="en-US" sz="1000" dirty="0"/>
-              <a:t>Some editors have started introducing syntax highlighting, code completion, compilation integration, etc. </a:t>
-            </a:r>
-          </a:p>
-          <a:p>
-            <a:endParaRPr lang="en-US" sz="1000" dirty="0"/>
-          </a:p>
-          <a:p>
-            <a:r>
-              <a:rPr lang="en-US" sz="1000" dirty="0"/>
-              <a:t>If you do want to install a  Integrated Java Development Environment (Java IDE). It is best to install the JDK before installing IDE to be safe.</a:t>
-            </a:r>
           </a:p>
         </p:txBody>
       </p:sp>
@@ -1384,14 +1229,14 @@
               <a:rPr lang="en-US" smtClean="0"/>
               <a:t>14</a:t>
             </a:fld>
-            <a:endParaRPr lang="en-US" dirty="0"/>
+            <a:endParaRPr lang="en-US"/>
           </a:p>
         </p:txBody>
       </p:sp>
     </p:spTree>
     <p:extLst>
       <p:ext uri="{BB962C8B-B14F-4D97-AF65-F5344CB8AC3E}">
-        <p14:creationId xmlns:p14="http://schemas.microsoft.com/office/powerpoint/2010/main" val="2382715512"/>
+        <p14:creationId xmlns:p14="http://schemas.microsoft.com/office/powerpoint/2010/main" val="2840772706"/>
       </p:ext>
     </p:extLst>
   </p:cSld>
@@ -1445,7 +1290,7 @@
           <a:bodyPr/>
           <a:lstStyle/>
           <a:p>
-            <a:endParaRPr lang="en-US"/>
+            <a:endParaRPr lang="en-US" sz="1000" dirty="0"/>
           </a:p>
         </p:txBody>
       </p:sp>
@@ -1467,6 +1312,348 @@
             <a:fld id="{5394DE12-7B9B-46AA-AC19-C30A49928B9B}" type="slidenum">
               <a:rPr lang="en-US" smtClean="0"/>
               <a:t>15</a:t>
+            </a:fld>
+            <a:endParaRPr lang="en-US"/>
+          </a:p>
+        </p:txBody>
+      </p:sp>
+    </p:spTree>
+    <p:extLst>
+      <p:ext uri="{BB962C8B-B14F-4D97-AF65-F5344CB8AC3E}">
+        <p14:creationId xmlns:p14="http://schemas.microsoft.com/office/powerpoint/2010/main" val="745107634"/>
+      </p:ext>
+    </p:extLst>
+  </p:cSld>
+  <p:clrMapOvr>
+    <a:masterClrMapping/>
+  </p:clrMapOvr>
+</p:notes>
+</file>
+
+<file path=ppt/notesSlides/notesSlide16.xml><?xml version="1.0" encoding="utf-8"?>
+<p:notes xmlns:a="http://schemas.openxmlformats.org/drawingml/2006/main" xmlns:r="http://schemas.openxmlformats.org/officeDocument/2006/relationships" xmlns:p="http://schemas.openxmlformats.org/presentationml/2006/main">
+  <p:cSld>
+    <p:spTree>
+      <p:nvGrpSpPr>
+        <p:cNvPr id="1" name=""/>
+        <p:cNvGrpSpPr/>
+        <p:nvPr/>
+      </p:nvGrpSpPr>
+      <p:grpSpPr>
+        <a:xfrm>
+          <a:off x="0" y="0"/>
+          <a:ext cx="0" cy="0"/>
+          <a:chOff x="0" y="0"/>
+          <a:chExt cx="0" cy="0"/>
+        </a:xfrm>
+      </p:grpSpPr>
+      <p:sp>
+        <p:nvSpPr>
+          <p:cNvPr id="2" name="Slide Image Placeholder 1"/>
+          <p:cNvSpPr>
+            <a:spLocks noGrp="1" noRot="1" noChangeAspect="1"/>
+          </p:cNvSpPr>
+          <p:nvPr>
+            <p:ph type="sldImg"/>
+          </p:nvPr>
+        </p:nvSpPr>
+        <p:spPr/>
+      </p:sp>
+      <p:sp>
+        <p:nvSpPr>
+          <p:cNvPr id="3" name="Notes Placeholder 2"/>
+          <p:cNvSpPr>
+            <a:spLocks noGrp="1"/>
+          </p:cNvSpPr>
+          <p:nvPr>
+            <p:ph type="body" idx="1"/>
+          </p:nvPr>
+        </p:nvSpPr>
+        <p:spPr/>
+        <p:txBody>
+          <a:bodyPr/>
+          <a:lstStyle/>
+          <a:p>
+            <a:endParaRPr lang="en-US" sz="1000" dirty="0"/>
+          </a:p>
+        </p:txBody>
+      </p:sp>
+      <p:sp>
+        <p:nvSpPr>
+          <p:cNvPr id="4" name="Slide Number Placeholder 3"/>
+          <p:cNvSpPr>
+            <a:spLocks noGrp="1"/>
+          </p:cNvSpPr>
+          <p:nvPr>
+            <p:ph type="sldNum" sz="quarter" idx="10"/>
+          </p:nvPr>
+        </p:nvSpPr>
+        <p:spPr/>
+        <p:txBody>
+          <a:bodyPr/>
+          <a:lstStyle/>
+          <a:p>
+            <a:fld id="{5394DE12-7B9B-46AA-AC19-C30A49928B9B}" type="slidenum">
+              <a:rPr lang="en-US" smtClean="0"/>
+              <a:t>16</a:t>
+            </a:fld>
+            <a:endParaRPr lang="en-US"/>
+          </a:p>
+        </p:txBody>
+      </p:sp>
+    </p:spTree>
+    <p:extLst>
+      <p:ext uri="{BB962C8B-B14F-4D97-AF65-F5344CB8AC3E}">
+        <p14:creationId xmlns:p14="http://schemas.microsoft.com/office/powerpoint/2010/main" val="991213732"/>
+      </p:ext>
+    </p:extLst>
+  </p:cSld>
+  <p:clrMapOvr>
+    <a:masterClrMapping/>
+  </p:clrMapOvr>
+</p:notes>
+</file>
+
+<file path=ppt/notesSlides/notesSlide17.xml><?xml version="1.0" encoding="utf-8"?>
+<p:notes xmlns:a="http://schemas.openxmlformats.org/drawingml/2006/main" xmlns:r="http://schemas.openxmlformats.org/officeDocument/2006/relationships" xmlns:p="http://schemas.openxmlformats.org/presentationml/2006/main">
+  <p:cSld>
+    <p:spTree>
+      <p:nvGrpSpPr>
+        <p:cNvPr id="1" name=""/>
+        <p:cNvGrpSpPr/>
+        <p:nvPr/>
+      </p:nvGrpSpPr>
+      <p:grpSpPr>
+        <a:xfrm>
+          <a:off x="0" y="0"/>
+          <a:ext cx="0" cy="0"/>
+          <a:chOff x="0" y="0"/>
+          <a:chExt cx="0" cy="0"/>
+        </a:xfrm>
+      </p:grpSpPr>
+      <p:sp>
+        <p:nvSpPr>
+          <p:cNvPr id="2" name="Slide Image Placeholder 1"/>
+          <p:cNvSpPr>
+            <a:spLocks noGrp="1" noRot="1" noChangeAspect="1"/>
+          </p:cNvSpPr>
+          <p:nvPr>
+            <p:ph type="sldImg"/>
+          </p:nvPr>
+        </p:nvSpPr>
+        <p:spPr/>
+      </p:sp>
+      <p:sp>
+        <p:nvSpPr>
+          <p:cNvPr id="3" name="Notes Placeholder 2"/>
+          <p:cNvSpPr>
+            <a:spLocks noGrp="1"/>
+          </p:cNvSpPr>
+          <p:nvPr>
+            <p:ph type="body" idx="1"/>
+          </p:nvPr>
+        </p:nvSpPr>
+        <p:spPr/>
+        <p:txBody>
+          <a:bodyPr/>
+          <a:lstStyle/>
+          <a:p>
+            <a:endParaRPr lang="en-US" sz="1000" dirty="0"/>
+          </a:p>
+        </p:txBody>
+      </p:sp>
+      <p:sp>
+        <p:nvSpPr>
+          <p:cNvPr id="4" name="Slide Number Placeholder 3"/>
+          <p:cNvSpPr>
+            <a:spLocks noGrp="1"/>
+          </p:cNvSpPr>
+          <p:nvPr>
+            <p:ph type="sldNum" sz="quarter" idx="10"/>
+          </p:nvPr>
+        </p:nvSpPr>
+        <p:spPr/>
+        <p:txBody>
+          <a:bodyPr/>
+          <a:lstStyle/>
+          <a:p>
+            <a:fld id="{5394DE12-7B9B-46AA-AC19-C30A49928B9B}" type="slidenum">
+              <a:rPr lang="en-US" smtClean="0"/>
+              <a:t>17</a:t>
+            </a:fld>
+            <a:endParaRPr lang="en-US" dirty="0"/>
+          </a:p>
+        </p:txBody>
+      </p:sp>
+    </p:spTree>
+    <p:extLst>
+      <p:ext uri="{BB962C8B-B14F-4D97-AF65-F5344CB8AC3E}">
+        <p14:creationId xmlns:p14="http://schemas.microsoft.com/office/powerpoint/2010/main" val="442912455"/>
+      </p:ext>
+    </p:extLst>
+  </p:cSld>
+  <p:clrMapOvr>
+    <a:masterClrMapping/>
+  </p:clrMapOvr>
+</p:notes>
+</file>
+
+<file path=ppt/notesSlides/notesSlide18.xml><?xml version="1.0" encoding="utf-8"?>
+<p:notes xmlns:a="http://schemas.openxmlformats.org/drawingml/2006/main" xmlns:r="http://schemas.openxmlformats.org/officeDocument/2006/relationships" xmlns:p="http://schemas.openxmlformats.org/presentationml/2006/main">
+  <p:cSld>
+    <p:spTree>
+      <p:nvGrpSpPr>
+        <p:cNvPr id="1" name=""/>
+        <p:cNvGrpSpPr/>
+        <p:nvPr/>
+      </p:nvGrpSpPr>
+      <p:grpSpPr>
+        <a:xfrm>
+          <a:off x="0" y="0"/>
+          <a:ext cx="0" cy="0"/>
+          <a:chOff x="0" y="0"/>
+          <a:chExt cx="0" cy="0"/>
+        </a:xfrm>
+      </p:grpSpPr>
+      <p:sp>
+        <p:nvSpPr>
+          <p:cNvPr id="2" name="Slide Image Placeholder 1"/>
+          <p:cNvSpPr>
+            <a:spLocks noGrp="1" noRot="1" noChangeAspect="1"/>
+          </p:cNvSpPr>
+          <p:nvPr>
+            <p:ph type="sldImg"/>
+          </p:nvPr>
+        </p:nvSpPr>
+        <p:spPr/>
+      </p:sp>
+      <p:sp>
+        <p:nvSpPr>
+          <p:cNvPr id="3" name="Notes Placeholder 2"/>
+          <p:cNvSpPr>
+            <a:spLocks noGrp="1"/>
+          </p:cNvSpPr>
+          <p:nvPr>
+            <p:ph type="body" idx="1"/>
+          </p:nvPr>
+        </p:nvSpPr>
+        <p:spPr/>
+        <p:txBody>
+          <a:bodyPr/>
+          <a:lstStyle/>
+          <a:p>
+            <a:pPr marL="0" indent="0">
+              <a:buNone/>
+            </a:pPr>
+            <a:r>
+              <a:rPr lang="en-US" sz="1000" dirty="0"/>
+              <a:t>Read the details in the assignment. Keep these in mind as you watch the examples. Start working on this early. It is unlikely to go well if you try to do this at the last minute. </a:t>
+            </a:r>
+          </a:p>
+        </p:txBody>
+      </p:sp>
+      <p:sp>
+        <p:nvSpPr>
+          <p:cNvPr id="4" name="Slide Number Placeholder 3"/>
+          <p:cNvSpPr>
+            <a:spLocks noGrp="1"/>
+          </p:cNvSpPr>
+          <p:nvPr>
+            <p:ph type="sldNum" sz="quarter" idx="10"/>
+          </p:nvPr>
+        </p:nvSpPr>
+        <p:spPr/>
+        <p:txBody>
+          <a:bodyPr/>
+          <a:lstStyle/>
+          <a:p>
+            <a:fld id="{5394DE12-7B9B-46AA-AC19-C30A49928B9B}" type="slidenum">
+              <a:rPr lang="en-US" smtClean="0"/>
+              <a:t>18</a:t>
+            </a:fld>
+            <a:endParaRPr lang="en-US"/>
+          </a:p>
+        </p:txBody>
+      </p:sp>
+    </p:spTree>
+    <p:extLst>
+      <p:ext uri="{BB962C8B-B14F-4D97-AF65-F5344CB8AC3E}">
+        <p14:creationId xmlns:p14="http://schemas.microsoft.com/office/powerpoint/2010/main" val="2371107142"/>
+      </p:ext>
+    </p:extLst>
+  </p:cSld>
+  <p:clrMapOvr>
+    <a:masterClrMapping/>
+  </p:clrMapOvr>
+</p:notes>
+</file>
+
+<file path=ppt/notesSlides/notesSlide19.xml><?xml version="1.0" encoding="utf-8"?>
+<p:notes xmlns:a="http://schemas.openxmlformats.org/drawingml/2006/main" xmlns:r="http://schemas.openxmlformats.org/officeDocument/2006/relationships" xmlns:p="http://schemas.openxmlformats.org/presentationml/2006/main">
+  <p:cSld>
+    <p:spTree>
+      <p:nvGrpSpPr>
+        <p:cNvPr id="1" name=""/>
+        <p:cNvGrpSpPr/>
+        <p:nvPr/>
+      </p:nvGrpSpPr>
+      <p:grpSpPr>
+        <a:xfrm>
+          <a:off x="0" y="0"/>
+          <a:ext cx="0" cy="0"/>
+          <a:chOff x="0" y="0"/>
+          <a:chExt cx="0" cy="0"/>
+        </a:xfrm>
+      </p:grpSpPr>
+      <p:sp>
+        <p:nvSpPr>
+          <p:cNvPr id="2" name="Slide Image Placeholder 1"/>
+          <p:cNvSpPr>
+            <a:spLocks noGrp="1" noRot="1" noChangeAspect="1"/>
+          </p:cNvSpPr>
+          <p:nvPr>
+            <p:ph type="sldImg"/>
+          </p:nvPr>
+        </p:nvSpPr>
+        <p:spPr/>
+      </p:sp>
+      <p:sp>
+        <p:nvSpPr>
+          <p:cNvPr id="3" name="Notes Placeholder 2"/>
+          <p:cNvSpPr>
+            <a:spLocks noGrp="1"/>
+          </p:cNvSpPr>
+          <p:nvPr>
+            <p:ph type="body" idx="1"/>
+          </p:nvPr>
+        </p:nvSpPr>
+        <p:spPr/>
+        <p:txBody>
+          <a:bodyPr/>
+          <a:lstStyle/>
+          <a:p>
+            <a:endParaRPr lang="en-US"/>
+          </a:p>
+        </p:txBody>
+      </p:sp>
+      <p:sp>
+        <p:nvSpPr>
+          <p:cNvPr id="4" name="Slide Number Placeholder 3"/>
+          <p:cNvSpPr>
+            <a:spLocks noGrp="1"/>
+          </p:cNvSpPr>
+          <p:nvPr>
+            <p:ph type="sldNum" sz="quarter" idx="10"/>
+          </p:nvPr>
+        </p:nvSpPr>
+        <p:spPr/>
+        <p:txBody>
+          <a:bodyPr/>
+          <a:lstStyle/>
+          <a:p>
+            <a:fld id="{5394DE12-7B9B-46AA-AC19-C30A49928B9B}" type="slidenum">
+              <a:rPr lang="en-US" smtClean="0"/>
+              <a:t>19</a:t>
             </a:fld>
             <a:endParaRPr lang="en-US"/>
           </a:p>
@@ -1529,7 +1716,19 @@
           <a:bodyPr/>
           <a:lstStyle/>
           <a:p>
+            <a:r>
+              <a:rPr lang="en-US" sz="1000" dirty="0"/>
+              <a:t>While everyone is getting logged in an set up for our virtual discussion, I wanted to thank those of you who have posted their background and/or responded to other people’s discussion board posting. I have enjoyed reading through your comments. </a:t>
+            </a:r>
+          </a:p>
+          <a:p>
             <a:endParaRPr lang="en-US" sz="1000" dirty="0"/>
+          </a:p>
+          <a:p>
+            <a:r>
+              <a:rPr lang="en-US" sz="1000" dirty="0"/>
+              <a:t>I am going to stat recording so that other can watch later; however, if I think that is impacting our ability to have a good discussion, I will stop the recording and just send out notes later.</a:t>
+            </a:r>
           </a:p>
         </p:txBody>
       </p:sp>
@@ -1559,7 +1758,450 @@
     </p:spTree>
     <p:extLst>
       <p:ext uri="{BB962C8B-B14F-4D97-AF65-F5344CB8AC3E}">
-        <p14:creationId xmlns:p14="http://schemas.microsoft.com/office/powerpoint/2010/main" val="4262655271"/>
+        <p14:creationId xmlns:p14="http://schemas.microsoft.com/office/powerpoint/2010/main" val="3942271110"/>
+      </p:ext>
+    </p:extLst>
+  </p:cSld>
+  <p:clrMapOvr>
+    <a:masterClrMapping/>
+  </p:clrMapOvr>
+</p:notes>
+</file>
+
+<file path=ppt/notesSlides/notesSlide20.xml><?xml version="1.0" encoding="utf-8"?>
+<p:notes xmlns:a="http://schemas.openxmlformats.org/drawingml/2006/main" xmlns:r="http://schemas.openxmlformats.org/officeDocument/2006/relationships" xmlns:p="http://schemas.openxmlformats.org/presentationml/2006/main">
+  <p:cSld>
+    <p:spTree>
+      <p:nvGrpSpPr>
+        <p:cNvPr id="1" name=""/>
+        <p:cNvGrpSpPr/>
+        <p:nvPr/>
+      </p:nvGrpSpPr>
+      <p:grpSpPr>
+        <a:xfrm>
+          <a:off x="0" y="0"/>
+          <a:ext cx="0" cy="0"/>
+          <a:chOff x="0" y="0"/>
+          <a:chExt cx="0" cy="0"/>
+        </a:xfrm>
+      </p:grpSpPr>
+      <p:sp>
+        <p:nvSpPr>
+          <p:cNvPr id="2" name="Slide Image Placeholder 1"/>
+          <p:cNvSpPr>
+            <a:spLocks noGrp="1" noRot="1" noChangeAspect="1"/>
+          </p:cNvSpPr>
+          <p:nvPr>
+            <p:ph type="sldImg"/>
+          </p:nvPr>
+        </p:nvSpPr>
+        <p:spPr/>
+      </p:sp>
+      <p:sp>
+        <p:nvSpPr>
+          <p:cNvPr id="3" name="Notes Placeholder 2"/>
+          <p:cNvSpPr>
+            <a:spLocks noGrp="1"/>
+          </p:cNvSpPr>
+          <p:nvPr>
+            <p:ph type="body" idx="1"/>
+          </p:nvPr>
+        </p:nvSpPr>
+        <p:spPr/>
+        <p:txBody>
+          <a:bodyPr/>
+          <a:lstStyle/>
+          <a:p>
+            <a:r>
+              <a:rPr lang="en-US" sz="1000" dirty="0" err="1"/>
+              <a:t>JavaDoc</a:t>
+            </a:r>
+            <a:r>
+              <a:rPr lang="en-US" sz="1000" dirty="0"/>
+              <a:t>:</a:t>
+            </a:r>
+          </a:p>
+          <a:p>
+            <a:r>
+              <a:rPr lang="en-US" sz="1000" dirty="0"/>
+              <a:t>https://docs.oracle.com/javase/7/docs/api/java/awt/Graphics.html</a:t>
+            </a:r>
+          </a:p>
+          <a:p>
+            <a:endParaRPr lang="en-US" sz="1000" dirty="0"/>
+          </a:p>
+          <a:p>
+            <a:r>
+              <a:rPr lang="en-US" sz="1000" dirty="0"/>
+              <a:t>Java Graphics Tutorial:</a:t>
+            </a:r>
+          </a:p>
+          <a:p>
+            <a:r>
+              <a:rPr lang="en-US" sz="1000" dirty="0"/>
+              <a:t>https://docs.oracle.com/javase/tutorial/2d/basic2d/</a:t>
+            </a:r>
+          </a:p>
+          <a:p>
+            <a:endParaRPr lang="en-US" sz="1000" dirty="0"/>
+          </a:p>
+          <a:p>
+            <a:r>
+              <a:rPr lang="en-US" sz="1000" dirty="0" err="1"/>
+              <a:t>drawArc</a:t>
+            </a:r>
+            <a:r>
+              <a:rPr lang="en-US" sz="1000" dirty="0"/>
+              <a:t>:</a:t>
+            </a:r>
+          </a:p>
+          <a:p>
+            <a:r>
+              <a:rPr lang="en-US" sz="1000" dirty="0"/>
+              <a:t>http://www.java2s.com/Code/JavaAPI/java.awt/GraphicsdrawArcintxintyintwidthintheightintstartAngleintarcAngle.htm</a:t>
+            </a:r>
+          </a:p>
+          <a:p>
+            <a:endParaRPr lang="en-US" sz="1000" dirty="0"/>
+          </a:p>
+          <a:p>
+            <a:r>
+              <a:rPr lang="en-US" sz="1000" dirty="0" err="1"/>
+              <a:t>drawArc</a:t>
+            </a:r>
+            <a:r>
+              <a:rPr lang="en-US" sz="1000" dirty="0"/>
+              <a:t> Example:</a:t>
+            </a:r>
+          </a:p>
+          <a:p>
+            <a:r>
+              <a:rPr lang="en-US" sz="1000" dirty="0"/>
+              <a:t>http://www.java-examples.com/draw-arc-applet-window-example</a:t>
+            </a:r>
+          </a:p>
+          <a:p>
+            <a:endParaRPr lang="en-US" sz="1000" dirty="0"/>
+          </a:p>
+          <a:p>
+            <a:r>
+              <a:rPr lang="en-US" sz="1000" dirty="0"/>
+              <a:t>Repaint Sequence:</a:t>
+            </a:r>
+          </a:p>
+          <a:p>
+            <a:r>
+              <a:rPr lang="en-US" sz="1000" dirty="0"/>
+              <a:t>OS -&gt; Frame -&gt; Frame’s paint function -&gt; each  LW component </a:t>
+            </a:r>
+            <a:r>
+              <a:rPr lang="en-US" sz="1000" dirty="0" err="1"/>
+              <a:t>paintComponent</a:t>
+            </a:r>
+            <a:r>
+              <a:rPr lang="en-US" sz="1000" dirty="0"/>
+              <a:t> function</a:t>
+            </a:r>
+          </a:p>
+          <a:p>
+            <a:endParaRPr lang="en-US" sz="1000" dirty="0"/>
+          </a:p>
+          <a:p>
+            <a:endParaRPr lang="en-US" sz="1000" dirty="0"/>
+          </a:p>
+          <a:p>
+            <a:endParaRPr lang="en-US" sz="1000" dirty="0"/>
+          </a:p>
+          <a:p>
+            <a:endParaRPr lang="en-US" sz="1000" dirty="0"/>
+          </a:p>
+          <a:p>
+            <a:r>
+              <a:rPr lang="en-US" sz="1000" dirty="0"/>
+              <a:t> </a:t>
+            </a:r>
+          </a:p>
+        </p:txBody>
+      </p:sp>
+      <p:sp>
+        <p:nvSpPr>
+          <p:cNvPr id="4" name="Slide Number Placeholder 3"/>
+          <p:cNvSpPr>
+            <a:spLocks noGrp="1"/>
+          </p:cNvSpPr>
+          <p:nvPr>
+            <p:ph type="sldNum" sz="quarter" idx="10"/>
+          </p:nvPr>
+        </p:nvSpPr>
+        <p:spPr/>
+        <p:txBody>
+          <a:bodyPr/>
+          <a:lstStyle/>
+          <a:p>
+            <a:fld id="{5394DE12-7B9B-46AA-AC19-C30A49928B9B}" type="slidenum">
+              <a:rPr lang="en-US" smtClean="0"/>
+              <a:t>20</a:t>
+            </a:fld>
+            <a:endParaRPr lang="en-US"/>
+          </a:p>
+        </p:txBody>
+      </p:sp>
+    </p:spTree>
+    <p:extLst>
+      <p:ext uri="{BB962C8B-B14F-4D97-AF65-F5344CB8AC3E}">
+        <p14:creationId xmlns:p14="http://schemas.microsoft.com/office/powerpoint/2010/main" val="790599469"/>
+      </p:ext>
+    </p:extLst>
+  </p:cSld>
+  <p:clrMapOvr>
+    <a:masterClrMapping/>
+  </p:clrMapOvr>
+</p:notes>
+</file>
+
+<file path=ppt/notesSlides/notesSlide21.xml><?xml version="1.0" encoding="utf-8"?>
+<p:notes xmlns:a="http://schemas.openxmlformats.org/drawingml/2006/main" xmlns:r="http://schemas.openxmlformats.org/officeDocument/2006/relationships" xmlns:p="http://schemas.openxmlformats.org/presentationml/2006/main">
+  <p:cSld>
+    <p:spTree>
+      <p:nvGrpSpPr>
+        <p:cNvPr id="1" name=""/>
+        <p:cNvGrpSpPr/>
+        <p:nvPr/>
+      </p:nvGrpSpPr>
+      <p:grpSpPr>
+        <a:xfrm>
+          <a:off x="0" y="0"/>
+          <a:ext cx="0" cy="0"/>
+          <a:chOff x="0" y="0"/>
+          <a:chExt cx="0" cy="0"/>
+        </a:xfrm>
+      </p:grpSpPr>
+      <p:sp>
+        <p:nvSpPr>
+          <p:cNvPr id="2" name="Slide Image Placeholder 1"/>
+          <p:cNvSpPr>
+            <a:spLocks noGrp="1" noRot="1" noChangeAspect="1"/>
+          </p:cNvSpPr>
+          <p:nvPr>
+            <p:ph type="sldImg"/>
+          </p:nvPr>
+        </p:nvSpPr>
+        <p:spPr/>
+      </p:sp>
+      <p:sp>
+        <p:nvSpPr>
+          <p:cNvPr id="3" name="Notes Placeholder 2"/>
+          <p:cNvSpPr>
+            <a:spLocks noGrp="1"/>
+          </p:cNvSpPr>
+          <p:nvPr>
+            <p:ph type="body" idx="1"/>
+          </p:nvPr>
+        </p:nvSpPr>
+        <p:spPr/>
+        <p:txBody>
+          <a:bodyPr/>
+          <a:lstStyle/>
+          <a:p>
+            <a:endParaRPr lang="en-US" sz="1000" dirty="0"/>
+          </a:p>
+        </p:txBody>
+      </p:sp>
+      <p:sp>
+        <p:nvSpPr>
+          <p:cNvPr id="4" name="Slide Number Placeholder 3"/>
+          <p:cNvSpPr>
+            <a:spLocks noGrp="1"/>
+          </p:cNvSpPr>
+          <p:nvPr>
+            <p:ph type="sldNum" sz="quarter" idx="10"/>
+          </p:nvPr>
+        </p:nvSpPr>
+        <p:spPr/>
+        <p:txBody>
+          <a:bodyPr/>
+          <a:lstStyle/>
+          <a:p>
+            <a:fld id="{5394DE12-7B9B-46AA-AC19-C30A49928B9B}" type="slidenum">
+              <a:rPr lang="en-US" smtClean="0"/>
+              <a:t>21</a:t>
+            </a:fld>
+            <a:endParaRPr lang="en-US"/>
+          </a:p>
+        </p:txBody>
+      </p:sp>
+    </p:spTree>
+    <p:extLst>
+      <p:ext uri="{BB962C8B-B14F-4D97-AF65-F5344CB8AC3E}">
+        <p14:creationId xmlns:p14="http://schemas.microsoft.com/office/powerpoint/2010/main" val="2669205026"/>
+      </p:ext>
+    </p:extLst>
+  </p:cSld>
+  <p:clrMapOvr>
+    <a:masterClrMapping/>
+  </p:clrMapOvr>
+</p:notes>
+</file>
+
+<file path=ppt/notesSlides/notesSlide22.xml><?xml version="1.0" encoding="utf-8"?>
+<p:notes xmlns:a="http://schemas.openxmlformats.org/drawingml/2006/main" xmlns:r="http://schemas.openxmlformats.org/officeDocument/2006/relationships" xmlns:p="http://schemas.openxmlformats.org/presentationml/2006/main">
+  <p:cSld>
+    <p:spTree>
+      <p:nvGrpSpPr>
+        <p:cNvPr id="1" name=""/>
+        <p:cNvGrpSpPr/>
+        <p:nvPr/>
+      </p:nvGrpSpPr>
+      <p:grpSpPr>
+        <a:xfrm>
+          <a:off x="0" y="0"/>
+          <a:ext cx="0" cy="0"/>
+          <a:chOff x="0" y="0"/>
+          <a:chExt cx="0" cy="0"/>
+        </a:xfrm>
+      </p:grpSpPr>
+      <p:sp>
+        <p:nvSpPr>
+          <p:cNvPr id="2" name="Slide Image Placeholder 1"/>
+          <p:cNvSpPr>
+            <a:spLocks noGrp="1" noRot="1" noChangeAspect="1"/>
+          </p:cNvSpPr>
+          <p:nvPr>
+            <p:ph type="sldImg"/>
+          </p:nvPr>
+        </p:nvSpPr>
+        <p:spPr/>
+      </p:sp>
+      <p:sp>
+        <p:nvSpPr>
+          <p:cNvPr id="3" name="Notes Placeholder 2"/>
+          <p:cNvSpPr>
+            <a:spLocks noGrp="1"/>
+          </p:cNvSpPr>
+          <p:nvPr>
+            <p:ph type="body" idx="1"/>
+          </p:nvPr>
+        </p:nvSpPr>
+        <p:spPr/>
+        <p:txBody>
+          <a:bodyPr/>
+          <a:lstStyle/>
+          <a:p>
+            <a:endParaRPr lang="en-US" sz="1000" dirty="0"/>
+          </a:p>
+        </p:txBody>
+      </p:sp>
+      <p:sp>
+        <p:nvSpPr>
+          <p:cNvPr id="4" name="Slide Number Placeholder 3"/>
+          <p:cNvSpPr>
+            <a:spLocks noGrp="1"/>
+          </p:cNvSpPr>
+          <p:nvPr>
+            <p:ph type="sldNum" sz="quarter" idx="10"/>
+          </p:nvPr>
+        </p:nvSpPr>
+        <p:spPr/>
+        <p:txBody>
+          <a:bodyPr/>
+          <a:lstStyle/>
+          <a:p>
+            <a:fld id="{5394DE12-7B9B-46AA-AC19-C30A49928B9B}" type="slidenum">
+              <a:rPr lang="en-US" smtClean="0"/>
+              <a:t>22</a:t>
+            </a:fld>
+            <a:endParaRPr lang="en-US"/>
+          </a:p>
+        </p:txBody>
+      </p:sp>
+    </p:spTree>
+    <p:extLst>
+      <p:ext uri="{BB962C8B-B14F-4D97-AF65-F5344CB8AC3E}">
+        <p14:creationId xmlns:p14="http://schemas.microsoft.com/office/powerpoint/2010/main" val="2311481268"/>
+      </p:ext>
+    </p:extLst>
+  </p:cSld>
+  <p:clrMapOvr>
+    <a:masterClrMapping/>
+  </p:clrMapOvr>
+</p:notes>
+</file>
+
+<file path=ppt/notesSlides/notesSlide23.xml><?xml version="1.0" encoding="utf-8"?>
+<p:notes xmlns:a="http://schemas.openxmlformats.org/drawingml/2006/main" xmlns:r="http://schemas.openxmlformats.org/officeDocument/2006/relationships" xmlns:p="http://schemas.openxmlformats.org/presentationml/2006/main">
+  <p:cSld>
+    <p:spTree>
+      <p:nvGrpSpPr>
+        <p:cNvPr id="1" name=""/>
+        <p:cNvGrpSpPr/>
+        <p:nvPr/>
+      </p:nvGrpSpPr>
+      <p:grpSpPr>
+        <a:xfrm>
+          <a:off x="0" y="0"/>
+          <a:ext cx="0" cy="0"/>
+          <a:chOff x="0" y="0"/>
+          <a:chExt cx="0" cy="0"/>
+        </a:xfrm>
+      </p:grpSpPr>
+      <p:sp>
+        <p:nvSpPr>
+          <p:cNvPr id="2" name="Slide Image Placeholder 1"/>
+          <p:cNvSpPr>
+            <a:spLocks noGrp="1" noRot="1" noChangeAspect="1"/>
+          </p:cNvSpPr>
+          <p:nvPr>
+            <p:ph type="sldImg"/>
+          </p:nvPr>
+        </p:nvSpPr>
+        <p:spPr/>
+      </p:sp>
+      <p:sp>
+        <p:nvSpPr>
+          <p:cNvPr id="3" name="Notes Placeholder 2"/>
+          <p:cNvSpPr>
+            <a:spLocks noGrp="1"/>
+          </p:cNvSpPr>
+          <p:nvPr>
+            <p:ph type="body" idx="1"/>
+          </p:nvPr>
+        </p:nvSpPr>
+        <p:spPr/>
+        <p:txBody>
+          <a:bodyPr/>
+          <a:lstStyle/>
+          <a:p>
+            <a:endParaRPr lang="en-US" sz="1000" dirty="0"/>
+          </a:p>
+        </p:txBody>
+      </p:sp>
+      <p:sp>
+        <p:nvSpPr>
+          <p:cNvPr id="4" name="Slide Number Placeholder 3"/>
+          <p:cNvSpPr>
+            <a:spLocks noGrp="1"/>
+          </p:cNvSpPr>
+          <p:nvPr>
+            <p:ph type="sldNum" sz="quarter" idx="10"/>
+          </p:nvPr>
+        </p:nvSpPr>
+        <p:spPr/>
+        <p:txBody>
+          <a:bodyPr/>
+          <a:lstStyle/>
+          <a:p>
+            <a:fld id="{5394DE12-7B9B-46AA-AC19-C30A49928B9B}" type="slidenum">
+              <a:rPr lang="en-US" smtClean="0"/>
+              <a:t>23</a:t>
+            </a:fld>
+            <a:endParaRPr lang="en-US"/>
+          </a:p>
+        </p:txBody>
+      </p:sp>
+    </p:spTree>
+    <p:extLst>
+      <p:ext uri="{BB962C8B-B14F-4D97-AF65-F5344CB8AC3E}">
+        <p14:creationId xmlns:p14="http://schemas.microsoft.com/office/powerpoint/2010/main" val="1583641488"/>
       </p:ext>
     </p:extLst>
   </p:cSld>
@@ -1613,7 +2255,53 @@
           <a:bodyPr/>
           <a:lstStyle/>
           <a:p>
+            <a:pPr marL="0" indent="0">
+              <a:buNone/>
+            </a:pPr>
+            <a:r>
+              <a:rPr lang="en-US" sz="1000" dirty="0"/>
+              <a:t>I intentionally list our assignment first and our learning objectives second. This week our intent is to support our assignment  through our learning objectives, discussion, lecture, and examples… and not the other way around. </a:t>
+            </a:r>
+          </a:p>
+          <a:p>
+            <a:pPr marL="0" indent="0">
+              <a:buNone/>
+            </a:pPr>
             <a:endParaRPr lang="en-US" sz="1000" dirty="0"/>
+          </a:p>
+          <a:p>
+            <a:pPr marL="0" indent="0">
+              <a:buNone/>
+            </a:pPr>
+            <a:r>
+              <a:rPr lang="en-US" sz="1000" dirty="0"/>
+              <a:t>It is important to understand the concepts, practices, and principles; however, it is </a:t>
+            </a:r>
+            <a:r>
+              <a:rPr lang="en-US" sz="1000" u="sng" dirty="0"/>
+              <a:t>essential</a:t>
+            </a:r>
+            <a:r>
+              <a:rPr lang="en-US" sz="1000" dirty="0"/>
+              <a:t> that we can utilize them to deliver solutions. </a:t>
+            </a:r>
+          </a:p>
+          <a:p>
+            <a:pPr marL="0" indent="0">
+              <a:buNone/>
+            </a:pPr>
+            <a:r>
+              <a:rPr lang="en-US" sz="1000" dirty="0"/>
+              <a:t>The details of </a:t>
+            </a:r>
+            <a:r>
+              <a:rPr lang="en-US" sz="1000" dirty="0" err="1"/>
+              <a:t>FaceDraw</a:t>
+            </a:r>
+            <a:r>
+              <a:rPr lang="en-US" sz="1000" dirty="0"/>
+              <a:t> are provided in this week’s assignment. </a:t>
+            </a:r>
           </a:p>
         </p:txBody>
       </p:sp>
@@ -1636,14 +2324,14 @@
               <a:rPr lang="en-US" smtClean="0"/>
               <a:t>3</a:t>
             </a:fld>
-            <a:endParaRPr lang="en-US" dirty="0"/>
+            <a:endParaRPr lang="en-US"/>
           </a:p>
         </p:txBody>
       </p:sp>
     </p:spTree>
     <p:extLst>
       <p:ext uri="{BB962C8B-B14F-4D97-AF65-F5344CB8AC3E}">
-        <p14:creationId xmlns:p14="http://schemas.microsoft.com/office/powerpoint/2010/main" val="264075573"/>
+        <p14:creationId xmlns:p14="http://schemas.microsoft.com/office/powerpoint/2010/main" val="4056386234"/>
       </p:ext>
     </p:extLst>
   </p:cSld>
@@ -1697,50 +2385,6 @@
           <a:bodyPr/>
           <a:lstStyle/>
           <a:p>
-            <a:r>
-              <a:rPr lang="en-US" sz="1000" dirty="0"/>
-              <a:t>These notes are from the Oracle site. There is also a nice article about on the Oracle site about mixing heavyweight and lightweight components at:</a:t>
-            </a:r>
-          </a:p>
-          <a:p>
-            <a:r>
-              <a:rPr lang="en-US" sz="1000" dirty="0"/>
-              <a:t>http://www.oracle.com/technetwork/articles/java/mixing-components-433992.html</a:t>
-            </a:r>
-          </a:p>
-          <a:p>
-            <a:endParaRPr lang="en-US" sz="1000" dirty="0"/>
-          </a:p>
-          <a:p>
-            <a:r>
-              <a:rPr lang="en-US" sz="1000" dirty="0"/>
-              <a:t>Java platform graphics have been the Achilles heel of the Java platform since the mid-1990s. Programmers used to joke that AWT stood for Awful Windows Toolkit because the resulting applications were so slow to function and unpleasant to look at. IBM’s Standard Widget Toolkit (SWT) toolkit is an alternative to AWT and Swing that has taken root in the Eclipse Integrated Development Environment (IDE) world. </a:t>
-            </a:r>
-          </a:p>
-          <a:p>
-            <a:r>
-              <a:rPr lang="en-US" sz="1000" dirty="0"/>
-              <a:t>https://en.wikipedia.org/wiki/Standard_Widget_Toolkit</a:t>
-            </a:r>
-          </a:p>
-          <a:p>
-            <a:endParaRPr lang="en-US" sz="1000" dirty="0"/>
-          </a:p>
-          <a:p>
-            <a:r>
-              <a:rPr lang="en-US" sz="1000" dirty="0"/>
-              <a:t>AWT and Swing are excellent learning tools; however, nearly all commercial user interface development has moved on to other tools and libraries. Native user interfaces or Web type interfaces using Java Script is seem to be the direction. Note: Java and Java Script have </a:t>
-            </a:r>
-            <a:r>
-              <a:rPr lang="en-US" sz="1000" b="1" u="sng" dirty="0"/>
-              <a:t>NOTHING</a:t>
-            </a:r>
-            <a:r>
-              <a:rPr lang="en-US" sz="1000" dirty="0"/>
-              <a:t> to do with each other! It was completely a marketing ploy to give Java Script the Java name. </a:t>
-            </a:r>
-          </a:p>
-          <a:p>
             <a:endParaRPr lang="en-US" sz="1000" dirty="0"/>
           </a:p>
         </p:txBody>
@@ -1764,14 +2408,14 @@
               <a:rPr lang="en-US" smtClean="0"/>
               <a:t>4</a:t>
             </a:fld>
-            <a:endParaRPr lang="en-US"/>
+            <a:endParaRPr lang="en-US" dirty="0"/>
           </a:p>
         </p:txBody>
       </p:sp>
     </p:spTree>
     <p:extLst>
       <p:ext uri="{BB962C8B-B14F-4D97-AF65-F5344CB8AC3E}">
-        <p14:creationId xmlns:p14="http://schemas.microsoft.com/office/powerpoint/2010/main" val="1316430559"/>
+        <p14:creationId xmlns:p14="http://schemas.microsoft.com/office/powerpoint/2010/main" val="4262655271"/>
       </p:ext>
     </p:extLst>
   </p:cSld>
@@ -1848,14 +2492,14 @@
               <a:rPr lang="en-US" smtClean="0"/>
               <a:t>5</a:t>
             </a:fld>
-            <a:endParaRPr lang="en-US"/>
+            <a:endParaRPr lang="en-US" dirty="0"/>
           </a:p>
         </p:txBody>
       </p:sp>
     </p:spTree>
     <p:extLst>
       <p:ext uri="{BB962C8B-B14F-4D97-AF65-F5344CB8AC3E}">
-        <p14:creationId xmlns:p14="http://schemas.microsoft.com/office/powerpoint/2010/main" val="997204521"/>
+        <p14:creationId xmlns:p14="http://schemas.microsoft.com/office/powerpoint/2010/main" val="264075573"/>
       </p:ext>
     </p:extLst>
   </p:cSld>
@@ -1911,37 +2555,62 @@
           <a:p>
             <a:r>
               <a:rPr lang="en-US" sz="1000" dirty="0"/>
-              <a:t>An example would be a system that manages student data. We would want to segregate the Model (data) from the View (UI) for several reasons including that there will likely be many different Views that access the same data including: </a:t>
+              <a:t>These notes are from the Oracle site. There is also a nice article about on the Oracle site about mixing heavyweight and lightweight components at:</a:t>
             </a:r>
           </a:p>
           <a:p>
             <a:r>
               <a:rPr lang="en-US" sz="1000" dirty="0"/>
-              <a:t>student view</a:t>
-            </a:r>
+              <a:t>http://www.oracle.com/technetwork/articles/java/mixing-components-433992.html</a:t>
+            </a:r>
+          </a:p>
+          <a:p>
+            <a:endParaRPr lang="en-US" sz="1000" dirty="0"/>
           </a:p>
           <a:p>
             <a:r>
               <a:rPr lang="en-US" sz="1000" dirty="0"/>
-              <a:t>faculty view </a:t>
-            </a:r>
+              <a:t>Java platform graphics have been the Achilles heel of the Java platform since the mid-1990s. Programmers used to joke that AWT stood for Awful Windows Toolkit because the resulting applications were so slow to function and unpleasant to look at. AWT actually stands for Abstract Window Toolkit.</a:t>
+            </a:r>
+          </a:p>
+          <a:p>
+            <a:endParaRPr lang="en-US" sz="1000" dirty="0"/>
           </a:p>
           <a:p>
             <a:r>
               <a:rPr lang="en-US" sz="1000" dirty="0"/>
-              <a:t>administrator view, </a:t>
+              <a:t>IBM’s Standard Widget Toolkit (SWT) toolkit is an alternative to AWT and Swing that has taken root in the Eclipse Integrated Development Environment (IDE) world. </a:t>
             </a:r>
           </a:p>
           <a:p>
             <a:r>
               <a:rPr lang="en-US" sz="1000" dirty="0"/>
-              <a:t>Web student view, </a:t>
-            </a:r>
+              <a:t>https://en.wikipedia.org/wiki/Standard_Widget_Toolkit</a:t>
+            </a:r>
+          </a:p>
+          <a:p>
+            <a:endParaRPr lang="en-US" sz="1000" dirty="0"/>
           </a:p>
           <a:p>
             <a:r>
               <a:rPr lang="en-US" sz="1000" dirty="0"/>
-              <a:t>mobile student view, etc. </a:t>
+              <a:t>AWT and Swing are </a:t>
+            </a:r>
+            <a:r>
+              <a:rPr lang="en-US" sz="1000" u="sng" dirty="0"/>
+              <a:t>excellent</a:t>
+            </a:r>
+            <a:r>
+              <a:rPr lang="en-US" sz="1000" dirty="0"/>
+              <a:t> learning tools; however, nearly all commercial user interface development has moved on to other tools and libraries. Native user interfaces or Web type interfaces using Java Script is seem to be the direction. Note: Java and Java Script have </a:t>
+            </a:r>
+            <a:r>
+              <a:rPr lang="en-US" sz="1000" b="1" u="sng" dirty="0"/>
+              <a:t>NOTHING</a:t>
+            </a:r>
+            <a:r>
+              <a:rPr lang="en-US" sz="1000" dirty="0"/>
+              <a:t> to do with each other! It was completely a marketing ploy to give Java Script the Java name. </a:t>
             </a:r>
           </a:p>
           <a:p>
@@ -1950,61 +2619,55 @@
           <a:p>
             <a:r>
               <a:rPr lang="en-US" sz="1000" dirty="0"/>
-              <a:t>Evolution of UI and Data segregation</a:t>
-            </a:r>
-          </a:p>
-          <a:p>
-            <a:pPr marL="181240" indent="-181240">
-              <a:buFont typeface="Arial" panose="020B0604020202020204" pitchFamily="34" charset="0"/>
-              <a:buChar char="•"/>
-            </a:pPr>
+              <a:t>Java Applets are Java applications that run in a browser. They never really did work… The “write once and run everywhere” philosophy never did play out very well in the industry when it comes to leading edge client applications. Browser based applications seem to have filled that gap while native applications have filled the “rich client” areas. I suspect that trend will continue.</a:t>
+            </a:r>
+          </a:p>
+          <a:p>
+            <a:endParaRPr lang="en-US" sz="1000" dirty="0"/>
+          </a:p>
+          <a:p>
+            <a:r>
+              <a:rPr lang="en-US" sz="1000" dirty="0" err="1"/>
+              <a:t>java.awt</a:t>
+            </a:r>
             <a:r>
               <a:rPr lang="en-US" sz="1000" dirty="0"/>
-              <a:t>Document-View (View was responsible for View-Controller functionality)</a:t>
-            </a:r>
-          </a:p>
-          <a:p>
-            <a:pPr marL="181240" indent="-181240">
-              <a:buFont typeface="Arial" panose="020B0604020202020204" pitchFamily="34" charset="0"/>
-              <a:buChar char="•"/>
-            </a:pPr>
+              <a:t>.*: Graphics, Color, Font</a:t>
+            </a:r>
+          </a:p>
+          <a:p>
+            <a:r>
+              <a:rPr lang="en-US" sz="1000" dirty="0" err="1"/>
+              <a:t>Java.swing</a:t>
+            </a:r>
             <a:r>
               <a:rPr lang="en-US" sz="1000" dirty="0"/>
-              <a:t>Model-View-Controller</a:t>
-            </a:r>
-          </a:p>
-          <a:p>
-            <a:pPr marL="181240" indent="-181240" defTabSz="966612">
-              <a:buFont typeface="Arial" panose="020B0604020202020204" pitchFamily="34" charset="0"/>
-              <a:buChar char="•"/>
-              <a:defRPr/>
-            </a:pPr>
+              <a:t>: </a:t>
+            </a:r>
+            <a:r>
+              <a:rPr lang="en-US" sz="1000" dirty="0" err="1"/>
+              <a:t>JFrame</a:t>
+            </a:r>
             <a:r>
               <a:rPr lang="en-US" sz="1000" dirty="0"/>
-              <a:t>Model–View–</a:t>
+              <a:t>, </a:t>
             </a:r>
             <a:r>
               <a:rPr lang="en-US" sz="1000" dirty="0" err="1"/>
-              <a:t>Viewmodel</a:t>
+              <a:t>JPanel</a:t>
+            </a:r>
+            <a:r>
+              <a:rPr lang="en-US" sz="1000" dirty="0"/>
+              <a:t>, </a:t>
+            </a:r>
+            <a:r>
+              <a:rPr lang="en-US" sz="1000" dirty="0" err="1"/>
+              <a:t>JButton</a:t>
             </a:r>
             <a:endParaRPr lang="en-US" sz="1000" dirty="0"/>
           </a:p>
           <a:p>
-            <a:pPr marL="181240" indent="-181240" defTabSz="966612">
-              <a:buFont typeface="Arial" panose="020B0604020202020204" pitchFamily="34" charset="0"/>
-              <a:buChar char="•"/>
-              <a:defRPr/>
-            </a:pPr>
             <a:endParaRPr lang="en-US" sz="1000" dirty="0"/>
-          </a:p>
-          <a:p>
-            <a:pPr defTabSz="966612">
-              <a:defRPr/>
-            </a:pPr>
-            <a:r>
-              <a:rPr lang="en-US" sz="1000" dirty="0"/>
-              <a:t>Learn this Pattern!</a:t>
-            </a:r>
           </a:p>
         </p:txBody>
       </p:sp>
@@ -2034,7 +2697,7 @@
     </p:spTree>
     <p:extLst>
       <p:ext uri="{BB962C8B-B14F-4D97-AF65-F5344CB8AC3E}">
-        <p14:creationId xmlns:p14="http://schemas.microsoft.com/office/powerpoint/2010/main" val="2680755995"/>
+        <p14:creationId xmlns:p14="http://schemas.microsoft.com/office/powerpoint/2010/main" val="1316430559"/>
       </p:ext>
     </p:extLst>
   </p:cSld>
@@ -2090,7 +2753,56 @@
           <a:p>
             <a:r>
               <a:rPr lang="en-US" sz="1000" dirty="0"/>
-              <a:t>Why use Setters &amp; Getters? Because 2 weeks (months, years) from now when you realize that your setter needs to do more than just set the value, you'll also realize that the property has been used directly in 238 other classes. (Internet quote)</a:t>
+              <a:t>The Graphics class is defined in package </a:t>
+            </a:r>
+            <a:r>
+              <a:rPr lang="en-US" sz="1000" dirty="0" err="1"/>
+              <a:t>java.awt</a:t>
+            </a:r>
+            <a:r>
+              <a:rPr lang="en-US" sz="1000" dirty="0"/>
+              <a:t>. </a:t>
+            </a:r>
+          </a:p>
+          <a:p>
+            <a:endParaRPr lang="en-US" sz="1000" dirty="0"/>
+          </a:p>
+          <a:p>
+            <a:r>
+              <a:rPr lang="en-US" sz="1000" dirty="0"/>
+              <a:t>A window in Java is called a </a:t>
+            </a:r>
+            <a:r>
+              <a:rPr lang="en-US" sz="1000" dirty="0" err="1"/>
+              <a:t>JFrame</a:t>
+            </a:r>
+            <a:r>
+              <a:rPr lang="en-US" sz="1000" dirty="0"/>
+              <a:t>. </a:t>
+            </a:r>
+            <a:r>
+              <a:rPr lang="en-US" sz="1000" dirty="0" err="1"/>
+              <a:t>JFrames</a:t>
+            </a:r>
+            <a:r>
+              <a:rPr lang="en-US" sz="1000" dirty="0"/>
+              <a:t> are heavyweight components: graphical components that communicate directly with the operating system and show up directly on the desktop. Heavyweight components contain what are called lightweight components. Lightweight components include panels and buttons. In Java, panels are implemented as </a:t>
+            </a:r>
+            <a:r>
+              <a:rPr lang="en-US" sz="1000" dirty="0" err="1"/>
+              <a:t>JPanels</a:t>
+            </a:r>
+            <a:r>
+              <a:rPr lang="en-US" sz="1000" dirty="0"/>
+              <a:t>, and buttons are implemented as </a:t>
+            </a:r>
+            <a:r>
+              <a:rPr lang="en-US" sz="1000" dirty="0" err="1"/>
+              <a:t>JButtons</a:t>
+            </a:r>
+            <a:r>
+              <a:rPr lang="en-US" sz="1000" dirty="0"/>
+              <a:t>.</a:t>
             </a:r>
           </a:p>
         </p:txBody>
@@ -2121,7 +2833,7 @@
     </p:spTree>
     <p:extLst>
       <p:ext uri="{BB962C8B-B14F-4D97-AF65-F5344CB8AC3E}">
-        <p14:creationId xmlns:p14="http://schemas.microsoft.com/office/powerpoint/2010/main" val="3006666985"/>
+        <p14:creationId xmlns:p14="http://schemas.microsoft.com/office/powerpoint/2010/main" val="997204521"/>
       </p:ext>
     </p:extLst>
   </p:cSld>
@@ -2177,15 +2889,111 @@
           <a:p>
             <a:r>
               <a:rPr lang="en-US" sz="1000" dirty="0"/>
-              <a:t>A package is a logical grouping of Java library classes. The </a:t>
+              <a:t>Specifically, a </a:t>
             </a:r>
             <a:r>
               <a:rPr lang="en-US" sz="1000" dirty="0" err="1"/>
-              <a:t>java.lang</a:t>
+              <a:t>JFrame</a:t>
             </a:r>
             <a:r>
               <a:rPr lang="en-US" sz="1000" dirty="0"/>
-              <a:t> package comes “for free” for all Java applications. </a:t>
+              <a:t>, a heavyweight component …</a:t>
+            </a:r>
+          </a:p>
+          <a:p>
+            <a:pPr marL="228600" indent="-228600">
+              <a:buFont typeface="+mj-lt"/>
+              <a:buAutoNum type="arabicPeriod"/>
+            </a:pPr>
+            <a:r>
+              <a:rPr lang="en-US" sz="1000" dirty="0"/>
+              <a:t>Can </a:t>
+            </a:r>
+            <a:r>
+              <a:rPr lang="en-US" sz="1000" dirty="0" err="1"/>
+              <a:t>setDefaultCloseOperation</a:t>
+            </a:r>
+            <a:r>
+              <a:rPr lang="en-US" sz="1000" dirty="0"/>
+              <a:t>(</a:t>
+            </a:r>
+            <a:r>
+              <a:rPr lang="en-US" sz="1000" dirty="0" err="1"/>
+              <a:t>JFrame.EXIT_ON_CLOSE</a:t>
+            </a:r>
+            <a:r>
+              <a:rPr lang="en-US" sz="1000" dirty="0"/>
+              <a:t>) to make the program vanish from memory (i.e. free resources) when closed.</a:t>
+            </a:r>
+          </a:p>
+          <a:p>
+            <a:pPr marL="228600" indent="-228600">
+              <a:buFont typeface="+mj-lt"/>
+              <a:buAutoNum type="arabicPeriod"/>
+            </a:pPr>
+            <a:r>
+              <a:rPr lang="en-US" sz="1000" dirty="0"/>
+              <a:t>Can set size and location using </a:t>
+            </a:r>
+            <a:r>
+              <a:rPr lang="en-US" sz="1000" dirty="0" err="1"/>
+              <a:t>setBounds</a:t>
+            </a:r>
+            <a:r>
+              <a:rPr lang="en-US" sz="1000" dirty="0"/>
+              <a:t>(</a:t>
+            </a:r>
+            <a:r>
+              <a:rPr lang="en-US" sz="1000" dirty="0" err="1"/>
+              <a:t>x,y,width,height</a:t>
+            </a:r>
+            <a:r>
+              <a:rPr lang="en-US" sz="1000" dirty="0"/>
+              <a:t>)</a:t>
+            </a:r>
+          </a:p>
+          <a:p>
+            <a:pPr marL="228600" indent="-228600">
+              <a:buFont typeface="+mj-lt"/>
+              <a:buAutoNum type="arabicPeriod"/>
+            </a:pPr>
+            <a:r>
+              <a:rPr lang="en-US" sz="1000" dirty="0"/>
+              <a:t>Can show itself using </a:t>
+            </a:r>
+            <a:r>
+              <a:rPr lang="en-US" sz="1000" dirty="0" err="1"/>
+              <a:t>setVisible</a:t>
+            </a:r>
+            <a:r>
+              <a:rPr lang="en-US" sz="1000" dirty="0"/>
+              <a:t>(true) and hide itself using </a:t>
+            </a:r>
+            <a:r>
+              <a:rPr lang="en-US" sz="1000" dirty="0" err="1"/>
+              <a:t>setVisible</a:t>
+            </a:r>
+            <a:r>
+              <a:rPr lang="en-US" sz="1000" dirty="0"/>
+              <a:t>(false)</a:t>
+            </a:r>
+          </a:p>
+          <a:p>
+            <a:pPr marL="228600" indent="-228600">
+              <a:buFont typeface="+mj-lt"/>
+              <a:buAutoNum type="arabicPeriod"/>
+            </a:pPr>
+            <a:r>
+              <a:rPr lang="en-US" sz="1000" dirty="0"/>
+              <a:t>Can give you a reference to its Container through its </a:t>
+            </a:r>
+            <a:r>
+              <a:rPr lang="en-US" sz="1000" dirty="0" err="1"/>
+              <a:t>getContentPane</a:t>
+            </a:r>
+            <a:r>
+              <a:rPr lang="en-US" sz="1000" dirty="0"/>
+              <a:t>() function. Once you have access to its Container object, you can set the layout of that container so that you can arrange lightweight components in it.</a:t>
             </a:r>
           </a:p>
           <a:p>
@@ -2194,44 +3002,28 @@
           <a:p>
             <a:r>
               <a:rPr lang="en-US" sz="1000" dirty="0"/>
-              <a:t>All java classes inherit from Object. </a:t>
-            </a:r>
-          </a:p>
-          <a:p>
+              <a:t>Popular Lightweight  Swing UI components include:</a:t>
+            </a:r>
+          </a:p>
+          <a:p>
+            <a:r>
+              <a:rPr lang="en-US" sz="1000" dirty="0" err="1"/>
+              <a:t>Jbutton</a:t>
+            </a:r>
             <a:endParaRPr lang="en-US" sz="1000" dirty="0"/>
           </a:p>
           <a:p>
             <a:r>
-              <a:rPr lang="en-US" sz="1000" dirty="0"/>
-              <a:t>Note: Yes, I know, the terminology of having a base class called “Object” can be challenging. For our purposes objects are instances of classes. However we also recognize that the base Java class is also regrettably called “Object”. I will generally call it “the base java class” and not refer to it as “Object”.</a:t>
-            </a:r>
-          </a:p>
-          <a:p>
+              <a:rPr lang="en-US" sz="1000" dirty="0" err="1"/>
+              <a:t>JTextArea</a:t>
+            </a:r>
             <a:endParaRPr lang="en-US" sz="1000" dirty="0"/>
           </a:p>
           <a:p>
             <a:r>
-              <a:rPr lang="en-US" sz="1000" dirty="0"/>
-              <a:t>Take note of the “</a:t>
-            </a:r>
-            <a:r>
               <a:rPr lang="en-US" sz="1000" dirty="0" err="1"/>
-              <a:t>toString</a:t>
-            </a:r>
-            <a:r>
-              <a:rPr lang="en-US" sz="1000" dirty="0"/>
-              <a:t>()” method and recognize that EVERY java class can be expected to have a “</a:t>
-            </a:r>
-            <a:r>
-              <a:rPr lang="en-US" sz="1000" dirty="0" err="1"/>
-              <a:t>toString</a:t>
-            </a:r>
-            <a:r>
-              <a:rPr lang="en-US" sz="1000" dirty="0"/>
-              <a:t>” method. We will be overriding this method regularly in this week’s examples. </a:t>
-            </a:r>
-          </a:p>
-          <a:p>
+              <a:t>JPanel</a:t>
+            </a:r>
             <a:endParaRPr lang="en-US" sz="1000" dirty="0"/>
           </a:p>
           <a:p>
@@ -2265,7 +3057,7 @@
     </p:spTree>
     <p:extLst>
       <p:ext uri="{BB962C8B-B14F-4D97-AF65-F5344CB8AC3E}">
-        <p14:creationId xmlns:p14="http://schemas.microsoft.com/office/powerpoint/2010/main" val="1886384442"/>
+        <p14:creationId xmlns:p14="http://schemas.microsoft.com/office/powerpoint/2010/main" val="3584394048"/>
       </p:ext>
     </p:extLst>
   </p:cSld>
@@ -2321,84 +3113,11 @@
           <a:p>
             <a:r>
               <a:rPr lang="en-US" sz="1000" dirty="0"/>
-              <a:t>It’s regrettable that the naming is so close on these two concepts. </a:t>
+              <a:t>This is different from environments where developers (or designers) layout screens pixel by pixel (like Visual Basic for example). With modern UIs that need to fit in all types of sizes and orientations, layout managers are a necessity.  </a:t>
             </a:r>
           </a:p>
           <a:p>
             <a:endParaRPr lang="en-US" sz="1000" dirty="0"/>
-          </a:p>
-          <a:p>
-            <a:r>
-              <a:rPr lang="en-US" sz="1000" dirty="0"/>
-              <a:t>Method Overriding is what we have been doing as we create </a:t>
-            </a:r>
-            <a:r>
-              <a:rPr lang="en-US" sz="1000" dirty="0" err="1"/>
-              <a:t>supperclasses</a:t>
-            </a:r>
-            <a:r>
-              <a:rPr lang="en-US" sz="1000" dirty="0"/>
-              <a:t> and subclasses. We Override methods in the parent class to add functionality. For example, we overrode (override, overriding, overrode) the </a:t>
-            </a:r>
-            <a:r>
-              <a:rPr lang="en-US" sz="1000" dirty="0" err="1"/>
-              <a:t>CalcBMI</a:t>
-            </a:r>
-            <a:r>
-              <a:rPr lang="en-US" sz="1000" dirty="0"/>
-              <a:t> method of BMI when we implemented </a:t>
-            </a:r>
-            <a:r>
-              <a:rPr lang="en-US" sz="1000" dirty="0" err="1"/>
-              <a:t>CalcBMI</a:t>
-            </a:r>
-            <a:r>
-              <a:rPr lang="en-US" sz="1000" dirty="0"/>
-              <a:t> in </a:t>
-            </a:r>
-            <a:r>
-              <a:rPr lang="en-US" sz="1000" dirty="0" err="1"/>
-              <a:t>BMIEnglish</a:t>
-            </a:r>
-            <a:r>
-              <a:rPr lang="en-US" sz="1000" dirty="0"/>
-              <a:t>.</a:t>
-            </a:r>
-          </a:p>
-          <a:p>
-            <a:endParaRPr lang="en-US" sz="1000" dirty="0"/>
-          </a:p>
-          <a:p>
-            <a:r>
-              <a:rPr lang="en-US" sz="1000" dirty="0"/>
-              <a:t>We will be Overriding methods constantly in this class. Overloading will be less common and less important, but we do need to understand what it is. </a:t>
-            </a:r>
-          </a:p>
-          <a:p>
-            <a:endParaRPr lang="en-US" sz="1000" dirty="0"/>
-          </a:p>
-          <a:p>
-            <a:r>
-              <a:rPr lang="en-US" sz="1000" dirty="0"/>
-              <a:t>Overriding MUST have exactly the SAME parameters and return types.</a:t>
-            </a:r>
-          </a:p>
-          <a:p>
-            <a:endParaRPr lang="en-US" sz="1000" dirty="0"/>
-          </a:p>
-          <a:p>
-            <a:r>
-              <a:rPr lang="en-US" sz="1000" dirty="0"/>
-              <a:t>Overriding MUST have at least one parameter or return type that is </a:t>
-            </a:r>
-            <a:r>
-              <a:rPr lang="en-US" sz="1000" dirty="0" err="1"/>
-              <a:t>differenct</a:t>
-            </a:r>
-            <a:r>
-              <a:rPr lang="en-US" sz="1000" dirty="0"/>
-              <a:t>. </a:t>
-            </a:r>
           </a:p>
         </p:txBody>
       </p:sp>
@@ -2428,7 +3147,7 @@
     </p:spTree>
     <p:extLst>
       <p:ext uri="{BB962C8B-B14F-4D97-AF65-F5344CB8AC3E}">
-        <p14:creationId xmlns:p14="http://schemas.microsoft.com/office/powerpoint/2010/main" val="2594634888"/>
+        <p14:creationId xmlns:p14="http://schemas.microsoft.com/office/powerpoint/2010/main" val="879083322"/>
       </p:ext>
     </p:extLst>
   </p:cSld>
@@ -2567,7 +3286,7 @@
           <a:p>
             <a:fld id="{969F32F5-AB1C-41B2-AE79-C9DE1D1745A4}" type="datetimeFigureOut">
               <a:rPr lang="en-US" smtClean="0"/>
-              <a:t>3/28/2017</a:t>
+              <a:t>3/31/2017</a:t>
             </a:fld>
             <a:endParaRPr lang="en-US"/>
           </a:p>
@@ -2735,7 +3454,7 @@
           <a:p>
             <a:fld id="{969F32F5-AB1C-41B2-AE79-C9DE1D1745A4}" type="datetimeFigureOut">
               <a:rPr lang="en-US" smtClean="0"/>
-              <a:t>3/28/2017</a:t>
+              <a:t>3/31/2017</a:t>
             </a:fld>
             <a:endParaRPr lang="en-US"/>
           </a:p>
@@ -2913,7 +3632,7 @@
           <a:p>
             <a:fld id="{969F32F5-AB1C-41B2-AE79-C9DE1D1745A4}" type="datetimeFigureOut">
               <a:rPr lang="en-US" smtClean="0"/>
-              <a:t>3/28/2017</a:t>
+              <a:t>3/31/2017</a:t>
             </a:fld>
             <a:endParaRPr lang="en-US"/>
           </a:p>
@@ -3081,7 +3800,7 @@
           <a:p>
             <a:fld id="{969F32F5-AB1C-41B2-AE79-C9DE1D1745A4}" type="datetimeFigureOut">
               <a:rPr lang="en-US" smtClean="0"/>
-              <a:t>3/28/2017</a:t>
+              <a:t>3/31/2017</a:t>
             </a:fld>
             <a:endParaRPr lang="en-US"/>
           </a:p>
@@ -3326,7 +4045,7 @@
           <a:p>
             <a:fld id="{969F32F5-AB1C-41B2-AE79-C9DE1D1745A4}" type="datetimeFigureOut">
               <a:rPr lang="en-US" smtClean="0"/>
-              <a:t>3/28/2017</a:t>
+              <a:t>3/31/2017</a:t>
             </a:fld>
             <a:endParaRPr lang="en-US"/>
           </a:p>
@@ -3555,7 +4274,7 @@
           <a:p>
             <a:fld id="{969F32F5-AB1C-41B2-AE79-C9DE1D1745A4}" type="datetimeFigureOut">
               <a:rPr lang="en-US" smtClean="0"/>
-              <a:t>3/28/2017</a:t>
+              <a:t>3/31/2017</a:t>
             </a:fld>
             <a:endParaRPr lang="en-US"/>
           </a:p>
@@ -3919,7 +4638,7 @@
           <a:p>
             <a:fld id="{969F32F5-AB1C-41B2-AE79-C9DE1D1745A4}" type="datetimeFigureOut">
               <a:rPr lang="en-US" smtClean="0"/>
-              <a:t>3/28/2017</a:t>
+              <a:t>3/31/2017</a:t>
             </a:fld>
             <a:endParaRPr lang="en-US"/>
           </a:p>
@@ -4036,7 +4755,7 @@
           <a:p>
             <a:fld id="{969F32F5-AB1C-41B2-AE79-C9DE1D1745A4}" type="datetimeFigureOut">
               <a:rPr lang="en-US" smtClean="0"/>
-              <a:t>3/28/2017</a:t>
+              <a:t>3/31/2017</a:t>
             </a:fld>
             <a:endParaRPr lang="en-US"/>
           </a:p>
@@ -4131,7 +4850,7 @@
           <a:p>
             <a:fld id="{969F32F5-AB1C-41B2-AE79-C9DE1D1745A4}" type="datetimeFigureOut">
               <a:rPr lang="en-US" smtClean="0"/>
-              <a:t>3/28/2017</a:t>
+              <a:t>3/31/2017</a:t>
             </a:fld>
             <a:endParaRPr lang="en-US"/>
           </a:p>
@@ -4406,7 +5125,7 @@
           <a:p>
             <a:fld id="{969F32F5-AB1C-41B2-AE79-C9DE1D1745A4}" type="datetimeFigureOut">
               <a:rPr lang="en-US" smtClean="0"/>
-              <a:t>3/28/2017</a:t>
+              <a:t>3/31/2017</a:t>
             </a:fld>
             <a:endParaRPr lang="en-US"/>
           </a:p>
@@ -4658,7 +5377,7 @@
           <a:p>
             <a:fld id="{969F32F5-AB1C-41B2-AE79-C9DE1D1745A4}" type="datetimeFigureOut">
               <a:rPr lang="en-US" smtClean="0"/>
-              <a:t>3/28/2017</a:t>
+              <a:t>3/31/2017</a:t>
             </a:fld>
             <a:endParaRPr lang="en-US"/>
           </a:p>
@@ -4869,7 +5588,7 @@
           <a:p>
             <a:fld id="{969F32F5-AB1C-41B2-AE79-C9DE1D1745A4}" type="datetimeFigureOut">
               <a:rPr lang="en-US" smtClean="0"/>
-              <a:t>3/28/2017</a:t>
+              <a:t>3/31/2017</a:t>
             </a:fld>
             <a:endParaRPr lang="en-US"/>
           </a:p>
@@ -5401,6 +6120,133 @@
           <a:chExt cx="0" cy="0"/>
         </a:xfrm>
       </p:grpSpPr>
+      <p:sp>
+        <p:nvSpPr>
+          <p:cNvPr id="2" name="Title 1"/>
+          <p:cNvSpPr>
+            <a:spLocks noGrp="1"/>
+          </p:cNvSpPr>
+          <p:nvPr>
+            <p:ph type="title"/>
+          </p:nvPr>
+        </p:nvSpPr>
+        <p:spPr/>
+        <p:txBody>
+          <a:bodyPr>
+            <a:normAutofit/>
+          </a:bodyPr>
+          <a:lstStyle/>
+          <a:p>
+            <a:r>
+              <a:rPr lang="en-US" sz="3600" dirty="0"/>
+              <a:t>Layout Managers (continued)</a:t>
+            </a:r>
+          </a:p>
+        </p:txBody>
+      </p:sp>
+      <p:sp>
+        <p:nvSpPr>
+          <p:cNvPr id="3" name="Content Placeholder 2"/>
+          <p:cNvSpPr>
+            <a:spLocks noGrp="1"/>
+          </p:cNvSpPr>
+          <p:nvPr>
+            <p:ph idx="1"/>
+          </p:nvPr>
+        </p:nvSpPr>
+        <p:spPr>
+          <a:xfrm>
+            <a:off x="838198" y="1525772"/>
+            <a:ext cx="10515601" cy="4651191"/>
+          </a:xfrm>
+        </p:spPr>
+        <p:txBody>
+          <a:bodyPr>
+            <a:normAutofit/>
+          </a:bodyPr>
+          <a:lstStyle/>
+          <a:p>
+            <a:pPr marL="0" indent="0">
+              <a:buNone/>
+            </a:pPr>
+            <a:r>
+              <a:rPr lang="en-US" sz="2000" dirty="0"/>
+              <a:t>Layout Managers arrange controls on the screen so they are visually appealing. We will be focusing on three very common Layout Managers: </a:t>
+            </a:r>
+          </a:p>
+          <a:p>
+            <a:r>
+              <a:rPr lang="en-US" sz="2000" dirty="0" err="1"/>
+              <a:t>FlowLayout</a:t>
+            </a:r>
+            <a:r>
+              <a:rPr lang="en-US" sz="2000" dirty="0"/>
+              <a:t>: Arranges components left to right, top to bottom. When a </a:t>
+            </a:r>
+            <a:r>
+              <a:rPr lang="en-US" sz="2000" dirty="0" err="1"/>
+              <a:t>FlowLayout</a:t>
+            </a:r>
+            <a:r>
+              <a:rPr lang="en-US" sz="2000" dirty="0"/>
+              <a:t> runs out of room horizontally on a row, it places the next component as far left as it can go on the row below.</a:t>
+            </a:r>
+          </a:p>
+          <a:p>
+            <a:r>
+              <a:rPr lang="en-US" sz="2000" dirty="0" err="1"/>
+              <a:t>BorderLayout</a:t>
+            </a:r>
+            <a:r>
+              <a:rPr lang="en-US" sz="2000" dirty="0"/>
+              <a:t>: Arranges components in NORTH, SOUTH, EAST, WEST, and CENTER sections.</a:t>
+            </a:r>
+          </a:p>
+          <a:p>
+            <a:r>
+              <a:rPr lang="en-US" sz="2000" dirty="0" err="1"/>
+              <a:t>GridLayout</a:t>
+            </a:r>
+            <a:r>
+              <a:rPr lang="en-US" sz="2000" dirty="0"/>
+              <a:t>: Arranges components in an Excel-like table of rows and columns.</a:t>
+            </a:r>
+          </a:p>
+          <a:p>
+            <a:pPr marL="0" indent="0">
+              <a:buNone/>
+            </a:pPr>
+            <a:endParaRPr lang="en-US" sz="2000" dirty="0"/>
+          </a:p>
+          <a:p>
+            <a:endParaRPr lang="en-US" sz="2000" dirty="0"/>
+          </a:p>
+        </p:txBody>
+      </p:sp>
+      <p:pic>
+        <p:nvPicPr>
+          <p:cNvPr id="4" name="Picture 3"/>
+          <p:cNvPicPr>
+            <a:picLocks noChangeAspect="1"/>
+          </p:cNvPicPr>
+          <p:nvPr/>
+        </p:nvPicPr>
+        <p:blipFill>
+          <a:blip r:embed="rId3"/>
+          <a:stretch>
+            <a:fillRect/>
+          </a:stretch>
+        </p:blipFill>
+        <p:spPr>
+          <a:xfrm>
+            <a:off x="1833562" y="4767248"/>
+            <a:ext cx="3934600" cy="1506172"/>
+          </a:xfrm>
+          <a:prstGeom prst="rect">
+            <a:avLst/>
+          </a:prstGeom>
+        </p:spPr>
+      </p:pic>
       <p:pic>
         <p:nvPicPr>
           <p:cNvPr id="5" name="Picture 4"/>
@@ -5417,967 +6263,17 @@
         </p:blipFill>
         <p:spPr>
           <a:xfrm>
-            <a:off x="7520662" y="1105896"/>
-            <a:ext cx="4114800" cy="4835545"/>
+            <a:off x="1094322" y="4003529"/>
+            <a:ext cx="4333599" cy="641102"/>
           </a:xfrm>
           <a:prstGeom prst="rect">
             <a:avLst/>
           </a:prstGeom>
         </p:spPr>
       </p:pic>
-      <p:sp>
-        <p:nvSpPr>
-          <p:cNvPr id="2" name="Title 1"/>
-          <p:cNvSpPr>
-            <a:spLocks noGrp="1"/>
-          </p:cNvSpPr>
-          <p:nvPr>
-            <p:ph type="title"/>
-          </p:nvPr>
-        </p:nvSpPr>
-        <p:spPr>
-          <a:xfrm>
-            <a:off x="838200" y="365125"/>
-            <a:ext cx="6239719" cy="1325563"/>
-          </a:xfrm>
-        </p:spPr>
-        <p:txBody>
-          <a:bodyPr>
-            <a:normAutofit/>
-          </a:bodyPr>
-          <a:lstStyle/>
-          <a:p>
-            <a:r>
-              <a:rPr lang="en-US" sz="3600" dirty="0"/>
-              <a:t>Overriding vs. Overloading</a:t>
-            </a:r>
-          </a:p>
-        </p:txBody>
-      </p:sp>
-      <p:sp>
-        <p:nvSpPr>
-          <p:cNvPr id="3" name="Content Placeholder 2"/>
-          <p:cNvSpPr>
-            <a:spLocks noGrp="1"/>
-          </p:cNvSpPr>
-          <p:nvPr>
-            <p:ph idx="1"/>
-          </p:nvPr>
-        </p:nvSpPr>
-        <p:spPr>
-          <a:xfrm>
-            <a:off x="838199" y="1825624"/>
-            <a:ext cx="6239720" cy="4783519"/>
-          </a:xfrm>
-        </p:spPr>
-        <p:txBody>
-          <a:bodyPr>
-            <a:normAutofit/>
-          </a:bodyPr>
-          <a:lstStyle/>
-          <a:p>
-            <a:pPr marL="0" indent="0">
-              <a:buNone/>
-            </a:pPr>
-            <a:r>
-              <a:rPr lang="en-US" sz="2000" u="sng" dirty="0">
-                <a:solidFill>
-                  <a:schemeClr val="bg1">
-                    <a:lumMod val="65000"/>
-                  </a:schemeClr>
-                </a:solidFill>
-              </a:rPr>
-              <a:t>Overriding Method</a:t>
-            </a:r>
-            <a:r>
-              <a:rPr lang="en-US" sz="2000" dirty="0">
-                <a:solidFill>
-                  <a:schemeClr val="bg1">
-                    <a:lumMod val="65000"/>
-                  </a:schemeClr>
-                </a:solidFill>
-              </a:rPr>
-              <a:t>: Subclass implementing same method name and same parameters </a:t>
-            </a:r>
-          </a:p>
-          <a:p>
-            <a:pPr marL="0" indent="0">
-              <a:buNone/>
-            </a:pPr>
-            <a:r>
-              <a:rPr lang="en-US" sz="2000" u="sng" dirty="0"/>
-              <a:t>Overloading Method</a:t>
-            </a:r>
-            <a:r>
-              <a:rPr lang="en-US" sz="2000" dirty="0"/>
-              <a:t>: Same function name with different number of parameters. Only use this in specific situations like Constructors.</a:t>
-            </a:r>
-          </a:p>
-          <a:p>
-            <a:pPr marL="0" indent="0">
-              <a:buNone/>
-            </a:pPr>
-            <a:endParaRPr lang="en-US" sz="2000" dirty="0"/>
-          </a:p>
-        </p:txBody>
-      </p:sp>
-      <p:sp>
-        <p:nvSpPr>
-          <p:cNvPr id="7" name="Arrow: Down 6"/>
-          <p:cNvSpPr/>
-          <p:nvPr/>
-        </p:nvSpPr>
-        <p:spPr>
-          <a:xfrm rot="16200000">
-            <a:off x="7016577" y="1717782"/>
-            <a:ext cx="565426" cy="309217"/>
-          </a:xfrm>
-          <a:prstGeom prst="downArrow">
-            <a:avLst/>
-          </a:prstGeom>
-          <a:solidFill>
-            <a:srgbClr val="92D050"/>
-          </a:solidFill>
-        </p:spPr>
-        <p:style>
-          <a:lnRef idx="2">
-            <a:schemeClr val="accent1">
-              <a:shade val="50000"/>
-            </a:schemeClr>
-          </a:lnRef>
-          <a:fillRef idx="1">
-            <a:schemeClr val="accent1"/>
-          </a:fillRef>
-          <a:effectRef idx="0">
-            <a:schemeClr val="accent1"/>
-          </a:effectRef>
-          <a:fontRef idx="minor">
-            <a:schemeClr val="lt1"/>
-          </a:fontRef>
-        </p:style>
-        <p:txBody>
-          <a:bodyPr rtlCol="0" anchor="ctr"/>
-          <a:lstStyle/>
-          <a:p>
-            <a:pPr algn="ctr"/>
-            <a:endParaRPr lang="en-US"/>
-          </a:p>
-        </p:txBody>
-      </p:sp>
-      <p:sp>
-        <p:nvSpPr>
-          <p:cNvPr id="8" name="Arrow: Down 7"/>
-          <p:cNvSpPr/>
-          <p:nvPr/>
-        </p:nvSpPr>
-        <p:spPr>
-          <a:xfrm rot="16200000">
-            <a:off x="1530745" y="4770828"/>
-            <a:ext cx="565426" cy="309217"/>
-          </a:xfrm>
-          <a:prstGeom prst="downArrow">
-            <a:avLst/>
-          </a:prstGeom>
-          <a:solidFill>
-            <a:srgbClr val="92D050"/>
-          </a:solidFill>
-        </p:spPr>
-        <p:style>
-          <a:lnRef idx="2">
-            <a:schemeClr val="accent1">
-              <a:shade val="50000"/>
-            </a:schemeClr>
-          </a:lnRef>
-          <a:fillRef idx="1">
-            <a:schemeClr val="accent1"/>
-          </a:fillRef>
-          <a:effectRef idx="0">
-            <a:schemeClr val="accent1"/>
-          </a:effectRef>
-          <a:fontRef idx="minor">
-            <a:schemeClr val="lt1"/>
-          </a:fontRef>
-        </p:style>
-        <p:txBody>
-          <a:bodyPr rtlCol="0" anchor="ctr"/>
-          <a:lstStyle/>
-          <a:p>
-            <a:pPr algn="ctr"/>
-            <a:endParaRPr lang="en-US"/>
-          </a:p>
-        </p:txBody>
-      </p:sp>
-      <p:sp>
-        <p:nvSpPr>
-          <p:cNvPr id="9" name="Title 1"/>
-          <p:cNvSpPr txBox="1">
-            <a:spLocks/>
-          </p:cNvSpPr>
-          <p:nvPr/>
-        </p:nvSpPr>
-        <p:spPr>
-          <a:xfrm>
-            <a:off x="1968067" y="4546800"/>
-            <a:ext cx="3141816" cy="757272"/>
-          </a:xfrm>
-          <a:prstGeom prst="rect">
-            <a:avLst/>
-          </a:prstGeom>
-        </p:spPr>
-        <p:txBody>
-          <a:bodyPr vert="horz" lIns="91440" tIns="45720" rIns="91440" bIns="45720" rtlCol="0" anchor="ctr">
-            <a:normAutofit fontScale="97500"/>
-          </a:bodyPr>
-          <a:lstStyle>
-            <a:lvl1pPr algn="l" defTabSz="914400" rtl="0" eaLnBrk="1" latinLnBrk="0" hangingPunct="1">
-              <a:lnSpc>
-                <a:spcPct val="90000"/>
-              </a:lnSpc>
-              <a:spcBef>
-                <a:spcPct val="0"/>
-              </a:spcBef>
-              <a:buNone/>
-              <a:defRPr sz="4400" kern="1200">
-                <a:solidFill>
-                  <a:schemeClr val="tx1"/>
-                </a:solidFill>
-                <a:latin typeface="+mj-lt"/>
-                <a:ea typeface="+mj-ea"/>
-                <a:cs typeface="+mj-cs"/>
-              </a:defRPr>
-            </a:lvl1pPr>
-          </a:lstStyle>
-          <a:p>
-            <a:r>
-              <a:rPr lang="en-US" sz="3200" dirty="0"/>
-              <a:t>Overloading</a:t>
-            </a:r>
-          </a:p>
-        </p:txBody>
-      </p:sp>
-      <p:sp>
-        <p:nvSpPr>
-          <p:cNvPr id="10" name="Arrow: Down 9"/>
-          <p:cNvSpPr/>
-          <p:nvPr/>
-        </p:nvSpPr>
-        <p:spPr>
-          <a:xfrm rot="16200000">
-            <a:off x="7016578" y="2733562"/>
-            <a:ext cx="565426" cy="309217"/>
-          </a:xfrm>
-          <a:prstGeom prst="downArrow">
-            <a:avLst/>
-          </a:prstGeom>
-          <a:solidFill>
-            <a:srgbClr val="92D050"/>
-          </a:solidFill>
-        </p:spPr>
-        <p:style>
-          <a:lnRef idx="2">
-            <a:schemeClr val="accent1">
-              <a:shade val="50000"/>
-            </a:schemeClr>
-          </a:lnRef>
-          <a:fillRef idx="1">
-            <a:schemeClr val="accent1"/>
-          </a:fillRef>
-          <a:effectRef idx="0">
-            <a:schemeClr val="accent1"/>
-          </a:effectRef>
-          <a:fontRef idx="minor">
-            <a:schemeClr val="lt1"/>
-          </a:fontRef>
-        </p:style>
-        <p:txBody>
-          <a:bodyPr rtlCol="0" anchor="ctr"/>
-          <a:lstStyle/>
-          <a:p>
-            <a:pPr algn="ctr"/>
-            <a:endParaRPr lang="en-US"/>
-          </a:p>
-        </p:txBody>
-      </p:sp>
-    </p:spTree>
-    <p:custDataLst>
-      <p:tags r:id="rId1"/>
-    </p:custDataLst>
-    <p:extLst>
-      <p:ext uri="{BB962C8B-B14F-4D97-AF65-F5344CB8AC3E}">
-        <p14:creationId xmlns:p14="http://schemas.microsoft.com/office/powerpoint/2010/main" val="2208914996"/>
-      </p:ext>
-    </p:extLst>
-  </p:cSld>
-  <p:clrMapOvr>
-    <a:masterClrMapping/>
-  </p:clrMapOvr>
-  <p:timing>
-    <p:tnLst>
-      <p:par>
-        <p:cTn id="1" dur="indefinite" restart="never" nodeType="tmRoot">
-          <p:childTnLst>
-            <p:seq concurrent="1" nextAc="seek">
-              <p:cTn id="2" dur="indefinite" nodeType="mainSeq">
-                <p:childTnLst>
-                  <p:par>
-                    <p:cTn id="3" fill="hold">
-                      <p:stCondLst>
-                        <p:cond delay="indefinite"/>
-                      </p:stCondLst>
-                      <p:childTnLst>
-                        <p:par>
-                          <p:cTn id="4" fill="hold">
-                            <p:stCondLst>
-                              <p:cond delay="0"/>
-                            </p:stCondLst>
-                            <p:childTnLst>
-                              <p:par>
-                                <p:cTn id="5" presetID="2" presetClass="entr" presetSubtype="4" fill="hold" grpId="0" nodeType="clickEffect">
-                                  <p:stCondLst>
-                                    <p:cond delay="0"/>
-                                  </p:stCondLst>
-                                  <p:childTnLst>
-                                    <p:set>
-                                      <p:cBhvr>
-                                        <p:cTn id="6" dur="1" fill="hold">
-                                          <p:stCondLst>
-                                            <p:cond delay="0"/>
-                                          </p:stCondLst>
-                                        </p:cTn>
-                                        <p:tgtEl>
-                                          <p:spTgt spid="8"/>
-                                        </p:tgtEl>
-                                        <p:attrNameLst>
-                                          <p:attrName>style.visibility</p:attrName>
-                                        </p:attrNameLst>
-                                      </p:cBhvr>
-                                      <p:to>
-                                        <p:strVal val="visible"/>
-                                      </p:to>
-                                    </p:set>
-                                    <p:anim calcmode="lin" valueType="num">
-                                      <p:cBhvr additive="base">
-                                        <p:cTn id="7" dur="500" fill="hold"/>
-                                        <p:tgtEl>
-                                          <p:spTgt spid="8"/>
-                                        </p:tgtEl>
-                                        <p:attrNameLst>
-                                          <p:attrName>ppt_x</p:attrName>
-                                        </p:attrNameLst>
-                                      </p:cBhvr>
-                                      <p:tavLst>
-                                        <p:tav tm="0">
-                                          <p:val>
-                                            <p:strVal val="#ppt_x"/>
-                                          </p:val>
-                                        </p:tav>
-                                        <p:tav tm="100000">
-                                          <p:val>
-                                            <p:strVal val="#ppt_x"/>
-                                          </p:val>
-                                        </p:tav>
-                                      </p:tavLst>
-                                    </p:anim>
-                                    <p:anim calcmode="lin" valueType="num">
-                                      <p:cBhvr additive="base">
-                                        <p:cTn id="8" dur="500" fill="hold"/>
-                                        <p:tgtEl>
-                                          <p:spTgt spid="8"/>
-                                        </p:tgtEl>
-                                        <p:attrNameLst>
-                                          <p:attrName>ppt_y</p:attrName>
-                                        </p:attrNameLst>
-                                      </p:cBhvr>
-                                      <p:tavLst>
-                                        <p:tav tm="0">
-                                          <p:val>
-                                            <p:strVal val="1+#ppt_h/2"/>
-                                          </p:val>
-                                        </p:tav>
-                                        <p:tav tm="100000">
-                                          <p:val>
-                                            <p:strVal val="#ppt_y"/>
-                                          </p:val>
-                                        </p:tav>
-                                      </p:tavLst>
-                                    </p:anim>
-                                  </p:childTnLst>
-                                </p:cTn>
-                              </p:par>
-                              <p:par>
-                                <p:cTn id="9" presetID="2" presetClass="entr" presetSubtype="4" fill="hold" grpId="0" nodeType="withEffect">
-                                  <p:stCondLst>
-                                    <p:cond delay="0"/>
-                                  </p:stCondLst>
-                                  <p:childTnLst>
-                                    <p:set>
-                                      <p:cBhvr>
-                                        <p:cTn id="10" dur="1" fill="hold">
-                                          <p:stCondLst>
-                                            <p:cond delay="0"/>
-                                          </p:stCondLst>
-                                        </p:cTn>
-                                        <p:tgtEl>
-                                          <p:spTgt spid="9"/>
-                                        </p:tgtEl>
-                                        <p:attrNameLst>
-                                          <p:attrName>style.visibility</p:attrName>
-                                        </p:attrNameLst>
-                                      </p:cBhvr>
-                                      <p:to>
-                                        <p:strVal val="visible"/>
-                                      </p:to>
-                                    </p:set>
-                                    <p:anim calcmode="lin" valueType="num">
-                                      <p:cBhvr additive="base">
-                                        <p:cTn id="11" dur="500" fill="hold"/>
-                                        <p:tgtEl>
-                                          <p:spTgt spid="9"/>
-                                        </p:tgtEl>
-                                        <p:attrNameLst>
-                                          <p:attrName>ppt_x</p:attrName>
-                                        </p:attrNameLst>
-                                      </p:cBhvr>
-                                      <p:tavLst>
-                                        <p:tav tm="0">
-                                          <p:val>
-                                            <p:strVal val="#ppt_x"/>
-                                          </p:val>
-                                        </p:tav>
-                                        <p:tav tm="100000">
-                                          <p:val>
-                                            <p:strVal val="#ppt_x"/>
-                                          </p:val>
-                                        </p:tav>
-                                      </p:tavLst>
-                                    </p:anim>
-                                    <p:anim calcmode="lin" valueType="num">
-                                      <p:cBhvr additive="base">
-                                        <p:cTn id="12" dur="500" fill="hold"/>
-                                        <p:tgtEl>
-                                          <p:spTgt spid="9"/>
-                                        </p:tgtEl>
-                                        <p:attrNameLst>
-                                          <p:attrName>ppt_y</p:attrName>
-                                        </p:attrNameLst>
-                                      </p:cBhvr>
-                                      <p:tavLst>
-                                        <p:tav tm="0">
-                                          <p:val>
-                                            <p:strVal val="1+#ppt_h/2"/>
-                                          </p:val>
-                                        </p:tav>
-                                        <p:tav tm="100000">
-                                          <p:val>
-                                            <p:strVal val="#ppt_y"/>
-                                          </p:val>
-                                        </p:tav>
-                                      </p:tavLst>
-                                    </p:anim>
-                                  </p:childTnLst>
-                                </p:cTn>
-                              </p:par>
-                              <p:par>
-                                <p:cTn id="13" presetID="2" presetClass="entr" presetSubtype="4" fill="hold" grpId="0" nodeType="withEffect">
-                                  <p:stCondLst>
-                                    <p:cond delay="0"/>
-                                  </p:stCondLst>
-                                  <p:childTnLst>
-                                    <p:set>
-                                      <p:cBhvr>
-                                        <p:cTn id="14" dur="1" fill="hold">
-                                          <p:stCondLst>
-                                            <p:cond delay="0"/>
-                                          </p:stCondLst>
-                                        </p:cTn>
-                                        <p:tgtEl>
-                                          <p:spTgt spid="7"/>
-                                        </p:tgtEl>
-                                        <p:attrNameLst>
-                                          <p:attrName>style.visibility</p:attrName>
-                                        </p:attrNameLst>
-                                      </p:cBhvr>
-                                      <p:to>
-                                        <p:strVal val="visible"/>
-                                      </p:to>
-                                    </p:set>
-                                    <p:anim calcmode="lin" valueType="num">
-                                      <p:cBhvr additive="base">
-                                        <p:cTn id="15" dur="500" fill="hold"/>
-                                        <p:tgtEl>
-                                          <p:spTgt spid="7"/>
-                                        </p:tgtEl>
-                                        <p:attrNameLst>
-                                          <p:attrName>ppt_x</p:attrName>
-                                        </p:attrNameLst>
-                                      </p:cBhvr>
-                                      <p:tavLst>
-                                        <p:tav tm="0">
-                                          <p:val>
-                                            <p:strVal val="#ppt_x"/>
-                                          </p:val>
-                                        </p:tav>
-                                        <p:tav tm="100000">
-                                          <p:val>
-                                            <p:strVal val="#ppt_x"/>
-                                          </p:val>
-                                        </p:tav>
-                                      </p:tavLst>
-                                    </p:anim>
-                                    <p:anim calcmode="lin" valueType="num">
-                                      <p:cBhvr additive="base">
-                                        <p:cTn id="16" dur="500" fill="hold"/>
-                                        <p:tgtEl>
-                                          <p:spTgt spid="7"/>
-                                        </p:tgtEl>
-                                        <p:attrNameLst>
-                                          <p:attrName>ppt_y</p:attrName>
-                                        </p:attrNameLst>
-                                      </p:cBhvr>
-                                      <p:tavLst>
-                                        <p:tav tm="0">
-                                          <p:val>
-                                            <p:strVal val="1+#ppt_h/2"/>
-                                          </p:val>
-                                        </p:tav>
-                                        <p:tav tm="100000">
-                                          <p:val>
-                                            <p:strVal val="#ppt_y"/>
-                                          </p:val>
-                                        </p:tav>
-                                      </p:tavLst>
-                                    </p:anim>
-                                  </p:childTnLst>
-                                </p:cTn>
-                              </p:par>
-                              <p:par>
-                                <p:cTn id="17" presetID="2" presetClass="entr" presetSubtype="4" fill="hold" grpId="0" nodeType="withEffect">
-                                  <p:stCondLst>
-                                    <p:cond delay="0"/>
-                                  </p:stCondLst>
-                                  <p:childTnLst>
-                                    <p:set>
-                                      <p:cBhvr>
-                                        <p:cTn id="18" dur="1" fill="hold">
-                                          <p:stCondLst>
-                                            <p:cond delay="0"/>
-                                          </p:stCondLst>
-                                        </p:cTn>
-                                        <p:tgtEl>
-                                          <p:spTgt spid="10"/>
-                                        </p:tgtEl>
-                                        <p:attrNameLst>
-                                          <p:attrName>style.visibility</p:attrName>
-                                        </p:attrNameLst>
-                                      </p:cBhvr>
-                                      <p:to>
-                                        <p:strVal val="visible"/>
-                                      </p:to>
-                                    </p:set>
-                                    <p:anim calcmode="lin" valueType="num">
-                                      <p:cBhvr additive="base">
-                                        <p:cTn id="19" dur="500" fill="hold"/>
-                                        <p:tgtEl>
-                                          <p:spTgt spid="10"/>
-                                        </p:tgtEl>
-                                        <p:attrNameLst>
-                                          <p:attrName>ppt_x</p:attrName>
-                                        </p:attrNameLst>
-                                      </p:cBhvr>
-                                      <p:tavLst>
-                                        <p:tav tm="0">
-                                          <p:val>
-                                            <p:strVal val="#ppt_x"/>
-                                          </p:val>
-                                        </p:tav>
-                                        <p:tav tm="100000">
-                                          <p:val>
-                                            <p:strVal val="#ppt_x"/>
-                                          </p:val>
-                                        </p:tav>
-                                      </p:tavLst>
-                                    </p:anim>
-                                    <p:anim calcmode="lin" valueType="num">
-                                      <p:cBhvr additive="base">
-                                        <p:cTn id="20" dur="500" fill="hold"/>
-                                        <p:tgtEl>
-                                          <p:spTgt spid="10"/>
-                                        </p:tgtEl>
-                                        <p:attrNameLst>
-                                          <p:attrName>ppt_y</p:attrName>
-                                        </p:attrNameLst>
-                                      </p:cBhvr>
-                                      <p:tavLst>
-                                        <p:tav tm="0">
-                                          <p:val>
-                                            <p:strVal val="1+#ppt_h/2"/>
-                                          </p:val>
-                                        </p:tav>
-                                        <p:tav tm="100000">
-                                          <p:val>
-                                            <p:strVal val="#ppt_y"/>
-                                          </p:val>
-                                        </p:tav>
-                                      </p:tavLst>
-                                    </p:anim>
-                                  </p:childTnLst>
-                                </p:cTn>
-                              </p:par>
-                            </p:childTnLst>
-                          </p:cTn>
-                        </p:par>
-                      </p:childTnLst>
-                    </p:cTn>
-                  </p:par>
-                </p:childTnLst>
-              </p:cTn>
-              <p:prevCondLst>
-                <p:cond evt="onPrev" delay="0">
-                  <p:tgtEl>
-                    <p:sldTgt/>
-                  </p:tgtEl>
-                </p:cond>
-              </p:prevCondLst>
-              <p:nextCondLst>
-                <p:cond evt="onNext" delay="0">
-                  <p:tgtEl>
-                    <p:sldTgt/>
-                  </p:tgtEl>
-                </p:cond>
-              </p:nextCondLst>
-            </p:seq>
-          </p:childTnLst>
-        </p:cTn>
-      </p:par>
-    </p:tnLst>
-    <p:bldLst>
-      <p:bldP spid="7" grpId="0" animBg="1"/>
-      <p:bldP spid="8" grpId="0" animBg="1"/>
-      <p:bldP spid="9" grpId="0"/>
-      <p:bldP spid="10" grpId="0" animBg="1"/>
-    </p:bldLst>
-  </p:timing>
-</p:sld>
-</file>
-
-<file path=ppt/slides/slide11.xml><?xml version="1.0" encoding="utf-8"?>
-<p:sld xmlns:a="http://schemas.openxmlformats.org/drawingml/2006/main" xmlns:r="http://schemas.openxmlformats.org/officeDocument/2006/relationships" xmlns:p="http://schemas.openxmlformats.org/presentationml/2006/main">
-  <p:cSld>
-    <p:spTree>
-      <p:nvGrpSpPr>
-        <p:cNvPr id="1" name=""/>
-        <p:cNvGrpSpPr/>
-        <p:nvPr/>
-      </p:nvGrpSpPr>
-      <p:grpSpPr>
-        <a:xfrm>
-          <a:off x="0" y="0"/>
-          <a:ext cx="0" cy="0"/>
-          <a:chOff x="0" y="0"/>
-          <a:chExt cx="0" cy="0"/>
-        </a:xfrm>
-      </p:grpSpPr>
-      <p:sp>
-        <p:nvSpPr>
-          <p:cNvPr id="2" name="Title 1"/>
-          <p:cNvSpPr>
-            <a:spLocks noGrp="1"/>
-          </p:cNvSpPr>
-          <p:nvPr>
-            <p:ph type="title"/>
-          </p:nvPr>
-        </p:nvSpPr>
-        <p:spPr>
-          <a:xfrm>
-            <a:off x="838200" y="365126"/>
-            <a:ext cx="10515600" cy="757272"/>
-          </a:xfrm>
-        </p:spPr>
-        <p:txBody>
-          <a:bodyPr>
-            <a:normAutofit/>
-          </a:bodyPr>
-          <a:lstStyle/>
-          <a:p>
-            <a:r>
-              <a:rPr lang="en-US" sz="3600" dirty="0"/>
-              <a:t>Java Environment Overview </a:t>
-            </a:r>
-            <a:r>
-              <a:rPr lang="en-US" sz="3600" dirty="0">
-                <a:hlinkClick r:id="rId3"/>
-              </a:rPr>
-              <a:t>[link]</a:t>
-            </a:r>
-            <a:endParaRPr lang="en-US" sz="3600" dirty="0"/>
-          </a:p>
-        </p:txBody>
-      </p:sp>
-      <p:sp>
-        <p:nvSpPr>
-          <p:cNvPr id="4" name="Content Placeholder 2"/>
-          <p:cNvSpPr>
-            <a:spLocks noGrp="1"/>
-          </p:cNvSpPr>
-          <p:nvPr>
-            <p:ph idx="1"/>
-          </p:nvPr>
-        </p:nvSpPr>
-        <p:spPr>
-          <a:xfrm>
-            <a:off x="811620" y="1389690"/>
-            <a:ext cx="10709820" cy="4208352"/>
-          </a:xfrm>
-        </p:spPr>
-        <p:txBody>
-          <a:bodyPr>
-            <a:normAutofit/>
-          </a:bodyPr>
-          <a:lstStyle/>
-          <a:p>
-            <a:pPr marL="0" indent="0">
-              <a:buNone/>
-            </a:pPr>
-            <a:r>
-              <a:rPr lang="en-US" sz="2000" dirty="0"/>
-              <a:t>The Java Application Platform SDK includes:</a:t>
-            </a:r>
-          </a:p>
-          <a:p>
-            <a:pPr>
-              <a:buFont typeface="Wingdings" panose="05000000000000000000" pitchFamily="2" charset="2"/>
-              <a:buChar char="§"/>
-            </a:pPr>
-            <a:r>
-              <a:rPr lang="en-US" sz="2000" dirty="0"/>
-              <a:t>Java API</a:t>
-            </a:r>
-          </a:p>
-          <a:p>
-            <a:pPr>
-              <a:buFont typeface="Wingdings" panose="05000000000000000000" pitchFamily="2" charset="2"/>
-              <a:buChar char="§"/>
-            </a:pPr>
-            <a:r>
-              <a:rPr lang="en-US" sz="2000" dirty="0"/>
-              <a:t>Java Compiler (</a:t>
-            </a:r>
-            <a:r>
-              <a:rPr lang="en-US" sz="2000" dirty="0" err="1"/>
-              <a:t>javac</a:t>
-            </a:r>
-            <a:r>
-              <a:rPr lang="en-US" sz="2000" dirty="0"/>
-              <a:t>)</a:t>
-            </a:r>
-          </a:p>
-          <a:p>
-            <a:pPr>
-              <a:buFont typeface="Wingdings" panose="05000000000000000000" pitchFamily="2" charset="2"/>
-              <a:buChar char="§"/>
-            </a:pPr>
-            <a:r>
-              <a:rPr lang="en-US" sz="2000" dirty="0"/>
-              <a:t>Java Runtime Environment   (java)</a:t>
-            </a:r>
-          </a:p>
-          <a:p>
-            <a:pPr>
-              <a:buFont typeface="Wingdings" panose="05000000000000000000" pitchFamily="2" charset="2"/>
-              <a:buChar char="§"/>
-            </a:pPr>
-            <a:r>
-              <a:rPr lang="en-US" sz="2000" dirty="0"/>
-              <a:t>Java Doc (Javadoc)</a:t>
-            </a:r>
-          </a:p>
-          <a:p>
-            <a:pPr>
-              <a:buFont typeface="Wingdings" panose="05000000000000000000" pitchFamily="2" charset="2"/>
-              <a:buChar char="§"/>
-            </a:pPr>
-            <a:endParaRPr lang="en-US" sz="2000" dirty="0"/>
-          </a:p>
-          <a:p>
-            <a:pPr>
-              <a:buFont typeface="Wingdings" panose="05000000000000000000" pitchFamily="2" charset="2"/>
-              <a:buChar char="§"/>
-            </a:pPr>
-            <a:endParaRPr lang="en-US" sz="2000" dirty="0"/>
-          </a:p>
-          <a:p>
-            <a:pPr marL="0" indent="0">
-              <a:buNone/>
-            </a:pPr>
-            <a:r>
-              <a:rPr lang="en-US" sz="2000" dirty="0"/>
-              <a:t>… And much </a:t>
-            </a:r>
-            <a:r>
-              <a:rPr lang="en-US" sz="2000" dirty="0" err="1"/>
-              <a:t>much</a:t>
-            </a:r>
-            <a:r>
-              <a:rPr lang="en-US" sz="2000" dirty="0"/>
-              <a:t> more. </a:t>
-            </a:r>
-          </a:p>
-          <a:p>
-            <a:pPr>
-              <a:buFont typeface="Wingdings" panose="05000000000000000000" pitchFamily="2" charset="2"/>
-              <a:buChar char="§"/>
-            </a:pPr>
-            <a:endParaRPr lang="en-US" sz="2000" dirty="0"/>
-          </a:p>
-          <a:p>
-            <a:pPr>
-              <a:buFont typeface="Wingdings" panose="05000000000000000000" pitchFamily="2" charset="2"/>
-              <a:buChar char="§"/>
-            </a:pPr>
-            <a:endParaRPr lang="en-US" sz="2000" dirty="0"/>
-          </a:p>
-          <a:p>
-            <a:pPr marL="0" indent="0">
-              <a:buNone/>
-            </a:pPr>
-            <a:endParaRPr lang="en-US" sz="2000" dirty="0"/>
-          </a:p>
-        </p:txBody>
-      </p:sp>
-    </p:spTree>
-    <p:extLst>
-      <p:ext uri="{BB962C8B-B14F-4D97-AF65-F5344CB8AC3E}">
-        <p14:creationId xmlns:p14="http://schemas.microsoft.com/office/powerpoint/2010/main" val="1230462306"/>
-      </p:ext>
-    </p:extLst>
-  </p:cSld>
-  <p:clrMapOvr>
-    <a:masterClrMapping/>
-  </p:clrMapOvr>
-</p:sld>
-</file>
-
-<file path=ppt/slides/slide12.xml><?xml version="1.0" encoding="utf-8"?>
-<p:sld xmlns:a="http://schemas.openxmlformats.org/drawingml/2006/main" xmlns:r="http://schemas.openxmlformats.org/officeDocument/2006/relationships" xmlns:p="http://schemas.openxmlformats.org/presentationml/2006/main">
-  <p:cSld>
-    <p:spTree>
-      <p:nvGrpSpPr>
-        <p:cNvPr id="1" name=""/>
-        <p:cNvGrpSpPr/>
-        <p:nvPr/>
-      </p:nvGrpSpPr>
-      <p:grpSpPr>
-        <a:xfrm>
-          <a:off x="0" y="0"/>
-          <a:ext cx="0" cy="0"/>
-          <a:chOff x="0" y="0"/>
-          <a:chExt cx="0" cy="0"/>
-        </a:xfrm>
-      </p:grpSpPr>
-      <p:sp>
-        <p:nvSpPr>
-          <p:cNvPr id="2" name="Title 1"/>
-          <p:cNvSpPr>
-            <a:spLocks noGrp="1"/>
-          </p:cNvSpPr>
-          <p:nvPr>
-            <p:ph type="title"/>
-          </p:nvPr>
-        </p:nvSpPr>
-        <p:spPr>
-          <a:xfrm>
-            <a:off x="838200" y="365126"/>
-            <a:ext cx="10515600" cy="757272"/>
-          </a:xfrm>
-        </p:spPr>
-        <p:txBody>
-          <a:bodyPr>
-            <a:normAutofit/>
-          </a:bodyPr>
-          <a:lstStyle/>
-          <a:p>
-            <a:r>
-              <a:rPr lang="en-US" sz="3600" dirty="0"/>
-              <a:t>Install* Java Development Environment </a:t>
-            </a:r>
-            <a:r>
-              <a:rPr lang="en-US" sz="3600" dirty="0">
-                <a:hlinkClick r:id="rId4"/>
-              </a:rPr>
-              <a:t>[link]</a:t>
-            </a:r>
-            <a:endParaRPr lang="en-US" sz="3600" dirty="0"/>
-          </a:p>
-        </p:txBody>
-      </p:sp>
-      <p:sp>
-        <p:nvSpPr>
-          <p:cNvPr id="4" name="Content Placeholder 2"/>
-          <p:cNvSpPr>
-            <a:spLocks noGrp="1"/>
-          </p:cNvSpPr>
-          <p:nvPr>
-            <p:ph idx="1"/>
-          </p:nvPr>
-        </p:nvSpPr>
-        <p:spPr>
-          <a:xfrm>
-            <a:off x="811620" y="1389690"/>
-            <a:ext cx="5488171" cy="1445525"/>
-          </a:xfrm>
-        </p:spPr>
-        <p:txBody>
-          <a:bodyPr>
-            <a:normAutofit/>
-          </a:bodyPr>
-          <a:lstStyle/>
-          <a:p>
-            <a:pPr marL="0" indent="0">
-              <a:buNone/>
-            </a:pPr>
-            <a:r>
-              <a:rPr lang="en-US" sz="2000" u="sng" dirty="0"/>
-              <a:t>Standard Java tools for this class include:</a:t>
-            </a:r>
-          </a:p>
-          <a:p>
-            <a:pPr>
-              <a:buFont typeface="Wingdings" panose="05000000000000000000" pitchFamily="2" charset="2"/>
-              <a:buChar char="§"/>
-            </a:pPr>
-            <a:r>
-              <a:rPr lang="en-US" sz="2000" dirty="0"/>
-              <a:t>Java SE Development Kit (SDK) 8 from Oracle</a:t>
-            </a:r>
-          </a:p>
-          <a:p>
-            <a:pPr>
-              <a:buFont typeface="Wingdings" panose="05000000000000000000" pitchFamily="2" charset="2"/>
-              <a:buChar char="§"/>
-            </a:pPr>
-            <a:r>
-              <a:rPr lang="en-US" sz="2000" dirty="0"/>
-              <a:t>Text Editor</a:t>
-            </a:r>
-          </a:p>
-          <a:p>
-            <a:pPr>
-              <a:buFont typeface="Wingdings" panose="05000000000000000000" pitchFamily="2" charset="2"/>
-              <a:buChar char="§"/>
-            </a:pPr>
-            <a:endParaRPr lang="en-US" sz="2000" dirty="0"/>
-          </a:p>
-          <a:p>
-            <a:pPr marL="0" indent="0">
-              <a:buNone/>
-            </a:pPr>
-            <a:endParaRPr lang="en-US" sz="2000" dirty="0"/>
-          </a:p>
-        </p:txBody>
-      </p:sp>
       <p:pic>
         <p:nvPicPr>
-          <p:cNvPr id="5" name="Picture 4"/>
+          <p:cNvPr id="6" name="Picture 5"/>
           <p:cNvPicPr>
             <a:picLocks noChangeAspect="1"/>
           </p:cNvPicPr>
@@ -6391,96 +6287,8 @@
         </p:blipFill>
         <p:spPr>
           <a:xfrm>
-            <a:off x="6680792" y="1389690"/>
-            <a:ext cx="4114800" cy="4089892"/>
-          </a:xfrm>
-          <a:prstGeom prst="rect">
-            <a:avLst/>
-          </a:prstGeom>
-        </p:spPr>
-      </p:pic>
-      <p:sp>
-        <p:nvSpPr>
-          <p:cNvPr id="6" name="Arrow: Right 5"/>
-          <p:cNvSpPr/>
-          <p:nvPr/>
-        </p:nvSpPr>
-        <p:spPr>
-          <a:xfrm>
-            <a:off x="5900188" y="1796902"/>
-            <a:ext cx="510363" cy="366823"/>
-          </a:xfrm>
-          <a:prstGeom prst="rightArrow">
-            <a:avLst/>
-          </a:prstGeom>
-        </p:spPr>
-        <p:style>
-          <a:lnRef idx="2">
-            <a:schemeClr val="accent1">
-              <a:shade val="50000"/>
-            </a:schemeClr>
-          </a:lnRef>
-          <a:fillRef idx="1">
-            <a:schemeClr val="accent1"/>
-          </a:fillRef>
-          <a:effectRef idx="0">
-            <a:schemeClr val="accent1"/>
-          </a:effectRef>
-          <a:fontRef idx="minor">
-            <a:schemeClr val="lt1"/>
-          </a:fontRef>
-        </p:style>
-        <p:txBody>
-          <a:bodyPr rtlCol="0" anchor="ctr"/>
-          <a:lstStyle/>
-          <a:p>
-            <a:pPr algn="ctr"/>
-            <a:endParaRPr lang="en-US"/>
-          </a:p>
-        </p:txBody>
-      </p:sp>
-      <p:pic>
-        <p:nvPicPr>
-          <p:cNvPr id="3" name="Picture 2"/>
-          <p:cNvPicPr>
-            <a:picLocks noChangeAspect="1"/>
-          </p:cNvPicPr>
-          <p:nvPr/>
-        </p:nvPicPr>
-        <p:blipFill>
-          <a:blip r:embed="rId6"/>
-          <a:stretch>
-            <a:fillRect/>
-          </a:stretch>
-        </p:blipFill>
-        <p:spPr>
-          <a:xfrm>
-            <a:off x="578244" y="3320810"/>
-            <a:ext cx="3851285" cy="1832035"/>
-          </a:xfrm>
-          <a:prstGeom prst="rect">
-            <a:avLst/>
-          </a:prstGeom>
-        </p:spPr>
-      </p:pic>
-      <p:pic>
-        <p:nvPicPr>
-          <p:cNvPr id="7" name="Picture 6"/>
-          <p:cNvPicPr>
-            <a:picLocks noChangeAspect="1"/>
-          </p:cNvPicPr>
-          <p:nvPr/>
-        </p:nvPicPr>
-        <p:blipFill>
-          <a:blip r:embed="rId7"/>
-          <a:stretch>
-            <a:fillRect/>
-          </a:stretch>
-        </p:blipFill>
-        <p:spPr>
-          <a:xfrm>
-            <a:off x="1748674" y="4140590"/>
-            <a:ext cx="4406695" cy="1742626"/>
+            <a:off x="6181440" y="4003529"/>
+            <a:ext cx="2749632" cy="1814306"/>
           </a:xfrm>
           <a:prstGeom prst="rect">
             <a:avLst/>
@@ -6488,12 +6296,9 @@
         </p:spPr>
       </p:pic>
     </p:spTree>
-    <p:custDataLst>
-      <p:tags r:id="rId1"/>
-    </p:custDataLst>
     <p:extLst>
       <p:ext uri="{BB962C8B-B14F-4D97-AF65-F5344CB8AC3E}">
-        <p14:creationId xmlns:p14="http://schemas.microsoft.com/office/powerpoint/2010/main" val="3718402329"/>
+        <p14:creationId xmlns:p14="http://schemas.microsoft.com/office/powerpoint/2010/main" val="2520148932"/>
       </p:ext>
     </p:extLst>
   </p:cSld>
@@ -6534,7 +6339,7 @@
                                           </p:stCondLst>
                                         </p:cTn>
                                         <p:tgtEl>
-                                          <p:spTgt spid="7"/>
+                                          <p:spTgt spid="5"/>
                                         </p:tgtEl>
                                         <p:attrNameLst>
                                           <p:attrName>style.visibility</p:attrName>
@@ -6548,7 +6353,7 @@
                                       <p:cBhvr additive="base">
                                         <p:cTn id="7" dur="500" fill="hold"/>
                                         <p:tgtEl>
-                                          <p:spTgt spid="7"/>
+                                          <p:spTgt spid="5"/>
                                         </p:tgtEl>
                                         <p:attrNameLst>
                                           <p:attrName>ppt_x</p:attrName>
@@ -6571,7 +6376,7 @@
                                       <p:cBhvr additive="base">
                                         <p:cTn id="8" dur="500" fill="hold"/>
                                         <p:tgtEl>
-                                          <p:spTgt spid="7"/>
+                                          <p:spTgt spid="5"/>
                                         </p:tgtEl>
                                         <p:attrNameLst>
                                           <p:attrName>ppt_y</p:attrName>
@@ -6593,21 +6398,39 @@
                                   </p:childTnLst>
                                 </p:cTn>
                               </p:par>
+                            </p:childTnLst>
+                          </p:cTn>
+                        </p:par>
+                      </p:childTnLst>
+                    </p:cTn>
+                  </p:par>
+                  <p:par>
+                    <p:cTn id="9" fill="hold">
+                      <p:stCondLst>
+                        <p:cond delay="indefinite"/>
+                      </p:stCondLst>
+                      <p:childTnLst>
+                        <p:par>
+                          <p:cTn id="10" fill="hold">
+                            <p:stCondLst>
+                              <p:cond delay="0"/>
+                            </p:stCondLst>
+                            <p:childTnLst>
                               <p:par>
-                                <p:cTn id="9" presetID="2" presetClass="entr" presetSubtype="4" fill="hold" nodeType="withEffect">
+                                <p:cTn id="11" presetID="2" presetClass="entr" presetSubtype="4" fill="hold" nodeType="clickEffect">
                                   <p:stCondLst>
                                     <p:cond delay="0"/>
                                   </p:stCondLst>
                                   <p:childTnLst>
                                     <p:set>
                                       <p:cBhvr>
-                                        <p:cTn id="10" dur="1" fill="hold">
+                                        <p:cTn id="12" dur="1" fill="hold">
                                           <p:stCondLst>
                                             <p:cond delay="0"/>
                                           </p:stCondLst>
                                         </p:cTn>
                                         <p:tgtEl>
-                                          <p:spTgt spid="3"/>
+                                          <p:spTgt spid="4"/>
                                         </p:tgtEl>
                                         <p:attrNameLst>
                                           <p:attrName>style.visibility</p:attrName>
@@ -6619,9 +6442,9 @@
                                     </p:set>
                                     <p:anim calcmode="lin" valueType="num">
                                       <p:cBhvr additive="base">
-                                        <p:cTn id="11" dur="500" fill="hold"/>
+                                        <p:cTn id="13" dur="500" fill="hold"/>
                                         <p:tgtEl>
-                                          <p:spTgt spid="3"/>
+                                          <p:spTgt spid="4"/>
                                         </p:tgtEl>
                                         <p:attrNameLst>
                                           <p:attrName>ppt_x</p:attrName>
@@ -6642,9 +6465,100 @@
                                     </p:anim>
                                     <p:anim calcmode="lin" valueType="num">
                                       <p:cBhvr additive="base">
-                                        <p:cTn id="12" dur="500" fill="hold"/>
+                                        <p:cTn id="14" dur="500" fill="hold"/>
                                         <p:tgtEl>
-                                          <p:spTgt spid="3"/>
+                                          <p:spTgt spid="4"/>
+                                        </p:tgtEl>
+                                        <p:attrNameLst>
+                                          <p:attrName>ppt_y</p:attrName>
+                                        </p:attrNameLst>
+                                      </p:cBhvr>
+                                      <p:tavLst>
+                                        <p:tav tm="0">
+                                          <p:val>
+                                            <p:strVal val="1+#ppt_h/2"/>
+                                          </p:val>
+                                        </p:tav>
+                                        <p:tav tm="100000">
+                                          <p:val>
+                                            <p:strVal val="#ppt_y"/>
+                                          </p:val>
+                                        </p:tav>
+                                      </p:tavLst>
+                                    </p:anim>
+                                  </p:childTnLst>
+                                </p:cTn>
+                              </p:par>
+                            </p:childTnLst>
+                          </p:cTn>
+                        </p:par>
+                      </p:childTnLst>
+                    </p:cTn>
+                  </p:par>
+                  <p:par>
+                    <p:cTn id="15" fill="hold">
+                      <p:stCondLst>
+                        <p:cond delay="indefinite"/>
+                      </p:stCondLst>
+                      <p:childTnLst>
+                        <p:par>
+                          <p:cTn id="16" fill="hold">
+                            <p:stCondLst>
+                              <p:cond delay="0"/>
+                            </p:stCondLst>
+                            <p:childTnLst>
+                              <p:par>
+                                <p:cTn id="17" presetID="2" presetClass="entr" presetSubtype="4" fill="hold" nodeType="clickEffect">
+                                  <p:stCondLst>
+                                    <p:cond delay="0"/>
+                                  </p:stCondLst>
+                                  <p:childTnLst>
+                                    <p:set>
+                                      <p:cBhvr>
+                                        <p:cTn id="18" dur="1" fill="hold">
+                                          <p:stCondLst>
+                                            <p:cond delay="0"/>
+                                          </p:stCondLst>
+                                        </p:cTn>
+                                        <p:tgtEl>
+                                          <p:spTgt spid="6"/>
+                                        </p:tgtEl>
+                                        <p:attrNameLst>
+                                          <p:attrName>style.visibility</p:attrName>
+                                        </p:attrNameLst>
+                                      </p:cBhvr>
+                                      <p:to>
+                                        <p:strVal val="visible"/>
+                                      </p:to>
+                                    </p:set>
+                                    <p:anim calcmode="lin" valueType="num">
+                                      <p:cBhvr additive="base">
+                                        <p:cTn id="19" dur="500" fill="hold"/>
+                                        <p:tgtEl>
+                                          <p:spTgt spid="6"/>
+                                        </p:tgtEl>
+                                        <p:attrNameLst>
+                                          <p:attrName>ppt_x</p:attrName>
+                                        </p:attrNameLst>
+                                      </p:cBhvr>
+                                      <p:tavLst>
+                                        <p:tav tm="0">
+                                          <p:val>
+                                            <p:strVal val="#ppt_x"/>
+                                          </p:val>
+                                        </p:tav>
+                                        <p:tav tm="100000">
+                                          <p:val>
+                                            <p:strVal val="#ppt_x"/>
+                                          </p:val>
+                                        </p:tav>
+                                      </p:tavLst>
+                                    </p:anim>
+                                    <p:anim calcmode="lin" valueType="num">
+                                      <p:cBhvr additive="base">
+                                        <p:cTn id="20" dur="500" fill="hold"/>
+                                        <p:tgtEl>
+                                          <p:spTgt spid="6"/>
                                         </p:tgtEl>
                                         <p:attrNameLst>
                                           <p:attrName>ppt_y</p:attrName>
@@ -6697,7 +6611,7 @@
 </p:sld>
 </file>
 
-<file path=ppt/slides/slide13.xml><?xml version="1.0" encoding="utf-8"?>
+<file path=ppt/slides/slide11.xml><?xml version="1.0" encoding="utf-8"?>
 <p:sld xmlns:a="http://schemas.openxmlformats.org/drawingml/2006/main" xmlns:r="http://schemas.openxmlformats.org/officeDocument/2006/relationships" xmlns:p="http://schemas.openxmlformats.org/presentationml/2006/main">
   <p:cSld>
     <p:spTree>
@@ -6726,8 +6640,8 @@
         </p:nvSpPr>
         <p:spPr>
           <a:xfrm>
-            <a:off x="838200" y="365126"/>
-            <a:ext cx="10515600" cy="757272"/>
+            <a:off x="838200" y="365125"/>
+            <a:ext cx="6239719" cy="1325563"/>
           </a:xfrm>
         </p:spPr>
         <p:txBody>
@@ -6738,14 +6652,14 @@
           <a:p>
             <a:r>
               <a:rPr lang="en-US" sz="3600" dirty="0"/>
-              <a:t>Install* Java Development Environment (continued)</a:t>
-            </a:r>
-          </a:p>
-        </p:txBody>
-      </p:sp>
-      <p:sp>
-        <p:nvSpPr>
-          <p:cNvPr id="4" name="Content Placeholder 2"/>
+              <a:t>Model-View-Controller</a:t>
+            </a:r>
+          </a:p>
+        </p:txBody>
+      </p:sp>
+      <p:sp>
+        <p:nvSpPr>
+          <p:cNvPr id="3" name="Content Placeholder 2"/>
           <p:cNvSpPr>
             <a:spLocks noGrp="1"/>
           </p:cNvSpPr>
@@ -6755,8 +6669,8 @@
         </p:nvSpPr>
         <p:spPr>
           <a:xfrm>
-            <a:off x="811620" y="1389690"/>
-            <a:ext cx="5488171" cy="4373157"/>
+            <a:off x="838199" y="1549178"/>
+            <a:ext cx="10453578" cy="4783519"/>
           </a:xfrm>
         </p:spPr>
         <p:txBody>
@@ -6770,102 +6684,95 @@
             </a:pPr>
             <a:r>
               <a:rPr lang="en-US" sz="2000" u="sng" dirty="0"/>
-              <a:t>Standard Java tools for this class include:</a:t>
-            </a:r>
-          </a:p>
-          <a:p>
-            <a:pPr>
-              <a:buFont typeface="Wingdings" panose="05000000000000000000" pitchFamily="2" charset="2"/>
-              <a:buChar char="§"/>
-            </a:pPr>
-            <a:r>
-              <a:rPr lang="en-US" sz="2000" dirty="0">
-                <a:solidFill>
-                  <a:schemeClr val="bg1">
-                    <a:lumMod val="65000"/>
-                  </a:schemeClr>
-                </a:solidFill>
-              </a:rPr>
-              <a:t>Java SE Development Kit (SDK) 8 from Oracle</a:t>
-            </a:r>
-          </a:p>
-          <a:p>
-            <a:pPr>
-              <a:buFont typeface="Wingdings" panose="05000000000000000000" pitchFamily="2" charset="2"/>
-              <a:buChar char="§"/>
-            </a:pPr>
-            <a:r>
-              <a:rPr lang="en-US" sz="2000" dirty="0"/>
-              <a:t>Text Editor… Use any text editor you desire</a:t>
-            </a:r>
-          </a:p>
-          <a:p>
-            <a:pPr>
-              <a:buFont typeface="Wingdings" panose="05000000000000000000" pitchFamily="2" charset="2"/>
-              <a:buChar char="§"/>
-            </a:pPr>
-            <a:endParaRPr lang="en-US" sz="2000" dirty="0"/>
-          </a:p>
-          <a:p>
-            <a:pPr>
-              <a:buFont typeface="Wingdings" panose="05000000000000000000" pitchFamily="2" charset="2"/>
-              <a:buChar char="§"/>
-            </a:pPr>
-            <a:r>
-              <a:rPr lang="en-US" sz="2000" dirty="0"/>
-              <a:t> Example: Microsoft Code </a:t>
-            </a:r>
-            <a:r>
-              <a:rPr lang="en-US" sz="2000" dirty="0">
-                <a:hlinkClick r:id="rId3"/>
-              </a:rPr>
-              <a:t>[link]</a:t>
-            </a:r>
-            <a:endParaRPr lang="en-US" sz="2000" dirty="0"/>
-          </a:p>
-          <a:p>
-            <a:pPr>
-              <a:buFont typeface="Wingdings" panose="05000000000000000000" pitchFamily="2" charset="2"/>
-              <a:buChar char="§"/>
-            </a:pPr>
-            <a:endParaRPr lang="en-US" sz="2000" dirty="0"/>
-          </a:p>
-          <a:p>
-            <a:pPr marL="0" indent="0">
-              <a:buNone/>
-            </a:pPr>
-            <a:endParaRPr lang="en-US" sz="2000" dirty="0"/>
-          </a:p>
-        </p:txBody>
-      </p:sp>
-      <p:pic>
-        <p:nvPicPr>
-          <p:cNvPr id="9" name="Picture 8"/>
-          <p:cNvPicPr>
-            <a:picLocks noChangeAspect="1"/>
-          </p:cNvPicPr>
-          <p:nvPr/>
-        </p:nvPicPr>
-        <p:blipFill>
-          <a:blip r:embed="rId4"/>
-          <a:stretch>
-            <a:fillRect/>
-          </a:stretch>
-        </p:blipFill>
-        <p:spPr>
-          <a:xfrm>
-            <a:off x="6785682" y="1389690"/>
-            <a:ext cx="4117764" cy="4479482"/>
-          </a:xfrm>
-          <a:prstGeom prst="rect">
-            <a:avLst/>
-          </a:prstGeom>
-        </p:spPr>
-      </p:pic>
+              <a:t>Model-View-Controller (MVC)</a:t>
+            </a:r>
+            <a:r>
+              <a:rPr lang="en-US" sz="2000" dirty="0"/>
+              <a:t>: This week are focus will be in creating our first Graphical view. Specifically we will:</a:t>
+            </a:r>
+          </a:p>
+          <a:p>
+            <a:pPr marL="457200" indent="-457200">
+              <a:buFont typeface="+mj-lt"/>
+              <a:buAutoNum type="arabicPeriod"/>
+            </a:pPr>
+            <a:r>
+              <a:rPr lang="en-US" sz="2000" dirty="0"/>
+              <a:t>Implement our first graphical view using Java AWT and Swing graphics</a:t>
+            </a:r>
+          </a:p>
+          <a:p>
+            <a:pPr marL="457200" indent="-457200">
+              <a:buFont typeface="+mj-lt"/>
+              <a:buAutoNum type="arabicPeriod"/>
+            </a:pPr>
+            <a:r>
+              <a:rPr lang="en-US" sz="2000" dirty="0"/>
+              <a:t>Demonstrate a view that you will be able to build off of for our assignment</a:t>
+            </a:r>
+          </a:p>
+          <a:p>
+            <a:pPr marL="457200" indent="-457200">
+              <a:buFont typeface="+mj-lt"/>
+              <a:buAutoNum type="arabicPeriod"/>
+            </a:pPr>
+            <a:r>
+              <a:rPr lang="en-US" sz="2000" dirty="0"/>
+              <a:t>Implement a more sophisticated view to draw smiling and frowning faces as our assignment for the week</a:t>
+            </a:r>
+          </a:p>
+          <a:p>
+            <a:pPr marL="457200" indent="-457200">
+              <a:buFont typeface="+mj-lt"/>
+              <a:buAutoNum type="arabicPeriod"/>
+            </a:pPr>
+            <a:r>
+              <a:rPr lang="en-US" sz="2000" dirty="0"/>
+              <a:t>Discuss why our command line interface is also a view</a:t>
+            </a:r>
+          </a:p>
+          <a:p>
+            <a:pPr marL="457200" indent="-457200">
+              <a:buFont typeface="+mj-lt"/>
+              <a:buAutoNum type="arabicPeriod"/>
+            </a:pPr>
+            <a:r>
+              <a:rPr lang="en-US" sz="2000" dirty="0"/>
+              <a:t>Discuss how we “render” our data to the command line using the </a:t>
+            </a:r>
+            <a:r>
+              <a:rPr lang="en-US" sz="2000" dirty="0" err="1"/>
+              <a:t>toString</a:t>
+            </a:r>
+            <a:r>
+              <a:rPr lang="en-US" sz="2000" dirty="0"/>
+              <a:t>() method</a:t>
+            </a:r>
+          </a:p>
+          <a:p>
+            <a:pPr marL="457200" indent="-457200">
+              <a:buFont typeface="+mj-lt"/>
+              <a:buAutoNum type="arabicPeriod"/>
+            </a:pPr>
+            <a:r>
+              <a:rPr lang="en-US" sz="2000" dirty="0"/>
+              <a:t>Discuss pros and cons of “rendering” our data to our graphical view via a “</a:t>
+            </a:r>
+            <a:r>
+              <a:rPr lang="en-US" sz="2000" dirty="0" err="1"/>
+              <a:t>toGraphic</a:t>
+            </a:r>
+            <a:r>
+              <a:rPr lang="en-US" sz="2000" dirty="0"/>
+              <a:t>()” method</a:t>
+            </a:r>
+          </a:p>
+        </p:txBody>
+      </p:sp>
     </p:spTree>
     <p:extLst>
       <p:ext uri="{BB962C8B-B14F-4D97-AF65-F5344CB8AC3E}">
-        <p14:creationId xmlns:p14="http://schemas.microsoft.com/office/powerpoint/2010/main" val="2290857032"/>
+        <p14:creationId xmlns:p14="http://schemas.microsoft.com/office/powerpoint/2010/main" val="2530599504"/>
       </p:ext>
     </p:extLst>
   </p:cSld>
@@ -6875,7 +6782,7 @@
 </p:sld>
 </file>
 
-<file path=ppt/slides/slide14.xml><?xml version="1.0" encoding="utf-8"?>
+<file path=ppt/slides/slide12.xml><?xml version="1.0" encoding="utf-8"?>
 <p:sld xmlns:a="http://schemas.openxmlformats.org/drawingml/2006/main" xmlns:r="http://schemas.openxmlformats.org/officeDocument/2006/relationships" xmlns:p="http://schemas.openxmlformats.org/presentationml/2006/main">
   <p:cSld>
     <p:spTree>
@@ -6902,12 +6809,7 @@
             <p:ph type="title"/>
           </p:nvPr>
         </p:nvSpPr>
-        <p:spPr>
-          <a:xfrm>
-            <a:off x="838200" y="365126"/>
-            <a:ext cx="10515600" cy="757272"/>
-          </a:xfrm>
-        </p:spPr>
+        <p:spPr/>
         <p:txBody>
           <a:bodyPr>
             <a:normAutofit/>
@@ -6916,14 +6818,14 @@
           <a:p>
             <a:r>
               <a:rPr lang="en-US" sz="3600" dirty="0"/>
-              <a:t>Java Integrated Development Environment</a:t>
-            </a:r>
-          </a:p>
-        </p:txBody>
-      </p:sp>
-      <p:sp>
-        <p:nvSpPr>
-          <p:cNvPr id="4" name="Content Placeholder 2"/>
+              <a:t>Interface Implementation vs. Class Extension</a:t>
+            </a:r>
+          </a:p>
+        </p:txBody>
+      </p:sp>
+      <p:sp>
+        <p:nvSpPr>
+          <p:cNvPr id="3" name="Content Placeholder 2"/>
           <p:cNvSpPr>
             <a:spLocks noGrp="1"/>
           </p:cNvSpPr>
@@ -6933,8 +6835,8 @@
         </p:nvSpPr>
         <p:spPr>
           <a:xfrm>
-            <a:off x="811620" y="1389690"/>
-            <a:ext cx="10709820" cy="4208352"/>
+            <a:off x="838198" y="1525772"/>
+            <a:ext cx="10515601" cy="4651191"/>
           </a:xfrm>
         </p:spPr>
         <p:txBody>
@@ -6943,1143 +6845,28 @@
           </a:bodyPr>
           <a:lstStyle/>
           <a:p>
-            <a:pPr>
-              <a:buFont typeface="Wingdings" panose="05000000000000000000" pitchFamily="2" charset="2"/>
-              <a:buChar char="§"/>
-            </a:pPr>
-            <a:r>
-              <a:rPr lang="en-US" sz="2000" dirty="0"/>
-              <a:t>Source Code Editor (syntax highlighting, code completion, etc.)</a:t>
-            </a:r>
-          </a:p>
-          <a:p>
-            <a:pPr>
-              <a:buFont typeface="Wingdings" panose="05000000000000000000" pitchFamily="2" charset="2"/>
-              <a:buChar char="§"/>
-            </a:pPr>
-            <a:r>
-              <a:rPr lang="en-US" sz="2000" dirty="0"/>
-              <a:t>Compiler</a:t>
-            </a:r>
-          </a:p>
-          <a:p>
-            <a:pPr>
-              <a:buFont typeface="Wingdings" panose="05000000000000000000" pitchFamily="2" charset="2"/>
-              <a:buChar char="§"/>
-            </a:pPr>
-            <a:r>
-              <a:rPr lang="en-US" sz="2000" dirty="0"/>
-              <a:t>JRE</a:t>
-            </a:r>
-          </a:p>
-          <a:p>
-            <a:pPr>
-              <a:buFont typeface="Wingdings" panose="05000000000000000000" pitchFamily="2" charset="2"/>
-              <a:buChar char="§"/>
-            </a:pPr>
-            <a:r>
-              <a:rPr lang="en-US" sz="2000" dirty="0"/>
-              <a:t>Debugger**</a:t>
-            </a:r>
-          </a:p>
-          <a:p>
-            <a:pPr>
-              <a:buFont typeface="Wingdings" panose="05000000000000000000" pitchFamily="2" charset="2"/>
-              <a:buChar char="§"/>
-            </a:pPr>
-            <a:r>
-              <a:rPr lang="en-US" sz="2000" dirty="0" err="1"/>
-              <a:t>JavaDoc</a:t>
-            </a:r>
-            <a:endParaRPr lang="en-US" sz="2000" dirty="0"/>
-          </a:p>
-          <a:p>
             <a:pPr marL="0" indent="0">
               <a:buNone/>
             </a:pPr>
             <a:endParaRPr lang="en-US" sz="2000" dirty="0"/>
           </a:p>
           <a:p>
-            <a:pPr marL="0" indent="0">
-              <a:buNone/>
-            </a:pPr>
-            <a:r>
-              <a:rPr lang="en-US" sz="2000" dirty="0"/>
-              <a:t>Eclipse</a:t>
-            </a:r>
-          </a:p>
-          <a:p>
-            <a:pPr marL="0" indent="0">
-              <a:buNone/>
-            </a:pPr>
-            <a:r>
-              <a:rPr lang="en-US" sz="2000" dirty="0"/>
-              <a:t>Visual Studio</a:t>
-            </a:r>
-          </a:p>
-          <a:p>
-            <a:pPr marL="0" indent="0">
-              <a:buNone/>
-            </a:pPr>
             <a:endParaRPr lang="en-US" sz="2000" dirty="0"/>
           </a:p>
-          <a:p>
-            <a:pPr marL="0" indent="0">
-              <a:buNone/>
-            </a:pPr>
-            <a:endParaRPr lang="en-US" sz="2000" dirty="0"/>
-          </a:p>
-        </p:txBody>
-      </p:sp>
-    </p:spTree>
-    <p:extLst>
-      <p:ext uri="{BB962C8B-B14F-4D97-AF65-F5344CB8AC3E}">
-        <p14:creationId xmlns:p14="http://schemas.microsoft.com/office/powerpoint/2010/main" val="1070879889"/>
-      </p:ext>
-    </p:extLst>
-  </p:cSld>
-  <p:clrMapOvr>
-    <a:masterClrMapping/>
-  </p:clrMapOvr>
-</p:sld>
-</file>
-
-<file path=ppt/slides/slide15.xml><?xml version="1.0" encoding="utf-8"?>
-<p:sld xmlns:a="http://schemas.openxmlformats.org/drawingml/2006/main" xmlns:r="http://schemas.openxmlformats.org/officeDocument/2006/relationships" xmlns:p="http://schemas.openxmlformats.org/presentationml/2006/main">
-  <p:cSld>
-    <p:spTree>
-      <p:nvGrpSpPr>
-        <p:cNvPr id="1" name=""/>
-        <p:cNvGrpSpPr/>
-        <p:nvPr/>
-      </p:nvGrpSpPr>
-      <p:grpSpPr>
-        <a:xfrm>
-          <a:off x="0" y="0"/>
-          <a:ext cx="0" cy="0"/>
-          <a:chOff x="0" y="0"/>
-          <a:chExt cx="0" cy="0"/>
-        </a:xfrm>
-      </p:grpSpPr>
-      <p:sp>
-        <p:nvSpPr>
-          <p:cNvPr id="2" name="Title 1"/>
-          <p:cNvSpPr>
-            <a:spLocks noGrp="1"/>
-          </p:cNvSpPr>
-          <p:nvPr>
-            <p:ph type="ctrTitle"/>
-          </p:nvPr>
+        </p:txBody>
+      </p:sp>
+      <p:sp>
+        <p:nvSpPr>
+          <p:cNvPr id="4" name="Content Placeholder 2"/>
+          <p:cNvSpPr txBox="1">
+            <a:spLocks/>
+          </p:cNvSpPr>
+          <p:nvPr/>
         </p:nvSpPr>
         <p:spPr>
           <a:xfrm>
-            <a:off x="1524000" y="1122363"/>
-            <a:ext cx="9144000" cy="2387600"/>
-          </a:xfrm>
-        </p:spPr>
-        <p:txBody>
-          <a:bodyPr>
-            <a:normAutofit/>
-          </a:bodyPr>
-          <a:lstStyle/>
-          <a:p>
-            <a:r>
-              <a:rPr lang="en-US" sz="4800" dirty="0"/>
-              <a:t>End of Session</a:t>
-            </a:r>
-          </a:p>
-        </p:txBody>
-      </p:sp>
-      <p:sp>
-        <p:nvSpPr>
-          <p:cNvPr id="3" name="Subtitle 2"/>
-          <p:cNvSpPr>
-            <a:spLocks noGrp="1"/>
-          </p:cNvSpPr>
-          <p:nvPr>
-            <p:ph type="subTitle" idx="1"/>
-          </p:nvPr>
-        </p:nvSpPr>
-        <p:spPr>
-          <a:xfrm>
-            <a:off x="1524000" y="3602038"/>
-            <a:ext cx="9144000" cy="2198022"/>
-          </a:xfrm>
-        </p:spPr>
-        <p:txBody>
-          <a:bodyPr>
-            <a:normAutofit/>
-          </a:bodyPr>
-          <a:lstStyle/>
-          <a:p>
-            <a:pPr algn="l"/>
-            <a:r>
-              <a:rPr lang="en-US" dirty="0"/>
-              <a:t>Course Number: CPSC-24500</a:t>
-            </a:r>
-          </a:p>
-          <a:p>
-            <a:pPr algn="l"/>
-            <a:r>
-              <a:rPr lang="en-US" dirty="0"/>
-              <a:t>Week: 2</a:t>
-            </a:r>
-          </a:p>
-          <a:p>
-            <a:pPr algn="l"/>
-            <a:r>
-              <a:rPr lang="en-US" dirty="0"/>
-              <a:t>Session: 1</a:t>
-            </a:r>
-          </a:p>
-          <a:p>
-            <a:pPr algn="l"/>
-            <a:r>
-              <a:rPr lang="en-US" dirty="0"/>
-              <a:t>Instructor: Eric Pogue</a:t>
-            </a:r>
-          </a:p>
-        </p:txBody>
-      </p:sp>
-      <p:pic>
-        <p:nvPicPr>
-          <p:cNvPr id="4" name="Content Placeholder 4"/>
-          <p:cNvPicPr>
-            <a:picLocks noChangeAspect="1"/>
-          </p:cNvPicPr>
-          <p:nvPr/>
-        </p:nvPicPr>
-        <p:blipFill>
-          <a:blip r:embed="rId3"/>
-          <a:stretch>
-            <a:fillRect/>
-          </a:stretch>
-        </p:blipFill>
-        <p:spPr>
-          <a:xfrm>
-            <a:off x="8697433" y="376717"/>
-            <a:ext cx="2656367" cy="1366321"/>
-          </a:xfrm>
-          <a:prstGeom prst="rect">
-            <a:avLst/>
-          </a:prstGeom>
-        </p:spPr>
-      </p:pic>
-    </p:spTree>
-    <p:extLst>
-      <p:ext uri="{BB962C8B-B14F-4D97-AF65-F5344CB8AC3E}">
-        <p14:creationId xmlns:p14="http://schemas.microsoft.com/office/powerpoint/2010/main" val="2689671921"/>
-      </p:ext>
-    </p:extLst>
-  </p:cSld>
-  <p:clrMapOvr>
-    <a:masterClrMapping/>
-  </p:clrMapOvr>
-</p:sld>
-</file>
-
-<file path=ppt/slides/slide2.xml><?xml version="1.0" encoding="utf-8"?>
-<p:sld xmlns:a="http://schemas.openxmlformats.org/drawingml/2006/main" xmlns:r="http://schemas.openxmlformats.org/officeDocument/2006/relationships" xmlns:p="http://schemas.openxmlformats.org/presentationml/2006/main">
-  <p:cSld>
-    <p:spTree>
-      <p:nvGrpSpPr>
-        <p:cNvPr id="1" name=""/>
-        <p:cNvGrpSpPr/>
-        <p:nvPr/>
-      </p:nvGrpSpPr>
-      <p:grpSpPr>
-        <a:xfrm>
-          <a:off x="0" y="0"/>
-          <a:ext cx="0" cy="0"/>
-          <a:chOff x="0" y="0"/>
-          <a:chExt cx="0" cy="0"/>
-        </a:xfrm>
-      </p:grpSpPr>
-      <p:sp>
-        <p:nvSpPr>
-          <p:cNvPr id="2" name="Title 1"/>
-          <p:cNvSpPr>
-            <a:spLocks noGrp="1"/>
-          </p:cNvSpPr>
-          <p:nvPr>
-            <p:ph type="title"/>
-          </p:nvPr>
-        </p:nvSpPr>
-        <p:spPr>
-          <a:xfrm>
-            <a:off x="838200" y="365126"/>
-            <a:ext cx="10515600" cy="757272"/>
-          </a:xfrm>
-        </p:spPr>
-        <p:txBody>
-          <a:bodyPr>
-            <a:normAutofit/>
-          </a:bodyPr>
-          <a:lstStyle/>
-          <a:p>
-            <a:r>
-              <a:rPr lang="en-US" sz="3600" dirty="0"/>
-              <a:t>Learning Objectives – Week 3</a:t>
-            </a:r>
-            <a:endParaRPr lang="en-US" sz="3600" b="1" i="1" u="sng" dirty="0"/>
-          </a:p>
-        </p:txBody>
-      </p:sp>
-      <p:sp>
-        <p:nvSpPr>
-          <p:cNvPr id="3" name="Content Placeholder 2"/>
-          <p:cNvSpPr>
-            <a:spLocks noGrp="1"/>
-          </p:cNvSpPr>
-          <p:nvPr>
-            <p:ph idx="1"/>
-          </p:nvPr>
-        </p:nvSpPr>
-        <p:spPr>
-          <a:xfrm>
-            <a:off x="838200" y="1122398"/>
-            <a:ext cx="10718950" cy="5463343"/>
-          </a:xfrm>
-        </p:spPr>
-        <p:txBody>
-          <a:bodyPr>
-            <a:normAutofit/>
-          </a:bodyPr>
-          <a:lstStyle/>
-          <a:p>
-            <a:pPr marL="457200" indent="-457200">
-              <a:buFont typeface="+mj-lt"/>
-              <a:buAutoNum type="arabicPeriod"/>
-            </a:pPr>
-            <a:r>
-              <a:rPr lang="en-US" sz="2000" dirty="0"/>
-              <a:t>Explain the difference between lightweight and heavyweight components</a:t>
-            </a:r>
-          </a:p>
-          <a:p>
-            <a:pPr marL="457200" indent="-457200">
-              <a:buFont typeface="+mj-lt"/>
-              <a:buAutoNum type="arabicPeriod"/>
-            </a:pPr>
-            <a:r>
-              <a:rPr lang="en-US" sz="2000" dirty="0"/>
-              <a:t>Identify lightweight and heavyweight components</a:t>
-            </a:r>
-          </a:p>
-          <a:p>
-            <a:pPr marL="457200" indent="-457200">
-              <a:buFont typeface="+mj-lt"/>
-              <a:buAutoNum type="arabicPeriod"/>
-            </a:pPr>
-            <a:r>
-              <a:rPr lang="en-US" sz="2000" dirty="0"/>
-              <a:t>Describe how lightweight and heavyweight components render themselves</a:t>
-            </a:r>
-          </a:p>
-          <a:p>
-            <a:pPr marL="457200" indent="-457200">
-              <a:buFont typeface="+mj-lt"/>
-              <a:buAutoNum type="arabicPeriod"/>
-            </a:pPr>
-            <a:r>
-              <a:rPr lang="en-US" sz="2000" dirty="0"/>
-              <a:t>Explain what a layout manager does and identify and describe three of them</a:t>
-            </a:r>
-          </a:p>
-          <a:p>
-            <a:pPr marL="457200" indent="-457200">
-              <a:buFont typeface="+mj-lt"/>
-              <a:buAutoNum type="arabicPeriod"/>
-            </a:pPr>
-            <a:r>
-              <a:rPr lang="en-US" sz="2000" dirty="0"/>
-              <a:t>Specify layout managers for heavyweight and lightweight components</a:t>
-            </a:r>
-          </a:p>
-          <a:p>
-            <a:pPr marL="457200" indent="-457200">
-              <a:buFont typeface="+mj-lt"/>
-              <a:buAutoNum type="arabicPeriod"/>
-            </a:pPr>
-            <a:r>
-              <a:rPr lang="en-US" sz="2000" dirty="0"/>
-              <a:t>Use paint and </a:t>
-            </a:r>
-            <a:r>
-              <a:rPr lang="en-US" sz="2000" dirty="0" err="1"/>
-              <a:t>paintComponent's</a:t>
-            </a:r>
-            <a:r>
-              <a:rPr lang="en-US" sz="2000" dirty="0"/>
-              <a:t> Graphics object to draw a variety of shapes</a:t>
-            </a:r>
-          </a:p>
-          <a:p>
-            <a:pPr marL="457200" indent="-457200">
-              <a:buFont typeface="+mj-lt"/>
-              <a:buAutoNum type="arabicPeriod"/>
-            </a:pPr>
-            <a:r>
-              <a:rPr lang="en-US" sz="2000" dirty="0"/>
-              <a:t>Explain how to achieve true Model-View-Controller architecture by removing any reference from the view to the model and from the model to the view</a:t>
-            </a:r>
-          </a:p>
-          <a:p>
-            <a:pPr marL="457200" indent="-457200">
-              <a:buFont typeface="+mj-lt"/>
-              <a:buAutoNum type="arabicPeriod"/>
-            </a:pPr>
-            <a:r>
-              <a:rPr lang="en-US" sz="2000" dirty="0"/>
-              <a:t>Distinguish between extending a class and implementing an interface</a:t>
-            </a:r>
-          </a:p>
-          <a:p>
-            <a:pPr marL="457200" indent="-457200">
-              <a:buFont typeface="+mj-lt"/>
-              <a:buAutoNum type="arabicPeriod"/>
-            </a:pPr>
-            <a:r>
-              <a:rPr lang="en-US" sz="2000" dirty="0"/>
-              <a:t>Create an event handler that implements the ActionListener interface to respond to the user clicking on a button</a:t>
-            </a:r>
-          </a:p>
-          <a:p>
-            <a:pPr marL="457200" indent="-457200">
-              <a:buFont typeface="+mj-lt"/>
-              <a:buAutoNum type="arabicPeriod"/>
-            </a:pPr>
-            <a:r>
-              <a:rPr lang="en-US" sz="2000" dirty="0"/>
-              <a:t>Explain multiple ways to implement an event handler for a particular object and event (anonymous inner classes vs. named classes vs. having the frame itself serve as the handler)</a:t>
-            </a:r>
-          </a:p>
-          <a:p>
-            <a:pPr marL="457200" indent="-457200">
-              <a:buFont typeface="+mj-lt"/>
-              <a:buAutoNum type="arabicPeriod"/>
-            </a:pPr>
-            <a:endParaRPr lang="en-US" sz="2000" dirty="0"/>
-          </a:p>
-        </p:txBody>
-      </p:sp>
-    </p:spTree>
-    <p:extLst>
-      <p:ext uri="{BB962C8B-B14F-4D97-AF65-F5344CB8AC3E}">
-        <p14:creationId xmlns:p14="http://schemas.microsoft.com/office/powerpoint/2010/main" val="1072399538"/>
-      </p:ext>
-    </p:extLst>
-  </p:cSld>
-  <p:clrMapOvr>
-    <a:masterClrMapping/>
-  </p:clrMapOvr>
-</p:sld>
-</file>
-
-<file path=ppt/slides/slide3.xml><?xml version="1.0" encoding="utf-8"?>
-<p:sld xmlns:a="http://schemas.openxmlformats.org/drawingml/2006/main" xmlns:r="http://schemas.openxmlformats.org/officeDocument/2006/relationships" xmlns:p="http://schemas.openxmlformats.org/presentationml/2006/main">
-  <p:cSld>
-    <p:spTree>
-      <p:nvGrpSpPr>
-        <p:cNvPr id="1" name=""/>
-        <p:cNvGrpSpPr/>
-        <p:nvPr/>
-      </p:nvGrpSpPr>
-      <p:grpSpPr>
-        <a:xfrm>
-          <a:off x="0" y="0"/>
-          <a:ext cx="0" cy="0"/>
-          <a:chOff x="0" y="0"/>
-          <a:chExt cx="0" cy="0"/>
-        </a:xfrm>
-      </p:grpSpPr>
-      <p:sp>
-        <p:nvSpPr>
-          <p:cNvPr id="2" name="Title 1"/>
-          <p:cNvSpPr>
-            <a:spLocks noGrp="1"/>
-          </p:cNvSpPr>
-          <p:nvPr>
-            <p:ph type="title"/>
-          </p:nvPr>
-        </p:nvSpPr>
-        <p:spPr>
-          <a:xfrm>
-            <a:off x="838200" y="365126"/>
-            <a:ext cx="10515600" cy="757272"/>
-          </a:xfrm>
-        </p:spPr>
-        <p:txBody>
-          <a:bodyPr>
-            <a:normAutofit/>
-          </a:bodyPr>
-          <a:lstStyle/>
-          <a:p>
-            <a:r>
-              <a:rPr lang="en-US" sz="3600" dirty="0"/>
-              <a:t>**Learning Objectives – Week 3 / Session 1</a:t>
-            </a:r>
-            <a:endParaRPr lang="en-US" sz="3600" b="1" i="1" u="sng" dirty="0"/>
-          </a:p>
-        </p:txBody>
-      </p:sp>
-      <p:sp>
-        <p:nvSpPr>
-          <p:cNvPr id="3" name="Content Placeholder 2"/>
-          <p:cNvSpPr>
-            <a:spLocks noGrp="1"/>
-          </p:cNvSpPr>
-          <p:nvPr>
-            <p:ph idx="1"/>
-          </p:nvPr>
-        </p:nvSpPr>
-        <p:spPr>
-          <a:xfrm>
-            <a:off x="838200" y="1122398"/>
-            <a:ext cx="10718950" cy="5463343"/>
-          </a:xfrm>
-        </p:spPr>
-        <p:txBody>
-          <a:bodyPr>
-            <a:normAutofit/>
-          </a:bodyPr>
-          <a:lstStyle/>
-          <a:p>
-            <a:pPr marL="457200" indent="-457200">
-              <a:buFont typeface="+mj-lt"/>
-              <a:buAutoNum type="arabicPeriod"/>
-            </a:pPr>
-            <a:r>
-              <a:rPr lang="en-US" sz="2000" dirty="0"/>
-              <a:t>Explain the difference between lightweight and heavyweight components</a:t>
-            </a:r>
-          </a:p>
-          <a:p>
-            <a:pPr marL="457200" indent="-457200">
-              <a:buFont typeface="+mj-lt"/>
-              <a:buAutoNum type="arabicPeriod"/>
-            </a:pPr>
-            <a:r>
-              <a:rPr lang="en-US" sz="2000" dirty="0"/>
-              <a:t>Identify lightweight and heavyweight components</a:t>
-            </a:r>
-          </a:p>
-          <a:p>
-            <a:pPr marL="457200" indent="-457200">
-              <a:buFont typeface="+mj-lt"/>
-              <a:buAutoNum type="arabicPeriod"/>
-            </a:pPr>
-            <a:r>
-              <a:rPr lang="en-US" sz="2000" dirty="0"/>
-              <a:t>Describe how lightweight and heavyweight components render themselves</a:t>
-            </a:r>
-          </a:p>
-          <a:p>
-            <a:pPr marL="457200" indent="-457200">
-              <a:buFont typeface="+mj-lt"/>
-              <a:buAutoNum type="arabicPeriod"/>
-            </a:pPr>
-            <a:r>
-              <a:rPr lang="en-US" sz="2000" dirty="0"/>
-              <a:t>Explain what a layout manager does and identify and describe three of them</a:t>
-            </a:r>
-          </a:p>
-          <a:p>
-            <a:pPr marL="457200" indent="-457200">
-              <a:buFont typeface="+mj-lt"/>
-              <a:buAutoNum type="arabicPeriod"/>
-            </a:pPr>
-            <a:r>
-              <a:rPr lang="en-US" sz="2000" dirty="0"/>
-              <a:t>Specify layout managers for heavyweight and lightweight components</a:t>
-            </a:r>
-          </a:p>
-          <a:p>
-            <a:pPr marL="457200" indent="-457200">
-              <a:buFont typeface="+mj-lt"/>
-              <a:buAutoNum type="arabicPeriod"/>
-            </a:pPr>
-            <a:r>
-              <a:rPr lang="en-US" sz="2000" dirty="0"/>
-              <a:t>Use paint and </a:t>
-            </a:r>
-            <a:r>
-              <a:rPr lang="en-US" sz="2000" dirty="0" err="1"/>
-              <a:t>paintComponent's</a:t>
-            </a:r>
-            <a:r>
-              <a:rPr lang="en-US" sz="2000" dirty="0"/>
-              <a:t> Graphics object to draw a variety of shapes</a:t>
-            </a:r>
-          </a:p>
-          <a:p>
-            <a:pPr marL="457200" indent="-457200">
-              <a:buFont typeface="+mj-lt"/>
-              <a:buAutoNum type="arabicPeriod"/>
-            </a:pPr>
-            <a:r>
-              <a:rPr lang="en-US" sz="2000" dirty="0"/>
-              <a:t>Explain how to achieve true Model-View-Controller architecture by removing any reference from the view to the model and from the model to the view</a:t>
-            </a:r>
-          </a:p>
-          <a:p>
-            <a:pPr marL="457200" indent="-457200">
-              <a:buFont typeface="+mj-lt"/>
-              <a:buAutoNum type="arabicPeriod"/>
-            </a:pPr>
-            <a:r>
-              <a:rPr lang="en-US" sz="2000" dirty="0"/>
-              <a:t>Distinguish between extending a class and implementing an interface</a:t>
-            </a:r>
-          </a:p>
-          <a:p>
-            <a:pPr marL="457200" indent="-457200">
-              <a:buFont typeface="+mj-lt"/>
-              <a:buAutoNum type="arabicPeriod"/>
-            </a:pPr>
-            <a:r>
-              <a:rPr lang="en-US" sz="2000" dirty="0"/>
-              <a:t>Create an event handler that implements the ActionListener interface to respond to the user clicking on a button</a:t>
-            </a:r>
-          </a:p>
-          <a:p>
-            <a:pPr marL="457200" indent="-457200">
-              <a:buFont typeface="+mj-lt"/>
-              <a:buAutoNum type="arabicPeriod"/>
-            </a:pPr>
-            <a:r>
-              <a:rPr lang="en-US" sz="2000" dirty="0"/>
-              <a:t>Explain multiple ways to implement an event handler for a particular object and event (anonymous inner classes vs. named classes vs. having the frame itself serve as the handler)</a:t>
-            </a:r>
-          </a:p>
-        </p:txBody>
-      </p:sp>
-    </p:spTree>
-    <p:extLst>
-      <p:ext uri="{BB962C8B-B14F-4D97-AF65-F5344CB8AC3E}">
-        <p14:creationId xmlns:p14="http://schemas.microsoft.com/office/powerpoint/2010/main" val="1473924105"/>
-      </p:ext>
-    </p:extLst>
-  </p:cSld>
-  <p:clrMapOvr>
-    <a:masterClrMapping/>
-  </p:clrMapOvr>
-</p:sld>
-</file>
-
-<file path=ppt/slides/slide4.xml><?xml version="1.0" encoding="utf-8"?>
-<p:sld xmlns:a="http://schemas.openxmlformats.org/drawingml/2006/main" xmlns:r="http://schemas.openxmlformats.org/officeDocument/2006/relationships" xmlns:p="http://schemas.openxmlformats.org/presentationml/2006/main">
-  <p:cSld>
-    <p:spTree>
-      <p:nvGrpSpPr>
-        <p:cNvPr id="1" name=""/>
-        <p:cNvGrpSpPr/>
-        <p:nvPr/>
-      </p:nvGrpSpPr>
-      <p:grpSpPr>
-        <a:xfrm>
-          <a:off x="0" y="0"/>
-          <a:ext cx="0" cy="0"/>
-          <a:chOff x="0" y="0"/>
-          <a:chExt cx="0" cy="0"/>
-        </a:xfrm>
-      </p:grpSpPr>
-      <p:sp>
-        <p:nvSpPr>
-          <p:cNvPr id="2" name="Title 1"/>
-          <p:cNvSpPr>
-            <a:spLocks noGrp="1"/>
-          </p:cNvSpPr>
-          <p:nvPr>
-            <p:ph type="title"/>
-          </p:nvPr>
-        </p:nvSpPr>
-        <p:spPr/>
-        <p:txBody>
-          <a:bodyPr>
-            <a:normAutofit/>
-          </a:bodyPr>
-          <a:lstStyle/>
-          <a:p>
-            <a:r>
-              <a:rPr lang="en-US" sz="3600" dirty="0"/>
-              <a:t>Lightweight and Heavyweight Components</a:t>
-            </a:r>
-            <a:endParaRPr lang="en-US" sz="3600" dirty="0"/>
-          </a:p>
-        </p:txBody>
-      </p:sp>
-      <p:sp>
-        <p:nvSpPr>
-          <p:cNvPr id="3" name="Content Placeholder 2"/>
-          <p:cNvSpPr>
-            <a:spLocks noGrp="1"/>
-          </p:cNvSpPr>
-          <p:nvPr>
-            <p:ph idx="1"/>
-          </p:nvPr>
-        </p:nvSpPr>
-        <p:spPr>
-          <a:xfrm>
-            <a:off x="838199" y="1825625"/>
-            <a:ext cx="6239720" cy="4351338"/>
-          </a:xfrm>
-        </p:spPr>
-        <p:txBody>
-          <a:bodyPr>
-            <a:normAutofit/>
-          </a:bodyPr>
-          <a:lstStyle/>
-          <a:p>
-            <a:pPr marL="0" indent="0">
-              <a:buNone/>
-            </a:pPr>
-            <a:r>
-              <a:rPr lang="en-US" sz="2000" u="sng" dirty="0"/>
-              <a:t>Components</a:t>
-            </a:r>
-            <a:r>
-              <a:rPr lang="en-US" sz="2000" dirty="0"/>
-              <a:t>: </a:t>
-            </a:r>
-            <a:r>
-              <a:rPr lang="en-US" sz="2000" dirty="0"/>
-              <a:t>There are two kinds of graphics components in the Java programming language: </a:t>
-            </a:r>
-            <a:r>
-              <a:rPr lang="en-US" sz="2000" b="1" dirty="0"/>
-              <a:t>heavyweight</a:t>
-            </a:r>
-            <a:r>
-              <a:rPr lang="en-US" sz="2000" dirty="0"/>
-              <a:t> and </a:t>
-            </a:r>
-            <a:r>
-              <a:rPr lang="en-US" sz="2000" b="1" dirty="0"/>
-              <a:t>lightweight</a:t>
-            </a:r>
-            <a:r>
-              <a:rPr lang="en-US" sz="2000" dirty="0"/>
-              <a:t>. A </a:t>
-            </a:r>
-            <a:r>
-              <a:rPr lang="en-US" sz="2000" b="1" dirty="0"/>
-              <a:t>heavyweight component</a:t>
-            </a:r>
-            <a:r>
-              <a:rPr lang="en-US" sz="2000" dirty="0"/>
-              <a:t> is associated with its own native screen resource (commonly known as a peer). Components from the </a:t>
-            </a:r>
-            <a:r>
-              <a:rPr lang="en-US" sz="2000" dirty="0" err="1"/>
-              <a:t>java.awt</a:t>
-            </a:r>
-            <a:r>
-              <a:rPr lang="en-US" sz="2000" dirty="0"/>
-              <a:t> package, such as Button and Label, are heavyweight</a:t>
-            </a:r>
-            <a:r>
-              <a:rPr lang="en-US" sz="2000" b="1" dirty="0"/>
-              <a:t> </a:t>
-            </a:r>
-            <a:r>
-              <a:rPr lang="en-US" sz="2000" dirty="0"/>
-              <a:t>components.</a:t>
-            </a:r>
-          </a:p>
-          <a:p>
-            <a:pPr marL="0" indent="0">
-              <a:buNone/>
-            </a:pPr>
-            <a:r>
-              <a:rPr lang="en-US" sz="2000" b="1" dirty="0"/>
-              <a:t>Swing components</a:t>
-            </a:r>
-            <a:r>
-              <a:rPr lang="en-US" sz="2000" dirty="0"/>
-              <a:t> depend less on the target platform and use less of the native GUI resource. Hence the Swing components that don't rely on native GUI are referred to as </a:t>
-            </a:r>
-            <a:r>
-              <a:rPr lang="en-US" sz="2000" b="1" dirty="0"/>
-              <a:t>lightweight </a:t>
-            </a:r>
-            <a:r>
-              <a:rPr lang="en-US" sz="2000" dirty="0"/>
-              <a:t>components. </a:t>
-            </a:r>
-            <a:r>
-              <a:rPr lang="en-US" sz="2000" b="1" dirty="0"/>
-              <a:t>AWT</a:t>
-            </a:r>
-            <a:r>
-              <a:rPr lang="en-US" sz="2000" dirty="0"/>
-              <a:t> components on the other hand are referred to as heavyweight components.</a:t>
-            </a:r>
-            <a:endParaRPr lang="en-US" sz="2000" dirty="0"/>
-          </a:p>
-        </p:txBody>
-      </p:sp>
-      <p:pic>
-        <p:nvPicPr>
-          <p:cNvPr id="4" name="Picture 3"/>
-          <p:cNvPicPr>
-            <a:picLocks noChangeAspect="1"/>
-          </p:cNvPicPr>
-          <p:nvPr/>
-        </p:nvPicPr>
-        <p:blipFill>
-          <a:blip r:embed="rId3"/>
-          <a:stretch>
-            <a:fillRect/>
-          </a:stretch>
-        </p:blipFill>
-        <p:spPr>
-          <a:xfrm>
-            <a:off x="7298199" y="1825625"/>
-            <a:ext cx="4114800" cy="1529176"/>
-          </a:xfrm>
-          <a:prstGeom prst="rect">
-            <a:avLst/>
-          </a:prstGeom>
-        </p:spPr>
-      </p:pic>
-    </p:spTree>
-    <p:extLst>
-      <p:ext uri="{BB962C8B-B14F-4D97-AF65-F5344CB8AC3E}">
-        <p14:creationId xmlns:p14="http://schemas.microsoft.com/office/powerpoint/2010/main" val="3755672115"/>
-      </p:ext>
-    </p:extLst>
-  </p:cSld>
-  <p:clrMapOvr>
-    <a:masterClrMapping/>
-  </p:clrMapOvr>
-</p:sld>
-</file>
-
-<file path=ppt/slides/slide5.xml><?xml version="1.0" encoding="utf-8"?>
-<p:sld xmlns:a="http://schemas.openxmlformats.org/drawingml/2006/main" xmlns:r="http://schemas.openxmlformats.org/officeDocument/2006/relationships" xmlns:p="http://schemas.openxmlformats.org/presentationml/2006/main">
-  <p:cSld>
-    <p:spTree>
-      <p:nvGrpSpPr>
-        <p:cNvPr id="1" name=""/>
-        <p:cNvGrpSpPr/>
-        <p:nvPr/>
-      </p:nvGrpSpPr>
-      <p:grpSpPr>
-        <a:xfrm>
-          <a:off x="0" y="0"/>
-          <a:ext cx="0" cy="0"/>
-          <a:chOff x="0" y="0"/>
-          <a:chExt cx="0" cy="0"/>
-        </a:xfrm>
-      </p:grpSpPr>
-      <p:sp>
-        <p:nvSpPr>
-          <p:cNvPr id="2" name="Title 1"/>
-          <p:cNvSpPr>
-            <a:spLocks noGrp="1"/>
-          </p:cNvSpPr>
-          <p:nvPr>
-            <p:ph type="title"/>
-          </p:nvPr>
-        </p:nvSpPr>
-        <p:spPr/>
-        <p:txBody>
-          <a:bodyPr>
-            <a:normAutofit/>
-          </a:bodyPr>
-          <a:lstStyle/>
-          <a:p>
-            <a:r>
-              <a:rPr lang="en-US" sz="3600" dirty="0"/>
-              <a:t>**Title</a:t>
-            </a:r>
-          </a:p>
-        </p:txBody>
-      </p:sp>
-      <p:sp>
-        <p:nvSpPr>
-          <p:cNvPr id="3" name="Content Placeholder 2"/>
-          <p:cNvSpPr>
-            <a:spLocks noGrp="1"/>
-          </p:cNvSpPr>
-          <p:nvPr>
-            <p:ph idx="1"/>
-          </p:nvPr>
-        </p:nvSpPr>
-        <p:spPr>
-          <a:xfrm>
-            <a:off x="838199" y="1825625"/>
-            <a:ext cx="6239720" cy="4351338"/>
-          </a:xfrm>
-        </p:spPr>
-        <p:txBody>
-          <a:bodyPr>
-            <a:normAutofit/>
-          </a:bodyPr>
-          <a:lstStyle/>
-          <a:p>
-            <a:pPr marL="0" indent="0">
-              <a:buNone/>
-            </a:pPr>
-            <a:r>
-              <a:rPr lang="en-US" sz="2000" u="sng" dirty="0"/>
-              <a:t>Title</a:t>
-            </a:r>
-            <a:r>
-              <a:rPr lang="en-US" sz="2000" dirty="0"/>
-              <a:t>: Description</a:t>
-            </a:r>
-          </a:p>
-        </p:txBody>
-      </p:sp>
-      <p:pic>
-        <p:nvPicPr>
-          <p:cNvPr id="4" name="Picture 3"/>
-          <p:cNvPicPr>
-            <a:picLocks noChangeAspect="1"/>
-          </p:cNvPicPr>
-          <p:nvPr/>
-        </p:nvPicPr>
-        <p:blipFill>
-          <a:blip r:embed="rId3"/>
-          <a:stretch>
-            <a:fillRect/>
-          </a:stretch>
-        </p:blipFill>
-        <p:spPr>
-          <a:xfrm>
-            <a:off x="7298199" y="1825625"/>
-            <a:ext cx="4114800" cy="1529176"/>
-          </a:xfrm>
-          <a:prstGeom prst="rect">
-            <a:avLst/>
-          </a:prstGeom>
-        </p:spPr>
-      </p:pic>
-    </p:spTree>
-    <p:extLst>
-      <p:ext uri="{BB962C8B-B14F-4D97-AF65-F5344CB8AC3E}">
-        <p14:creationId xmlns:p14="http://schemas.microsoft.com/office/powerpoint/2010/main" val="939276478"/>
-      </p:ext>
-    </p:extLst>
-  </p:cSld>
-  <p:clrMapOvr>
-    <a:masterClrMapping/>
-  </p:clrMapOvr>
-</p:sld>
-</file>
-
-<file path=ppt/slides/slide6.xml><?xml version="1.0" encoding="utf-8"?>
-<p:sld xmlns:a="http://schemas.openxmlformats.org/drawingml/2006/main" xmlns:r="http://schemas.openxmlformats.org/officeDocument/2006/relationships" xmlns:p="http://schemas.openxmlformats.org/presentationml/2006/main">
-  <p:cSld>
-    <p:spTree>
-      <p:nvGrpSpPr>
-        <p:cNvPr id="1" name=""/>
-        <p:cNvGrpSpPr/>
-        <p:nvPr/>
-      </p:nvGrpSpPr>
-      <p:grpSpPr>
-        <a:xfrm>
-          <a:off x="0" y="0"/>
-          <a:ext cx="0" cy="0"/>
-          <a:chOff x="0" y="0"/>
-          <a:chExt cx="0" cy="0"/>
-        </a:xfrm>
-      </p:grpSpPr>
-      <p:pic>
-        <p:nvPicPr>
-          <p:cNvPr id="5" name="Picture 4"/>
-          <p:cNvPicPr>
-            <a:picLocks noChangeAspect="1"/>
-          </p:cNvPicPr>
-          <p:nvPr/>
-        </p:nvPicPr>
-        <p:blipFill>
-          <a:blip r:embed="rId3"/>
-          <a:stretch>
-            <a:fillRect/>
-          </a:stretch>
-        </p:blipFill>
-        <p:spPr>
-          <a:xfrm>
-            <a:off x="7371806" y="1690688"/>
-            <a:ext cx="4472016" cy="3763814"/>
-          </a:xfrm>
-          <a:prstGeom prst="rect">
-            <a:avLst/>
-          </a:prstGeom>
-        </p:spPr>
-      </p:pic>
-      <p:sp>
-        <p:nvSpPr>
-          <p:cNvPr id="2" name="Title 1"/>
-          <p:cNvSpPr>
-            <a:spLocks noGrp="1"/>
-          </p:cNvSpPr>
-          <p:nvPr>
-            <p:ph type="title"/>
-          </p:nvPr>
-        </p:nvSpPr>
-        <p:spPr>
-          <a:xfrm>
-            <a:off x="838200" y="365125"/>
-            <a:ext cx="6239719" cy="1325563"/>
-          </a:xfrm>
-        </p:spPr>
-        <p:txBody>
-          <a:bodyPr>
-            <a:normAutofit/>
-          </a:bodyPr>
-          <a:lstStyle/>
-          <a:p>
-            <a:r>
-              <a:rPr lang="en-US" sz="3600" dirty="0"/>
-              <a:t>Model-View-Controller</a:t>
-            </a:r>
-          </a:p>
-        </p:txBody>
-      </p:sp>
-      <p:sp>
-        <p:nvSpPr>
-          <p:cNvPr id="3" name="Content Placeholder 2"/>
-          <p:cNvSpPr>
-            <a:spLocks noGrp="1"/>
-          </p:cNvSpPr>
-          <p:nvPr>
-            <p:ph idx="1"/>
-          </p:nvPr>
-        </p:nvSpPr>
-        <p:spPr>
-          <a:xfrm>
-            <a:off x="838199" y="1825624"/>
-            <a:ext cx="6239720" cy="4783519"/>
-          </a:xfrm>
-        </p:spPr>
-        <p:txBody>
-          <a:bodyPr>
-            <a:normAutofit/>
-          </a:bodyPr>
-          <a:lstStyle/>
-          <a:p>
-            <a:pPr marL="0" indent="0">
-              <a:buNone/>
-            </a:pPr>
-            <a:r>
-              <a:rPr lang="en-US" sz="2000" u="sng" dirty="0"/>
-              <a:t>Model-View-Controller (MVC)</a:t>
-            </a:r>
-            <a:r>
-              <a:rPr lang="en-US" sz="2000" dirty="0"/>
-              <a:t>: MVC is an important pattern, will be a primary focus of this course, and will be an important pattern for you to master in your career.</a:t>
-            </a:r>
-          </a:p>
-          <a:p>
-            <a:pPr marL="0" indent="0">
-              <a:buNone/>
-            </a:pPr>
-            <a:r>
-              <a:rPr lang="en-US" sz="2000" dirty="0"/>
-              <a:t>Segregation of our Model (data) from our View (user interface) is necessary to effectively develop, enhance,  and maintain modern software.</a:t>
-            </a:r>
-          </a:p>
-        </p:txBody>
-      </p:sp>
-    </p:spTree>
-    <p:extLst>
-      <p:ext uri="{BB962C8B-B14F-4D97-AF65-F5344CB8AC3E}">
-        <p14:creationId xmlns:p14="http://schemas.microsoft.com/office/powerpoint/2010/main" val="3370181287"/>
-      </p:ext>
-    </p:extLst>
-  </p:cSld>
-  <p:clrMapOvr>
-    <a:masterClrMapping/>
-  </p:clrMapOvr>
-</p:sld>
-</file>
-
-<file path=ppt/slides/slide7.xml><?xml version="1.0" encoding="utf-8"?>
-<p:sld xmlns:a="http://schemas.openxmlformats.org/drawingml/2006/main" xmlns:r="http://schemas.openxmlformats.org/officeDocument/2006/relationships" xmlns:p="http://schemas.openxmlformats.org/presentationml/2006/main">
-  <p:cSld>
-    <p:spTree>
-      <p:nvGrpSpPr>
-        <p:cNvPr id="1" name=""/>
-        <p:cNvGrpSpPr/>
-        <p:nvPr/>
-      </p:nvGrpSpPr>
-      <p:grpSpPr>
-        <a:xfrm>
-          <a:off x="0" y="0"/>
-          <a:ext cx="0" cy="0"/>
-          <a:chOff x="0" y="0"/>
-          <a:chExt cx="0" cy="0"/>
-        </a:xfrm>
-      </p:grpSpPr>
-      <p:pic>
-        <p:nvPicPr>
-          <p:cNvPr id="7" name="Picture 6"/>
-          <p:cNvPicPr>
-            <a:picLocks noChangeAspect="1"/>
-          </p:cNvPicPr>
-          <p:nvPr/>
-        </p:nvPicPr>
-        <p:blipFill>
-          <a:blip r:embed="rId3"/>
-          <a:stretch>
-            <a:fillRect/>
-          </a:stretch>
-        </p:blipFill>
-        <p:spPr>
-          <a:xfrm>
-            <a:off x="5943833" y="1355240"/>
-            <a:ext cx="4114800" cy="4604823"/>
-          </a:xfrm>
-          <a:prstGeom prst="rect">
-            <a:avLst/>
-          </a:prstGeom>
-        </p:spPr>
-      </p:pic>
-      <p:sp>
-        <p:nvSpPr>
-          <p:cNvPr id="2" name="Title 1"/>
-          <p:cNvSpPr>
-            <a:spLocks noGrp="1"/>
-          </p:cNvSpPr>
-          <p:nvPr>
-            <p:ph type="title"/>
-          </p:nvPr>
-        </p:nvSpPr>
-        <p:spPr>
-          <a:xfrm>
-            <a:off x="811620" y="365126"/>
-            <a:ext cx="10515600" cy="757272"/>
-          </a:xfrm>
-        </p:spPr>
-        <p:txBody>
-          <a:bodyPr>
-            <a:normAutofit/>
-          </a:bodyPr>
-          <a:lstStyle/>
-          <a:p>
-            <a:r>
-              <a:rPr lang="en-US" sz="3600" dirty="0"/>
-              <a:t>Encapsulation… and Setters &amp; Getters</a:t>
-            </a:r>
-          </a:p>
-        </p:txBody>
-      </p:sp>
-      <p:sp>
-        <p:nvSpPr>
-          <p:cNvPr id="10" name="Content Placeholder 2"/>
-          <p:cNvSpPr txBox="1">
-            <a:spLocks/>
-          </p:cNvSpPr>
-          <p:nvPr/>
-        </p:nvSpPr>
-        <p:spPr>
-          <a:xfrm>
-            <a:off x="5836494" y="1065009"/>
-            <a:ext cx="4141944" cy="472243"/>
+            <a:off x="838199" y="1549178"/>
+            <a:ext cx="10453578" cy="4783519"/>
           </a:xfrm>
           <a:prstGeom prst="rect">
             <a:avLst/>
@@ -8259,33 +7046,116 @@
               <a:buNone/>
             </a:pPr>
             <a:r>
-              <a:rPr lang="en-US" sz="1600" u="sng" dirty="0"/>
-              <a:t>Shapes with Setters and Getters:</a:t>
+              <a:rPr lang="en-US" sz="2000" u="sng" dirty="0"/>
+              <a:t>Differences include</a:t>
+            </a:r>
+            <a:r>
+              <a:rPr lang="en-US" sz="2000" dirty="0"/>
+              <a:t>:</a:t>
+            </a:r>
+          </a:p>
+          <a:p>
+            <a:pPr marL="457200" indent="-457200">
+              <a:buFont typeface="+mj-lt"/>
+              <a:buAutoNum type="arabicPeriod"/>
+            </a:pPr>
+            <a:r>
+              <a:rPr lang="en-US" sz="2000" dirty="0"/>
+              <a:t>Interfaces are implicitly abstract and cannot have implementations</a:t>
+            </a:r>
+          </a:p>
+          <a:p>
+            <a:pPr marL="457200" indent="-457200">
+              <a:buFont typeface="+mj-lt"/>
+              <a:buAutoNum type="arabicPeriod"/>
+            </a:pPr>
+            <a:r>
+              <a:rPr lang="en-US" sz="2000" dirty="0"/>
+              <a:t>An interface specifies one or more abstract methods that a class that implements the interface must implement</a:t>
+            </a:r>
+            <a:endParaRPr lang="en-US" sz="2000" dirty="0"/>
+          </a:p>
+          <a:p>
+            <a:pPr marL="457200" indent="-457200">
+              <a:buFont typeface="+mj-lt"/>
+              <a:buAutoNum type="arabicPeriod"/>
+            </a:pPr>
+            <a:r>
+              <a:rPr lang="en-US" sz="2000" dirty="0"/>
+              <a:t>Abstract classes can have both abstract methods and concrete methods</a:t>
+            </a:r>
+          </a:p>
+          <a:p>
+            <a:pPr marL="457200" indent="-457200">
+              <a:buFont typeface="+mj-lt"/>
+              <a:buAutoNum type="arabicPeriod"/>
+            </a:pPr>
+            <a:r>
+              <a:rPr lang="en-US" sz="2000" dirty="0"/>
+              <a:t>A class can descend (extends) only one Class but can implement many interfaces</a:t>
             </a:r>
           </a:p>
           <a:p>
             <a:pPr marL="0" indent="0">
-              <a:buFont typeface="Arial" panose="020B0604020202020204" pitchFamily="34" charset="0"/>
               <a:buNone/>
             </a:pPr>
-            <a:endParaRPr lang="en-US" sz="2400" dirty="0"/>
-          </a:p>
-        </p:txBody>
-      </p:sp>
-      <p:sp>
-        <p:nvSpPr>
-          <p:cNvPr id="8" name="Content Placeholder 2"/>
-          <p:cNvSpPr>
-            <a:spLocks noGrp="1"/>
-          </p:cNvSpPr>
-          <p:nvPr>
-            <p:ph idx="1"/>
+            <a:endParaRPr lang="en-US" sz="2000" dirty="0"/>
+          </a:p>
+          <a:p>
+            <a:pPr marL="0" indent="0">
+              <a:buNone/>
+            </a:pPr>
+            <a:r>
+              <a:rPr lang="en-US" sz="2000" dirty="0"/>
+              <a:t>Note: Interfaces are Java’s way of  avoiding the significant complexities of multiple inheritance while providing most of the benefits.</a:t>
+            </a:r>
+          </a:p>
+        </p:txBody>
+      </p:sp>
+    </p:spTree>
+    <p:extLst>
+      <p:ext uri="{BB962C8B-B14F-4D97-AF65-F5344CB8AC3E}">
+        <p14:creationId xmlns:p14="http://schemas.microsoft.com/office/powerpoint/2010/main" val="2832794407"/>
+      </p:ext>
+    </p:extLst>
+  </p:cSld>
+  <p:clrMapOvr>
+    <a:masterClrMapping/>
+  </p:clrMapOvr>
+</p:sld>
+</file>
+
+<file path=ppt/slides/slide13.xml><?xml version="1.0" encoding="utf-8"?>
+<p:sld xmlns:a="http://schemas.openxmlformats.org/drawingml/2006/main" xmlns:r="http://schemas.openxmlformats.org/officeDocument/2006/relationships" xmlns:p="http://schemas.openxmlformats.org/presentationml/2006/main">
+  <p:cSld>
+    <p:spTree>
+      <p:nvGrpSpPr>
+        <p:cNvPr id="1" name=""/>
+        <p:cNvGrpSpPr/>
+        <p:nvPr/>
+      </p:nvGrpSpPr>
+      <p:grpSpPr>
+        <a:xfrm>
+          <a:off x="0" y="0"/>
+          <a:ext cx="0" cy="0"/>
+          <a:chOff x="0" y="0"/>
+          <a:chExt cx="0" cy="0"/>
+        </a:xfrm>
+      </p:grpSpPr>
+      <p:sp>
+        <p:nvSpPr>
+          <p:cNvPr id="2" name="Title 1"/>
+          <p:cNvSpPr>
+            <a:spLocks noGrp="1"/>
+          </p:cNvSpPr>
+          <p:nvPr>
+            <p:ph type="title"/>
           </p:nvPr>
         </p:nvSpPr>
         <p:spPr>
           <a:xfrm>
-            <a:off x="811620" y="1065009"/>
-            <a:ext cx="4860897" cy="4783519"/>
+            <a:off x="838199" y="365125"/>
+            <a:ext cx="10788503" cy="1325563"/>
           </a:xfrm>
         </p:spPr>
         <p:txBody>
@@ -8294,12 +7164,46 @@
           </a:bodyPr>
           <a:lstStyle/>
           <a:p>
+            <a:r>
+              <a:rPr lang="en-US" sz="3600" dirty="0"/>
+              <a:t>Interface Implementation</a:t>
+            </a:r>
+            <a:endParaRPr lang="en-US" sz="3600" dirty="0"/>
+          </a:p>
+        </p:txBody>
+      </p:sp>
+      <p:sp>
+        <p:nvSpPr>
+          <p:cNvPr id="3" name="Content Placeholder 2"/>
+          <p:cNvSpPr>
+            <a:spLocks noGrp="1"/>
+          </p:cNvSpPr>
+          <p:nvPr>
+            <p:ph idx="1"/>
+          </p:nvPr>
+        </p:nvSpPr>
+        <p:spPr>
+          <a:xfrm>
+            <a:off x="838199" y="1511965"/>
+            <a:ext cx="6239720" cy="4351338"/>
+          </a:xfrm>
+        </p:spPr>
+        <p:txBody>
+          <a:bodyPr>
+            <a:normAutofit/>
+          </a:bodyPr>
+          <a:lstStyle/>
+          <a:p>
             <a:pPr marL="0" indent="0">
               <a:buNone/>
             </a:pPr>
             <a:r>
-              <a:rPr lang="en-US" sz="2000" u="sng" dirty="0"/>
-              <a:t>Setters and Getters:</a:t>
+              <a:rPr lang="en-US" sz="2000" b="1" dirty="0"/>
+              <a:t>Interface implementation </a:t>
+            </a:r>
+            <a:r>
+              <a:rPr lang="en-US" sz="2000" dirty="0"/>
+              <a:t>is basically agreeing to a contract to implement a given set of methods. </a:t>
             </a:r>
           </a:p>
           <a:p>
@@ -8308,54 +7212,2847 @@
             </a:pPr>
             <a:r>
               <a:rPr lang="en-US" sz="2000" dirty="0"/>
-              <a:t>Setters and Getters are a practice where public Methods are put in place to control how private Attributes are updated.</a:t>
-            </a:r>
-          </a:p>
-          <a:p>
-            <a:pPr marL="0" indent="0">
-              <a:buNone/>
-            </a:pPr>
-            <a:r>
-              <a:rPr lang="en-US" sz="2000" dirty="0"/>
-              <a:t>They can be beneficial in: </a:t>
-            </a:r>
-          </a:p>
-          <a:p>
-            <a:r>
-              <a:rPr lang="en-US" sz="2000" dirty="0"/>
-              <a:t>Validation</a:t>
-            </a:r>
-          </a:p>
-          <a:p>
-            <a:r>
-              <a:rPr lang="en-US" sz="2000" dirty="0"/>
-              <a:t>Optimization</a:t>
-            </a:r>
-          </a:p>
-          <a:p>
-            <a:r>
-              <a:rPr lang="en-US" sz="2000" dirty="0"/>
-              <a:t>Converting types (English to metric)</a:t>
-            </a:r>
-          </a:p>
-          <a:p>
-            <a:r>
-              <a:rPr lang="en-US" sz="2000" dirty="0"/>
-              <a:t>Debugging breakpoints</a:t>
-            </a:r>
-          </a:p>
-          <a:p>
-            <a:r>
-              <a:rPr lang="en-US" sz="2000" dirty="0"/>
-              <a:t>Some libraries expect setters and getters</a:t>
-            </a:r>
-          </a:p>
-        </p:txBody>
-      </p:sp>
+              <a:t>The </a:t>
+            </a:r>
+            <a:r>
+              <a:rPr lang="en-US" sz="2000" b="1" dirty="0" err="1"/>
+              <a:t>ActionalListener</a:t>
+            </a:r>
+            <a:r>
+              <a:rPr lang="en-US" sz="2000" dirty="0"/>
+              <a:t> Interface is a good example of an interface that a class must implement in order to receive  notification that a button has been pushed by the user. </a:t>
+            </a:r>
+          </a:p>
+        </p:txBody>
+      </p:sp>
+      <p:pic>
+        <p:nvPicPr>
+          <p:cNvPr id="4" name="Picture 3"/>
+          <p:cNvPicPr>
+            <a:picLocks noChangeAspect="1"/>
+          </p:cNvPicPr>
+          <p:nvPr/>
+        </p:nvPicPr>
+        <p:blipFill>
+          <a:blip r:embed="rId3"/>
+          <a:stretch>
+            <a:fillRect/>
+          </a:stretch>
+        </p:blipFill>
+        <p:spPr>
+          <a:xfrm>
+            <a:off x="7298199" y="1511965"/>
+            <a:ext cx="4114800" cy="1502373"/>
+          </a:xfrm>
+          <a:prstGeom prst="rect">
+            <a:avLst/>
+          </a:prstGeom>
+        </p:spPr>
+      </p:pic>
     </p:spTree>
     <p:extLst>
       <p:ext uri="{BB962C8B-B14F-4D97-AF65-F5344CB8AC3E}">
-        <p14:creationId xmlns:p14="http://schemas.microsoft.com/office/powerpoint/2010/main" val="1756397195"/>
+        <p14:creationId xmlns:p14="http://schemas.microsoft.com/office/powerpoint/2010/main" val="3725758664"/>
+      </p:ext>
+    </p:extLst>
+  </p:cSld>
+  <p:clrMapOvr>
+    <a:masterClrMapping/>
+  </p:clrMapOvr>
+</p:sld>
+</file>
+
+<file path=ppt/slides/slide14.xml><?xml version="1.0" encoding="utf-8"?>
+<p:sld xmlns:a="http://schemas.openxmlformats.org/drawingml/2006/main" xmlns:r="http://schemas.openxmlformats.org/officeDocument/2006/relationships" xmlns:p="http://schemas.openxmlformats.org/presentationml/2006/main">
+  <p:cSld>
+    <p:spTree>
+      <p:nvGrpSpPr>
+        <p:cNvPr id="1" name=""/>
+        <p:cNvGrpSpPr/>
+        <p:nvPr/>
+      </p:nvGrpSpPr>
+      <p:grpSpPr>
+        <a:xfrm>
+          <a:off x="0" y="0"/>
+          <a:ext cx="0" cy="0"/>
+          <a:chOff x="0" y="0"/>
+          <a:chExt cx="0" cy="0"/>
+        </a:xfrm>
+      </p:grpSpPr>
+      <p:pic>
+        <p:nvPicPr>
+          <p:cNvPr id="6" name="Picture 5"/>
+          <p:cNvPicPr>
+            <a:picLocks noChangeAspect="1"/>
+          </p:cNvPicPr>
+          <p:nvPr/>
+        </p:nvPicPr>
+        <p:blipFill>
+          <a:blip r:embed="rId3"/>
+          <a:stretch>
+            <a:fillRect/>
+          </a:stretch>
+        </p:blipFill>
+        <p:spPr>
+          <a:xfrm>
+            <a:off x="7245036" y="946616"/>
+            <a:ext cx="4114800" cy="5267356"/>
+          </a:xfrm>
+          <a:prstGeom prst="rect">
+            <a:avLst/>
+          </a:prstGeom>
+        </p:spPr>
+      </p:pic>
+      <p:sp>
+        <p:nvSpPr>
+          <p:cNvPr id="2" name="Title 1"/>
+          <p:cNvSpPr>
+            <a:spLocks noGrp="1"/>
+          </p:cNvSpPr>
+          <p:nvPr>
+            <p:ph type="title"/>
+          </p:nvPr>
+        </p:nvSpPr>
+        <p:spPr>
+          <a:xfrm>
+            <a:off x="838199" y="365125"/>
+            <a:ext cx="10788503" cy="1325563"/>
+          </a:xfrm>
+        </p:spPr>
+        <p:txBody>
+          <a:bodyPr>
+            <a:normAutofit/>
+          </a:bodyPr>
+          <a:lstStyle/>
+          <a:p>
+            <a:r>
+              <a:rPr lang="en-US" sz="3600" dirty="0"/>
+              <a:t>Class Extension</a:t>
+            </a:r>
+            <a:endParaRPr lang="en-US" sz="3600" dirty="0"/>
+          </a:p>
+        </p:txBody>
+      </p:sp>
+      <p:sp>
+        <p:nvSpPr>
+          <p:cNvPr id="3" name="Content Placeholder 2"/>
+          <p:cNvSpPr>
+            <a:spLocks noGrp="1"/>
+          </p:cNvSpPr>
+          <p:nvPr>
+            <p:ph idx="1"/>
+          </p:nvPr>
+        </p:nvSpPr>
+        <p:spPr>
+          <a:xfrm>
+            <a:off x="838199" y="1511965"/>
+            <a:ext cx="6239720" cy="4351338"/>
+          </a:xfrm>
+        </p:spPr>
+        <p:txBody>
+          <a:bodyPr>
+            <a:normAutofit/>
+          </a:bodyPr>
+          <a:lstStyle/>
+          <a:p>
+            <a:pPr marL="0" indent="0">
+              <a:buNone/>
+            </a:pPr>
+            <a:r>
+              <a:rPr lang="en-US" sz="2000" b="1" dirty="0"/>
+              <a:t>Class Extension </a:t>
+            </a:r>
+            <a:r>
+              <a:rPr lang="en-US" sz="2000" dirty="0"/>
+              <a:t>is </a:t>
+            </a:r>
+            <a:r>
+              <a:rPr lang="en-US" sz="2000" b="1" dirty="0"/>
+              <a:t>Inheritance</a:t>
+            </a:r>
+            <a:r>
+              <a:rPr lang="en-US" sz="2000" dirty="0"/>
+              <a:t>. Enough said? </a:t>
+            </a:r>
+          </a:p>
+          <a:p>
+            <a:pPr marL="0" indent="0">
+              <a:buNone/>
+            </a:pPr>
+            <a:r>
+              <a:rPr lang="en-US" sz="2000" dirty="0"/>
+              <a:t>In Java a class can extend from only one parent class, but can implement multiple interfaces. </a:t>
+            </a:r>
+          </a:p>
+          <a:p>
+            <a:pPr marL="0" indent="0">
+              <a:buNone/>
+            </a:pPr>
+            <a:r>
+              <a:rPr lang="en-US" sz="2000" dirty="0"/>
+              <a:t>The code to the right demonstrates </a:t>
+            </a:r>
+            <a:r>
+              <a:rPr lang="en-US" sz="2000" dirty="0" err="1"/>
+              <a:t>ShapeFrame</a:t>
+            </a:r>
+            <a:r>
+              <a:rPr lang="en-US" sz="2000" dirty="0"/>
+              <a:t>:</a:t>
+            </a:r>
+          </a:p>
+          <a:p>
+            <a:r>
+              <a:rPr lang="en-US" sz="2000" dirty="0"/>
+              <a:t>Extending from </a:t>
+            </a:r>
+            <a:r>
+              <a:rPr lang="en-US" sz="2000" dirty="0" err="1"/>
+              <a:t>JFrame</a:t>
+            </a:r>
+            <a:r>
+              <a:rPr lang="en-US" sz="2000" dirty="0"/>
+              <a:t> so that it can “be a” </a:t>
+            </a:r>
+            <a:r>
+              <a:rPr lang="en-US" sz="2000" dirty="0" err="1"/>
+              <a:t>JFrame</a:t>
+            </a:r>
+            <a:r>
+              <a:rPr lang="en-US" sz="2000" dirty="0"/>
+              <a:t> and hold lightweight UI components</a:t>
+            </a:r>
+          </a:p>
+          <a:p>
+            <a:r>
+              <a:rPr lang="en-US" sz="2000" dirty="0"/>
+              <a:t>Implementing </a:t>
+            </a:r>
+            <a:r>
+              <a:rPr lang="en-US" sz="2000" dirty="0" err="1"/>
+              <a:t>ActionionListener</a:t>
+            </a:r>
+            <a:r>
+              <a:rPr lang="en-US" sz="2000" dirty="0"/>
+              <a:t> so that it can “act like” a ActionListener and receive notification that a button has been pressed. </a:t>
+            </a:r>
+          </a:p>
+          <a:p>
+            <a:endParaRPr lang="en-US" sz="2000" dirty="0"/>
+          </a:p>
+        </p:txBody>
+      </p:sp>
+    </p:spTree>
+    <p:extLst>
+      <p:ext uri="{BB962C8B-B14F-4D97-AF65-F5344CB8AC3E}">
+        <p14:creationId xmlns:p14="http://schemas.microsoft.com/office/powerpoint/2010/main" val="4236944615"/>
+      </p:ext>
+    </p:extLst>
+  </p:cSld>
+  <p:clrMapOvr>
+    <a:masterClrMapping/>
+  </p:clrMapOvr>
+</p:sld>
+</file>
+
+<file path=ppt/slides/slide15.xml><?xml version="1.0" encoding="utf-8"?>
+<p:sld xmlns:a="http://schemas.openxmlformats.org/drawingml/2006/main" xmlns:r="http://schemas.openxmlformats.org/officeDocument/2006/relationships" xmlns:p="http://schemas.openxmlformats.org/presentationml/2006/main">
+  <p:cSld>
+    <p:spTree>
+      <p:nvGrpSpPr>
+        <p:cNvPr id="1" name=""/>
+        <p:cNvGrpSpPr/>
+        <p:nvPr/>
+      </p:nvGrpSpPr>
+      <p:grpSpPr>
+        <a:xfrm>
+          <a:off x="0" y="0"/>
+          <a:ext cx="0" cy="0"/>
+          <a:chOff x="0" y="0"/>
+          <a:chExt cx="0" cy="0"/>
+        </a:xfrm>
+      </p:grpSpPr>
+      <p:sp>
+        <p:nvSpPr>
+          <p:cNvPr id="2" name="Title 1"/>
+          <p:cNvSpPr>
+            <a:spLocks noGrp="1"/>
+          </p:cNvSpPr>
+          <p:nvPr>
+            <p:ph type="title"/>
+          </p:nvPr>
+        </p:nvSpPr>
+        <p:spPr/>
+        <p:txBody>
+          <a:bodyPr>
+            <a:normAutofit/>
+          </a:bodyPr>
+          <a:lstStyle/>
+          <a:p>
+            <a:r>
+              <a:rPr lang="en-US" sz="3600" dirty="0"/>
+              <a:t>Event Handling</a:t>
+            </a:r>
+          </a:p>
+        </p:txBody>
+      </p:sp>
+      <p:sp>
+        <p:nvSpPr>
+          <p:cNvPr id="3" name="Content Placeholder 2"/>
+          <p:cNvSpPr>
+            <a:spLocks noGrp="1"/>
+          </p:cNvSpPr>
+          <p:nvPr>
+            <p:ph idx="1"/>
+          </p:nvPr>
+        </p:nvSpPr>
+        <p:spPr>
+          <a:xfrm>
+            <a:off x="838198" y="1525772"/>
+            <a:ext cx="10515601" cy="4651191"/>
+          </a:xfrm>
+        </p:spPr>
+        <p:txBody>
+          <a:bodyPr>
+            <a:normAutofit/>
+          </a:bodyPr>
+          <a:lstStyle/>
+          <a:p>
+            <a:pPr marL="0" indent="0">
+              <a:buNone/>
+            </a:pPr>
+            <a:r>
+              <a:rPr lang="en-US" sz="2000" dirty="0"/>
+              <a:t>Clicking </a:t>
+            </a:r>
+            <a:r>
+              <a:rPr lang="en-US" sz="2000" dirty="0"/>
+              <a:t>Event Handling is the way that all graphic user interface environment allow an application to respond to user (or system) events. Possible events include:</a:t>
+            </a:r>
+          </a:p>
+          <a:p>
+            <a:r>
+              <a:rPr lang="en-US" sz="2000" dirty="0"/>
+              <a:t>Keyboard strokes</a:t>
+            </a:r>
+          </a:p>
+          <a:p>
+            <a:r>
+              <a:rPr lang="en-US" sz="2000" dirty="0"/>
+              <a:t>Clicking buttons</a:t>
+            </a:r>
+          </a:p>
+          <a:p>
+            <a:r>
+              <a:rPr lang="en-US" sz="2000" dirty="0"/>
+              <a:t>Dragging a mouse</a:t>
+            </a:r>
+          </a:p>
+          <a:p>
+            <a:r>
+              <a:rPr lang="en-US" sz="2000" dirty="0"/>
+              <a:t>Low power warning or automatic system hibernation</a:t>
+            </a:r>
+          </a:p>
+          <a:p>
+            <a:r>
+              <a:rPr lang="en-US" sz="2000" dirty="0"/>
+              <a:t>Attaching to an overhead projector</a:t>
+            </a:r>
+          </a:p>
+          <a:p>
+            <a:r>
+              <a:rPr lang="en-US" sz="2000" dirty="0"/>
+              <a:t>And many, many others</a:t>
+            </a:r>
+          </a:p>
+          <a:p>
+            <a:pPr marL="0" indent="0">
+              <a:buNone/>
+            </a:pPr>
+            <a:endParaRPr lang="en-US" sz="2000" dirty="0"/>
+          </a:p>
+        </p:txBody>
+      </p:sp>
+    </p:spTree>
+    <p:extLst>
+      <p:ext uri="{BB962C8B-B14F-4D97-AF65-F5344CB8AC3E}">
+        <p14:creationId xmlns:p14="http://schemas.microsoft.com/office/powerpoint/2010/main" val="1738541880"/>
+      </p:ext>
+    </p:extLst>
+  </p:cSld>
+  <p:clrMapOvr>
+    <a:masterClrMapping/>
+  </p:clrMapOvr>
+</p:sld>
+</file>
+
+<file path=ppt/slides/slide16.xml><?xml version="1.0" encoding="utf-8"?>
+<p:sld xmlns:a="http://schemas.openxmlformats.org/drawingml/2006/main" xmlns:r="http://schemas.openxmlformats.org/officeDocument/2006/relationships" xmlns:p="http://schemas.openxmlformats.org/presentationml/2006/main">
+  <p:cSld>
+    <p:spTree>
+      <p:nvGrpSpPr>
+        <p:cNvPr id="1" name=""/>
+        <p:cNvGrpSpPr/>
+        <p:nvPr/>
+      </p:nvGrpSpPr>
+      <p:grpSpPr>
+        <a:xfrm>
+          <a:off x="0" y="0"/>
+          <a:ext cx="0" cy="0"/>
+          <a:chOff x="0" y="0"/>
+          <a:chExt cx="0" cy="0"/>
+        </a:xfrm>
+      </p:grpSpPr>
+      <p:sp>
+        <p:nvSpPr>
+          <p:cNvPr id="2" name="Title 1"/>
+          <p:cNvSpPr>
+            <a:spLocks noGrp="1"/>
+          </p:cNvSpPr>
+          <p:nvPr>
+            <p:ph type="title"/>
+          </p:nvPr>
+        </p:nvSpPr>
+        <p:spPr/>
+        <p:txBody>
+          <a:bodyPr>
+            <a:normAutofit/>
+          </a:bodyPr>
+          <a:lstStyle/>
+          <a:p>
+            <a:r>
+              <a:rPr lang="en-US" sz="3600" dirty="0"/>
+              <a:t>Event Handling – ActionListener</a:t>
+            </a:r>
+          </a:p>
+        </p:txBody>
+      </p:sp>
+      <p:sp>
+        <p:nvSpPr>
+          <p:cNvPr id="3" name="Content Placeholder 2"/>
+          <p:cNvSpPr>
+            <a:spLocks noGrp="1"/>
+          </p:cNvSpPr>
+          <p:nvPr>
+            <p:ph idx="1"/>
+          </p:nvPr>
+        </p:nvSpPr>
+        <p:spPr>
+          <a:xfrm>
+            <a:off x="838198" y="1525772"/>
+            <a:ext cx="10515601" cy="4651191"/>
+          </a:xfrm>
+        </p:spPr>
+        <p:txBody>
+          <a:bodyPr>
+            <a:normAutofit/>
+          </a:bodyPr>
+          <a:lstStyle/>
+          <a:p>
+            <a:pPr marL="0" indent="0">
+              <a:buNone/>
+            </a:pPr>
+            <a:r>
+              <a:rPr lang="en-US" sz="2000" dirty="0"/>
+              <a:t>We will specifically need to implement Java </a:t>
+            </a:r>
+            <a:r>
+              <a:rPr lang="en-US" sz="2000" dirty="0" err="1"/>
+              <a:t>ActionListeners</a:t>
+            </a:r>
+            <a:r>
+              <a:rPr lang="en-US" sz="2000" dirty="0"/>
+              <a:t> to respond to button clicks. To do that we will need to:</a:t>
+            </a:r>
+          </a:p>
+          <a:p>
+            <a:r>
+              <a:rPr lang="en-US" sz="2000" dirty="0"/>
+              <a:t>Understand that </a:t>
+            </a:r>
+            <a:r>
+              <a:rPr lang="en-US" sz="2000" b="1" dirty="0"/>
+              <a:t>ActionListener</a:t>
+            </a:r>
+            <a:r>
+              <a:rPr lang="en-US" sz="2000" dirty="0"/>
+              <a:t>, like other listeners, are an </a:t>
+            </a:r>
+            <a:r>
+              <a:rPr lang="en-US" sz="2000" b="1" dirty="0"/>
+              <a:t>interface</a:t>
+            </a:r>
+            <a:r>
+              <a:rPr lang="en-US" sz="2000" dirty="0"/>
+              <a:t>… not a class</a:t>
+            </a:r>
+          </a:p>
+          <a:p>
+            <a:r>
+              <a:rPr lang="en-US" sz="2000" dirty="0"/>
+              <a:t>Implement a Java </a:t>
+            </a:r>
+            <a:r>
+              <a:rPr lang="en-US" sz="2000" dirty="0" err="1"/>
+              <a:t>ActionListeners</a:t>
+            </a:r>
+            <a:r>
+              <a:rPr lang="en-US" sz="2000" dirty="0"/>
+              <a:t> Interface</a:t>
+            </a:r>
+          </a:p>
+          <a:p>
+            <a:r>
+              <a:rPr lang="en-US" sz="2000" dirty="0"/>
+              <a:t>Utilize our ActionListener to receive notifications of an event and respond appropriately</a:t>
+            </a:r>
+          </a:p>
+          <a:p>
+            <a:r>
+              <a:rPr lang="en-US" sz="2000" dirty="0"/>
+              <a:t>Understand the three ways we could implement an ActionListener to respond to a user pressing a button contained in a our </a:t>
+            </a:r>
+            <a:r>
+              <a:rPr lang="en-US" sz="2000" dirty="0" err="1"/>
+              <a:t>JFrame</a:t>
+            </a:r>
+            <a:r>
+              <a:rPr lang="en-US" sz="2000" dirty="0"/>
+              <a:t>:</a:t>
+            </a:r>
+          </a:p>
+          <a:p>
+            <a:pPr marL="800100" lvl="1" indent="-342900">
+              <a:buFont typeface="+mj-lt"/>
+              <a:buAutoNum type="arabicPeriod"/>
+            </a:pPr>
+            <a:r>
+              <a:rPr lang="en-US" sz="1600" dirty="0"/>
+              <a:t>Implement an ActionListener interface in our  </a:t>
+            </a:r>
+            <a:r>
+              <a:rPr lang="en-US" sz="1600" dirty="0" err="1"/>
+              <a:t>JFrame</a:t>
+            </a:r>
+            <a:r>
+              <a:rPr lang="en-US" sz="1600" dirty="0"/>
+              <a:t> </a:t>
+            </a:r>
+          </a:p>
+          <a:p>
+            <a:pPr marL="800100" lvl="1" indent="-342900">
+              <a:buFont typeface="+mj-lt"/>
+              <a:buAutoNum type="arabicPeriod"/>
+            </a:pPr>
+            <a:r>
+              <a:rPr lang="en-US" sz="1600" dirty="0"/>
+              <a:t>Utilize an external class that implements ActionListener</a:t>
+            </a:r>
+          </a:p>
+          <a:p>
+            <a:pPr marL="800100" lvl="1" indent="-342900">
+              <a:buFont typeface="+mj-lt"/>
+              <a:buAutoNum type="arabicPeriod"/>
+            </a:pPr>
+            <a:r>
+              <a:rPr lang="en-US" sz="1600" dirty="0"/>
+              <a:t>Implement an ActionListener utilizing an Anonymous Inner Class  </a:t>
+            </a:r>
+          </a:p>
+        </p:txBody>
+      </p:sp>
+    </p:spTree>
+    <p:extLst>
+      <p:ext uri="{BB962C8B-B14F-4D97-AF65-F5344CB8AC3E}">
+        <p14:creationId xmlns:p14="http://schemas.microsoft.com/office/powerpoint/2010/main" val="1975654113"/>
+      </p:ext>
+    </p:extLst>
+  </p:cSld>
+  <p:clrMapOvr>
+    <a:masterClrMapping/>
+  </p:clrMapOvr>
+</p:sld>
+</file>
+
+<file path=ppt/slides/slide17.xml><?xml version="1.0" encoding="utf-8"?>
+<p:sld xmlns:a="http://schemas.openxmlformats.org/drawingml/2006/main" xmlns:r="http://schemas.openxmlformats.org/officeDocument/2006/relationships" xmlns:p="http://schemas.openxmlformats.org/presentationml/2006/main">
+  <p:cSld>
+    <p:spTree>
+      <p:nvGrpSpPr>
+        <p:cNvPr id="1" name=""/>
+        <p:cNvGrpSpPr/>
+        <p:nvPr/>
+      </p:nvGrpSpPr>
+      <p:grpSpPr>
+        <a:xfrm>
+          <a:off x="0" y="0"/>
+          <a:ext cx="0" cy="0"/>
+          <a:chOff x="0" y="0"/>
+          <a:chExt cx="0" cy="0"/>
+        </a:xfrm>
+      </p:grpSpPr>
+      <p:sp>
+        <p:nvSpPr>
+          <p:cNvPr id="2" name="Title 1"/>
+          <p:cNvSpPr>
+            <a:spLocks noGrp="1"/>
+          </p:cNvSpPr>
+          <p:nvPr>
+            <p:ph type="title"/>
+          </p:nvPr>
+        </p:nvSpPr>
+        <p:spPr>
+          <a:xfrm>
+            <a:off x="838200" y="365126"/>
+            <a:ext cx="10515600" cy="757272"/>
+          </a:xfrm>
+        </p:spPr>
+        <p:txBody>
+          <a:bodyPr>
+            <a:normAutofit/>
+          </a:bodyPr>
+          <a:lstStyle/>
+          <a:p>
+            <a:r>
+              <a:rPr lang="en-US" sz="3600" dirty="0"/>
+              <a:t>Learning Objectives – Closing Comments</a:t>
+            </a:r>
+            <a:endParaRPr lang="en-US" sz="3600" b="1" i="1" u="sng" dirty="0"/>
+          </a:p>
+        </p:txBody>
+      </p:sp>
+      <p:sp>
+        <p:nvSpPr>
+          <p:cNvPr id="3" name="Content Placeholder 2"/>
+          <p:cNvSpPr>
+            <a:spLocks noGrp="1"/>
+          </p:cNvSpPr>
+          <p:nvPr>
+            <p:ph idx="1"/>
+          </p:nvPr>
+        </p:nvSpPr>
+        <p:spPr>
+          <a:xfrm>
+            <a:off x="838200" y="1122398"/>
+            <a:ext cx="10718950" cy="5463343"/>
+          </a:xfrm>
+        </p:spPr>
+        <p:txBody>
+          <a:bodyPr>
+            <a:normAutofit/>
+          </a:bodyPr>
+          <a:lstStyle/>
+          <a:p>
+            <a:pPr marL="457200" indent="-457200">
+              <a:buFont typeface="+mj-lt"/>
+              <a:buAutoNum type="arabicPeriod"/>
+            </a:pPr>
+            <a:r>
+              <a:rPr lang="en-US" sz="2000" dirty="0"/>
+              <a:t>Explain the difference between lightweight and heavyweight components</a:t>
+            </a:r>
+          </a:p>
+          <a:p>
+            <a:pPr marL="457200" indent="-457200">
+              <a:buFont typeface="+mj-lt"/>
+              <a:buAutoNum type="arabicPeriod"/>
+            </a:pPr>
+            <a:r>
+              <a:rPr lang="en-US" sz="2000" dirty="0"/>
+              <a:t>Identify lightweight and heavyweight components</a:t>
+            </a:r>
+          </a:p>
+          <a:p>
+            <a:pPr marL="457200" indent="-457200">
+              <a:buFont typeface="+mj-lt"/>
+              <a:buAutoNum type="arabicPeriod"/>
+            </a:pPr>
+            <a:r>
+              <a:rPr lang="en-US" sz="2000" dirty="0"/>
+              <a:t>Describe how lightweight and heavyweight components render themselves</a:t>
+            </a:r>
+          </a:p>
+          <a:p>
+            <a:pPr marL="457200" indent="-457200">
+              <a:buFont typeface="+mj-lt"/>
+              <a:buAutoNum type="arabicPeriod"/>
+            </a:pPr>
+            <a:r>
+              <a:rPr lang="en-US" sz="2000" dirty="0"/>
+              <a:t>Identify layout managers for heavyweight and lightweight components</a:t>
+            </a:r>
+          </a:p>
+          <a:p>
+            <a:pPr marL="457200" indent="-457200">
+              <a:buFont typeface="+mj-lt"/>
+              <a:buAutoNum type="arabicPeriod"/>
+            </a:pPr>
+            <a:r>
+              <a:rPr lang="en-US" sz="2000" dirty="0"/>
+              <a:t>Explain what a layout manager does and identify and describe three of them</a:t>
+            </a:r>
+          </a:p>
+          <a:p>
+            <a:pPr marL="457200" indent="-457200">
+              <a:buFont typeface="+mj-lt"/>
+              <a:buAutoNum type="arabicPeriod"/>
+            </a:pPr>
+            <a:r>
+              <a:rPr lang="en-US" sz="2000" dirty="0"/>
+              <a:t>Explain how to achieve true Model-View-Controller architecture by removing any reference from the view to the model and from the model to the view</a:t>
+            </a:r>
+          </a:p>
+          <a:p>
+            <a:pPr marL="457200" indent="-457200">
+              <a:buFont typeface="+mj-lt"/>
+              <a:buAutoNum type="arabicPeriod"/>
+            </a:pPr>
+            <a:r>
+              <a:rPr lang="en-US" sz="2000" dirty="0"/>
+              <a:t>Distinguish between extending a class and implementing an interface</a:t>
+            </a:r>
+          </a:p>
+          <a:p>
+            <a:pPr marL="457200" indent="-457200">
+              <a:buFont typeface="+mj-lt"/>
+              <a:buAutoNum type="arabicPeriod"/>
+            </a:pPr>
+            <a:r>
+              <a:rPr lang="en-US" sz="2000" dirty="0"/>
+              <a:t>Explain multiple ways to implement an event handler for a particular object and event (anonymous inner classes vs. named classes vs. having the frame itself serve as the handler)</a:t>
+            </a:r>
+          </a:p>
+          <a:p>
+            <a:pPr marL="457200" indent="-457200">
+              <a:buFont typeface="+mj-lt"/>
+              <a:buAutoNum type="arabicPeriod"/>
+            </a:pPr>
+            <a:r>
+              <a:rPr lang="en-US" sz="2000" dirty="0">
+                <a:solidFill>
+                  <a:schemeClr val="bg1">
+                    <a:lumMod val="65000"/>
+                  </a:schemeClr>
+                </a:solidFill>
+              </a:rPr>
+              <a:t>Create an event handler that implements the ActionListener interface to respond to the user clicking on a button</a:t>
+            </a:r>
+          </a:p>
+          <a:p>
+            <a:pPr marL="457200" indent="-457200">
+              <a:buFont typeface="+mj-lt"/>
+              <a:buAutoNum type="arabicPeriod"/>
+            </a:pPr>
+            <a:r>
+              <a:rPr lang="en-US" sz="2000" dirty="0">
+                <a:solidFill>
+                  <a:schemeClr val="bg1">
+                    <a:lumMod val="65000"/>
+                  </a:schemeClr>
+                </a:solidFill>
+              </a:rPr>
+              <a:t>Use paint and </a:t>
+            </a:r>
+            <a:r>
+              <a:rPr lang="en-US" sz="2000" dirty="0" err="1">
+                <a:solidFill>
+                  <a:schemeClr val="bg1">
+                    <a:lumMod val="65000"/>
+                  </a:schemeClr>
+                </a:solidFill>
+              </a:rPr>
+              <a:t>paintComponent's</a:t>
+            </a:r>
+            <a:r>
+              <a:rPr lang="en-US" sz="2000" dirty="0">
+                <a:solidFill>
+                  <a:schemeClr val="bg1">
+                    <a:lumMod val="65000"/>
+                  </a:schemeClr>
+                </a:solidFill>
+              </a:rPr>
+              <a:t> Graphics object to draw a variety of shapes</a:t>
+            </a:r>
+          </a:p>
+        </p:txBody>
+      </p:sp>
+    </p:spTree>
+    <p:extLst>
+      <p:ext uri="{BB962C8B-B14F-4D97-AF65-F5344CB8AC3E}">
+        <p14:creationId xmlns:p14="http://schemas.microsoft.com/office/powerpoint/2010/main" val="2064162449"/>
+      </p:ext>
+    </p:extLst>
+  </p:cSld>
+  <p:clrMapOvr>
+    <a:masterClrMapping/>
+  </p:clrMapOvr>
+</p:sld>
+</file>
+
+<file path=ppt/slides/slide18.xml><?xml version="1.0" encoding="utf-8"?>
+<p:sld xmlns:a="http://schemas.openxmlformats.org/drawingml/2006/main" xmlns:r="http://schemas.openxmlformats.org/officeDocument/2006/relationships" xmlns:p="http://schemas.openxmlformats.org/presentationml/2006/main">
+  <p:cSld>
+    <p:spTree>
+      <p:nvGrpSpPr>
+        <p:cNvPr id="1" name=""/>
+        <p:cNvGrpSpPr/>
+        <p:nvPr/>
+      </p:nvGrpSpPr>
+      <p:grpSpPr>
+        <a:xfrm>
+          <a:off x="0" y="0"/>
+          <a:ext cx="0" cy="0"/>
+          <a:chOff x="0" y="0"/>
+          <a:chExt cx="0" cy="0"/>
+        </a:xfrm>
+      </p:grpSpPr>
+      <p:sp>
+        <p:nvSpPr>
+          <p:cNvPr id="2" name="Title 1"/>
+          <p:cNvSpPr>
+            <a:spLocks noGrp="1"/>
+          </p:cNvSpPr>
+          <p:nvPr>
+            <p:ph type="title"/>
+          </p:nvPr>
+        </p:nvSpPr>
+        <p:spPr>
+          <a:xfrm>
+            <a:off x="838200" y="365125"/>
+            <a:ext cx="10411047" cy="1325563"/>
+          </a:xfrm>
+        </p:spPr>
+        <p:txBody>
+          <a:bodyPr>
+            <a:normAutofit/>
+          </a:bodyPr>
+          <a:lstStyle/>
+          <a:p>
+            <a:r>
+              <a:rPr lang="en-US" sz="3600" dirty="0" err="1"/>
+              <a:t>FaceDraw</a:t>
+            </a:r>
+            <a:r>
+              <a:rPr lang="en-US" sz="3600" dirty="0"/>
+              <a:t> Assignment  - Closing Comments</a:t>
+            </a:r>
+          </a:p>
+        </p:txBody>
+      </p:sp>
+      <p:sp>
+        <p:nvSpPr>
+          <p:cNvPr id="3" name="Content Placeholder 2"/>
+          <p:cNvSpPr>
+            <a:spLocks noGrp="1"/>
+          </p:cNvSpPr>
+          <p:nvPr>
+            <p:ph idx="1"/>
+          </p:nvPr>
+        </p:nvSpPr>
+        <p:spPr>
+          <a:xfrm>
+            <a:off x="838199" y="1549178"/>
+            <a:ext cx="10453578" cy="4783519"/>
+          </a:xfrm>
+        </p:spPr>
+        <p:txBody>
+          <a:bodyPr>
+            <a:normAutofit/>
+          </a:bodyPr>
+          <a:lstStyle/>
+          <a:p>
+            <a:pPr marL="0" indent="0">
+              <a:buNone/>
+            </a:pPr>
+            <a:r>
+              <a:rPr lang="en-US" sz="2000" u="sng" dirty="0" err="1"/>
+              <a:t>FaceDraw</a:t>
+            </a:r>
+            <a:r>
+              <a:rPr lang="en-US" sz="2000" u="sng" dirty="0"/>
+              <a:t> and Learning Objectives</a:t>
+            </a:r>
+            <a:r>
+              <a:rPr lang="en-US" sz="2000" dirty="0"/>
+              <a:t>: </a:t>
+            </a:r>
+            <a:r>
+              <a:rPr lang="en-US" sz="2000" dirty="0" err="1"/>
+              <a:t>FaceDraw</a:t>
+            </a:r>
+            <a:r>
+              <a:rPr lang="en-US" sz="2000" dirty="0"/>
+              <a:t> will be a challenging assignment this week. Our Learning Objects, Discussion, Lecture, and Examples will all be focused on helping you complete the assignment and learn the key concepts through delivering a concrete example. </a:t>
+            </a:r>
+          </a:p>
+          <a:p>
+            <a:pPr marL="0" indent="0">
+              <a:buNone/>
+            </a:pPr>
+            <a:r>
+              <a:rPr lang="en-US" sz="2000" dirty="0"/>
+              <a:t>In </a:t>
+            </a:r>
+            <a:r>
+              <a:rPr lang="en-US" sz="2000" dirty="0" err="1"/>
+              <a:t>FaceDraw</a:t>
+            </a:r>
+            <a:r>
+              <a:rPr lang="en-US" sz="2000" dirty="0"/>
+              <a:t> we will:</a:t>
+            </a:r>
+          </a:p>
+          <a:p>
+            <a:pPr marL="457200" indent="-457200">
+              <a:buFont typeface="+mj-lt"/>
+              <a:buAutoNum type="arabicPeriod"/>
+            </a:pPr>
+            <a:r>
+              <a:rPr lang="en-US" sz="2000" dirty="0"/>
+              <a:t>Create an application in Java that draws random faces on a window</a:t>
+            </a:r>
+          </a:p>
+          <a:p>
+            <a:pPr marL="457200" indent="-457200">
+              <a:buFont typeface="+mj-lt"/>
+              <a:buAutoNum type="arabicPeriod"/>
+            </a:pPr>
+            <a:r>
+              <a:rPr lang="en-US" sz="2000" dirty="0"/>
+              <a:t>Generate a random number between 3 &amp; 10 and draw that many faces</a:t>
+            </a:r>
+          </a:p>
+          <a:p>
+            <a:pPr marL="457200" indent="-457200">
+              <a:buFont typeface="+mj-lt"/>
+              <a:buAutoNum type="arabicPeriod"/>
+            </a:pPr>
+            <a:r>
+              <a:rPr lang="en-US" sz="2000" dirty="0"/>
+              <a:t>Randomly generate reasonable and visually appealing face</a:t>
+            </a:r>
+          </a:p>
+          <a:p>
+            <a:pPr marL="457200" indent="-457200">
+              <a:buFont typeface="+mj-lt"/>
+              <a:buAutoNum type="arabicPeriod"/>
+            </a:pPr>
+            <a:r>
+              <a:rPr lang="en-US" sz="2000" dirty="0"/>
+              <a:t>Position itself to a reasonable size and location</a:t>
+            </a:r>
+          </a:p>
+          <a:p>
+            <a:pPr marL="457200" indent="-457200">
+              <a:buFont typeface="+mj-lt"/>
+              <a:buAutoNum type="arabicPeriod"/>
+            </a:pPr>
+            <a:r>
+              <a:rPr lang="en-US" sz="2000" dirty="0"/>
+              <a:t>Draw all faces so they are entirely within the window. </a:t>
+            </a:r>
+          </a:p>
+          <a:p>
+            <a:pPr marL="457200" indent="-457200">
+              <a:buFont typeface="+mj-lt"/>
+              <a:buAutoNum type="arabicPeriod"/>
+            </a:pPr>
+            <a:r>
+              <a:rPr lang="en-US" sz="2000" dirty="0"/>
+              <a:t>Draw each face with two eyes and a mouth. </a:t>
+            </a:r>
+          </a:p>
+          <a:p>
+            <a:pPr marL="457200" indent="-457200">
+              <a:buFont typeface="+mj-lt"/>
+              <a:buAutoNum type="arabicPeriod"/>
+            </a:pPr>
+            <a:r>
+              <a:rPr lang="en-US" sz="2000" dirty="0"/>
+              <a:t>The mouth should be randomly smiling, frowning, or in-between</a:t>
+            </a:r>
+          </a:p>
+        </p:txBody>
+      </p:sp>
+      <p:pic>
+        <p:nvPicPr>
+          <p:cNvPr id="4" name="Picture 3"/>
+          <p:cNvPicPr>
+            <a:picLocks noChangeAspect="1"/>
+          </p:cNvPicPr>
+          <p:nvPr/>
+        </p:nvPicPr>
+        <p:blipFill>
+          <a:blip r:embed="rId3"/>
+          <a:stretch>
+            <a:fillRect/>
+          </a:stretch>
+        </p:blipFill>
+        <p:spPr>
+          <a:xfrm>
+            <a:off x="8760798" y="2477718"/>
+            <a:ext cx="3096276" cy="3120324"/>
+          </a:xfrm>
+          <a:prstGeom prst="rect">
+            <a:avLst/>
+          </a:prstGeom>
+        </p:spPr>
+      </p:pic>
+    </p:spTree>
+    <p:extLst>
+      <p:ext uri="{BB962C8B-B14F-4D97-AF65-F5344CB8AC3E}">
+        <p14:creationId xmlns:p14="http://schemas.microsoft.com/office/powerpoint/2010/main" val="2708234115"/>
+      </p:ext>
+    </p:extLst>
+  </p:cSld>
+  <p:clrMapOvr>
+    <a:masterClrMapping/>
+  </p:clrMapOvr>
+</p:sld>
+</file>
+
+<file path=ppt/slides/slide19.xml><?xml version="1.0" encoding="utf-8"?>
+<p:sld xmlns:a="http://schemas.openxmlformats.org/drawingml/2006/main" xmlns:r="http://schemas.openxmlformats.org/officeDocument/2006/relationships" xmlns:p="http://schemas.openxmlformats.org/presentationml/2006/main">
+  <p:cSld>
+    <p:spTree>
+      <p:nvGrpSpPr>
+        <p:cNvPr id="1" name=""/>
+        <p:cNvGrpSpPr/>
+        <p:nvPr/>
+      </p:nvGrpSpPr>
+      <p:grpSpPr>
+        <a:xfrm>
+          <a:off x="0" y="0"/>
+          <a:ext cx="0" cy="0"/>
+          <a:chOff x="0" y="0"/>
+          <a:chExt cx="0" cy="0"/>
+        </a:xfrm>
+      </p:grpSpPr>
+      <p:sp>
+        <p:nvSpPr>
+          <p:cNvPr id="2" name="Title 1"/>
+          <p:cNvSpPr>
+            <a:spLocks noGrp="1"/>
+          </p:cNvSpPr>
+          <p:nvPr>
+            <p:ph type="ctrTitle"/>
+          </p:nvPr>
+        </p:nvSpPr>
+        <p:spPr>
+          <a:xfrm>
+            <a:off x="1524000" y="1122363"/>
+            <a:ext cx="9144000" cy="2387600"/>
+          </a:xfrm>
+        </p:spPr>
+        <p:txBody>
+          <a:bodyPr>
+            <a:normAutofit/>
+          </a:bodyPr>
+          <a:lstStyle/>
+          <a:p>
+            <a:r>
+              <a:rPr lang="en-US" sz="4800" dirty="0"/>
+              <a:t>End of Session</a:t>
+            </a:r>
+          </a:p>
+        </p:txBody>
+      </p:sp>
+      <p:sp>
+        <p:nvSpPr>
+          <p:cNvPr id="3" name="Subtitle 2"/>
+          <p:cNvSpPr>
+            <a:spLocks noGrp="1"/>
+          </p:cNvSpPr>
+          <p:nvPr>
+            <p:ph type="subTitle" idx="1"/>
+          </p:nvPr>
+        </p:nvSpPr>
+        <p:spPr>
+          <a:xfrm>
+            <a:off x="1524000" y="3602038"/>
+            <a:ext cx="9144000" cy="2198022"/>
+          </a:xfrm>
+        </p:spPr>
+        <p:txBody>
+          <a:bodyPr>
+            <a:normAutofit/>
+          </a:bodyPr>
+          <a:lstStyle/>
+          <a:p>
+            <a:pPr algn="l"/>
+            <a:r>
+              <a:rPr lang="en-US" dirty="0"/>
+              <a:t>Course Number: CPSC-24500</a:t>
+            </a:r>
+          </a:p>
+          <a:p>
+            <a:pPr algn="l"/>
+            <a:r>
+              <a:rPr lang="en-US" dirty="0"/>
+              <a:t>Week: 3</a:t>
+            </a:r>
+          </a:p>
+          <a:p>
+            <a:pPr algn="l"/>
+            <a:r>
+              <a:rPr lang="en-US" dirty="0"/>
+              <a:t>Session: 1</a:t>
+            </a:r>
+          </a:p>
+          <a:p>
+            <a:pPr algn="l"/>
+            <a:r>
+              <a:rPr lang="en-US" dirty="0"/>
+              <a:t>Instructor: Eric Pogue</a:t>
+            </a:r>
+          </a:p>
+        </p:txBody>
+      </p:sp>
+      <p:pic>
+        <p:nvPicPr>
+          <p:cNvPr id="4" name="Content Placeholder 4"/>
+          <p:cNvPicPr>
+            <a:picLocks noChangeAspect="1"/>
+          </p:cNvPicPr>
+          <p:nvPr/>
+        </p:nvPicPr>
+        <p:blipFill>
+          <a:blip r:embed="rId3"/>
+          <a:stretch>
+            <a:fillRect/>
+          </a:stretch>
+        </p:blipFill>
+        <p:spPr>
+          <a:xfrm>
+            <a:off x="8697433" y="376717"/>
+            <a:ext cx="2656367" cy="1366321"/>
+          </a:xfrm>
+          <a:prstGeom prst="rect">
+            <a:avLst/>
+          </a:prstGeom>
+        </p:spPr>
+      </p:pic>
+    </p:spTree>
+    <p:extLst>
+      <p:ext uri="{BB962C8B-B14F-4D97-AF65-F5344CB8AC3E}">
+        <p14:creationId xmlns:p14="http://schemas.microsoft.com/office/powerpoint/2010/main" val="2689671921"/>
+      </p:ext>
+    </p:extLst>
+  </p:cSld>
+  <p:clrMapOvr>
+    <a:masterClrMapping/>
+  </p:clrMapOvr>
+</p:sld>
+</file>
+
+<file path=ppt/slides/slide2.xml><?xml version="1.0" encoding="utf-8"?>
+<p:sld xmlns:a="http://schemas.openxmlformats.org/drawingml/2006/main" xmlns:r="http://schemas.openxmlformats.org/officeDocument/2006/relationships" xmlns:p="http://schemas.openxmlformats.org/presentationml/2006/main">
+  <p:cSld>
+    <p:spTree>
+      <p:nvGrpSpPr>
+        <p:cNvPr id="1" name=""/>
+        <p:cNvGrpSpPr/>
+        <p:nvPr/>
+      </p:nvGrpSpPr>
+      <p:grpSpPr>
+        <a:xfrm>
+          <a:off x="0" y="0"/>
+          <a:ext cx="0" cy="0"/>
+          <a:chOff x="0" y="0"/>
+          <a:chExt cx="0" cy="0"/>
+        </a:xfrm>
+      </p:grpSpPr>
+      <p:sp>
+        <p:nvSpPr>
+          <p:cNvPr id="2" name="Title 1"/>
+          <p:cNvSpPr>
+            <a:spLocks noGrp="1"/>
+          </p:cNvSpPr>
+          <p:nvPr>
+            <p:ph type="title"/>
+          </p:nvPr>
+        </p:nvSpPr>
+        <p:spPr>
+          <a:xfrm>
+            <a:off x="838200" y="365126"/>
+            <a:ext cx="6113662" cy="1409174"/>
+          </a:xfrm>
+        </p:spPr>
+        <p:txBody>
+          <a:bodyPr>
+            <a:normAutofit/>
+          </a:bodyPr>
+          <a:lstStyle/>
+          <a:p>
+            <a:r>
+              <a:rPr lang="en-US" sz="3600" dirty="0"/>
+              <a:t>Object-Oriented Programming</a:t>
+            </a:r>
+            <a:br>
+              <a:rPr lang="en-US" sz="3600" dirty="0"/>
+            </a:br>
+            <a:r>
+              <a:rPr lang="en-US" sz="1800" dirty="0"/>
+              <a:t>Session: Week 3 Session 1 </a:t>
+            </a:r>
+            <a:br>
+              <a:rPr lang="en-US" sz="1800" dirty="0"/>
+            </a:br>
+            <a:r>
+              <a:rPr lang="en-US" sz="1800" dirty="0"/>
+              <a:t>Instructor: Eric Pogue</a:t>
+            </a:r>
+            <a:endParaRPr lang="en-US" sz="1800" b="1" i="1" u="sng" dirty="0"/>
+          </a:p>
+        </p:txBody>
+      </p:sp>
+      <p:sp>
+        <p:nvSpPr>
+          <p:cNvPr id="3" name="Content Placeholder 2"/>
+          <p:cNvSpPr>
+            <a:spLocks noGrp="1"/>
+          </p:cNvSpPr>
+          <p:nvPr>
+            <p:ph idx="1"/>
+          </p:nvPr>
+        </p:nvSpPr>
+        <p:spPr>
+          <a:xfrm>
+            <a:off x="838200" y="1943857"/>
+            <a:ext cx="10718950" cy="4571242"/>
+          </a:xfrm>
+        </p:spPr>
+        <p:txBody>
+          <a:bodyPr>
+            <a:noAutofit/>
+          </a:bodyPr>
+          <a:lstStyle/>
+          <a:p>
+            <a:pPr marL="0" indent="0">
+              <a:buNone/>
+            </a:pPr>
+            <a:r>
+              <a:rPr lang="en-US" sz="2000" u="sng" dirty="0"/>
+              <a:t>Agenda:</a:t>
+            </a:r>
+          </a:p>
+          <a:p>
+            <a:pPr marL="457200" indent="-457200">
+              <a:buFont typeface="+mj-lt"/>
+              <a:buAutoNum type="arabicPeriod"/>
+            </a:pPr>
+            <a:r>
+              <a:rPr lang="en-US" sz="2000" dirty="0"/>
+              <a:t>Review this week’s Assignment</a:t>
+            </a:r>
+          </a:p>
+          <a:p>
+            <a:pPr marL="457200" indent="-457200">
+              <a:buFont typeface="+mj-lt"/>
+              <a:buAutoNum type="arabicPeriod"/>
+            </a:pPr>
+            <a:r>
+              <a:rPr lang="en-US" sz="2000" dirty="0"/>
+              <a:t>Introduce the week’s Learning Objectives</a:t>
+            </a:r>
+          </a:p>
+          <a:p>
+            <a:pPr marL="457200" indent="-457200">
+              <a:buFont typeface="+mj-lt"/>
+              <a:buAutoNum type="arabicPeriod"/>
+            </a:pPr>
+            <a:r>
+              <a:rPr lang="en-US" sz="2000" dirty="0"/>
+              <a:t>Review Learning Objectives will be covered in this session</a:t>
+            </a:r>
+          </a:p>
+          <a:p>
+            <a:pPr marL="457200" indent="-457200">
+              <a:buFont typeface="+mj-lt"/>
+              <a:buAutoNum type="arabicPeriod"/>
+            </a:pPr>
+            <a:r>
+              <a:rPr lang="en-US" sz="2000" dirty="0"/>
+              <a:t>Present Topics</a:t>
+            </a:r>
+          </a:p>
+          <a:p>
+            <a:pPr marL="457200" indent="-457200">
+              <a:buFont typeface="+mj-lt"/>
+              <a:buAutoNum type="arabicPeriod"/>
+            </a:pPr>
+            <a:r>
+              <a:rPr lang="en-US" sz="2000" dirty="0"/>
+              <a:t>Closing Comments and Next Steps</a:t>
+            </a:r>
+          </a:p>
+        </p:txBody>
+      </p:sp>
+      <p:pic>
+        <p:nvPicPr>
+          <p:cNvPr id="4" name="Content Placeholder 4"/>
+          <p:cNvPicPr>
+            <a:picLocks noChangeAspect="1"/>
+          </p:cNvPicPr>
+          <p:nvPr/>
+        </p:nvPicPr>
+        <p:blipFill>
+          <a:blip r:embed="rId3"/>
+          <a:stretch>
+            <a:fillRect/>
+          </a:stretch>
+        </p:blipFill>
+        <p:spPr>
+          <a:xfrm>
+            <a:off x="9072894" y="182925"/>
+            <a:ext cx="2656367" cy="1366321"/>
+          </a:xfrm>
+          <a:prstGeom prst="rect">
+            <a:avLst/>
+          </a:prstGeom>
+        </p:spPr>
+      </p:pic>
+    </p:spTree>
+    <p:extLst>
+      <p:ext uri="{BB962C8B-B14F-4D97-AF65-F5344CB8AC3E}">
+        <p14:creationId xmlns:p14="http://schemas.microsoft.com/office/powerpoint/2010/main" val="4063339403"/>
+      </p:ext>
+    </p:extLst>
+  </p:cSld>
+  <p:clrMapOvr>
+    <a:masterClrMapping/>
+  </p:clrMapOvr>
+</p:sld>
+</file>
+
+<file path=ppt/slides/slide20.xml><?xml version="1.0" encoding="utf-8"?>
+<p:sld xmlns:a="http://schemas.openxmlformats.org/drawingml/2006/main" xmlns:r="http://schemas.openxmlformats.org/officeDocument/2006/relationships" xmlns:p="http://schemas.openxmlformats.org/presentationml/2006/main">
+  <p:cSld>
+    <p:spTree>
+      <p:nvGrpSpPr>
+        <p:cNvPr id="1" name=""/>
+        <p:cNvGrpSpPr/>
+        <p:nvPr/>
+      </p:nvGrpSpPr>
+      <p:grpSpPr>
+        <a:xfrm>
+          <a:off x="0" y="0"/>
+          <a:ext cx="0" cy="0"/>
+          <a:chOff x="0" y="0"/>
+          <a:chExt cx="0" cy="0"/>
+        </a:xfrm>
+      </p:grpSpPr>
+      <p:pic>
+        <p:nvPicPr>
+          <p:cNvPr id="5" name="Picture 4"/>
+          <p:cNvPicPr>
+            <a:picLocks noChangeAspect="1"/>
+          </p:cNvPicPr>
+          <p:nvPr/>
+        </p:nvPicPr>
+        <p:blipFill>
+          <a:blip r:embed="rId3"/>
+          <a:stretch>
+            <a:fillRect/>
+          </a:stretch>
+        </p:blipFill>
+        <p:spPr>
+          <a:xfrm>
+            <a:off x="7298199" y="1618301"/>
+            <a:ext cx="4114800" cy="4583487"/>
+          </a:xfrm>
+          <a:prstGeom prst="rect">
+            <a:avLst/>
+          </a:prstGeom>
+        </p:spPr>
+      </p:pic>
+      <p:sp>
+        <p:nvSpPr>
+          <p:cNvPr id="2" name="Title 1"/>
+          <p:cNvSpPr>
+            <a:spLocks noGrp="1"/>
+          </p:cNvSpPr>
+          <p:nvPr>
+            <p:ph type="title"/>
+          </p:nvPr>
+        </p:nvSpPr>
+        <p:spPr>
+          <a:xfrm>
+            <a:off x="838199" y="365125"/>
+            <a:ext cx="10788503" cy="1325563"/>
+          </a:xfrm>
+        </p:spPr>
+        <p:txBody>
+          <a:bodyPr>
+            <a:normAutofit/>
+          </a:bodyPr>
+          <a:lstStyle/>
+          <a:p>
+            <a:r>
+              <a:rPr lang="en-US" sz="3600" dirty="0"/>
+              <a:t>Graphics Objects</a:t>
+            </a:r>
+          </a:p>
+        </p:txBody>
+      </p:sp>
+      <p:sp>
+        <p:nvSpPr>
+          <p:cNvPr id="3" name="Content Placeholder 2"/>
+          <p:cNvSpPr>
+            <a:spLocks noGrp="1"/>
+          </p:cNvSpPr>
+          <p:nvPr>
+            <p:ph idx="1"/>
+          </p:nvPr>
+        </p:nvSpPr>
+        <p:spPr>
+          <a:xfrm>
+            <a:off x="838199" y="1618301"/>
+            <a:ext cx="6239720" cy="4351338"/>
+          </a:xfrm>
+        </p:spPr>
+        <p:txBody>
+          <a:bodyPr>
+            <a:normAutofit/>
+          </a:bodyPr>
+          <a:lstStyle/>
+          <a:p>
+            <a:pPr marL="0" indent="0">
+              <a:buNone/>
+            </a:pPr>
+            <a:r>
+              <a:rPr lang="en-US" sz="2000" u="sng" dirty="0"/>
+              <a:t>Graphics Objects </a:t>
+            </a:r>
+            <a:r>
+              <a:rPr lang="en-US" sz="2000" u="sng" dirty="0">
+                <a:hlinkClick r:id="rId4"/>
+              </a:rPr>
+              <a:t>[link]</a:t>
+            </a:r>
+            <a:r>
+              <a:rPr lang="en-US" sz="2000" dirty="0"/>
+              <a:t>: We will generally see the Graphics object as part of overriding </a:t>
+            </a:r>
+            <a:r>
+              <a:rPr lang="en-US" sz="2000" dirty="0" err="1"/>
+              <a:t>paintComponent</a:t>
+            </a:r>
+            <a:r>
+              <a:rPr lang="en-US" sz="2000" dirty="0"/>
+              <a:t>(Graphics g). The “g” object has many useful methods including:</a:t>
+            </a:r>
+          </a:p>
+          <a:p>
+            <a:r>
+              <a:rPr lang="en-US" sz="2000" dirty="0" err="1"/>
+              <a:t>drawOval</a:t>
+            </a:r>
+            <a:r>
+              <a:rPr lang="en-US" sz="2000" dirty="0"/>
+              <a:t>(</a:t>
+            </a:r>
+            <a:r>
+              <a:rPr lang="en-US" sz="2000" dirty="0" err="1"/>
+              <a:t>x,y,width,height</a:t>
+            </a:r>
+            <a:r>
+              <a:rPr lang="en-US" sz="2000" dirty="0"/>
+              <a:t>)</a:t>
+            </a:r>
+          </a:p>
+          <a:p>
+            <a:r>
+              <a:rPr lang="en-US" sz="2000" dirty="0" err="1"/>
+              <a:t>fillOval</a:t>
+            </a:r>
+            <a:r>
+              <a:rPr lang="en-US" sz="2000" dirty="0"/>
+              <a:t>(</a:t>
+            </a:r>
+            <a:r>
+              <a:rPr lang="en-US" sz="2000" dirty="0" err="1"/>
+              <a:t>x,y,width,height</a:t>
+            </a:r>
+            <a:r>
+              <a:rPr lang="en-US" sz="2000" dirty="0"/>
+              <a:t>)</a:t>
+            </a:r>
+          </a:p>
+          <a:p>
+            <a:r>
+              <a:rPr lang="en-US" sz="2000" dirty="0" err="1"/>
+              <a:t>setColor</a:t>
+            </a:r>
+            <a:r>
+              <a:rPr lang="en-US" sz="2000" dirty="0"/>
+              <a:t>(</a:t>
+            </a:r>
+            <a:r>
+              <a:rPr lang="en-US" sz="2000" dirty="0" err="1"/>
+              <a:t>Color.BLUE</a:t>
+            </a:r>
+            <a:r>
+              <a:rPr lang="en-US" sz="2000" dirty="0"/>
+              <a:t>)</a:t>
+            </a:r>
+          </a:p>
+          <a:p>
+            <a:r>
+              <a:rPr lang="en-US" sz="2000" dirty="0" err="1"/>
+              <a:t>drawRect</a:t>
+            </a:r>
+            <a:r>
+              <a:rPr lang="en-US" sz="2000" dirty="0"/>
+              <a:t>()</a:t>
+            </a:r>
+          </a:p>
+          <a:p>
+            <a:r>
+              <a:rPr lang="en-US" sz="2000" dirty="0" err="1"/>
+              <a:t>drawArc</a:t>
+            </a:r>
+            <a:r>
+              <a:rPr lang="en-US" sz="2000" dirty="0"/>
+              <a:t>() </a:t>
+            </a:r>
+            <a:r>
+              <a:rPr lang="en-US" sz="2000" dirty="0">
+                <a:hlinkClick r:id="rId5"/>
+              </a:rPr>
+              <a:t>[link]</a:t>
+            </a:r>
+            <a:r>
+              <a:rPr lang="en-US" sz="2000" dirty="0"/>
+              <a:t>… You will want to use this draw your smiling faces in the assignment this week. </a:t>
+            </a:r>
+          </a:p>
+          <a:p>
+            <a:r>
+              <a:rPr lang="en-US" sz="2000" dirty="0" err="1"/>
+              <a:t>drawString</a:t>
+            </a:r>
+            <a:r>
+              <a:rPr lang="en-US" sz="2000" dirty="0"/>
+              <a:t>()</a:t>
+            </a:r>
+          </a:p>
+          <a:p>
+            <a:r>
+              <a:rPr lang="en-US" sz="2000" dirty="0" err="1"/>
+              <a:t>setFont</a:t>
+            </a:r>
+            <a:r>
+              <a:rPr lang="en-US" sz="2000" dirty="0"/>
+              <a:t>()</a:t>
+            </a:r>
+          </a:p>
+          <a:p>
+            <a:pPr marL="0" indent="0">
+              <a:buNone/>
+            </a:pPr>
+            <a:endParaRPr lang="en-US" sz="2000" dirty="0"/>
+          </a:p>
+        </p:txBody>
+      </p:sp>
+    </p:spTree>
+    <p:extLst>
+      <p:ext uri="{BB962C8B-B14F-4D97-AF65-F5344CB8AC3E}">
+        <p14:creationId xmlns:p14="http://schemas.microsoft.com/office/powerpoint/2010/main" val="878755386"/>
+      </p:ext>
+    </p:extLst>
+  </p:cSld>
+  <p:clrMapOvr>
+    <a:masterClrMapping/>
+  </p:clrMapOvr>
+</p:sld>
+</file>
+
+<file path=ppt/slides/slide21.xml><?xml version="1.0" encoding="utf-8"?>
+<p:sld xmlns:a="http://schemas.openxmlformats.org/drawingml/2006/main" xmlns:r="http://schemas.openxmlformats.org/officeDocument/2006/relationships" xmlns:p="http://schemas.openxmlformats.org/presentationml/2006/main">
+  <p:cSld>
+    <p:spTree>
+      <p:nvGrpSpPr>
+        <p:cNvPr id="1" name=""/>
+        <p:cNvGrpSpPr/>
+        <p:nvPr/>
+      </p:nvGrpSpPr>
+      <p:grpSpPr>
+        <a:xfrm>
+          <a:off x="0" y="0"/>
+          <a:ext cx="0" cy="0"/>
+          <a:chOff x="0" y="0"/>
+          <a:chExt cx="0" cy="0"/>
+        </a:xfrm>
+      </p:grpSpPr>
+      <p:sp>
+        <p:nvSpPr>
+          <p:cNvPr id="2" name="Title 1"/>
+          <p:cNvSpPr>
+            <a:spLocks noGrp="1"/>
+          </p:cNvSpPr>
+          <p:nvPr>
+            <p:ph type="title"/>
+          </p:nvPr>
+        </p:nvSpPr>
+        <p:spPr/>
+        <p:txBody>
+          <a:bodyPr>
+            <a:normAutofit/>
+          </a:bodyPr>
+          <a:lstStyle/>
+          <a:p>
+            <a:r>
+              <a:rPr lang="en-US" sz="3600" dirty="0" err="1"/>
+              <a:t>JFrame</a:t>
+            </a:r>
+            <a:endParaRPr lang="en-US" sz="3600" dirty="0"/>
+          </a:p>
+        </p:txBody>
+      </p:sp>
+      <p:sp>
+        <p:nvSpPr>
+          <p:cNvPr id="3" name="Content Placeholder 2"/>
+          <p:cNvSpPr>
+            <a:spLocks noGrp="1"/>
+          </p:cNvSpPr>
+          <p:nvPr>
+            <p:ph idx="1"/>
+          </p:nvPr>
+        </p:nvSpPr>
+        <p:spPr>
+          <a:xfrm>
+            <a:off x="838198" y="1525772"/>
+            <a:ext cx="10515601" cy="4651191"/>
+          </a:xfrm>
+        </p:spPr>
+        <p:txBody>
+          <a:bodyPr>
+            <a:normAutofit/>
+          </a:bodyPr>
+          <a:lstStyle/>
+          <a:p>
+            <a:pPr marL="0" indent="0">
+              <a:buNone/>
+            </a:pPr>
+            <a:endParaRPr lang="en-US" sz="2000" dirty="0"/>
+          </a:p>
+          <a:p>
+            <a:endParaRPr lang="en-US" sz="2000" dirty="0"/>
+          </a:p>
+        </p:txBody>
+      </p:sp>
+    </p:spTree>
+    <p:extLst>
+      <p:ext uri="{BB962C8B-B14F-4D97-AF65-F5344CB8AC3E}">
+        <p14:creationId xmlns:p14="http://schemas.microsoft.com/office/powerpoint/2010/main" val="2540699348"/>
+      </p:ext>
+    </p:extLst>
+  </p:cSld>
+  <p:clrMapOvr>
+    <a:masterClrMapping/>
+  </p:clrMapOvr>
+</p:sld>
+</file>
+
+<file path=ppt/slides/slide22.xml><?xml version="1.0" encoding="utf-8"?>
+<p:sld xmlns:a="http://schemas.openxmlformats.org/drawingml/2006/main" xmlns:r="http://schemas.openxmlformats.org/officeDocument/2006/relationships" xmlns:p="http://schemas.openxmlformats.org/presentationml/2006/main">
+  <p:cSld>
+    <p:spTree>
+      <p:nvGrpSpPr>
+        <p:cNvPr id="1" name=""/>
+        <p:cNvGrpSpPr/>
+        <p:nvPr/>
+      </p:nvGrpSpPr>
+      <p:grpSpPr>
+        <a:xfrm>
+          <a:off x="0" y="0"/>
+          <a:ext cx="0" cy="0"/>
+          <a:chOff x="0" y="0"/>
+          <a:chExt cx="0" cy="0"/>
+        </a:xfrm>
+      </p:grpSpPr>
+      <p:pic>
+        <p:nvPicPr>
+          <p:cNvPr id="5" name="Picture 4"/>
+          <p:cNvPicPr>
+            <a:picLocks noChangeAspect="1"/>
+          </p:cNvPicPr>
+          <p:nvPr/>
+        </p:nvPicPr>
+        <p:blipFill>
+          <a:blip r:embed="rId3"/>
+          <a:stretch>
+            <a:fillRect/>
+          </a:stretch>
+        </p:blipFill>
+        <p:spPr>
+          <a:xfrm>
+            <a:off x="7298199" y="1618301"/>
+            <a:ext cx="4114800" cy="4583487"/>
+          </a:xfrm>
+          <a:prstGeom prst="rect">
+            <a:avLst/>
+          </a:prstGeom>
+        </p:spPr>
+      </p:pic>
+      <p:sp>
+        <p:nvSpPr>
+          <p:cNvPr id="2" name="Title 1"/>
+          <p:cNvSpPr>
+            <a:spLocks noGrp="1"/>
+          </p:cNvSpPr>
+          <p:nvPr>
+            <p:ph type="title"/>
+          </p:nvPr>
+        </p:nvSpPr>
+        <p:spPr>
+          <a:xfrm>
+            <a:off x="838199" y="365125"/>
+            <a:ext cx="10788503" cy="1325563"/>
+          </a:xfrm>
+        </p:spPr>
+        <p:txBody>
+          <a:bodyPr>
+            <a:normAutofit/>
+          </a:bodyPr>
+          <a:lstStyle/>
+          <a:p>
+            <a:r>
+              <a:rPr lang="en-US" sz="3600" dirty="0"/>
+              <a:t>Code Sharing &amp; Package Visibility</a:t>
+            </a:r>
+          </a:p>
+        </p:txBody>
+      </p:sp>
+      <p:sp>
+        <p:nvSpPr>
+          <p:cNvPr id="3" name="Content Placeholder 2"/>
+          <p:cNvSpPr>
+            <a:spLocks noGrp="1"/>
+          </p:cNvSpPr>
+          <p:nvPr>
+            <p:ph idx="1"/>
+          </p:nvPr>
+        </p:nvSpPr>
+        <p:spPr>
+          <a:xfrm>
+            <a:off x="838199" y="1618301"/>
+            <a:ext cx="6239720" cy="4351338"/>
+          </a:xfrm>
+        </p:spPr>
+        <p:txBody>
+          <a:bodyPr>
+            <a:normAutofit/>
+          </a:bodyPr>
+          <a:lstStyle/>
+          <a:p>
+            <a:pPr marL="0" indent="0">
+              <a:buNone/>
+            </a:pPr>
+            <a:endParaRPr lang="en-US" sz="2000" dirty="0"/>
+          </a:p>
+        </p:txBody>
+      </p:sp>
+    </p:spTree>
+    <p:extLst>
+      <p:ext uri="{BB962C8B-B14F-4D97-AF65-F5344CB8AC3E}">
+        <p14:creationId xmlns:p14="http://schemas.microsoft.com/office/powerpoint/2010/main" val="1416097690"/>
+      </p:ext>
+    </p:extLst>
+  </p:cSld>
+  <p:clrMapOvr>
+    <a:masterClrMapping/>
+  </p:clrMapOvr>
+</p:sld>
+</file>
+
+<file path=ppt/slides/slide23.xml><?xml version="1.0" encoding="utf-8"?>
+<p:sld xmlns:a="http://schemas.openxmlformats.org/drawingml/2006/main" xmlns:r="http://schemas.openxmlformats.org/officeDocument/2006/relationships" xmlns:p="http://schemas.openxmlformats.org/presentationml/2006/main">
+  <p:cSld>
+    <p:spTree>
+      <p:nvGrpSpPr>
+        <p:cNvPr id="1" name=""/>
+        <p:cNvGrpSpPr/>
+        <p:nvPr/>
+      </p:nvGrpSpPr>
+      <p:grpSpPr>
+        <a:xfrm>
+          <a:off x="0" y="0"/>
+          <a:ext cx="0" cy="0"/>
+          <a:chOff x="0" y="0"/>
+          <a:chExt cx="0" cy="0"/>
+        </a:xfrm>
+      </p:grpSpPr>
+      <p:sp>
+        <p:nvSpPr>
+          <p:cNvPr id="2" name="Title 1"/>
+          <p:cNvSpPr>
+            <a:spLocks noGrp="1"/>
+          </p:cNvSpPr>
+          <p:nvPr>
+            <p:ph type="title"/>
+          </p:nvPr>
+        </p:nvSpPr>
+        <p:spPr/>
+        <p:txBody>
+          <a:bodyPr>
+            <a:normAutofit/>
+          </a:bodyPr>
+          <a:lstStyle/>
+          <a:p>
+            <a:r>
+              <a:rPr lang="en-US" sz="3600" dirty="0"/>
+              <a:t>**Title</a:t>
+            </a:r>
+          </a:p>
+        </p:txBody>
+      </p:sp>
+      <p:sp>
+        <p:nvSpPr>
+          <p:cNvPr id="3" name="Content Placeholder 2"/>
+          <p:cNvSpPr>
+            <a:spLocks noGrp="1"/>
+          </p:cNvSpPr>
+          <p:nvPr>
+            <p:ph idx="1"/>
+          </p:nvPr>
+        </p:nvSpPr>
+        <p:spPr>
+          <a:xfrm>
+            <a:off x="838199" y="1825625"/>
+            <a:ext cx="6239720" cy="4351338"/>
+          </a:xfrm>
+        </p:spPr>
+        <p:txBody>
+          <a:bodyPr>
+            <a:normAutofit/>
+          </a:bodyPr>
+          <a:lstStyle/>
+          <a:p>
+            <a:pPr marL="0" indent="0">
+              <a:buNone/>
+            </a:pPr>
+            <a:r>
+              <a:rPr lang="en-US" sz="2000" u="sng" dirty="0"/>
+              <a:t>Title</a:t>
+            </a:r>
+            <a:r>
+              <a:rPr lang="en-US" sz="2000" dirty="0"/>
+              <a:t>: Description</a:t>
+            </a:r>
+          </a:p>
+        </p:txBody>
+      </p:sp>
+      <p:pic>
+        <p:nvPicPr>
+          <p:cNvPr id="4" name="Picture 3"/>
+          <p:cNvPicPr>
+            <a:picLocks noChangeAspect="1"/>
+          </p:cNvPicPr>
+          <p:nvPr/>
+        </p:nvPicPr>
+        <p:blipFill>
+          <a:blip r:embed="rId3"/>
+          <a:stretch>
+            <a:fillRect/>
+          </a:stretch>
+        </p:blipFill>
+        <p:spPr>
+          <a:xfrm>
+            <a:off x="7298199" y="1825625"/>
+            <a:ext cx="4114800" cy="1529176"/>
+          </a:xfrm>
+          <a:prstGeom prst="rect">
+            <a:avLst/>
+          </a:prstGeom>
+        </p:spPr>
+      </p:pic>
+    </p:spTree>
+    <p:extLst>
+      <p:ext uri="{BB962C8B-B14F-4D97-AF65-F5344CB8AC3E}">
+        <p14:creationId xmlns:p14="http://schemas.microsoft.com/office/powerpoint/2010/main" val="2971523287"/>
+      </p:ext>
+    </p:extLst>
+  </p:cSld>
+  <p:clrMapOvr>
+    <a:masterClrMapping/>
+  </p:clrMapOvr>
+</p:sld>
+</file>
+
+<file path=ppt/slides/slide3.xml><?xml version="1.0" encoding="utf-8"?>
+<p:sld xmlns:a="http://schemas.openxmlformats.org/drawingml/2006/main" xmlns:r="http://schemas.openxmlformats.org/officeDocument/2006/relationships" xmlns:p="http://schemas.openxmlformats.org/presentationml/2006/main">
+  <p:cSld>
+    <p:spTree>
+      <p:nvGrpSpPr>
+        <p:cNvPr id="1" name=""/>
+        <p:cNvGrpSpPr/>
+        <p:nvPr/>
+      </p:nvGrpSpPr>
+      <p:grpSpPr>
+        <a:xfrm>
+          <a:off x="0" y="0"/>
+          <a:ext cx="0" cy="0"/>
+          <a:chOff x="0" y="0"/>
+          <a:chExt cx="0" cy="0"/>
+        </a:xfrm>
+      </p:grpSpPr>
+      <p:sp>
+        <p:nvSpPr>
+          <p:cNvPr id="2" name="Title 1"/>
+          <p:cNvSpPr>
+            <a:spLocks noGrp="1"/>
+          </p:cNvSpPr>
+          <p:nvPr>
+            <p:ph type="title"/>
+          </p:nvPr>
+        </p:nvSpPr>
+        <p:spPr>
+          <a:xfrm>
+            <a:off x="838200" y="365125"/>
+            <a:ext cx="10411047" cy="1325563"/>
+          </a:xfrm>
+        </p:spPr>
+        <p:txBody>
+          <a:bodyPr>
+            <a:normAutofit/>
+          </a:bodyPr>
+          <a:lstStyle/>
+          <a:p>
+            <a:r>
+              <a:rPr lang="en-US" sz="3600" dirty="0" err="1"/>
+              <a:t>FaceDraw</a:t>
+            </a:r>
+            <a:r>
+              <a:rPr lang="en-US" sz="3600" dirty="0"/>
+              <a:t> Assignment  &amp; Learning Objectives</a:t>
+            </a:r>
+          </a:p>
+        </p:txBody>
+      </p:sp>
+      <p:sp>
+        <p:nvSpPr>
+          <p:cNvPr id="3" name="Content Placeholder 2"/>
+          <p:cNvSpPr>
+            <a:spLocks noGrp="1"/>
+          </p:cNvSpPr>
+          <p:nvPr>
+            <p:ph idx="1"/>
+          </p:nvPr>
+        </p:nvSpPr>
+        <p:spPr>
+          <a:xfrm>
+            <a:off x="838199" y="1549178"/>
+            <a:ext cx="10453578" cy="4783519"/>
+          </a:xfrm>
+        </p:spPr>
+        <p:txBody>
+          <a:bodyPr>
+            <a:normAutofit/>
+          </a:bodyPr>
+          <a:lstStyle/>
+          <a:p>
+            <a:pPr marL="0" indent="0">
+              <a:buNone/>
+            </a:pPr>
+            <a:r>
+              <a:rPr lang="en-US" sz="2000" u="sng" dirty="0" err="1"/>
+              <a:t>FaceDraw</a:t>
+            </a:r>
+            <a:r>
+              <a:rPr lang="en-US" sz="2000" u="sng" dirty="0"/>
+              <a:t> and Learning Objectives</a:t>
+            </a:r>
+            <a:r>
+              <a:rPr lang="en-US" sz="2000" dirty="0"/>
+              <a:t>: </a:t>
+            </a:r>
+            <a:r>
+              <a:rPr lang="en-US" sz="2000" dirty="0" err="1"/>
+              <a:t>FaceDraw</a:t>
+            </a:r>
+            <a:r>
+              <a:rPr lang="en-US" sz="2000" dirty="0"/>
+              <a:t> will be a challenging assignment this week. Our Learning Objects, Discussion, Lecture, and Examples will all be focused on helping you complete the assignment and learn the key concepts through delivering a concrete example. </a:t>
+            </a:r>
+          </a:p>
+          <a:p>
+            <a:pPr marL="0" indent="0">
+              <a:buNone/>
+            </a:pPr>
+            <a:r>
+              <a:rPr lang="en-US" sz="2000" dirty="0"/>
+              <a:t>In </a:t>
+            </a:r>
+            <a:r>
+              <a:rPr lang="en-US" sz="2000" dirty="0" err="1"/>
+              <a:t>FaceDraw</a:t>
+            </a:r>
+            <a:r>
+              <a:rPr lang="en-US" sz="2000" dirty="0"/>
+              <a:t> we will:</a:t>
+            </a:r>
+          </a:p>
+          <a:p>
+            <a:pPr marL="457200" indent="-457200">
+              <a:buFont typeface="+mj-lt"/>
+              <a:buAutoNum type="arabicPeriod"/>
+            </a:pPr>
+            <a:r>
+              <a:rPr lang="en-US" sz="2000" dirty="0"/>
+              <a:t>Create an application in Java that draws random faces on a window</a:t>
+            </a:r>
+          </a:p>
+          <a:p>
+            <a:pPr marL="457200" indent="-457200">
+              <a:buFont typeface="+mj-lt"/>
+              <a:buAutoNum type="arabicPeriod"/>
+            </a:pPr>
+            <a:r>
+              <a:rPr lang="en-US" sz="2000" dirty="0"/>
+              <a:t>Generate a random number between 3 &amp; 10 and draw that many faces</a:t>
+            </a:r>
+          </a:p>
+          <a:p>
+            <a:pPr marL="457200" indent="-457200">
+              <a:buFont typeface="+mj-lt"/>
+              <a:buAutoNum type="arabicPeriod"/>
+            </a:pPr>
+            <a:r>
+              <a:rPr lang="en-US" sz="2000" dirty="0"/>
+              <a:t>Randomly generate reasonable and visually appealing face</a:t>
+            </a:r>
+          </a:p>
+          <a:p>
+            <a:pPr marL="457200" indent="-457200">
+              <a:buFont typeface="+mj-lt"/>
+              <a:buAutoNum type="arabicPeriod"/>
+            </a:pPr>
+            <a:r>
+              <a:rPr lang="en-US" sz="2000" dirty="0"/>
+              <a:t>Position itself to a reasonable size and location</a:t>
+            </a:r>
+          </a:p>
+          <a:p>
+            <a:pPr marL="457200" indent="-457200">
+              <a:buFont typeface="+mj-lt"/>
+              <a:buAutoNum type="arabicPeriod"/>
+            </a:pPr>
+            <a:r>
+              <a:rPr lang="en-US" sz="2000" dirty="0"/>
+              <a:t>Draw all faces so they are entirely within the window. </a:t>
+            </a:r>
+          </a:p>
+          <a:p>
+            <a:pPr marL="457200" indent="-457200">
+              <a:buFont typeface="+mj-lt"/>
+              <a:buAutoNum type="arabicPeriod"/>
+            </a:pPr>
+            <a:r>
+              <a:rPr lang="en-US" sz="2000" dirty="0"/>
+              <a:t>Draw each face with two eyes and a mouth. </a:t>
+            </a:r>
+          </a:p>
+          <a:p>
+            <a:pPr marL="457200" indent="-457200">
+              <a:buFont typeface="+mj-lt"/>
+              <a:buAutoNum type="arabicPeriod"/>
+            </a:pPr>
+            <a:r>
+              <a:rPr lang="en-US" sz="2000" dirty="0"/>
+              <a:t>The mouth should be randomly smiling, frowning, or in-between</a:t>
+            </a:r>
+          </a:p>
+        </p:txBody>
+      </p:sp>
+      <p:pic>
+        <p:nvPicPr>
+          <p:cNvPr id="4" name="Picture 3"/>
+          <p:cNvPicPr>
+            <a:picLocks noChangeAspect="1"/>
+          </p:cNvPicPr>
+          <p:nvPr/>
+        </p:nvPicPr>
+        <p:blipFill>
+          <a:blip r:embed="rId3"/>
+          <a:stretch>
+            <a:fillRect/>
+          </a:stretch>
+        </p:blipFill>
+        <p:spPr>
+          <a:xfrm>
+            <a:off x="8760798" y="2477718"/>
+            <a:ext cx="3096276" cy="3120324"/>
+          </a:xfrm>
+          <a:prstGeom prst="rect">
+            <a:avLst/>
+          </a:prstGeom>
+        </p:spPr>
+      </p:pic>
+    </p:spTree>
+    <p:extLst>
+      <p:ext uri="{BB962C8B-B14F-4D97-AF65-F5344CB8AC3E}">
+        <p14:creationId xmlns:p14="http://schemas.microsoft.com/office/powerpoint/2010/main" val="4213558946"/>
+      </p:ext>
+    </p:extLst>
+  </p:cSld>
+  <p:clrMapOvr>
+    <a:masterClrMapping/>
+  </p:clrMapOvr>
+</p:sld>
+</file>
+
+<file path=ppt/slides/slide4.xml><?xml version="1.0" encoding="utf-8"?>
+<p:sld xmlns:a="http://schemas.openxmlformats.org/drawingml/2006/main" xmlns:r="http://schemas.openxmlformats.org/officeDocument/2006/relationships" xmlns:p="http://schemas.openxmlformats.org/presentationml/2006/main">
+  <p:cSld>
+    <p:spTree>
+      <p:nvGrpSpPr>
+        <p:cNvPr id="1" name=""/>
+        <p:cNvGrpSpPr/>
+        <p:nvPr/>
+      </p:nvGrpSpPr>
+      <p:grpSpPr>
+        <a:xfrm>
+          <a:off x="0" y="0"/>
+          <a:ext cx="0" cy="0"/>
+          <a:chOff x="0" y="0"/>
+          <a:chExt cx="0" cy="0"/>
+        </a:xfrm>
+      </p:grpSpPr>
+      <p:sp>
+        <p:nvSpPr>
+          <p:cNvPr id="2" name="Title 1"/>
+          <p:cNvSpPr>
+            <a:spLocks noGrp="1"/>
+          </p:cNvSpPr>
+          <p:nvPr>
+            <p:ph type="title"/>
+          </p:nvPr>
+        </p:nvSpPr>
+        <p:spPr>
+          <a:xfrm>
+            <a:off x="838200" y="365126"/>
+            <a:ext cx="10515600" cy="757272"/>
+          </a:xfrm>
+        </p:spPr>
+        <p:txBody>
+          <a:bodyPr>
+            <a:normAutofit/>
+          </a:bodyPr>
+          <a:lstStyle/>
+          <a:p>
+            <a:r>
+              <a:rPr lang="en-US" sz="3600" dirty="0"/>
+              <a:t>Learning Objectives – Week 3</a:t>
+            </a:r>
+            <a:endParaRPr lang="en-US" sz="3600" b="1" i="1" u="sng" dirty="0"/>
+          </a:p>
+        </p:txBody>
+      </p:sp>
+      <p:sp>
+        <p:nvSpPr>
+          <p:cNvPr id="3" name="Content Placeholder 2"/>
+          <p:cNvSpPr>
+            <a:spLocks noGrp="1"/>
+          </p:cNvSpPr>
+          <p:nvPr>
+            <p:ph idx="1"/>
+          </p:nvPr>
+        </p:nvSpPr>
+        <p:spPr>
+          <a:xfrm>
+            <a:off x="838200" y="1122398"/>
+            <a:ext cx="10718950" cy="5463343"/>
+          </a:xfrm>
+        </p:spPr>
+        <p:txBody>
+          <a:bodyPr>
+            <a:normAutofit/>
+          </a:bodyPr>
+          <a:lstStyle/>
+          <a:p>
+            <a:pPr marL="457200" indent="-457200">
+              <a:buFont typeface="+mj-lt"/>
+              <a:buAutoNum type="arabicPeriod"/>
+            </a:pPr>
+            <a:r>
+              <a:rPr lang="en-US" sz="2000" dirty="0"/>
+              <a:t>Explain the difference between lightweight and heavyweight components</a:t>
+            </a:r>
+          </a:p>
+          <a:p>
+            <a:pPr marL="457200" indent="-457200">
+              <a:buFont typeface="+mj-lt"/>
+              <a:buAutoNum type="arabicPeriod"/>
+            </a:pPr>
+            <a:r>
+              <a:rPr lang="en-US" sz="2000" dirty="0"/>
+              <a:t>Identify lightweight and heavyweight components</a:t>
+            </a:r>
+          </a:p>
+          <a:p>
+            <a:pPr marL="457200" indent="-457200">
+              <a:buFont typeface="+mj-lt"/>
+              <a:buAutoNum type="arabicPeriod"/>
+            </a:pPr>
+            <a:r>
+              <a:rPr lang="en-US" sz="2000" dirty="0"/>
+              <a:t>Describe how lightweight and heavyweight components render themselves</a:t>
+            </a:r>
+          </a:p>
+          <a:p>
+            <a:pPr marL="457200" indent="-457200">
+              <a:buFont typeface="+mj-lt"/>
+              <a:buAutoNum type="arabicPeriod"/>
+            </a:pPr>
+            <a:r>
+              <a:rPr lang="en-US" sz="2000" dirty="0"/>
+              <a:t>Identify layout managers for heavyweight and lightweight components</a:t>
+            </a:r>
+          </a:p>
+          <a:p>
+            <a:pPr marL="457200" indent="-457200">
+              <a:buFont typeface="+mj-lt"/>
+              <a:buAutoNum type="arabicPeriod"/>
+            </a:pPr>
+            <a:r>
+              <a:rPr lang="en-US" sz="2000" dirty="0"/>
+              <a:t>Explain what a layout manager does and identify and describe three of them</a:t>
+            </a:r>
+          </a:p>
+          <a:p>
+            <a:pPr marL="457200" indent="-457200">
+              <a:buFont typeface="+mj-lt"/>
+              <a:buAutoNum type="arabicPeriod"/>
+            </a:pPr>
+            <a:r>
+              <a:rPr lang="en-US" sz="2000" dirty="0"/>
+              <a:t>Explain how to achieve true Model-View-Controller architecture by removing any reference from the view to the model and from the model to the view</a:t>
+            </a:r>
+          </a:p>
+          <a:p>
+            <a:pPr marL="457200" indent="-457200">
+              <a:buFont typeface="+mj-lt"/>
+              <a:buAutoNum type="arabicPeriod"/>
+            </a:pPr>
+            <a:r>
+              <a:rPr lang="en-US" sz="2000" dirty="0"/>
+              <a:t>Distinguish between extending a class and implementing an interface</a:t>
+            </a:r>
+          </a:p>
+          <a:p>
+            <a:pPr marL="457200" indent="-457200">
+              <a:buFont typeface="+mj-lt"/>
+              <a:buAutoNum type="arabicPeriod"/>
+            </a:pPr>
+            <a:r>
+              <a:rPr lang="en-US" sz="2000" dirty="0"/>
+              <a:t>Explain multiple ways to implement an event handler for a particular object and event (anonymous inner classes vs. named classes vs. having the frame itself serve as the handler)</a:t>
+            </a:r>
+          </a:p>
+          <a:p>
+            <a:pPr marL="457200" indent="-457200">
+              <a:buFont typeface="+mj-lt"/>
+              <a:buAutoNum type="arabicPeriod"/>
+            </a:pPr>
+            <a:r>
+              <a:rPr lang="en-US" sz="2000" dirty="0"/>
+              <a:t>Create an event handler that implements the ActionListener interface to respond to the user clicking on a button</a:t>
+            </a:r>
+          </a:p>
+          <a:p>
+            <a:pPr marL="457200" indent="-457200">
+              <a:buFont typeface="+mj-lt"/>
+              <a:buAutoNum type="arabicPeriod"/>
+            </a:pPr>
+            <a:r>
+              <a:rPr lang="en-US" sz="2000" dirty="0"/>
+              <a:t>Use paint and </a:t>
+            </a:r>
+            <a:r>
+              <a:rPr lang="en-US" sz="2000" dirty="0" err="1"/>
+              <a:t>paintComponent's</a:t>
+            </a:r>
+            <a:r>
+              <a:rPr lang="en-US" sz="2000" dirty="0"/>
+              <a:t> Graphics object to draw a variety of shapes</a:t>
+            </a:r>
+          </a:p>
+        </p:txBody>
+      </p:sp>
+    </p:spTree>
+    <p:extLst>
+      <p:ext uri="{BB962C8B-B14F-4D97-AF65-F5344CB8AC3E}">
+        <p14:creationId xmlns:p14="http://schemas.microsoft.com/office/powerpoint/2010/main" val="1072399538"/>
+      </p:ext>
+    </p:extLst>
+  </p:cSld>
+  <p:clrMapOvr>
+    <a:masterClrMapping/>
+  </p:clrMapOvr>
+</p:sld>
+</file>
+
+<file path=ppt/slides/slide5.xml><?xml version="1.0" encoding="utf-8"?>
+<p:sld xmlns:a="http://schemas.openxmlformats.org/drawingml/2006/main" xmlns:r="http://schemas.openxmlformats.org/officeDocument/2006/relationships" xmlns:p="http://schemas.openxmlformats.org/presentationml/2006/main">
+  <p:cSld>
+    <p:spTree>
+      <p:nvGrpSpPr>
+        <p:cNvPr id="1" name=""/>
+        <p:cNvGrpSpPr/>
+        <p:nvPr/>
+      </p:nvGrpSpPr>
+      <p:grpSpPr>
+        <a:xfrm>
+          <a:off x="0" y="0"/>
+          <a:ext cx="0" cy="0"/>
+          <a:chOff x="0" y="0"/>
+          <a:chExt cx="0" cy="0"/>
+        </a:xfrm>
+      </p:grpSpPr>
+      <p:sp>
+        <p:nvSpPr>
+          <p:cNvPr id="2" name="Title 1"/>
+          <p:cNvSpPr>
+            <a:spLocks noGrp="1"/>
+          </p:cNvSpPr>
+          <p:nvPr>
+            <p:ph type="title"/>
+          </p:nvPr>
+        </p:nvSpPr>
+        <p:spPr>
+          <a:xfrm>
+            <a:off x="838200" y="365126"/>
+            <a:ext cx="10515600" cy="757272"/>
+          </a:xfrm>
+        </p:spPr>
+        <p:txBody>
+          <a:bodyPr>
+            <a:normAutofit/>
+          </a:bodyPr>
+          <a:lstStyle/>
+          <a:p>
+            <a:r>
+              <a:rPr lang="en-US" sz="3600" dirty="0"/>
+              <a:t>Learning Objectives – Week 3 / Session 1</a:t>
+            </a:r>
+            <a:endParaRPr lang="en-US" sz="3600" b="1" i="1" u="sng" dirty="0"/>
+          </a:p>
+        </p:txBody>
+      </p:sp>
+      <p:sp>
+        <p:nvSpPr>
+          <p:cNvPr id="3" name="Content Placeholder 2"/>
+          <p:cNvSpPr>
+            <a:spLocks noGrp="1"/>
+          </p:cNvSpPr>
+          <p:nvPr>
+            <p:ph idx="1"/>
+          </p:nvPr>
+        </p:nvSpPr>
+        <p:spPr>
+          <a:xfrm>
+            <a:off x="838200" y="1122398"/>
+            <a:ext cx="10718950" cy="5463343"/>
+          </a:xfrm>
+        </p:spPr>
+        <p:txBody>
+          <a:bodyPr>
+            <a:normAutofit/>
+          </a:bodyPr>
+          <a:lstStyle/>
+          <a:p>
+            <a:pPr marL="457200" indent="-457200">
+              <a:buFont typeface="+mj-lt"/>
+              <a:buAutoNum type="arabicPeriod"/>
+            </a:pPr>
+            <a:r>
+              <a:rPr lang="en-US" sz="2000" dirty="0"/>
+              <a:t>Explain the difference between lightweight and heavyweight components</a:t>
+            </a:r>
+          </a:p>
+          <a:p>
+            <a:pPr marL="457200" indent="-457200">
+              <a:buFont typeface="+mj-lt"/>
+              <a:buAutoNum type="arabicPeriod"/>
+            </a:pPr>
+            <a:r>
+              <a:rPr lang="en-US" sz="2000" dirty="0"/>
+              <a:t>Identify lightweight and heavyweight components</a:t>
+            </a:r>
+          </a:p>
+          <a:p>
+            <a:pPr marL="457200" indent="-457200">
+              <a:buFont typeface="+mj-lt"/>
+              <a:buAutoNum type="arabicPeriod"/>
+            </a:pPr>
+            <a:r>
+              <a:rPr lang="en-US" sz="2000" dirty="0"/>
+              <a:t>Describe how lightweight and heavyweight components render themselves</a:t>
+            </a:r>
+          </a:p>
+          <a:p>
+            <a:pPr marL="457200" indent="-457200">
+              <a:buFont typeface="+mj-lt"/>
+              <a:buAutoNum type="arabicPeriod"/>
+            </a:pPr>
+            <a:r>
+              <a:rPr lang="en-US" sz="2000" dirty="0"/>
+              <a:t>Identify layout managers for heavyweight and lightweight components</a:t>
+            </a:r>
+          </a:p>
+          <a:p>
+            <a:pPr marL="457200" indent="-457200">
+              <a:buFont typeface="+mj-lt"/>
+              <a:buAutoNum type="arabicPeriod"/>
+            </a:pPr>
+            <a:r>
+              <a:rPr lang="en-US" sz="2000" dirty="0"/>
+              <a:t>Explain what a layout manager does and identify and describe three of them</a:t>
+            </a:r>
+          </a:p>
+          <a:p>
+            <a:pPr marL="457200" indent="-457200">
+              <a:buFont typeface="+mj-lt"/>
+              <a:buAutoNum type="arabicPeriod"/>
+            </a:pPr>
+            <a:r>
+              <a:rPr lang="en-US" sz="2000" dirty="0"/>
+              <a:t>Explain how to achieve true Model-View-Controller architecture by removing any reference from the view to the model and from the model to the view</a:t>
+            </a:r>
+          </a:p>
+          <a:p>
+            <a:pPr marL="457200" indent="-457200">
+              <a:buFont typeface="+mj-lt"/>
+              <a:buAutoNum type="arabicPeriod"/>
+            </a:pPr>
+            <a:r>
+              <a:rPr lang="en-US" sz="2000" dirty="0"/>
+              <a:t>Distinguish between extending a class and implementing an interface</a:t>
+            </a:r>
+          </a:p>
+          <a:p>
+            <a:pPr marL="457200" indent="-457200">
+              <a:buFont typeface="+mj-lt"/>
+              <a:buAutoNum type="arabicPeriod"/>
+            </a:pPr>
+            <a:r>
+              <a:rPr lang="en-US" sz="2000" dirty="0"/>
+              <a:t>Explain multiple ways to implement an event handler for a particular object and event (anonymous inner classes vs. named classes vs. having the frame itself serve as the handler)</a:t>
+            </a:r>
+          </a:p>
+          <a:p>
+            <a:pPr marL="457200" indent="-457200">
+              <a:buFont typeface="+mj-lt"/>
+              <a:buAutoNum type="arabicPeriod"/>
+            </a:pPr>
+            <a:r>
+              <a:rPr lang="en-US" sz="2000" dirty="0">
+                <a:solidFill>
+                  <a:schemeClr val="bg1">
+                    <a:lumMod val="65000"/>
+                  </a:schemeClr>
+                </a:solidFill>
+              </a:rPr>
+              <a:t>Create an event handler that implements the ActionListener interface to respond to the user clicking on a button</a:t>
+            </a:r>
+          </a:p>
+          <a:p>
+            <a:pPr marL="457200" indent="-457200">
+              <a:buFont typeface="+mj-lt"/>
+              <a:buAutoNum type="arabicPeriod"/>
+            </a:pPr>
+            <a:r>
+              <a:rPr lang="en-US" sz="2000" dirty="0">
+                <a:solidFill>
+                  <a:schemeClr val="bg1">
+                    <a:lumMod val="65000"/>
+                  </a:schemeClr>
+                </a:solidFill>
+              </a:rPr>
+              <a:t>Use paint and </a:t>
+            </a:r>
+            <a:r>
+              <a:rPr lang="en-US" sz="2000" dirty="0" err="1">
+                <a:solidFill>
+                  <a:schemeClr val="bg1">
+                    <a:lumMod val="65000"/>
+                  </a:schemeClr>
+                </a:solidFill>
+              </a:rPr>
+              <a:t>paintComponent's</a:t>
+            </a:r>
+            <a:r>
+              <a:rPr lang="en-US" sz="2000" dirty="0">
+                <a:solidFill>
+                  <a:schemeClr val="bg1">
+                    <a:lumMod val="65000"/>
+                  </a:schemeClr>
+                </a:solidFill>
+              </a:rPr>
+              <a:t> Graphics object to draw a variety of shapes</a:t>
+            </a:r>
+          </a:p>
+        </p:txBody>
+      </p:sp>
+    </p:spTree>
+    <p:extLst>
+      <p:ext uri="{BB962C8B-B14F-4D97-AF65-F5344CB8AC3E}">
+        <p14:creationId xmlns:p14="http://schemas.microsoft.com/office/powerpoint/2010/main" val="1473924105"/>
+      </p:ext>
+    </p:extLst>
+  </p:cSld>
+  <p:clrMapOvr>
+    <a:masterClrMapping/>
+  </p:clrMapOvr>
+</p:sld>
+</file>
+
+<file path=ppt/slides/slide6.xml><?xml version="1.0" encoding="utf-8"?>
+<p:sld xmlns:a="http://schemas.openxmlformats.org/drawingml/2006/main" xmlns:r="http://schemas.openxmlformats.org/officeDocument/2006/relationships" xmlns:p="http://schemas.openxmlformats.org/presentationml/2006/main">
+  <p:cSld>
+    <p:spTree>
+      <p:nvGrpSpPr>
+        <p:cNvPr id="1" name=""/>
+        <p:cNvGrpSpPr/>
+        <p:nvPr/>
+      </p:nvGrpSpPr>
+      <p:grpSpPr>
+        <a:xfrm>
+          <a:off x="0" y="0"/>
+          <a:ext cx="0" cy="0"/>
+          <a:chOff x="0" y="0"/>
+          <a:chExt cx="0" cy="0"/>
+        </a:xfrm>
+      </p:grpSpPr>
+      <p:pic>
+        <p:nvPicPr>
+          <p:cNvPr id="6" name="Picture 5"/>
+          <p:cNvPicPr>
+            <a:picLocks noChangeAspect="1"/>
+          </p:cNvPicPr>
+          <p:nvPr/>
+        </p:nvPicPr>
+        <p:blipFill>
+          <a:blip r:embed="rId3"/>
+          <a:stretch>
+            <a:fillRect/>
+          </a:stretch>
+        </p:blipFill>
+        <p:spPr>
+          <a:xfrm>
+            <a:off x="7298199" y="1825625"/>
+            <a:ext cx="4114800" cy="4077113"/>
+          </a:xfrm>
+          <a:prstGeom prst="rect">
+            <a:avLst/>
+          </a:prstGeom>
+        </p:spPr>
+      </p:pic>
+      <p:sp>
+        <p:nvSpPr>
+          <p:cNvPr id="2" name="Title 1"/>
+          <p:cNvSpPr>
+            <a:spLocks noGrp="1"/>
+          </p:cNvSpPr>
+          <p:nvPr>
+            <p:ph type="title"/>
+          </p:nvPr>
+        </p:nvSpPr>
+        <p:spPr>
+          <a:xfrm>
+            <a:off x="838199" y="365125"/>
+            <a:ext cx="10788503" cy="1325563"/>
+          </a:xfrm>
+        </p:spPr>
+        <p:txBody>
+          <a:bodyPr>
+            <a:normAutofit/>
+          </a:bodyPr>
+          <a:lstStyle/>
+          <a:p>
+            <a:r>
+              <a:rPr lang="en-US" sz="3600" dirty="0"/>
+              <a:t>Lightweight and Heavyweight User Interface Components</a:t>
+            </a:r>
+          </a:p>
+        </p:txBody>
+      </p:sp>
+      <p:sp>
+        <p:nvSpPr>
+          <p:cNvPr id="3" name="Content Placeholder 2"/>
+          <p:cNvSpPr>
+            <a:spLocks noGrp="1"/>
+          </p:cNvSpPr>
+          <p:nvPr>
+            <p:ph idx="1"/>
+          </p:nvPr>
+        </p:nvSpPr>
+        <p:spPr>
+          <a:xfrm>
+            <a:off x="838199" y="1825625"/>
+            <a:ext cx="6239720" cy="4351338"/>
+          </a:xfrm>
+        </p:spPr>
+        <p:txBody>
+          <a:bodyPr>
+            <a:normAutofit/>
+          </a:bodyPr>
+          <a:lstStyle/>
+          <a:p>
+            <a:pPr marL="0" indent="0">
+              <a:buNone/>
+            </a:pPr>
+            <a:r>
+              <a:rPr lang="en-US" sz="2000" u="sng" dirty="0"/>
+              <a:t>UI Components</a:t>
+            </a:r>
+            <a:r>
+              <a:rPr lang="en-US" sz="2000" dirty="0"/>
+              <a:t>: There are two kinds of graphics components in the Java programming language: </a:t>
+            </a:r>
+            <a:r>
+              <a:rPr lang="en-US" sz="2000" b="1" dirty="0"/>
+              <a:t>heavyweight</a:t>
+            </a:r>
+            <a:r>
+              <a:rPr lang="en-US" sz="2000" dirty="0"/>
+              <a:t> and </a:t>
+            </a:r>
+            <a:r>
+              <a:rPr lang="en-US" sz="2000" b="1" dirty="0"/>
+              <a:t>lightweight</a:t>
+            </a:r>
+            <a:r>
+              <a:rPr lang="en-US" sz="2000" dirty="0"/>
+              <a:t>. </a:t>
+            </a:r>
+          </a:p>
+          <a:p>
+            <a:pPr marL="0" indent="0">
+              <a:buNone/>
+            </a:pPr>
+            <a:r>
+              <a:rPr lang="en-US" sz="2000" dirty="0"/>
+              <a:t>A </a:t>
+            </a:r>
+            <a:r>
+              <a:rPr lang="en-US" sz="2000" b="1" dirty="0"/>
+              <a:t>heavyweight component</a:t>
+            </a:r>
+            <a:r>
+              <a:rPr lang="en-US" sz="2000" dirty="0"/>
+              <a:t> is associated with its own native screen resource. </a:t>
+            </a:r>
+            <a:r>
+              <a:rPr lang="en-US" sz="2000" b="1" dirty="0"/>
+              <a:t>AWT</a:t>
+            </a:r>
+            <a:r>
+              <a:rPr lang="en-US" sz="2000" dirty="0"/>
+              <a:t> Components from the </a:t>
+            </a:r>
+            <a:r>
+              <a:rPr lang="en-US" sz="2000" dirty="0" err="1"/>
+              <a:t>java.awt</a:t>
+            </a:r>
+            <a:r>
+              <a:rPr lang="en-US" sz="2000" dirty="0"/>
+              <a:t> package, such as Button and Label, are heavyweight</a:t>
+            </a:r>
+            <a:r>
+              <a:rPr lang="en-US" sz="2000" b="1" dirty="0"/>
+              <a:t> </a:t>
+            </a:r>
+            <a:r>
+              <a:rPr lang="en-US" sz="2000" dirty="0"/>
+              <a:t>components.</a:t>
+            </a:r>
+          </a:p>
+          <a:p>
+            <a:pPr marL="0" indent="0">
+              <a:buNone/>
+            </a:pPr>
+            <a:r>
+              <a:rPr lang="en-US" sz="2000" b="1" dirty="0"/>
+              <a:t>Lightweight components </a:t>
+            </a:r>
+            <a:r>
+              <a:rPr lang="en-US" sz="2000" dirty="0"/>
+              <a:t>such as </a:t>
+            </a:r>
+            <a:r>
+              <a:rPr lang="en-US" sz="2000" b="1" dirty="0"/>
+              <a:t>Swing components</a:t>
+            </a:r>
+            <a:r>
+              <a:rPr lang="en-US" sz="2000" dirty="0"/>
+              <a:t> depend less on the target platform and use less native GUI resource. They also look less native. </a:t>
+            </a:r>
+          </a:p>
+        </p:txBody>
+      </p:sp>
+    </p:spTree>
+    <p:extLst>
+      <p:ext uri="{BB962C8B-B14F-4D97-AF65-F5344CB8AC3E}">
+        <p14:creationId xmlns:p14="http://schemas.microsoft.com/office/powerpoint/2010/main" val="3755672115"/>
+      </p:ext>
+    </p:extLst>
+  </p:cSld>
+  <p:clrMapOvr>
+    <a:masterClrMapping/>
+  </p:clrMapOvr>
+</p:sld>
+</file>
+
+<file path=ppt/slides/slide7.xml><?xml version="1.0" encoding="utf-8"?>
+<p:sld xmlns:a="http://schemas.openxmlformats.org/drawingml/2006/main" xmlns:r="http://schemas.openxmlformats.org/officeDocument/2006/relationships" xmlns:p="http://schemas.openxmlformats.org/presentationml/2006/main">
+  <p:cSld>
+    <p:spTree>
+      <p:nvGrpSpPr>
+        <p:cNvPr id="1" name=""/>
+        <p:cNvGrpSpPr/>
+        <p:nvPr/>
+      </p:nvGrpSpPr>
+      <p:grpSpPr>
+        <a:xfrm>
+          <a:off x="0" y="0"/>
+          <a:ext cx="0" cy="0"/>
+          <a:chOff x="0" y="0"/>
+          <a:chExt cx="0" cy="0"/>
+        </a:xfrm>
+      </p:grpSpPr>
+      <p:sp>
+        <p:nvSpPr>
+          <p:cNvPr id="2" name="Title 1"/>
+          <p:cNvSpPr>
+            <a:spLocks noGrp="1"/>
+          </p:cNvSpPr>
+          <p:nvPr>
+            <p:ph type="title"/>
+          </p:nvPr>
+        </p:nvSpPr>
+        <p:spPr/>
+        <p:txBody>
+          <a:bodyPr>
+            <a:normAutofit/>
+          </a:bodyPr>
+          <a:lstStyle/>
+          <a:p>
+            <a:r>
+              <a:rPr lang="en-US" sz="3600" dirty="0"/>
+              <a:t>Heavyweight Components</a:t>
+            </a:r>
+          </a:p>
+        </p:txBody>
+      </p:sp>
+      <p:sp>
+        <p:nvSpPr>
+          <p:cNvPr id="3" name="Content Placeholder 2"/>
+          <p:cNvSpPr>
+            <a:spLocks noGrp="1"/>
+          </p:cNvSpPr>
+          <p:nvPr>
+            <p:ph idx="1"/>
+          </p:nvPr>
+        </p:nvSpPr>
+        <p:spPr>
+          <a:xfrm>
+            <a:off x="838198" y="1525772"/>
+            <a:ext cx="10515601" cy="4651191"/>
+          </a:xfrm>
+        </p:spPr>
+        <p:txBody>
+          <a:bodyPr>
+            <a:normAutofit/>
+          </a:bodyPr>
+          <a:lstStyle/>
+          <a:p>
+            <a:r>
+              <a:rPr lang="en-US" sz="2000" dirty="0"/>
+              <a:t>Paint themselves using their “paint(Graphic g)” method.</a:t>
+            </a:r>
+          </a:p>
+          <a:p>
+            <a:r>
+              <a:rPr lang="en-US" sz="2000" dirty="0"/>
+              <a:t>Provide methods associate with “Graphic g” such as: </a:t>
+            </a:r>
+            <a:r>
+              <a:rPr lang="en-US" sz="2000" dirty="0" err="1"/>
+              <a:t>drawOval</a:t>
+            </a:r>
+            <a:r>
+              <a:rPr lang="en-US" sz="2000" dirty="0"/>
+              <a:t>(), </a:t>
+            </a:r>
+            <a:r>
+              <a:rPr lang="en-US" sz="2000" dirty="0" err="1"/>
+              <a:t>fillOval</a:t>
+            </a:r>
+            <a:r>
+              <a:rPr lang="en-US" sz="2000" dirty="0"/>
+              <a:t>(), </a:t>
+            </a:r>
+            <a:r>
+              <a:rPr lang="en-US" sz="2000" dirty="0" err="1"/>
+              <a:t>drawRect</a:t>
+            </a:r>
+            <a:r>
+              <a:rPr lang="en-US" sz="2000" dirty="0"/>
+              <a:t>(), </a:t>
+            </a:r>
+            <a:r>
+              <a:rPr lang="en-US" sz="2000" dirty="0" err="1"/>
+              <a:t>fillRect</a:t>
+            </a:r>
+            <a:r>
+              <a:rPr lang="en-US" sz="2000" dirty="0"/>
+              <a:t>(), and drawstring()</a:t>
+            </a:r>
+          </a:p>
+          <a:p>
+            <a:r>
+              <a:rPr lang="en-US" sz="2000" dirty="0"/>
+              <a:t>Own a Content Pane, which is a type of Container</a:t>
+            </a:r>
+          </a:p>
+          <a:p>
+            <a:r>
+              <a:rPr lang="en-US" sz="2000" dirty="0"/>
+              <a:t>Implement “</a:t>
+            </a:r>
+            <a:r>
+              <a:rPr lang="en-US" sz="2000" dirty="0" err="1"/>
+              <a:t>getContentPane</a:t>
+            </a:r>
+            <a:r>
+              <a:rPr lang="en-US" sz="2000" dirty="0"/>
+              <a:t>()” method to access their Content Pane</a:t>
+            </a:r>
+          </a:p>
+          <a:p>
+            <a:r>
+              <a:rPr lang="en-US" sz="2000" dirty="0"/>
+              <a:t>Can implement a </a:t>
+            </a:r>
+            <a:r>
+              <a:rPr lang="en-US" sz="2000" b="1" dirty="0"/>
+              <a:t>Layout Manager </a:t>
+            </a:r>
+            <a:r>
+              <a:rPr lang="en-US" sz="2000" dirty="0"/>
+              <a:t>via their Container</a:t>
+            </a:r>
+          </a:p>
+        </p:txBody>
+      </p:sp>
+    </p:spTree>
+    <p:extLst>
+      <p:ext uri="{BB962C8B-B14F-4D97-AF65-F5344CB8AC3E}">
+        <p14:creationId xmlns:p14="http://schemas.microsoft.com/office/powerpoint/2010/main" val="939276478"/>
       </p:ext>
     </p:extLst>
   </p:cSld>
@@ -8401,49 +10098,25 @@
           <a:p>
             <a:r>
               <a:rPr lang="en-US" sz="3600" dirty="0"/>
-              <a:t>Java Root Class</a:t>
-            </a:r>
-          </a:p>
-        </p:txBody>
-      </p:sp>
-      <p:pic>
-        <p:nvPicPr>
-          <p:cNvPr id="4" name="Picture 3"/>
-          <p:cNvPicPr>
-            <a:picLocks noChangeAspect="1"/>
-          </p:cNvPicPr>
-          <p:nvPr/>
-        </p:nvPicPr>
-        <p:blipFill>
-          <a:blip r:embed="rId4"/>
-          <a:stretch>
-            <a:fillRect/>
-          </a:stretch>
-        </p:blipFill>
+              <a:t>Lightweight Components</a:t>
+            </a:r>
+          </a:p>
+        </p:txBody>
+      </p:sp>
+      <p:sp>
+        <p:nvSpPr>
+          <p:cNvPr id="3" name="Content Placeholder 2"/>
+          <p:cNvSpPr>
+            <a:spLocks noGrp="1"/>
+          </p:cNvSpPr>
+          <p:nvPr>
+            <p:ph idx="1"/>
+          </p:nvPr>
+        </p:nvSpPr>
         <p:spPr>
           <a:xfrm>
-            <a:off x="5284380" y="716004"/>
-            <a:ext cx="6907619" cy="6179209"/>
-          </a:xfrm>
-          <a:prstGeom prst="rect">
-            <a:avLst/>
-          </a:prstGeom>
-        </p:spPr>
-      </p:pic>
-      <p:sp>
-        <p:nvSpPr>
-          <p:cNvPr id="5" name="Content Placeholder 2"/>
-          <p:cNvSpPr>
-            <a:spLocks noGrp="1"/>
-          </p:cNvSpPr>
-          <p:nvPr>
-            <p:ph idx="1"/>
-          </p:nvPr>
-        </p:nvSpPr>
-        <p:spPr>
-          <a:xfrm>
-            <a:off x="811620" y="1389690"/>
-            <a:ext cx="4089989" cy="4208352"/>
+            <a:off x="838198" y="1525772"/>
+            <a:ext cx="10515601" cy="4651191"/>
           </a:xfrm>
         </p:spPr>
         <p:txBody>
@@ -8452,290 +10125,98 @@
           </a:bodyPr>
           <a:lstStyle/>
           <a:p>
+            <a:r>
+              <a:rPr lang="en-US" sz="2000" dirty="0"/>
+              <a:t>Paint themselves using their “</a:t>
+            </a:r>
+            <a:r>
+              <a:rPr lang="en-US" sz="2000" dirty="0" err="1"/>
+              <a:t>paintComponent</a:t>
+            </a:r>
+            <a:r>
+              <a:rPr lang="en-US" sz="2000" dirty="0"/>
+              <a:t>(Graphics g)” method</a:t>
+            </a:r>
+          </a:p>
+          <a:p>
+            <a:r>
+              <a:rPr lang="en-US" sz="2000" dirty="0"/>
+              <a:t>Provide methods associate with “Graphic g” such as: </a:t>
+            </a:r>
+            <a:r>
+              <a:rPr lang="en-US" sz="2000" dirty="0" err="1"/>
+              <a:t>drawOval</a:t>
+            </a:r>
+            <a:r>
+              <a:rPr lang="en-US" sz="2000" dirty="0"/>
+              <a:t>(), </a:t>
+            </a:r>
+            <a:r>
+              <a:rPr lang="en-US" sz="2000" dirty="0" err="1"/>
+              <a:t>fillOval</a:t>
+            </a:r>
+            <a:r>
+              <a:rPr lang="en-US" sz="2000" dirty="0"/>
+              <a:t>(), </a:t>
+            </a:r>
+            <a:r>
+              <a:rPr lang="en-US" sz="2000" dirty="0" err="1"/>
+              <a:t>drawRect</a:t>
+            </a:r>
+            <a:r>
+              <a:rPr lang="en-US" sz="2000" dirty="0"/>
+              <a:t>(), </a:t>
+            </a:r>
+            <a:r>
+              <a:rPr lang="en-US" sz="2000" dirty="0" err="1"/>
+              <a:t>fillRect</a:t>
+            </a:r>
+            <a:r>
+              <a:rPr lang="en-US" sz="2000" dirty="0"/>
+              <a:t>(), and drawstring()</a:t>
+            </a:r>
+          </a:p>
+          <a:p>
+            <a:r>
+              <a:rPr lang="en-US" sz="2000" dirty="0"/>
+              <a:t>Are a Container… so no need to call a method to get  a Container</a:t>
+            </a:r>
+          </a:p>
+          <a:p>
+            <a:r>
+              <a:rPr lang="en-US" sz="2000" dirty="0"/>
+              <a:t>Can implement a </a:t>
+            </a:r>
+            <a:r>
+              <a:rPr lang="en-US" sz="2000" b="1" dirty="0"/>
+              <a:t>Layout Manager </a:t>
+            </a:r>
+            <a:r>
+              <a:rPr lang="en-US" sz="2000" dirty="0"/>
+              <a:t>via their Container</a:t>
+            </a:r>
+          </a:p>
+          <a:p>
             <a:pPr marL="0" indent="0">
               <a:buNone/>
             </a:pPr>
-            <a:r>
-              <a:rPr lang="en-US" sz="2000" u="sng" dirty="0" err="1"/>
-              <a:t>java.lang.Object</a:t>
-            </a:r>
-            <a:r>
-              <a:rPr lang="en-US" sz="2000" u="sng" dirty="0"/>
-              <a:t>:</a:t>
-            </a:r>
-          </a:p>
-          <a:p>
-            <a:pPr>
-              <a:buFont typeface="Wingdings" panose="05000000000000000000" pitchFamily="2" charset="2"/>
-              <a:buChar char="§"/>
-            </a:pPr>
-            <a:r>
-              <a:rPr lang="en-US" sz="2000" dirty="0"/>
-              <a:t>The Class named Object is the base class for ALL classes</a:t>
-            </a:r>
-          </a:p>
-          <a:p>
-            <a:pPr>
-              <a:buFont typeface="Wingdings" panose="05000000000000000000" pitchFamily="2" charset="2"/>
-              <a:buChar char="§"/>
-            </a:pPr>
-            <a:r>
-              <a:rPr lang="en-US" sz="2000" dirty="0"/>
-              <a:t>It contains numerous methods including </a:t>
-            </a:r>
-            <a:r>
-              <a:rPr lang="en-US" sz="2000" dirty="0" err="1"/>
-              <a:t>toString</a:t>
-            </a:r>
-            <a:r>
-              <a:rPr lang="en-US" sz="2000" dirty="0"/>
-              <a:t>()</a:t>
-            </a:r>
-          </a:p>
-          <a:p>
-            <a:pPr>
-              <a:buFont typeface="Wingdings" panose="05000000000000000000" pitchFamily="2" charset="2"/>
-              <a:buChar char="§"/>
-            </a:pPr>
             <a:endParaRPr lang="en-US" sz="2000" dirty="0"/>
           </a:p>
           <a:p>
-            <a:pPr>
-              <a:buFont typeface="Wingdings" panose="05000000000000000000" pitchFamily="2" charset="2"/>
-              <a:buChar char="§"/>
-            </a:pPr>
             <a:endParaRPr lang="en-US" sz="2000" dirty="0"/>
           </a:p>
-          <a:p>
-            <a:pPr>
-              <a:buFont typeface="Wingdings" panose="05000000000000000000" pitchFamily="2" charset="2"/>
-              <a:buChar char="§"/>
-            </a:pPr>
-            <a:endParaRPr lang="en-US" sz="2000" dirty="0"/>
-          </a:p>
-          <a:p>
-            <a:pPr>
-              <a:buFont typeface="Wingdings" panose="05000000000000000000" pitchFamily="2" charset="2"/>
-              <a:buChar char="§"/>
-            </a:pPr>
-            <a:r>
-              <a:rPr lang="en-US" sz="2000" dirty="0"/>
-              <a:t>A little foreshadowing… the screen to the right was automatically generated using </a:t>
-            </a:r>
-            <a:r>
-              <a:rPr lang="en-US" sz="2000" dirty="0" err="1"/>
-              <a:t>JavaDoc</a:t>
-            </a:r>
-            <a:r>
-              <a:rPr lang="en-US" sz="2000" dirty="0"/>
-              <a:t> </a:t>
-            </a:r>
-          </a:p>
-          <a:p>
-            <a:pPr>
-              <a:buFont typeface="Wingdings" panose="05000000000000000000" pitchFamily="2" charset="2"/>
-              <a:buChar char="§"/>
-            </a:pPr>
-            <a:endParaRPr lang="en-US" sz="2000" dirty="0"/>
-          </a:p>
-          <a:p>
-            <a:pPr marL="0" indent="0">
-              <a:buNone/>
-            </a:pPr>
-            <a:endParaRPr lang="en-US" sz="2000" dirty="0"/>
-          </a:p>
-        </p:txBody>
-      </p:sp>
-      <p:sp>
-        <p:nvSpPr>
-          <p:cNvPr id="6" name="Arrow: Down 5"/>
-          <p:cNvSpPr/>
-          <p:nvPr/>
-        </p:nvSpPr>
-        <p:spPr>
-          <a:xfrm rot="16200000">
-            <a:off x="4901267" y="5636514"/>
-            <a:ext cx="565426" cy="309217"/>
-          </a:xfrm>
-          <a:prstGeom prst="downArrow">
-            <a:avLst/>
-          </a:prstGeom>
-          <a:solidFill>
-            <a:schemeClr val="accent2">
-              <a:lumMod val="75000"/>
-            </a:schemeClr>
-          </a:solidFill>
-        </p:spPr>
-        <p:style>
-          <a:lnRef idx="2">
-            <a:schemeClr val="accent1">
-              <a:shade val="50000"/>
-            </a:schemeClr>
-          </a:lnRef>
-          <a:fillRef idx="1">
-            <a:schemeClr val="accent1"/>
-          </a:fillRef>
-          <a:effectRef idx="0">
-            <a:schemeClr val="accent1"/>
-          </a:effectRef>
-          <a:fontRef idx="minor">
-            <a:schemeClr val="lt1"/>
-          </a:fontRef>
-        </p:style>
-        <p:txBody>
-          <a:bodyPr rtlCol="0" anchor="ctr"/>
-          <a:lstStyle/>
-          <a:p>
-            <a:pPr algn="ctr"/>
-            <a:endParaRPr lang="en-US" dirty="0"/>
-          </a:p>
         </p:txBody>
       </p:sp>
     </p:spTree>
-    <p:custDataLst>
-      <p:tags r:id="rId1"/>
-    </p:custDataLst>
     <p:extLst>
       <p:ext uri="{BB962C8B-B14F-4D97-AF65-F5344CB8AC3E}">
-        <p14:creationId xmlns:p14="http://schemas.microsoft.com/office/powerpoint/2010/main" val="1273332346"/>
+        <p14:creationId xmlns:p14="http://schemas.microsoft.com/office/powerpoint/2010/main" val="3403338698"/>
       </p:ext>
     </p:extLst>
   </p:cSld>
   <p:clrMapOvr>
     <a:masterClrMapping/>
   </p:clrMapOvr>
-  <p:timing>
-    <p:tnLst>
-      <p:par>
-        <p:cTn id="1" dur="indefinite" restart="never" nodeType="tmRoot">
-          <p:childTnLst>
-            <p:seq concurrent="1" nextAc="seek">
-              <p:cTn id="2" dur="indefinite" nodeType="mainSeq">
-                <p:childTnLst>
-                  <p:par>
-                    <p:cTn id="3" fill="hold">
-                      <p:stCondLst>
-                        <p:cond delay="indefinite"/>
-                      </p:stCondLst>
-                      <p:childTnLst>
-                        <p:par>
-                          <p:cTn id="4" fill="hold">
-                            <p:stCondLst>
-                              <p:cond delay="0"/>
-                            </p:stCondLst>
-                            <p:childTnLst>
-                              <p:par>
-                                <p:cTn id="5" presetID="53" presetClass="entr" presetSubtype="16" fill="hold" grpId="0" nodeType="clickEffect">
-                                  <p:stCondLst>
-                                    <p:cond delay="0"/>
-                                  </p:stCondLst>
-                                  <p:childTnLst>
-                                    <p:set>
-                                      <p:cBhvr>
-                                        <p:cTn id="6" dur="1" fill="hold">
-                                          <p:stCondLst>
-                                            <p:cond delay="0"/>
-                                          </p:stCondLst>
-                                        </p:cTn>
-                                        <p:tgtEl>
-                                          <p:spTgt spid="6"/>
-                                        </p:tgtEl>
-                                        <p:attrNameLst>
-                                          <p:attrName>style.visibility</p:attrName>
-                                        </p:attrNameLst>
-                                      </p:cBhvr>
-                                      <p:to>
-                                        <p:strVal val="visible"/>
-                                      </p:to>
-                                    </p:set>
-                                    <p:anim calcmode="lin" valueType="num">
-                                      <p:cBhvr>
-                                        <p:cTn id="7" dur="500" fill="hold"/>
-                                        <p:tgtEl>
-                                          <p:spTgt spid="6"/>
-                                        </p:tgtEl>
-                                        <p:attrNameLst>
-                                          <p:attrName>ppt_w</p:attrName>
-                                        </p:attrNameLst>
-                                      </p:cBhvr>
-                                      <p:tavLst>
-                                        <p:tav tm="0">
-                                          <p:val>
-                                            <p:fltVal val="0"/>
-                                          </p:val>
-                                        </p:tav>
-                                        <p:tav tm="100000">
-                                          <p:val>
-                                            <p:strVal val="#ppt_w"/>
-                                          </p:val>
-                                        </p:tav>
-                                      </p:tavLst>
-                                    </p:anim>
-                                    <p:anim calcmode="lin" valueType="num">
-                                      <p:cBhvr>
-                                        <p:cTn id="8" dur="500" fill="hold"/>
-                                        <p:tgtEl>
-                                          <p:spTgt spid="6"/>
-                                        </p:tgtEl>
-                                        <p:attrNameLst>
-                                          <p:attrName>ppt_h</p:attrName>
-                                        </p:attrNameLst>
-                                      </p:cBhvr>
-                                      <p:tavLst>
-                                        <p:tav tm="0">
-                                          <p:val>
-                                            <p:fltVal val="0"/>
-                                          </p:val>
-                                        </p:tav>
-                                        <p:tav tm="100000">
-                                          <p:val>
-                                            <p:strVal val="#ppt_h"/>
-                                          </p:val>
-                                        </p:tav>
-                                      </p:tavLst>
-                                    </p:anim>
-                                    <p:animEffect transition="in" filter="fade">
-                                      <p:cBhvr>
-                                        <p:cTn id="9" dur="500"/>
-                                        <p:tgtEl>
-                                          <p:spTgt spid="6"/>
-                                        </p:tgtEl>
-                                      </p:cBhvr>
-                                    </p:animEffect>
-                                  </p:childTnLst>
-                                </p:cTn>
-                              </p:par>
-                            </p:childTnLst>
-                          </p:cTn>
-                        </p:par>
-                      </p:childTnLst>
-                    </p:cTn>
-                  </p:par>
-                </p:childTnLst>
-              </p:cTn>
-              <p:prevCondLst>
-                <p:cond evt="onPrev" delay="0">
-                  <p:tgtEl>
-                    <p:sldTgt/>
-                  </p:tgtEl>
-                </p:cond>
-              </p:prevCondLst>
-              <p:nextCondLst>
-                <p:cond evt="onNext" delay="0">
-                  <p:tgtEl>
-                    <p:sldTgt/>
-                  </p:tgtEl>
-                </p:cond>
-              </p:nextCondLst>
-            </p:seq>
-          </p:childTnLst>
-        </p:cTn>
-      </p:par>
-    </p:tnLst>
-    <p:bldLst>
-      <p:bldP spid="6" grpId="0" animBg="1"/>
-    </p:bldLst>
-  </p:timing>
 </p:sld>
 </file>
 
@@ -8766,12 +10247,7 @@
             <p:ph type="title"/>
           </p:nvPr>
         </p:nvSpPr>
-        <p:spPr>
-          <a:xfrm>
-            <a:off x="838200" y="365125"/>
-            <a:ext cx="6239719" cy="1325563"/>
-          </a:xfrm>
-        </p:spPr>
+        <p:spPr/>
         <p:txBody>
           <a:bodyPr>
             <a:normAutofit/>
@@ -8780,7 +10256,7 @@
           <a:p>
             <a:r>
               <a:rPr lang="en-US" sz="3600" dirty="0"/>
-              <a:t>Overriding vs. Overloading</a:t>
+              <a:t>Layout Managers</a:t>
             </a:r>
           </a:p>
         </p:txBody>
@@ -8797,8 +10273,8 @@
         </p:nvSpPr>
         <p:spPr>
           <a:xfrm>
-            <a:off x="838199" y="1825624"/>
-            <a:ext cx="6239720" cy="4783519"/>
+            <a:off x="838198" y="1525772"/>
+            <a:ext cx="10515601" cy="4651191"/>
           </a:xfrm>
         </p:spPr>
         <p:txBody>
@@ -8811,702 +10287,94 @@
               <a:buNone/>
             </a:pPr>
             <a:r>
-              <a:rPr lang="en-US" sz="2000" u="sng" dirty="0"/>
-              <a:t>Overriding Method</a:t>
-            </a:r>
-            <a:r>
-              <a:rPr lang="en-US" sz="2000" dirty="0"/>
-              <a:t>: Subclass implementing same method name and same parameters </a:t>
-            </a:r>
+              <a:rPr lang="en-US" sz="2000" dirty="0"/>
+              <a:t>Layout Managers arrange controls on the screen so they are visually appealing. The allow developers to be able to focus less on layout details. Both AWT and Swing provide general purpose Layout Managers including: </a:t>
+            </a:r>
+          </a:p>
+          <a:p>
+            <a:r>
+              <a:rPr lang="en-US" sz="2000" dirty="0" err="1"/>
+              <a:t>BorderLayout</a:t>
+            </a:r>
+            <a:endParaRPr lang="en-US" sz="2000" dirty="0"/>
+          </a:p>
+          <a:p>
+            <a:r>
+              <a:rPr lang="en-US" sz="2000" dirty="0" err="1"/>
+              <a:t>BoxLayout</a:t>
+            </a:r>
+            <a:endParaRPr lang="en-US" sz="2000" dirty="0"/>
+          </a:p>
+          <a:p>
+            <a:r>
+              <a:rPr lang="en-US" sz="2000" dirty="0" err="1"/>
+              <a:t>CardLayout</a:t>
+            </a:r>
+            <a:endParaRPr lang="en-US" sz="2000" dirty="0"/>
+          </a:p>
+          <a:p>
+            <a:r>
+              <a:rPr lang="en-US" sz="2000" dirty="0" err="1"/>
+              <a:t>FlowLayout</a:t>
+            </a:r>
+            <a:endParaRPr lang="en-US" sz="2000" dirty="0"/>
+          </a:p>
+          <a:p>
+            <a:r>
+              <a:rPr lang="en-US" sz="2000" dirty="0" err="1"/>
+              <a:t>GridBagLayout</a:t>
+            </a:r>
+            <a:endParaRPr lang="en-US" sz="2000" dirty="0"/>
+          </a:p>
+          <a:p>
+            <a:r>
+              <a:rPr lang="en-US" sz="2000" dirty="0" err="1"/>
+              <a:t>GridLayout</a:t>
+            </a:r>
+            <a:endParaRPr lang="en-US" sz="2000" dirty="0"/>
+          </a:p>
+          <a:p>
+            <a:r>
+              <a:rPr lang="en-US" sz="2000" dirty="0" err="1"/>
+              <a:t>GroupLayout</a:t>
+            </a:r>
+            <a:endParaRPr lang="en-US" sz="2000" dirty="0"/>
+          </a:p>
+          <a:p>
+            <a:r>
+              <a:rPr lang="en-US" sz="2000" dirty="0" err="1"/>
+              <a:t>SpringLayout</a:t>
+            </a:r>
+            <a:endParaRPr lang="en-US" sz="2000" dirty="0"/>
+          </a:p>
+          <a:p>
+            <a:endParaRPr lang="en-US" sz="2000" dirty="0"/>
+          </a:p>
+          <a:p>
+            <a:endParaRPr lang="en-US" sz="2000" dirty="0"/>
           </a:p>
           <a:p>
             <a:pPr marL="0" indent="0">
               <a:buNone/>
             </a:pPr>
-            <a:r>
-              <a:rPr lang="en-US" sz="2000" u="sng" dirty="0"/>
-              <a:t>Overloading Method</a:t>
-            </a:r>
-            <a:r>
-              <a:rPr lang="en-US" sz="2000" dirty="0"/>
-              <a:t>: Same function name with different number of parameters. Only use this in specific situations like Constructors.</a:t>
-            </a:r>
-          </a:p>
-          <a:p>
-            <a:pPr marL="0" indent="0">
-              <a:buNone/>
-            </a:pPr>
             <a:endParaRPr lang="en-US" sz="2000" dirty="0"/>
           </a:p>
-        </p:txBody>
-      </p:sp>
-      <p:pic>
-        <p:nvPicPr>
-          <p:cNvPr id="6" name="Picture 5"/>
-          <p:cNvPicPr>
-            <a:picLocks noChangeAspect="1"/>
-          </p:cNvPicPr>
-          <p:nvPr/>
-        </p:nvPicPr>
-        <p:blipFill>
-          <a:blip r:embed="rId4"/>
-          <a:stretch>
-            <a:fillRect/>
-          </a:stretch>
-        </p:blipFill>
-        <p:spPr>
-          <a:xfrm>
-            <a:off x="7520662" y="1105896"/>
-            <a:ext cx="4114800" cy="5350820"/>
-          </a:xfrm>
-          <a:prstGeom prst="rect">
-            <a:avLst/>
-          </a:prstGeom>
-        </p:spPr>
-      </p:pic>
-      <p:sp>
-        <p:nvSpPr>
-          <p:cNvPr id="7" name="Arrow: Down 6"/>
-          <p:cNvSpPr/>
-          <p:nvPr/>
-        </p:nvSpPr>
-        <p:spPr>
-          <a:xfrm rot="16200000">
-            <a:off x="7016578" y="1818791"/>
-            <a:ext cx="565426" cy="309217"/>
-          </a:xfrm>
-          <a:prstGeom prst="downArrow">
-            <a:avLst/>
-          </a:prstGeom>
-          <a:solidFill>
-            <a:schemeClr val="accent4">
-              <a:lumMod val="40000"/>
-              <a:lumOff val="60000"/>
-            </a:schemeClr>
-          </a:solidFill>
-        </p:spPr>
-        <p:style>
-          <a:lnRef idx="2">
-            <a:schemeClr val="accent1">
-              <a:shade val="50000"/>
-            </a:schemeClr>
-          </a:lnRef>
-          <a:fillRef idx="1">
-            <a:schemeClr val="accent1"/>
-          </a:fillRef>
-          <a:effectRef idx="0">
-            <a:schemeClr val="accent1"/>
-          </a:effectRef>
-          <a:fontRef idx="minor">
-            <a:schemeClr val="lt1"/>
-          </a:fontRef>
-        </p:style>
-        <p:txBody>
-          <a:bodyPr rtlCol="0" anchor="ctr"/>
-          <a:lstStyle/>
-          <a:p>
-            <a:pPr algn="ctr"/>
-            <a:endParaRPr lang="en-US"/>
-          </a:p>
-        </p:txBody>
-      </p:sp>
-      <p:sp>
-        <p:nvSpPr>
-          <p:cNvPr id="8" name="Arrow: Down 7"/>
-          <p:cNvSpPr/>
-          <p:nvPr/>
-        </p:nvSpPr>
-        <p:spPr>
-          <a:xfrm rot="16200000">
-            <a:off x="1530745" y="4770828"/>
-            <a:ext cx="565426" cy="309217"/>
-          </a:xfrm>
-          <a:prstGeom prst="downArrow">
-            <a:avLst/>
-          </a:prstGeom>
-          <a:solidFill>
-            <a:schemeClr val="accent4">
-              <a:lumMod val="40000"/>
-              <a:lumOff val="60000"/>
-            </a:schemeClr>
-          </a:solidFill>
-        </p:spPr>
-        <p:style>
-          <a:lnRef idx="2">
-            <a:schemeClr val="accent1">
-              <a:shade val="50000"/>
-            </a:schemeClr>
-          </a:lnRef>
-          <a:fillRef idx="1">
-            <a:schemeClr val="accent1"/>
-          </a:fillRef>
-          <a:effectRef idx="0">
-            <a:schemeClr val="accent1"/>
-          </a:effectRef>
-          <a:fontRef idx="minor">
-            <a:schemeClr val="lt1"/>
-          </a:fontRef>
-        </p:style>
-        <p:txBody>
-          <a:bodyPr rtlCol="0" anchor="ctr"/>
-          <a:lstStyle/>
-          <a:p>
-            <a:pPr algn="ctr"/>
-            <a:endParaRPr lang="en-US"/>
-          </a:p>
-        </p:txBody>
-      </p:sp>
-      <p:sp>
-        <p:nvSpPr>
-          <p:cNvPr id="9" name="Title 1"/>
-          <p:cNvSpPr txBox="1">
-            <a:spLocks/>
-          </p:cNvSpPr>
-          <p:nvPr/>
-        </p:nvSpPr>
-        <p:spPr>
-          <a:xfrm>
-            <a:off x="1968067" y="4546800"/>
-            <a:ext cx="3141816" cy="757272"/>
-          </a:xfrm>
-          <a:prstGeom prst="rect">
-            <a:avLst/>
-          </a:prstGeom>
-        </p:spPr>
-        <p:txBody>
-          <a:bodyPr vert="horz" lIns="91440" tIns="45720" rIns="91440" bIns="45720" rtlCol="0" anchor="ctr">
-            <a:normAutofit fontScale="97500"/>
-          </a:bodyPr>
-          <a:lstStyle>
-            <a:lvl1pPr algn="l" defTabSz="914400" rtl="0" eaLnBrk="1" latinLnBrk="0" hangingPunct="1">
-              <a:lnSpc>
-                <a:spcPct val="90000"/>
-              </a:lnSpc>
-              <a:spcBef>
-                <a:spcPct val="0"/>
-              </a:spcBef>
-              <a:buNone/>
-              <a:defRPr sz="4400" kern="1200">
-                <a:solidFill>
-                  <a:schemeClr val="tx1"/>
-                </a:solidFill>
-                <a:latin typeface="+mj-lt"/>
-                <a:ea typeface="+mj-ea"/>
-                <a:cs typeface="+mj-cs"/>
-              </a:defRPr>
-            </a:lvl1pPr>
-          </a:lstStyle>
-          <a:p>
-            <a:r>
-              <a:rPr lang="en-US" sz="3200" dirty="0"/>
-              <a:t>Overriding</a:t>
-            </a:r>
-          </a:p>
-        </p:txBody>
-      </p:sp>
-      <p:sp>
-        <p:nvSpPr>
-          <p:cNvPr id="10" name="Arrow: Down 9"/>
-          <p:cNvSpPr/>
-          <p:nvPr/>
-        </p:nvSpPr>
-        <p:spPr>
-          <a:xfrm rot="16200000">
-            <a:off x="7016577" y="3626697"/>
-            <a:ext cx="565426" cy="309217"/>
-          </a:xfrm>
-          <a:prstGeom prst="downArrow">
-            <a:avLst/>
-          </a:prstGeom>
-          <a:solidFill>
-            <a:schemeClr val="accent4">
-              <a:lumMod val="40000"/>
-              <a:lumOff val="60000"/>
-            </a:schemeClr>
-          </a:solidFill>
-        </p:spPr>
-        <p:style>
-          <a:lnRef idx="2">
-            <a:schemeClr val="accent1">
-              <a:shade val="50000"/>
-            </a:schemeClr>
-          </a:lnRef>
-          <a:fillRef idx="1">
-            <a:schemeClr val="accent1"/>
-          </a:fillRef>
-          <a:effectRef idx="0">
-            <a:schemeClr val="accent1"/>
-          </a:effectRef>
-          <a:fontRef idx="minor">
-            <a:schemeClr val="lt1"/>
-          </a:fontRef>
-        </p:style>
-        <p:txBody>
-          <a:bodyPr rtlCol="0" anchor="ctr"/>
-          <a:lstStyle/>
-          <a:p>
-            <a:pPr algn="ctr"/>
-            <a:endParaRPr lang="en-US"/>
+          <a:p>
+            <a:endParaRPr lang="en-US" sz="2000" dirty="0"/>
           </a:p>
         </p:txBody>
       </p:sp>
     </p:spTree>
-    <p:custDataLst>
-      <p:tags r:id="rId1"/>
-    </p:custDataLst>
     <p:extLst>
       <p:ext uri="{BB962C8B-B14F-4D97-AF65-F5344CB8AC3E}">
-        <p14:creationId xmlns:p14="http://schemas.microsoft.com/office/powerpoint/2010/main" val="756074562"/>
+        <p14:creationId xmlns:p14="http://schemas.microsoft.com/office/powerpoint/2010/main" val="1220347652"/>
       </p:ext>
     </p:extLst>
   </p:cSld>
   <p:clrMapOvr>
     <a:masterClrMapping/>
   </p:clrMapOvr>
-  <p:timing>
-    <p:tnLst>
-      <p:par>
-        <p:cTn id="1" dur="indefinite" restart="never" nodeType="tmRoot">
-          <p:childTnLst>
-            <p:seq concurrent="1" nextAc="seek">
-              <p:cTn id="2" dur="indefinite" nodeType="mainSeq">
-                <p:childTnLst>
-                  <p:par>
-                    <p:cTn id="3" fill="hold">
-                      <p:stCondLst>
-                        <p:cond delay="indefinite"/>
-                      </p:stCondLst>
-                      <p:childTnLst>
-                        <p:par>
-                          <p:cTn id="4" fill="hold">
-                            <p:stCondLst>
-                              <p:cond delay="0"/>
-                            </p:stCondLst>
-                            <p:childTnLst>
-                              <p:par>
-                                <p:cTn id="5" presetID="2" presetClass="entr" presetSubtype="4" fill="hold" grpId="0" nodeType="clickEffect">
-                                  <p:stCondLst>
-                                    <p:cond delay="0"/>
-                                  </p:stCondLst>
-                                  <p:childTnLst>
-                                    <p:set>
-                                      <p:cBhvr>
-                                        <p:cTn id="6" dur="1" fill="hold">
-                                          <p:stCondLst>
-                                            <p:cond delay="0"/>
-                                          </p:stCondLst>
-                                        </p:cTn>
-                                        <p:tgtEl>
-                                          <p:spTgt spid="8"/>
-                                        </p:tgtEl>
-                                        <p:attrNameLst>
-                                          <p:attrName>style.visibility</p:attrName>
-                                        </p:attrNameLst>
-                                      </p:cBhvr>
-                                      <p:to>
-                                        <p:strVal val="visible"/>
-                                      </p:to>
-                                    </p:set>
-                                    <p:anim calcmode="lin" valueType="num">
-                                      <p:cBhvr additive="base">
-                                        <p:cTn id="7" dur="500" fill="hold"/>
-                                        <p:tgtEl>
-                                          <p:spTgt spid="8"/>
-                                        </p:tgtEl>
-                                        <p:attrNameLst>
-                                          <p:attrName>ppt_x</p:attrName>
-                                        </p:attrNameLst>
-                                      </p:cBhvr>
-                                      <p:tavLst>
-                                        <p:tav tm="0">
-                                          <p:val>
-                                            <p:strVal val="#ppt_x"/>
-                                          </p:val>
-                                        </p:tav>
-                                        <p:tav tm="100000">
-                                          <p:val>
-                                            <p:strVal val="#ppt_x"/>
-                                          </p:val>
-                                        </p:tav>
-                                      </p:tavLst>
-                                    </p:anim>
-                                    <p:anim calcmode="lin" valueType="num">
-                                      <p:cBhvr additive="base">
-                                        <p:cTn id="8" dur="500" fill="hold"/>
-                                        <p:tgtEl>
-                                          <p:spTgt spid="8"/>
-                                        </p:tgtEl>
-                                        <p:attrNameLst>
-                                          <p:attrName>ppt_y</p:attrName>
-                                        </p:attrNameLst>
-                                      </p:cBhvr>
-                                      <p:tavLst>
-                                        <p:tav tm="0">
-                                          <p:val>
-                                            <p:strVal val="1+#ppt_h/2"/>
-                                          </p:val>
-                                        </p:tav>
-                                        <p:tav tm="100000">
-                                          <p:val>
-                                            <p:strVal val="#ppt_y"/>
-                                          </p:val>
-                                        </p:tav>
-                                      </p:tavLst>
-                                    </p:anim>
-                                  </p:childTnLst>
-                                </p:cTn>
-                              </p:par>
-                              <p:par>
-                                <p:cTn id="9" presetID="2" presetClass="entr" presetSubtype="4" fill="hold" grpId="0" nodeType="withEffect">
-                                  <p:stCondLst>
-                                    <p:cond delay="0"/>
-                                  </p:stCondLst>
-                                  <p:childTnLst>
-                                    <p:set>
-                                      <p:cBhvr>
-                                        <p:cTn id="10" dur="1" fill="hold">
-                                          <p:stCondLst>
-                                            <p:cond delay="0"/>
-                                          </p:stCondLst>
-                                        </p:cTn>
-                                        <p:tgtEl>
-                                          <p:spTgt spid="9"/>
-                                        </p:tgtEl>
-                                        <p:attrNameLst>
-                                          <p:attrName>style.visibility</p:attrName>
-                                        </p:attrNameLst>
-                                      </p:cBhvr>
-                                      <p:to>
-                                        <p:strVal val="visible"/>
-                                      </p:to>
-                                    </p:set>
-                                    <p:anim calcmode="lin" valueType="num">
-                                      <p:cBhvr additive="base">
-                                        <p:cTn id="11" dur="500" fill="hold"/>
-                                        <p:tgtEl>
-                                          <p:spTgt spid="9"/>
-                                        </p:tgtEl>
-                                        <p:attrNameLst>
-                                          <p:attrName>ppt_x</p:attrName>
-                                        </p:attrNameLst>
-                                      </p:cBhvr>
-                                      <p:tavLst>
-                                        <p:tav tm="0">
-                                          <p:val>
-                                            <p:strVal val="#ppt_x"/>
-                                          </p:val>
-                                        </p:tav>
-                                        <p:tav tm="100000">
-                                          <p:val>
-                                            <p:strVal val="#ppt_x"/>
-                                          </p:val>
-                                        </p:tav>
-                                      </p:tavLst>
-                                    </p:anim>
-                                    <p:anim calcmode="lin" valueType="num">
-                                      <p:cBhvr additive="base">
-                                        <p:cTn id="12" dur="500" fill="hold"/>
-                                        <p:tgtEl>
-                                          <p:spTgt spid="9"/>
-                                        </p:tgtEl>
-                                        <p:attrNameLst>
-                                          <p:attrName>ppt_y</p:attrName>
-                                        </p:attrNameLst>
-                                      </p:cBhvr>
-                                      <p:tavLst>
-                                        <p:tav tm="0">
-                                          <p:val>
-                                            <p:strVal val="1+#ppt_h/2"/>
-                                          </p:val>
-                                        </p:tav>
-                                        <p:tav tm="100000">
-                                          <p:val>
-                                            <p:strVal val="#ppt_y"/>
-                                          </p:val>
-                                        </p:tav>
-                                      </p:tavLst>
-                                    </p:anim>
-                                  </p:childTnLst>
-                                </p:cTn>
-                              </p:par>
-                              <p:par>
-                                <p:cTn id="13" presetID="2" presetClass="entr" presetSubtype="4" fill="hold" grpId="0" nodeType="withEffect">
-                                  <p:stCondLst>
-                                    <p:cond delay="0"/>
-                                  </p:stCondLst>
-                                  <p:childTnLst>
-                                    <p:set>
-                                      <p:cBhvr>
-                                        <p:cTn id="14" dur="1" fill="hold">
-                                          <p:stCondLst>
-                                            <p:cond delay="0"/>
-                                          </p:stCondLst>
-                                        </p:cTn>
-                                        <p:tgtEl>
-                                          <p:spTgt spid="7"/>
-                                        </p:tgtEl>
-                                        <p:attrNameLst>
-                                          <p:attrName>style.visibility</p:attrName>
-                                        </p:attrNameLst>
-                                      </p:cBhvr>
-                                      <p:to>
-                                        <p:strVal val="visible"/>
-                                      </p:to>
-                                    </p:set>
-                                    <p:anim calcmode="lin" valueType="num">
-                                      <p:cBhvr additive="base">
-                                        <p:cTn id="15" dur="500" fill="hold"/>
-                                        <p:tgtEl>
-                                          <p:spTgt spid="7"/>
-                                        </p:tgtEl>
-                                        <p:attrNameLst>
-                                          <p:attrName>ppt_x</p:attrName>
-                                        </p:attrNameLst>
-                                      </p:cBhvr>
-                                      <p:tavLst>
-                                        <p:tav tm="0">
-                                          <p:val>
-                                            <p:strVal val="#ppt_x"/>
-                                          </p:val>
-                                        </p:tav>
-                                        <p:tav tm="100000">
-                                          <p:val>
-                                            <p:strVal val="#ppt_x"/>
-                                          </p:val>
-                                        </p:tav>
-                                      </p:tavLst>
-                                    </p:anim>
-                                    <p:anim calcmode="lin" valueType="num">
-                                      <p:cBhvr additive="base">
-                                        <p:cTn id="16" dur="500" fill="hold"/>
-                                        <p:tgtEl>
-                                          <p:spTgt spid="7"/>
-                                        </p:tgtEl>
-                                        <p:attrNameLst>
-                                          <p:attrName>ppt_y</p:attrName>
-                                        </p:attrNameLst>
-                                      </p:cBhvr>
-                                      <p:tavLst>
-                                        <p:tav tm="0">
-                                          <p:val>
-                                            <p:strVal val="1+#ppt_h/2"/>
-                                          </p:val>
-                                        </p:tav>
-                                        <p:tav tm="100000">
-                                          <p:val>
-                                            <p:strVal val="#ppt_y"/>
-                                          </p:val>
-                                        </p:tav>
-                                      </p:tavLst>
-                                    </p:anim>
-                                  </p:childTnLst>
-                                </p:cTn>
-                              </p:par>
-                              <p:par>
-                                <p:cTn id="17" presetID="2" presetClass="entr" presetSubtype="4" fill="hold" grpId="0" nodeType="withEffect">
-                                  <p:stCondLst>
-                                    <p:cond delay="0"/>
-                                  </p:stCondLst>
-                                  <p:childTnLst>
-                                    <p:set>
-                                      <p:cBhvr>
-                                        <p:cTn id="18" dur="1" fill="hold">
-                                          <p:stCondLst>
-                                            <p:cond delay="0"/>
-                                          </p:stCondLst>
-                                        </p:cTn>
-                                        <p:tgtEl>
-                                          <p:spTgt spid="10"/>
-                                        </p:tgtEl>
-                                        <p:attrNameLst>
-                                          <p:attrName>style.visibility</p:attrName>
-                                        </p:attrNameLst>
-                                      </p:cBhvr>
-                                      <p:to>
-                                        <p:strVal val="visible"/>
-                                      </p:to>
-                                    </p:set>
-                                    <p:anim calcmode="lin" valueType="num">
-                                      <p:cBhvr additive="base">
-                                        <p:cTn id="19" dur="500" fill="hold"/>
-                                        <p:tgtEl>
-                                          <p:spTgt spid="10"/>
-                                        </p:tgtEl>
-                                        <p:attrNameLst>
-                                          <p:attrName>ppt_x</p:attrName>
-                                        </p:attrNameLst>
-                                      </p:cBhvr>
-                                      <p:tavLst>
-                                        <p:tav tm="0">
-                                          <p:val>
-                                            <p:strVal val="#ppt_x"/>
-                                          </p:val>
-                                        </p:tav>
-                                        <p:tav tm="100000">
-                                          <p:val>
-                                            <p:strVal val="#ppt_x"/>
-                                          </p:val>
-                                        </p:tav>
-                                      </p:tavLst>
-                                    </p:anim>
-                                    <p:anim calcmode="lin" valueType="num">
-                                      <p:cBhvr additive="base">
-                                        <p:cTn id="20" dur="500" fill="hold"/>
-                                        <p:tgtEl>
-                                          <p:spTgt spid="10"/>
-                                        </p:tgtEl>
-                                        <p:attrNameLst>
-                                          <p:attrName>ppt_y</p:attrName>
-                                        </p:attrNameLst>
-                                      </p:cBhvr>
-                                      <p:tavLst>
-                                        <p:tav tm="0">
-                                          <p:val>
-                                            <p:strVal val="1+#ppt_h/2"/>
-                                          </p:val>
-                                        </p:tav>
-                                        <p:tav tm="100000">
-                                          <p:val>
-                                            <p:strVal val="#ppt_y"/>
-                                          </p:val>
-                                        </p:tav>
-                                      </p:tavLst>
-                                    </p:anim>
-                                  </p:childTnLst>
-                                </p:cTn>
-                              </p:par>
-                              <p:par>
-                                <p:cTn id="21" presetID="2" presetClass="entr" presetSubtype="4" fill="hold" nodeType="withEffect">
-                                  <p:stCondLst>
-                                    <p:cond delay="0"/>
-                                  </p:stCondLst>
-                                  <p:childTnLst>
-                                    <p:set>
-                                      <p:cBhvr>
-                                        <p:cTn id="22" dur="1" fill="hold">
-                                          <p:stCondLst>
-                                            <p:cond delay="0"/>
-                                          </p:stCondLst>
-                                        </p:cTn>
-                                        <p:tgtEl>
-                                          <p:spTgt spid="6"/>
-                                        </p:tgtEl>
-                                        <p:attrNameLst>
-                                          <p:attrName>style.visibility</p:attrName>
-                                        </p:attrNameLst>
-                                      </p:cBhvr>
-                                      <p:to>
-                                        <p:strVal val="visible"/>
-                                      </p:to>
-                                    </p:set>
-                                    <p:anim calcmode="lin" valueType="num">
-                                      <p:cBhvr additive="base">
-                                        <p:cTn id="23" dur="500" fill="hold"/>
-                                        <p:tgtEl>
-                                          <p:spTgt spid="6"/>
-                                        </p:tgtEl>
-                                        <p:attrNameLst>
-                                          <p:attrName>ppt_x</p:attrName>
-                                        </p:attrNameLst>
-                                      </p:cBhvr>
-                                      <p:tavLst>
-                                        <p:tav tm="0">
-                                          <p:val>
-                                            <p:strVal val="#ppt_x"/>
-                                          </p:val>
-                                        </p:tav>
-                                        <p:tav tm="100000">
-                                          <p:val>
-                                            <p:strVal val="#ppt_x"/>
-                                          </p:val>
-                                        </p:tav>
-                                      </p:tavLst>
-                                    </p:anim>
-                                    <p:anim calcmode="lin" valueType="num">
-                                      <p:cBhvr additive="base">
-                                        <p:cTn id="24" dur="500" fill="hold"/>
-                                        <p:tgtEl>
-                                          <p:spTgt spid="6"/>
-                                        </p:tgtEl>
-                                        <p:attrNameLst>
-                                          <p:attrName>ppt_y</p:attrName>
-                                        </p:attrNameLst>
-                                      </p:cBhvr>
-                                      <p:tavLst>
-                                        <p:tav tm="0">
-                                          <p:val>
-                                            <p:strVal val="1+#ppt_h/2"/>
-                                          </p:val>
-                                        </p:tav>
-                                        <p:tav tm="100000">
-                                          <p:val>
-                                            <p:strVal val="#ppt_y"/>
-                                          </p:val>
-                                        </p:tav>
-                                      </p:tavLst>
-                                    </p:anim>
-                                  </p:childTnLst>
-                                </p:cTn>
-                              </p:par>
-                            </p:childTnLst>
-                          </p:cTn>
-                        </p:par>
-                      </p:childTnLst>
-                    </p:cTn>
-                  </p:par>
-                </p:childTnLst>
-              </p:cTn>
-              <p:prevCondLst>
-                <p:cond evt="onPrev" delay="0">
-                  <p:tgtEl>
-                    <p:sldTgt/>
-                  </p:tgtEl>
-                </p:cond>
-              </p:prevCondLst>
-              <p:nextCondLst>
-                <p:cond evt="onNext" delay="0">
-                  <p:tgtEl>
-                    <p:sldTgt/>
-                  </p:tgtEl>
-                </p:cond>
-              </p:nextCondLst>
-            </p:seq>
-          </p:childTnLst>
-        </p:cTn>
-      </p:par>
-    </p:tnLst>
-    <p:bldLst>
-      <p:bldP spid="7" grpId="0" animBg="1"/>
-      <p:bldP spid="8" grpId="0" animBg="1"/>
-      <p:bldP spid="9" grpId="0"/>
-      <p:bldP spid="10" grpId="0" animBg="1"/>
-    </p:bldLst>
-  </p:timing>
 </p:sld>
-</file>
-
-<file path=ppt/tags/tag1.xml><?xml version="1.0" encoding="utf-8"?>
-<p:tagLst xmlns:a="http://schemas.openxmlformats.org/drawingml/2006/main" xmlns:r="http://schemas.openxmlformats.org/officeDocument/2006/relationships" xmlns:p="http://schemas.openxmlformats.org/presentationml/2006/main">
-  <p:tag name="TIMING" val="|286.1"/>
-</p:tagLst>
-</file>
-
-<file path=ppt/tags/tag2.xml><?xml version="1.0" encoding="utf-8"?>
-<p:tagLst xmlns:a="http://schemas.openxmlformats.org/drawingml/2006/main" xmlns:r="http://schemas.openxmlformats.org/officeDocument/2006/relationships" xmlns:p="http://schemas.openxmlformats.org/presentationml/2006/main">
-  <p:tag name="TIMING" val="|155.8"/>
-</p:tagLst>
-</file>
-
-<file path=ppt/tags/tag3.xml><?xml version="1.0" encoding="utf-8"?>
-<p:tagLst xmlns:a="http://schemas.openxmlformats.org/drawingml/2006/main" xmlns:r="http://schemas.openxmlformats.org/officeDocument/2006/relationships" xmlns:p="http://schemas.openxmlformats.org/presentationml/2006/main">
-  <p:tag name="TIMING" val="|3.9"/>
-</p:tagLst>
-</file>
-
-<file path=ppt/tags/tag4.xml><?xml version="1.0" encoding="utf-8"?>
-<p:tagLst xmlns:a="http://schemas.openxmlformats.org/drawingml/2006/main" xmlns:r="http://schemas.openxmlformats.org/officeDocument/2006/relationships" xmlns:p="http://schemas.openxmlformats.org/presentationml/2006/main">
-  <p:tag name="TIMING" val="|232.3"/>
-</p:tagLst>
 </file>
 
 <file path=ppt/theme/theme1.xml><?xml version="1.0" encoding="utf-8"?>
@@ -10032,6 +10900,21 @@
 </file>
 
 <file path=customXml/item1.xml><?xml version="1.0" encoding="utf-8"?>
+<?mso-contentType ?>
+<FormTemplates xmlns="http://schemas.microsoft.com/sharepoint/v3/contenttype/forms">
+  <Display>DocumentLibraryForm</Display>
+  <Edit>DocumentLibraryForm</Edit>
+  <New>DocumentLibraryForm</New>
+</FormTemplates>
+</file>
+
+<file path=customXml/item2.xml><?xml version="1.0" encoding="utf-8"?>
+<p:properties xmlns:p="http://schemas.microsoft.com/office/2006/metadata/properties" xmlns:xsi="http://www.w3.org/2001/XMLSchema-instance" xmlns:pc="http://schemas.microsoft.com/office/infopath/2007/PartnerControls">
+  <documentManagement/>
+</p:properties>
+</file>
+
+<file path=customXml/item3.xml><?xml version="1.0" encoding="utf-8"?>
 <ct:contentTypeSchema xmlns:ct="http://schemas.microsoft.com/office/2006/metadata/contentType" xmlns:ma="http://schemas.microsoft.com/office/2006/metadata/properties/metaAttributes" ct:_="" ma:_="" ma:contentTypeName="Document" ma:contentTypeID="0x0101004E7FF26E314236448B954F3A97640002" ma:contentTypeVersion="0" ma:contentTypeDescription="Create a new document." ma:contentTypeScope="" ma:versionID="dcd134f7ef3b1aa8a267b1d1a9f0b332">
   <xsd:schema xmlns:xsd="http://www.w3.org/2001/XMLSchema" xmlns:xs="http://www.w3.org/2001/XMLSchema" xmlns:p="http://schemas.microsoft.com/office/2006/metadata/properties" targetNamespace="http://schemas.microsoft.com/office/2006/metadata/properties" ma:root="true" ma:fieldsID="fad425956ca267ea5e6d723b3f3bd6f1">
     <xsd:element name="properties">
@@ -10145,22 +11028,30 @@
 </ct:contentTypeSchema>
 </file>
 
-<file path=customXml/item2.xml><?xml version="1.0" encoding="utf-8"?>
-<p:properties xmlns:p="http://schemas.microsoft.com/office/2006/metadata/properties" xmlns:xsi="http://www.w3.org/2001/XMLSchema-instance" xmlns:pc="http://schemas.microsoft.com/office/infopath/2007/PartnerControls">
-  <documentManagement/>
-</p:properties>
+<file path=customXml/itemProps1.xml><?xml version="1.0" encoding="utf-8"?>
+<ds:datastoreItem xmlns:ds="http://schemas.openxmlformats.org/officeDocument/2006/customXml" ds:itemID="{87FD8B20-B89A-4B23-9329-175195DD4D8A}">
+  <ds:schemaRefs>
+    <ds:schemaRef ds:uri="http://schemas.microsoft.com/sharepoint/v3/contenttype/forms"/>
+  </ds:schemaRefs>
+</ds:datastoreItem>
 </file>
 
-<file path=customXml/item3.xml><?xml version="1.0" encoding="utf-8"?>
-<?mso-contentType ?>
-<FormTemplates xmlns="http://schemas.microsoft.com/sharepoint/v3/contenttype/forms">
-  <Display>DocumentLibraryForm</Display>
-  <Edit>DocumentLibraryForm</Edit>
-  <New>DocumentLibraryForm</New>
-</FormTemplates>
+<file path=customXml/itemProps2.xml><?xml version="1.0" encoding="utf-8"?>
+<ds:datastoreItem xmlns:ds="http://schemas.openxmlformats.org/officeDocument/2006/customXml" ds:itemID="{3473EA1A-2744-48E8-B2A3-4F89C0FC849C}">
+  <ds:schemaRefs>
+    <ds:schemaRef ds:uri="http://purl.org/dc/terms/"/>
+    <ds:schemaRef ds:uri="http://purl.org/dc/dcmitype/"/>
+    <ds:schemaRef ds:uri="http://www.w3.org/XML/1998/namespace"/>
+    <ds:schemaRef ds:uri="http://schemas.microsoft.com/office/2006/documentManagement/types"/>
+    <ds:schemaRef ds:uri="http://purl.org/dc/elements/1.1/"/>
+    <ds:schemaRef ds:uri="http://schemas.microsoft.com/office/2006/metadata/properties"/>
+    <ds:schemaRef ds:uri="http://schemas.microsoft.com/office/infopath/2007/PartnerControls"/>
+    <ds:schemaRef ds:uri="http://schemas.openxmlformats.org/package/2006/metadata/core-properties"/>
+  </ds:schemaRefs>
+</ds:datastoreItem>
 </file>
 
-<file path=customXml/itemProps1.xml><?xml version="1.0" encoding="utf-8"?>
+<file path=customXml/itemProps3.xml><?xml version="1.0" encoding="utf-8"?>
 <ds:datastoreItem xmlns:ds="http://schemas.openxmlformats.org/officeDocument/2006/customXml" ds:itemID="{A906A71E-D2C6-4CAA-8E79-10C504BC5F58}">
   <ds:schemaRefs>
     <ds:schemaRef ds:uri="http://schemas.microsoft.com/office/2006/metadata/contentType"/>
@@ -10174,27 +11065,4 @@
     <ds:schemaRef ds:uri="http://schemas.microsoft.com/office/infopath/2007/PartnerControls"/>
   </ds:schemaRefs>
 </ds:datastoreItem>
-</file>
-
-<file path=customXml/itemProps2.xml><?xml version="1.0" encoding="utf-8"?>
-<ds:datastoreItem xmlns:ds="http://schemas.openxmlformats.org/officeDocument/2006/customXml" ds:itemID="{3473EA1A-2744-48E8-B2A3-4F89C0FC849C}">
-  <ds:schemaRefs>
-    <ds:schemaRef ds:uri="http://purl.org/dc/terms/"/>
-    <ds:schemaRef ds:uri="http://schemas.openxmlformats.org/package/2006/metadata/core-properties"/>
-    <ds:schemaRef ds:uri="http://purl.org/dc/dcmitype/"/>
-    <ds:schemaRef ds:uri="http://schemas.microsoft.com/office/2006/documentManagement/types"/>
-    <ds:schemaRef ds:uri="http://purl.org/dc/elements/1.1/"/>
-    <ds:schemaRef ds:uri="http://schemas.microsoft.com/office/2006/metadata/properties"/>
-    <ds:schemaRef ds:uri="http://schemas.microsoft.com/office/infopath/2007/PartnerControls"/>
-    <ds:schemaRef ds:uri="http://www.w3.org/XML/1998/namespace"/>
-  </ds:schemaRefs>
-</ds:datastoreItem>
-</file>
-
-<file path=customXml/itemProps3.xml><?xml version="1.0" encoding="utf-8"?>
-<ds:datastoreItem xmlns:ds="http://schemas.openxmlformats.org/officeDocument/2006/customXml" ds:itemID="{87FD8B20-B89A-4B23-9329-175195DD4D8A}">
-  <ds:schemaRefs>
-    <ds:schemaRef ds:uri="http://schemas.microsoft.com/sharepoint/v3/contenttype/forms"/>
-  </ds:schemaRefs>
-</ds:datastoreItem>
 </file>
--- a/CPSC-24500/Week03/2017SpringW03Slides.pptx
+++ b/CPSC-24500/Week03/2017SpringW03Slides.pptx
@@ -5,7 +5,7 @@
     <p:sldMasterId id="2147483648" r:id="rId4"/>
   </p:sldMasterIdLst>
   <p:notesMasterIdLst>
-    <p:notesMasterId r:id="rId33"/>
+    <p:notesMasterId r:id="rId41"/>
   </p:notesMasterIdLst>
   <p:sldIdLst>
     <p:sldId id="381" r:id="rId5"/>
@@ -35,7 +35,15 @@
     <p:sldId id="392" r:id="rId29"/>
     <p:sldId id="388" r:id="rId30"/>
     <p:sldId id="389" r:id="rId31"/>
-    <p:sldId id="391" r:id="rId32"/>
+    <p:sldId id="402" r:id="rId32"/>
+    <p:sldId id="391" r:id="rId33"/>
+    <p:sldId id="393" r:id="rId34"/>
+    <p:sldId id="397" r:id="rId35"/>
+    <p:sldId id="400" r:id="rId36"/>
+    <p:sldId id="401" r:id="rId37"/>
+    <p:sldId id="399" r:id="rId38"/>
+    <p:sldId id="398" r:id="rId39"/>
+    <p:sldId id="396" r:id="rId40"/>
   </p:sldIdLst>
   <p:sldSz cx="12192000" cy="6858000"/>
   <p:notesSz cx="7315200" cy="9601200"/>
@@ -538,19 +546,7 @@
           <a:bodyPr/>
           <a:lstStyle/>
           <a:p>
-            <a:r>
-              <a:rPr lang="en-US" sz="1000" dirty="0"/>
-              <a:t>While everyone is getting logged in an set up for our virtual discussion, I wanted to thank those of you who have posted their background and/or responded to other people’s discussion board posting. I have enjoyed reading through your comments. </a:t>
-            </a:r>
-          </a:p>
-          <a:p>
             <a:endParaRPr lang="en-US" sz="1000" dirty="0"/>
-          </a:p>
-          <a:p>
-            <a:r>
-              <a:rPr lang="en-US" sz="1000" dirty="0"/>
-              <a:t>I am going to stat recording so that other can watch later; however, if I think that is impacting our ability to have a good discussion, I will stop the recording and just send out notes later.</a:t>
-            </a:r>
           </a:p>
         </p:txBody>
       </p:sp>
@@ -1650,7 +1646,7 @@
             </a:pPr>
             <a:r>
               <a:rPr lang="en-US" sz="1000" dirty="0"/>
-              <a:t>I intentionally list our assignment first and our learning objectives second. This week our intent is to support our assignment  through our learning objectives, discussion, lecture, and examples… and not the other way around. </a:t>
+              <a:t>I intentionally listed and reviewed our assignment first and our learning objectives second. This week our intent is to support our assignment  through our learning objectives, discussion, lecture, and examples… and not the other way around. </a:t>
             </a:r>
           </a:p>
           <a:p>
@@ -2757,6 +2753,90 @@
     </p:spTree>
     <p:extLst>
       <p:ext uri="{BB962C8B-B14F-4D97-AF65-F5344CB8AC3E}">
+        <p14:creationId xmlns:p14="http://schemas.microsoft.com/office/powerpoint/2010/main" val="2473152287"/>
+      </p:ext>
+    </p:extLst>
+  </p:cSld>
+  <p:clrMapOvr>
+    <a:masterClrMapping/>
+  </p:clrMapOvr>
+</p:notes>
+</file>
+
+<file path=ppt/notesSlides/notesSlide29.xml><?xml version="1.0" encoding="utf-8"?>
+<p:notes xmlns:a="http://schemas.openxmlformats.org/drawingml/2006/main" xmlns:r="http://schemas.openxmlformats.org/officeDocument/2006/relationships" xmlns:p="http://schemas.openxmlformats.org/presentationml/2006/main">
+  <p:cSld>
+    <p:spTree>
+      <p:nvGrpSpPr>
+        <p:cNvPr id="1" name=""/>
+        <p:cNvGrpSpPr/>
+        <p:nvPr/>
+      </p:nvGrpSpPr>
+      <p:grpSpPr>
+        <a:xfrm>
+          <a:off x="0" y="0"/>
+          <a:ext cx="0" cy="0"/>
+          <a:chOff x="0" y="0"/>
+          <a:chExt cx="0" cy="0"/>
+        </a:xfrm>
+      </p:grpSpPr>
+      <p:sp>
+        <p:nvSpPr>
+          <p:cNvPr id="2" name="Slide Image Placeholder 1"/>
+          <p:cNvSpPr>
+            <a:spLocks noGrp="1" noRot="1" noChangeAspect="1"/>
+          </p:cNvSpPr>
+          <p:nvPr>
+            <p:ph type="sldImg"/>
+          </p:nvPr>
+        </p:nvSpPr>
+        <p:spPr/>
+      </p:sp>
+      <p:sp>
+        <p:nvSpPr>
+          <p:cNvPr id="3" name="Notes Placeholder 2"/>
+          <p:cNvSpPr>
+            <a:spLocks noGrp="1"/>
+          </p:cNvSpPr>
+          <p:nvPr>
+            <p:ph type="body" idx="1"/>
+          </p:nvPr>
+        </p:nvSpPr>
+        <p:spPr/>
+        <p:txBody>
+          <a:bodyPr/>
+          <a:lstStyle/>
+          <a:p>
+            <a:endParaRPr lang="en-US"/>
+          </a:p>
+        </p:txBody>
+      </p:sp>
+      <p:sp>
+        <p:nvSpPr>
+          <p:cNvPr id="4" name="Slide Number Placeholder 3"/>
+          <p:cNvSpPr>
+            <a:spLocks noGrp="1"/>
+          </p:cNvSpPr>
+          <p:nvPr>
+            <p:ph type="sldNum" sz="quarter" idx="10"/>
+          </p:nvPr>
+        </p:nvSpPr>
+        <p:spPr/>
+        <p:txBody>
+          <a:bodyPr/>
+          <a:lstStyle/>
+          <a:p>
+            <a:fld id="{5394DE12-7B9B-46AA-AC19-C30A49928B9B}" type="slidenum">
+              <a:rPr lang="en-US" smtClean="0"/>
+              <a:t>29</a:t>
+            </a:fld>
+            <a:endParaRPr lang="en-US"/>
+          </a:p>
+        </p:txBody>
+      </p:sp>
+    </p:spTree>
+    <p:extLst>
+      <p:ext uri="{BB962C8B-B14F-4D97-AF65-F5344CB8AC3E}">
         <p14:creationId xmlns:p14="http://schemas.microsoft.com/office/powerpoint/2010/main" val="2944127336"/>
       </p:ext>
     </p:extLst>
@@ -2842,6 +2922,652 @@
     <p:extLst>
       <p:ext uri="{BB962C8B-B14F-4D97-AF65-F5344CB8AC3E}">
         <p14:creationId xmlns:p14="http://schemas.microsoft.com/office/powerpoint/2010/main" val="4262655271"/>
+      </p:ext>
+    </p:extLst>
+  </p:cSld>
+  <p:clrMapOvr>
+    <a:masterClrMapping/>
+  </p:clrMapOvr>
+</p:notes>
+</file>
+
+<file path=ppt/notesSlides/notesSlide30.xml><?xml version="1.0" encoding="utf-8"?>
+<p:notes xmlns:a="http://schemas.openxmlformats.org/drawingml/2006/main" xmlns:r="http://schemas.openxmlformats.org/officeDocument/2006/relationships" xmlns:p="http://schemas.openxmlformats.org/presentationml/2006/main">
+  <p:cSld>
+    <p:spTree>
+      <p:nvGrpSpPr>
+        <p:cNvPr id="1" name=""/>
+        <p:cNvGrpSpPr/>
+        <p:nvPr/>
+      </p:nvGrpSpPr>
+      <p:grpSpPr>
+        <a:xfrm>
+          <a:off x="0" y="0"/>
+          <a:ext cx="0" cy="0"/>
+          <a:chOff x="0" y="0"/>
+          <a:chExt cx="0" cy="0"/>
+        </a:xfrm>
+      </p:grpSpPr>
+      <p:sp>
+        <p:nvSpPr>
+          <p:cNvPr id="2" name="Slide Image Placeholder 1"/>
+          <p:cNvSpPr>
+            <a:spLocks noGrp="1" noRot="1" noChangeAspect="1"/>
+          </p:cNvSpPr>
+          <p:nvPr>
+            <p:ph type="sldImg"/>
+          </p:nvPr>
+        </p:nvSpPr>
+        <p:spPr/>
+      </p:sp>
+      <p:sp>
+        <p:nvSpPr>
+          <p:cNvPr id="3" name="Notes Placeholder 2"/>
+          <p:cNvSpPr>
+            <a:spLocks noGrp="1"/>
+          </p:cNvSpPr>
+          <p:nvPr>
+            <p:ph type="body" idx="1"/>
+          </p:nvPr>
+        </p:nvSpPr>
+        <p:spPr/>
+        <p:txBody>
+          <a:bodyPr/>
+          <a:lstStyle/>
+          <a:p>
+            <a:r>
+              <a:rPr lang="en-US" sz="1000" dirty="0"/>
+              <a:t>While everyone is getting logged in an set up for our virtual discussion, I wanted to thank those of you who have posted their background and/or responded to other people’s discussion board posting. I have enjoyed reading through your comments. </a:t>
+            </a:r>
+          </a:p>
+          <a:p>
+            <a:endParaRPr lang="en-US" sz="1000" dirty="0"/>
+          </a:p>
+          <a:p>
+            <a:r>
+              <a:rPr lang="en-US" sz="1000" dirty="0"/>
+              <a:t>I am going to stat recording so that other can watch later; however, if I think that is impacting our ability to have a good discussion, I will stop the recording and just send out notes later.</a:t>
+            </a:r>
+          </a:p>
+        </p:txBody>
+      </p:sp>
+      <p:sp>
+        <p:nvSpPr>
+          <p:cNvPr id="4" name="Slide Number Placeholder 3"/>
+          <p:cNvSpPr>
+            <a:spLocks noGrp="1"/>
+          </p:cNvSpPr>
+          <p:nvPr>
+            <p:ph type="sldNum" sz="quarter" idx="10"/>
+          </p:nvPr>
+        </p:nvSpPr>
+        <p:spPr/>
+        <p:txBody>
+          <a:bodyPr/>
+          <a:lstStyle/>
+          <a:p>
+            <a:fld id="{5394DE12-7B9B-46AA-AC19-C30A49928B9B}" type="slidenum">
+              <a:rPr lang="en-US" smtClean="0"/>
+              <a:t>30</a:t>
+            </a:fld>
+            <a:endParaRPr lang="en-US" dirty="0"/>
+          </a:p>
+        </p:txBody>
+      </p:sp>
+    </p:spTree>
+    <p:extLst>
+      <p:ext uri="{BB962C8B-B14F-4D97-AF65-F5344CB8AC3E}">
+        <p14:creationId xmlns:p14="http://schemas.microsoft.com/office/powerpoint/2010/main" val="2283266762"/>
+      </p:ext>
+    </p:extLst>
+  </p:cSld>
+  <p:clrMapOvr>
+    <a:masterClrMapping/>
+  </p:clrMapOvr>
+</p:notes>
+</file>
+
+<file path=ppt/notesSlides/notesSlide31.xml><?xml version="1.0" encoding="utf-8"?>
+<p:notes xmlns:a="http://schemas.openxmlformats.org/drawingml/2006/main" xmlns:r="http://schemas.openxmlformats.org/officeDocument/2006/relationships" xmlns:p="http://schemas.openxmlformats.org/presentationml/2006/main">
+  <p:cSld>
+    <p:spTree>
+      <p:nvGrpSpPr>
+        <p:cNvPr id="1" name=""/>
+        <p:cNvGrpSpPr/>
+        <p:nvPr/>
+      </p:nvGrpSpPr>
+      <p:grpSpPr>
+        <a:xfrm>
+          <a:off x="0" y="0"/>
+          <a:ext cx="0" cy="0"/>
+          <a:chOff x="0" y="0"/>
+          <a:chExt cx="0" cy="0"/>
+        </a:xfrm>
+      </p:grpSpPr>
+      <p:sp>
+        <p:nvSpPr>
+          <p:cNvPr id="2" name="Slide Image Placeholder 1"/>
+          <p:cNvSpPr>
+            <a:spLocks noGrp="1" noRot="1" noChangeAspect="1"/>
+          </p:cNvSpPr>
+          <p:nvPr>
+            <p:ph type="sldImg"/>
+          </p:nvPr>
+        </p:nvSpPr>
+        <p:spPr/>
+      </p:sp>
+      <p:sp>
+        <p:nvSpPr>
+          <p:cNvPr id="3" name="Notes Placeholder 2"/>
+          <p:cNvSpPr>
+            <a:spLocks noGrp="1"/>
+          </p:cNvSpPr>
+          <p:nvPr>
+            <p:ph type="body" idx="1"/>
+          </p:nvPr>
+        </p:nvSpPr>
+        <p:spPr/>
+        <p:txBody>
+          <a:bodyPr/>
+          <a:lstStyle/>
+          <a:p>
+            <a:endParaRPr lang="en-US" sz="1000" dirty="0"/>
+          </a:p>
+        </p:txBody>
+      </p:sp>
+      <p:sp>
+        <p:nvSpPr>
+          <p:cNvPr id="4" name="Slide Number Placeholder 3"/>
+          <p:cNvSpPr>
+            <a:spLocks noGrp="1"/>
+          </p:cNvSpPr>
+          <p:nvPr>
+            <p:ph type="sldNum" sz="quarter" idx="10"/>
+          </p:nvPr>
+        </p:nvSpPr>
+        <p:spPr/>
+        <p:txBody>
+          <a:bodyPr/>
+          <a:lstStyle/>
+          <a:p>
+            <a:fld id="{5394DE12-7B9B-46AA-AC19-C30A49928B9B}" type="slidenum">
+              <a:rPr lang="en-US" smtClean="0"/>
+              <a:t>31</a:t>
+            </a:fld>
+            <a:endParaRPr lang="en-US" dirty="0"/>
+          </a:p>
+        </p:txBody>
+      </p:sp>
+    </p:spTree>
+    <p:extLst>
+      <p:ext uri="{BB962C8B-B14F-4D97-AF65-F5344CB8AC3E}">
+        <p14:creationId xmlns:p14="http://schemas.microsoft.com/office/powerpoint/2010/main" val="1231578778"/>
+      </p:ext>
+    </p:extLst>
+  </p:cSld>
+  <p:clrMapOvr>
+    <a:masterClrMapping/>
+  </p:clrMapOvr>
+</p:notes>
+</file>
+
+<file path=ppt/notesSlides/notesSlide32.xml><?xml version="1.0" encoding="utf-8"?>
+<p:notes xmlns:a="http://schemas.openxmlformats.org/drawingml/2006/main" xmlns:r="http://schemas.openxmlformats.org/officeDocument/2006/relationships" xmlns:p="http://schemas.openxmlformats.org/presentationml/2006/main">
+  <p:cSld>
+    <p:spTree>
+      <p:nvGrpSpPr>
+        <p:cNvPr id="1" name=""/>
+        <p:cNvGrpSpPr/>
+        <p:nvPr/>
+      </p:nvGrpSpPr>
+      <p:grpSpPr>
+        <a:xfrm>
+          <a:off x="0" y="0"/>
+          <a:ext cx="0" cy="0"/>
+          <a:chOff x="0" y="0"/>
+          <a:chExt cx="0" cy="0"/>
+        </a:xfrm>
+      </p:grpSpPr>
+      <p:sp>
+        <p:nvSpPr>
+          <p:cNvPr id="2" name="Slide Image Placeholder 1"/>
+          <p:cNvSpPr>
+            <a:spLocks noGrp="1" noRot="1" noChangeAspect="1"/>
+          </p:cNvSpPr>
+          <p:nvPr>
+            <p:ph type="sldImg"/>
+          </p:nvPr>
+        </p:nvSpPr>
+        <p:spPr/>
+      </p:sp>
+      <p:sp>
+        <p:nvSpPr>
+          <p:cNvPr id="3" name="Notes Placeholder 2"/>
+          <p:cNvSpPr>
+            <a:spLocks noGrp="1"/>
+          </p:cNvSpPr>
+          <p:nvPr>
+            <p:ph type="body" idx="1"/>
+          </p:nvPr>
+        </p:nvSpPr>
+        <p:spPr/>
+        <p:txBody>
+          <a:bodyPr/>
+          <a:lstStyle/>
+          <a:p>
+            <a:endParaRPr lang="en-US"/>
+          </a:p>
+        </p:txBody>
+      </p:sp>
+      <p:sp>
+        <p:nvSpPr>
+          <p:cNvPr id="4" name="Slide Number Placeholder 3"/>
+          <p:cNvSpPr>
+            <a:spLocks noGrp="1"/>
+          </p:cNvSpPr>
+          <p:nvPr>
+            <p:ph type="sldNum" sz="quarter" idx="10"/>
+          </p:nvPr>
+        </p:nvSpPr>
+        <p:spPr/>
+        <p:txBody>
+          <a:bodyPr/>
+          <a:lstStyle/>
+          <a:p>
+            <a:fld id="{5394DE12-7B9B-46AA-AC19-C30A49928B9B}" type="slidenum">
+              <a:rPr lang="en-US" smtClean="0"/>
+              <a:t>32</a:t>
+            </a:fld>
+            <a:endParaRPr lang="en-US"/>
+          </a:p>
+        </p:txBody>
+      </p:sp>
+    </p:spTree>
+    <p:extLst>
+      <p:ext uri="{BB962C8B-B14F-4D97-AF65-F5344CB8AC3E}">
+        <p14:creationId xmlns:p14="http://schemas.microsoft.com/office/powerpoint/2010/main" val="255305726"/>
+      </p:ext>
+    </p:extLst>
+  </p:cSld>
+  <p:clrMapOvr>
+    <a:masterClrMapping/>
+  </p:clrMapOvr>
+</p:notes>
+</file>
+
+<file path=ppt/notesSlides/notesSlide33.xml><?xml version="1.0" encoding="utf-8"?>
+<p:notes xmlns:a="http://schemas.openxmlformats.org/drawingml/2006/main" xmlns:r="http://schemas.openxmlformats.org/officeDocument/2006/relationships" xmlns:p="http://schemas.openxmlformats.org/presentationml/2006/main">
+  <p:cSld>
+    <p:spTree>
+      <p:nvGrpSpPr>
+        <p:cNvPr id="1" name=""/>
+        <p:cNvGrpSpPr/>
+        <p:nvPr/>
+      </p:nvGrpSpPr>
+      <p:grpSpPr>
+        <a:xfrm>
+          <a:off x="0" y="0"/>
+          <a:ext cx="0" cy="0"/>
+          <a:chOff x="0" y="0"/>
+          <a:chExt cx="0" cy="0"/>
+        </a:xfrm>
+      </p:grpSpPr>
+      <p:sp>
+        <p:nvSpPr>
+          <p:cNvPr id="2" name="Slide Image Placeholder 1"/>
+          <p:cNvSpPr>
+            <a:spLocks noGrp="1" noRot="1" noChangeAspect="1"/>
+          </p:cNvSpPr>
+          <p:nvPr>
+            <p:ph type="sldImg"/>
+          </p:nvPr>
+        </p:nvSpPr>
+        <p:spPr/>
+      </p:sp>
+      <p:sp>
+        <p:nvSpPr>
+          <p:cNvPr id="3" name="Notes Placeholder 2"/>
+          <p:cNvSpPr>
+            <a:spLocks noGrp="1"/>
+          </p:cNvSpPr>
+          <p:nvPr>
+            <p:ph type="body" idx="1"/>
+          </p:nvPr>
+        </p:nvSpPr>
+        <p:spPr/>
+        <p:txBody>
+          <a:bodyPr/>
+          <a:lstStyle/>
+          <a:p>
+            <a:endParaRPr lang="en-US"/>
+          </a:p>
+        </p:txBody>
+      </p:sp>
+      <p:sp>
+        <p:nvSpPr>
+          <p:cNvPr id="4" name="Slide Number Placeholder 3"/>
+          <p:cNvSpPr>
+            <a:spLocks noGrp="1"/>
+          </p:cNvSpPr>
+          <p:nvPr>
+            <p:ph type="sldNum" sz="quarter" idx="10"/>
+          </p:nvPr>
+        </p:nvSpPr>
+        <p:spPr/>
+        <p:txBody>
+          <a:bodyPr/>
+          <a:lstStyle/>
+          <a:p>
+            <a:fld id="{5394DE12-7B9B-46AA-AC19-C30A49928B9B}" type="slidenum">
+              <a:rPr lang="en-US" smtClean="0"/>
+              <a:t>33</a:t>
+            </a:fld>
+            <a:endParaRPr lang="en-US"/>
+          </a:p>
+        </p:txBody>
+      </p:sp>
+    </p:spTree>
+    <p:extLst>
+      <p:ext uri="{BB962C8B-B14F-4D97-AF65-F5344CB8AC3E}">
+        <p14:creationId xmlns:p14="http://schemas.microsoft.com/office/powerpoint/2010/main" val="4109763341"/>
+      </p:ext>
+    </p:extLst>
+  </p:cSld>
+  <p:clrMapOvr>
+    <a:masterClrMapping/>
+  </p:clrMapOvr>
+</p:notes>
+</file>
+
+<file path=ppt/notesSlides/notesSlide34.xml><?xml version="1.0" encoding="utf-8"?>
+<p:notes xmlns:a="http://schemas.openxmlformats.org/drawingml/2006/main" xmlns:r="http://schemas.openxmlformats.org/officeDocument/2006/relationships" xmlns:p="http://schemas.openxmlformats.org/presentationml/2006/main">
+  <p:cSld>
+    <p:spTree>
+      <p:nvGrpSpPr>
+        <p:cNvPr id="1" name=""/>
+        <p:cNvGrpSpPr/>
+        <p:nvPr/>
+      </p:nvGrpSpPr>
+      <p:grpSpPr>
+        <a:xfrm>
+          <a:off x="0" y="0"/>
+          <a:ext cx="0" cy="0"/>
+          <a:chOff x="0" y="0"/>
+          <a:chExt cx="0" cy="0"/>
+        </a:xfrm>
+      </p:grpSpPr>
+      <p:sp>
+        <p:nvSpPr>
+          <p:cNvPr id="2" name="Slide Image Placeholder 1"/>
+          <p:cNvSpPr>
+            <a:spLocks noGrp="1" noRot="1" noChangeAspect="1"/>
+          </p:cNvSpPr>
+          <p:nvPr>
+            <p:ph type="sldImg"/>
+          </p:nvPr>
+        </p:nvSpPr>
+        <p:spPr/>
+      </p:sp>
+      <p:sp>
+        <p:nvSpPr>
+          <p:cNvPr id="3" name="Notes Placeholder 2"/>
+          <p:cNvSpPr>
+            <a:spLocks noGrp="1"/>
+          </p:cNvSpPr>
+          <p:nvPr>
+            <p:ph type="body" idx="1"/>
+          </p:nvPr>
+        </p:nvSpPr>
+        <p:spPr/>
+        <p:txBody>
+          <a:bodyPr/>
+          <a:lstStyle/>
+          <a:p>
+            <a:endParaRPr lang="en-US" sz="1000" dirty="0"/>
+          </a:p>
+        </p:txBody>
+      </p:sp>
+      <p:sp>
+        <p:nvSpPr>
+          <p:cNvPr id="4" name="Slide Number Placeholder 3"/>
+          <p:cNvSpPr>
+            <a:spLocks noGrp="1"/>
+          </p:cNvSpPr>
+          <p:nvPr>
+            <p:ph type="sldNum" sz="quarter" idx="10"/>
+          </p:nvPr>
+        </p:nvSpPr>
+        <p:spPr/>
+        <p:txBody>
+          <a:bodyPr/>
+          <a:lstStyle/>
+          <a:p>
+            <a:fld id="{5394DE12-7B9B-46AA-AC19-C30A49928B9B}" type="slidenum">
+              <a:rPr lang="en-US" smtClean="0"/>
+              <a:t>34</a:t>
+            </a:fld>
+            <a:endParaRPr lang="en-US" dirty="0"/>
+          </a:p>
+        </p:txBody>
+      </p:sp>
+    </p:spTree>
+    <p:extLst>
+      <p:ext uri="{BB962C8B-B14F-4D97-AF65-F5344CB8AC3E}">
+        <p14:creationId xmlns:p14="http://schemas.microsoft.com/office/powerpoint/2010/main" val="4010339127"/>
+      </p:ext>
+    </p:extLst>
+  </p:cSld>
+  <p:clrMapOvr>
+    <a:masterClrMapping/>
+  </p:clrMapOvr>
+</p:notes>
+</file>
+
+<file path=ppt/notesSlides/notesSlide35.xml><?xml version="1.0" encoding="utf-8"?>
+<p:notes xmlns:a="http://schemas.openxmlformats.org/drawingml/2006/main" xmlns:r="http://schemas.openxmlformats.org/officeDocument/2006/relationships" xmlns:p="http://schemas.openxmlformats.org/presentationml/2006/main">
+  <p:cSld>
+    <p:spTree>
+      <p:nvGrpSpPr>
+        <p:cNvPr id="1" name=""/>
+        <p:cNvGrpSpPr/>
+        <p:nvPr/>
+      </p:nvGrpSpPr>
+      <p:grpSpPr>
+        <a:xfrm>
+          <a:off x="0" y="0"/>
+          <a:ext cx="0" cy="0"/>
+          <a:chOff x="0" y="0"/>
+          <a:chExt cx="0" cy="0"/>
+        </a:xfrm>
+      </p:grpSpPr>
+      <p:sp>
+        <p:nvSpPr>
+          <p:cNvPr id="2" name="Slide Image Placeholder 1"/>
+          <p:cNvSpPr>
+            <a:spLocks noGrp="1" noRot="1" noChangeAspect="1"/>
+          </p:cNvSpPr>
+          <p:nvPr>
+            <p:ph type="sldImg"/>
+          </p:nvPr>
+        </p:nvSpPr>
+        <p:spPr/>
+      </p:sp>
+      <p:sp>
+        <p:nvSpPr>
+          <p:cNvPr id="3" name="Notes Placeholder 2"/>
+          <p:cNvSpPr>
+            <a:spLocks noGrp="1"/>
+          </p:cNvSpPr>
+          <p:nvPr>
+            <p:ph type="body" idx="1"/>
+          </p:nvPr>
+        </p:nvSpPr>
+        <p:spPr/>
+        <p:txBody>
+          <a:bodyPr/>
+          <a:lstStyle/>
+          <a:p>
+            <a:pPr marL="0" indent="0">
+              <a:buNone/>
+            </a:pPr>
+            <a:r>
+              <a:rPr lang="en-US" sz="1000" dirty="0"/>
+              <a:t>I intentionally list our assignment first and our learning objectives second. This week our intent is to support our assignment  through our learning objectives, discussion, lecture, and examples… and not the other way around. </a:t>
+            </a:r>
+          </a:p>
+          <a:p>
+            <a:pPr marL="0" indent="0">
+              <a:buNone/>
+            </a:pPr>
+            <a:endParaRPr lang="en-US" sz="1000" dirty="0"/>
+          </a:p>
+          <a:p>
+            <a:pPr marL="0" indent="0">
+              <a:buNone/>
+            </a:pPr>
+            <a:r>
+              <a:rPr lang="en-US" sz="1000" dirty="0"/>
+              <a:t>It is important to understand the concepts, practices, and principles; however, it is </a:t>
+            </a:r>
+            <a:r>
+              <a:rPr lang="en-US" sz="1000" u="sng" dirty="0"/>
+              <a:t>essential</a:t>
+            </a:r>
+            <a:r>
+              <a:rPr lang="en-US" sz="1000" dirty="0"/>
+              <a:t> that we can utilize them to deliver solutions. </a:t>
+            </a:r>
+          </a:p>
+          <a:p>
+            <a:pPr marL="0" indent="0">
+              <a:buNone/>
+            </a:pPr>
+            <a:r>
+              <a:rPr lang="en-US" sz="1000" dirty="0"/>
+              <a:t>The details of </a:t>
+            </a:r>
+            <a:r>
+              <a:rPr lang="en-US" sz="1000" dirty="0" err="1"/>
+              <a:t>FaceDraw</a:t>
+            </a:r>
+            <a:r>
+              <a:rPr lang="en-US" sz="1000" dirty="0"/>
+              <a:t> are provided in this week’s assignment. </a:t>
+            </a:r>
+          </a:p>
+        </p:txBody>
+      </p:sp>
+      <p:sp>
+        <p:nvSpPr>
+          <p:cNvPr id="4" name="Slide Number Placeholder 3"/>
+          <p:cNvSpPr>
+            <a:spLocks noGrp="1"/>
+          </p:cNvSpPr>
+          <p:nvPr>
+            <p:ph type="sldNum" sz="quarter" idx="10"/>
+          </p:nvPr>
+        </p:nvSpPr>
+        <p:spPr/>
+        <p:txBody>
+          <a:bodyPr/>
+          <a:lstStyle/>
+          <a:p>
+            <a:fld id="{5394DE12-7B9B-46AA-AC19-C30A49928B9B}" type="slidenum">
+              <a:rPr lang="en-US" smtClean="0"/>
+              <a:t>35</a:t>
+            </a:fld>
+            <a:endParaRPr lang="en-US"/>
+          </a:p>
+        </p:txBody>
+      </p:sp>
+    </p:spTree>
+    <p:extLst>
+      <p:ext uri="{BB962C8B-B14F-4D97-AF65-F5344CB8AC3E}">
+        <p14:creationId xmlns:p14="http://schemas.microsoft.com/office/powerpoint/2010/main" val="849031050"/>
+      </p:ext>
+    </p:extLst>
+  </p:cSld>
+  <p:clrMapOvr>
+    <a:masterClrMapping/>
+  </p:clrMapOvr>
+</p:notes>
+</file>
+
+<file path=ppt/notesSlides/notesSlide36.xml><?xml version="1.0" encoding="utf-8"?>
+<p:notes xmlns:a="http://schemas.openxmlformats.org/drawingml/2006/main" xmlns:r="http://schemas.openxmlformats.org/officeDocument/2006/relationships" xmlns:p="http://schemas.openxmlformats.org/presentationml/2006/main">
+  <p:cSld>
+    <p:spTree>
+      <p:nvGrpSpPr>
+        <p:cNvPr id="1" name=""/>
+        <p:cNvGrpSpPr/>
+        <p:nvPr/>
+      </p:nvGrpSpPr>
+      <p:grpSpPr>
+        <a:xfrm>
+          <a:off x="0" y="0"/>
+          <a:ext cx="0" cy="0"/>
+          <a:chOff x="0" y="0"/>
+          <a:chExt cx="0" cy="0"/>
+        </a:xfrm>
+      </p:grpSpPr>
+      <p:sp>
+        <p:nvSpPr>
+          <p:cNvPr id="2" name="Slide Image Placeholder 1"/>
+          <p:cNvSpPr>
+            <a:spLocks noGrp="1" noRot="1" noChangeAspect="1"/>
+          </p:cNvSpPr>
+          <p:nvPr>
+            <p:ph type="sldImg"/>
+          </p:nvPr>
+        </p:nvSpPr>
+        <p:spPr/>
+      </p:sp>
+      <p:sp>
+        <p:nvSpPr>
+          <p:cNvPr id="3" name="Notes Placeholder 2"/>
+          <p:cNvSpPr>
+            <a:spLocks noGrp="1"/>
+          </p:cNvSpPr>
+          <p:nvPr>
+            <p:ph type="body" idx="1"/>
+          </p:nvPr>
+        </p:nvSpPr>
+        <p:spPr/>
+        <p:txBody>
+          <a:bodyPr/>
+          <a:lstStyle/>
+          <a:p>
+            <a:endParaRPr lang="en-US"/>
+          </a:p>
+        </p:txBody>
+      </p:sp>
+      <p:sp>
+        <p:nvSpPr>
+          <p:cNvPr id="4" name="Slide Number Placeholder 3"/>
+          <p:cNvSpPr>
+            <a:spLocks noGrp="1"/>
+          </p:cNvSpPr>
+          <p:nvPr>
+            <p:ph type="sldNum" sz="quarter" idx="10"/>
+          </p:nvPr>
+        </p:nvSpPr>
+        <p:spPr/>
+        <p:txBody>
+          <a:bodyPr/>
+          <a:lstStyle/>
+          <a:p>
+            <a:fld id="{5394DE12-7B9B-46AA-AC19-C30A49928B9B}" type="slidenum">
+              <a:rPr lang="en-US" smtClean="0"/>
+              <a:t>36</a:t>
+            </a:fld>
+            <a:endParaRPr lang="en-US"/>
+          </a:p>
+        </p:txBody>
+      </p:sp>
+    </p:spTree>
+    <p:extLst>
+      <p:ext uri="{BB962C8B-B14F-4D97-AF65-F5344CB8AC3E}">
+        <p14:creationId xmlns:p14="http://schemas.microsoft.com/office/powerpoint/2010/main" val="124621447"/>
       </p:ext>
     </p:extLst>
   </p:cSld>
@@ -10919,6 +11645,87 @@
             <a:spLocks noGrp="1"/>
           </p:cNvSpPr>
           <p:nvPr>
+            <p:ph type="title"/>
+          </p:nvPr>
+        </p:nvSpPr>
+        <p:spPr/>
+        <p:txBody>
+          <a:bodyPr/>
+          <a:lstStyle/>
+          <a:p>
+            <a:r>
+              <a:rPr lang="en-US" dirty="0"/>
+              <a:t>Graphical Views &amp; Drawing Shapes</a:t>
+            </a:r>
+          </a:p>
+        </p:txBody>
+      </p:sp>
+      <p:sp>
+        <p:nvSpPr>
+          <p:cNvPr id="3" name="Content Placeholder 2"/>
+          <p:cNvSpPr>
+            <a:spLocks noGrp="1"/>
+          </p:cNvSpPr>
+          <p:nvPr>
+            <p:ph idx="1"/>
+          </p:nvPr>
+        </p:nvSpPr>
+        <p:spPr/>
+        <p:txBody>
+          <a:bodyPr/>
+          <a:lstStyle/>
+          <a:p>
+            <a:endParaRPr lang="en-US"/>
+          </a:p>
+        </p:txBody>
+      </p:sp>
+    </p:spTree>
+    <p:extLst>
+      <p:ext uri="{BB962C8B-B14F-4D97-AF65-F5344CB8AC3E}">
+        <p14:creationId xmlns:p14="http://schemas.microsoft.com/office/powerpoint/2010/main" val="1659416350"/>
+      </p:ext>
+    </p:extLst>
+  </p:cSld>
+  <p:clrMapOvr>
+    <a:masterClrMapping/>
+  </p:clrMapOvr>
+</p:sld>
+</file>
+
+<file path=ppt/slides/slide29.xml><?xml version="1.0" encoding="utf-8"?>
+<p:sld xmlns:a="http://schemas.openxmlformats.org/drawingml/2006/main" xmlns:r="http://schemas.openxmlformats.org/officeDocument/2006/relationships" xmlns:p="http://schemas.openxmlformats.org/presentationml/2006/main">
+  <p:cSld>
+    <p:bg>
+      <p:bgPr>
+        <a:solidFill>
+          <a:schemeClr val="bg1">
+            <a:lumMod val="65000"/>
+          </a:schemeClr>
+        </a:solidFill>
+        <a:effectLst/>
+      </p:bgPr>
+    </p:bg>
+    <p:spTree>
+      <p:nvGrpSpPr>
+        <p:cNvPr id="1" name=""/>
+        <p:cNvGrpSpPr/>
+        <p:nvPr/>
+      </p:nvGrpSpPr>
+      <p:grpSpPr>
+        <a:xfrm>
+          <a:off x="0" y="0"/>
+          <a:ext cx="0" cy="0"/>
+          <a:chOff x="0" y="0"/>
+          <a:chExt cx="0" cy="0"/>
+        </a:xfrm>
+      </p:grpSpPr>
+      <p:sp>
+        <p:nvSpPr>
+          <p:cNvPr id="2" name="Title 1"/>
+          <p:cNvSpPr>
+            <a:spLocks noGrp="1"/>
+          </p:cNvSpPr>
+          <p:nvPr>
             <p:ph type="ctrTitle"/>
           </p:nvPr>
         </p:nvSpPr>
@@ -10980,23 +11787,7 @@
             <a:pPr algn="l"/>
             <a:r>
               <a:rPr lang="en-US" dirty="0"/>
-              <a:t>Session: </a:t>
-            </a:r>
-            <a:r>
-              <a:rPr lang="en-US" dirty="0"/>
-              <a:t>Discussion &amp; Lecture </a:t>
-            </a:r>
-            <a:r>
-              <a:rPr lang="en-US" dirty="0" err="1"/>
-              <a:t>ession</a:t>
-            </a:r>
-            <a:r>
-              <a:rPr lang="en-US" dirty="0"/>
-              <a:t> 3) </a:t>
-            </a:r>
-            <a:r>
-              <a:rPr lang="en-US" dirty="0"/>
-              <a:t>3</a:t>
+              <a:t>Session: Discussion &amp; Lecture (Session 3)</a:t>
             </a:r>
           </a:p>
           <a:p>
@@ -11203,6 +11994,1270 @@
     <p:extLst>
       <p:ext uri="{BB962C8B-B14F-4D97-AF65-F5344CB8AC3E}">
         <p14:creationId xmlns:p14="http://schemas.microsoft.com/office/powerpoint/2010/main" val="1072399538"/>
+      </p:ext>
+    </p:extLst>
+  </p:cSld>
+  <p:clrMapOvr>
+    <a:masterClrMapping/>
+  </p:clrMapOvr>
+</p:sld>
+</file>
+
+<file path=ppt/slides/slide30.xml><?xml version="1.0" encoding="utf-8"?>
+<p:sld xmlns:a="http://schemas.openxmlformats.org/drawingml/2006/main" xmlns:r="http://schemas.openxmlformats.org/officeDocument/2006/relationships" xmlns:p="http://schemas.openxmlformats.org/presentationml/2006/main">
+  <p:cSld>
+    <p:spTree>
+      <p:nvGrpSpPr>
+        <p:cNvPr id="1" name=""/>
+        <p:cNvGrpSpPr/>
+        <p:nvPr/>
+      </p:nvGrpSpPr>
+      <p:grpSpPr>
+        <a:xfrm>
+          <a:off x="0" y="0"/>
+          <a:ext cx="0" cy="0"/>
+          <a:chOff x="0" y="0"/>
+          <a:chExt cx="0" cy="0"/>
+        </a:xfrm>
+      </p:grpSpPr>
+      <p:sp>
+        <p:nvSpPr>
+          <p:cNvPr id="2" name="Title 1"/>
+          <p:cNvSpPr>
+            <a:spLocks noGrp="1"/>
+          </p:cNvSpPr>
+          <p:nvPr>
+            <p:ph type="title"/>
+          </p:nvPr>
+        </p:nvSpPr>
+        <p:spPr>
+          <a:xfrm>
+            <a:off x="838200" y="365126"/>
+            <a:ext cx="6113662" cy="1409174"/>
+          </a:xfrm>
+        </p:spPr>
+        <p:txBody>
+          <a:bodyPr>
+            <a:normAutofit/>
+          </a:bodyPr>
+          <a:lstStyle/>
+          <a:p>
+            <a:r>
+              <a:rPr lang="en-US" sz="3600" dirty="0"/>
+              <a:t>Object-Oriented Programming</a:t>
+            </a:r>
+            <a:br>
+              <a:rPr lang="en-US" sz="3600" dirty="0"/>
+            </a:br>
+            <a:r>
+              <a:rPr lang="en-US" sz="1800" dirty="0"/>
+              <a:t>Week 3 Session 4</a:t>
+            </a:r>
+            <a:br>
+              <a:rPr lang="en-US" sz="1800" dirty="0"/>
+            </a:br>
+            <a:r>
+              <a:rPr lang="en-US" sz="1800" dirty="0"/>
+              <a:t>Eric Pogue</a:t>
+            </a:r>
+            <a:endParaRPr lang="en-US" sz="1800" b="1" i="1" u="sng" dirty="0"/>
+          </a:p>
+        </p:txBody>
+      </p:sp>
+      <p:sp>
+        <p:nvSpPr>
+          <p:cNvPr id="3" name="Content Placeholder 2"/>
+          <p:cNvSpPr>
+            <a:spLocks noGrp="1"/>
+          </p:cNvSpPr>
+          <p:nvPr>
+            <p:ph idx="1"/>
+          </p:nvPr>
+        </p:nvSpPr>
+        <p:spPr>
+          <a:xfrm>
+            <a:off x="838200" y="1943857"/>
+            <a:ext cx="10718950" cy="4571242"/>
+          </a:xfrm>
+        </p:spPr>
+        <p:txBody>
+          <a:bodyPr>
+            <a:noAutofit/>
+          </a:bodyPr>
+          <a:lstStyle/>
+          <a:p>
+            <a:pPr marL="0" indent="0">
+              <a:buNone/>
+            </a:pPr>
+            <a:r>
+              <a:rPr lang="en-US" sz="2000" u="sng" dirty="0"/>
+              <a:t>Agenda:</a:t>
+            </a:r>
+          </a:p>
+          <a:p>
+            <a:pPr marL="457200" indent="-457200">
+              <a:buFont typeface="+mj-lt"/>
+              <a:buAutoNum type="arabicPeriod"/>
+            </a:pPr>
+            <a:r>
+              <a:rPr lang="en-US" sz="2000" dirty="0"/>
+              <a:t>Explain multiple ways to implement an event handler for a particular object and event (anonymous inner classes vs. named classes vs. having the frame itself serve as the handler)</a:t>
+            </a:r>
+          </a:p>
+          <a:p>
+            <a:pPr marL="457200" indent="-457200">
+              <a:buFont typeface="+mj-lt"/>
+              <a:buAutoNum type="arabicPeriod"/>
+            </a:pPr>
+            <a:r>
+              <a:rPr lang="en-US" sz="2000" dirty="0"/>
+              <a:t>Create an event handler that implements the ActionListener interface to respond to the user clicking on a button</a:t>
+            </a:r>
+          </a:p>
+          <a:p>
+            <a:pPr marL="457200" indent="-457200">
+              <a:buFont typeface="+mj-lt"/>
+              <a:buAutoNum type="arabicPeriod"/>
+            </a:pPr>
+            <a:r>
+              <a:rPr lang="en-US" sz="2000" dirty="0"/>
+              <a:t>Wrap-up Session 4 with our original week 3 Learning Objectives and our original overview of our </a:t>
+            </a:r>
+            <a:r>
+              <a:rPr lang="en-US" sz="2000" dirty="0" err="1"/>
+              <a:t>FaceDraw</a:t>
+            </a:r>
+            <a:r>
+              <a:rPr lang="en-US" sz="2000" dirty="0"/>
+              <a:t> programming assignment</a:t>
+            </a:r>
+          </a:p>
+        </p:txBody>
+      </p:sp>
+      <p:pic>
+        <p:nvPicPr>
+          <p:cNvPr id="4" name="Content Placeholder 4"/>
+          <p:cNvPicPr>
+            <a:picLocks noChangeAspect="1"/>
+          </p:cNvPicPr>
+          <p:nvPr/>
+        </p:nvPicPr>
+        <p:blipFill>
+          <a:blip r:embed="rId3"/>
+          <a:stretch>
+            <a:fillRect/>
+          </a:stretch>
+        </p:blipFill>
+        <p:spPr>
+          <a:xfrm>
+            <a:off x="9072894" y="182925"/>
+            <a:ext cx="2656367" cy="1366321"/>
+          </a:xfrm>
+          <a:prstGeom prst="rect">
+            <a:avLst/>
+          </a:prstGeom>
+        </p:spPr>
+      </p:pic>
+    </p:spTree>
+    <p:extLst>
+      <p:ext uri="{BB962C8B-B14F-4D97-AF65-F5344CB8AC3E}">
+        <p14:creationId xmlns:p14="http://schemas.microsoft.com/office/powerpoint/2010/main" val="1617711325"/>
+      </p:ext>
+    </p:extLst>
+  </p:cSld>
+  <p:clrMapOvr>
+    <a:masterClrMapping/>
+  </p:clrMapOvr>
+</p:sld>
+</file>
+
+<file path=ppt/slides/slide31.xml><?xml version="1.0" encoding="utf-8"?>
+<p:sld xmlns:a="http://schemas.openxmlformats.org/drawingml/2006/main" xmlns:r="http://schemas.openxmlformats.org/officeDocument/2006/relationships" xmlns:p="http://schemas.openxmlformats.org/presentationml/2006/main">
+  <p:cSld>
+    <p:spTree>
+      <p:nvGrpSpPr>
+        <p:cNvPr id="1" name=""/>
+        <p:cNvGrpSpPr/>
+        <p:nvPr/>
+      </p:nvGrpSpPr>
+      <p:grpSpPr>
+        <a:xfrm>
+          <a:off x="0" y="0"/>
+          <a:ext cx="0" cy="0"/>
+          <a:chOff x="0" y="0"/>
+          <a:chExt cx="0" cy="0"/>
+        </a:xfrm>
+      </p:grpSpPr>
+      <p:sp>
+        <p:nvSpPr>
+          <p:cNvPr id="2" name="Title 1"/>
+          <p:cNvSpPr>
+            <a:spLocks noGrp="1"/>
+          </p:cNvSpPr>
+          <p:nvPr>
+            <p:ph type="title"/>
+          </p:nvPr>
+        </p:nvSpPr>
+        <p:spPr>
+          <a:xfrm>
+            <a:off x="838200" y="365126"/>
+            <a:ext cx="10515600" cy="757272"/>
+          </a:xfrm>
+        </p:spPr>
+        <p:txBody>
+          <a:bodyPr>
+            <a:normAutofit/>
+          </a:bodyPr>
+          <a:lstStyle/>
+          <a:p>
+            <a:r>
+              <a:rPr lang="en-US" sz="3600" dirty="0"/>
+              <a:t>Learning Objectives – Week 3</a:t>
+            </a:r>
+            <a:endParaRPr lang="en-US" sz="3600" b="1" i="1" u="sng" dirty="0"/>
+          </a:p>
+        </p:txBody>
+      </p:sp>
+      <p:sp>
+        <p:nvSpPr>
+          <p:cNvPr id="3" name="Content Placeholder 2"/>
+          <p:cNvSpPr>
+            <a:spLocks noGrp="1"/>
+          </p:cNvSpPr>
+          <p:nvPr>
+            <p:ph idx="1"/>
+          </p:nvPr>
+        </p:nvSpPr>
+        <p:spPr>
+          <a:xfrm>
+            <a:off x="838200" y="1122398"/>
+            <a:ext cx="10718950" cy="5463343"/>
+          </a:xfrm>
+        </p:spPr>
+        <p:txBody>
+          <a:bodyPr>
+            <a:normAutofit/>
+          </a:bodyPr>
+          <a:lstStyle/>
+          <a:p>
+            <a:pPr marL="457200" indent="-457200">
+              <a:buFont typeface="+mj-lt"/>
+              <a:buAutoNum type="arabicPeriod"/>
+            </a:pPr>
+            <a:r>
+              <a:rPr lang="en-US" sz="2000" dirty="0">
+                <a:solidFill>
+                  <a:schemeClr val="bg1">
+                    <a:lumMod val="65000"/>
+                  </a:schemeClr>
+                </a:solidFill>
+              </a:rPr>
+              <a:t>Explain the difference between lightweight and heavyweight components</a:t>
+            </a:r>
+          </a:p>
+          <a:p>
+            <a:pPr marL="457200" indent="-457200">
+              <a:buFont typeface="+mj-lt"/>
+              <a:buAutoNum type="arabicPeriod"/>
+            </a:pPr>
+            <a:r>
+              <a:rPr lang="en-US" sz="2000" dirty="0">
+                <a:solidFill>
+                  <a:schemeClr val="bg1">
+                    <a:lumMod val="65000"/>
+                  </a:schemeClr>
+                </a:solidFill>
+              </a:rPr>
+              <a:t>Identify lightweight and heavyweight components</a:t>
+            </a:r>
+          </a:p>
+          <a:p>
+            <a:pPr marL="457200" indent="-457200">
+              <a:buFont typeface="+mj-lt"/>
+              <a:buAutoNum type="arabicPeriod"/>
+            </a:pPr>
+            <a:r>
+              <a:rPr lang="en-US" sz="2000" dirty="0">
+                <a:solidFill>
+                  <a:schemeClr val="bg1">
+                    <a:lumMod val="65000"/>
+                  </a:schemeClr>
+                </a:solidFill>
+              </a:rPr>
+              <a:t>Describe how lightweight and heavyweight components render themselves</a:t>
+            </a:r>
+          </a:p>
+          <a:p>
+            <a:pPr marL="457200" indent="-457200">
+              <a:buFont typeface="+mj-lt"/>
+              <a:buAutoNum type="arabicPeriod"/>
+            </a:pPr>
+            <a:r>
+              <a:rPr lang="en-US" sz="2000" dirty="0">
+                <a:solidFill>
+                  <a:schemeClr val="bg1">
+                    <a:lumMod val="65000"/>
+                  </a:schemeClr>
+                </a:solidFill>
+              </a:rPr>
+              <a:t>Identify layout managers for heavyweight and lightweight components</a:t>
+            </a:r>
+          </a:p>
+          <a:p>
+            <a:pPr marL="457200" indent="-457200">
+              <a:buFont typeface="+mj-lt"/>
+              <a:buAutoNum type="arabicPeriod"/>
+            </a:pPr>
+            <a:r>
+              <a:rPr lang="en-US" sz="2000" dirty="0">
+                <a:solidFill>
+                  <a:schemeClr val="bg1">
+                    <a:lumMod val="65000"/>
+                  </a:schemeClr>
+                </a:solidFill>
+              </a:rPr>
+              <a:t>Explain what a layout manager does and identify and describe three of them</a:t>
+            </a:r>
+          </a:p>
+          <a:p>
+            <a:pPr marL="457200" indent="-457200">
+              <a:buFont typeface="+mj-lt"/>
+              <a:buAutoNum type="arabicPeriod"/>
+            </a:pPr>
+            <a:r>
+              <a:rPr lang="en-US" sz="2000" dirty="0">
+                <a:solidFill>
+                  <a:schemeClr val="bg1">
+                    <a:lumMod val="65000"/>
+                  </a:schemeClr>
+                </a:solidFill>
+              </a:rPr>
+              <a:t>Explain how to achieve true Model-View-Controller architecture by removing any reference from the view to the model and from the model to the view</a:t>
+            </a:r>
+          </a:p>
+          <a:p>
+            <a:pPr marL="457200" indent="-457200">
+              <a:buFont typeface="+mj-lt"/>
+              <a:buAutoNum type="arabicPeriod"/>
+            </a:pPr>
+            <a:r>
+              <a:rPr lang="en-US" sz="2000" dirty="0">
+                <a:solidFill>
+                  <a:schemeClr val="bg1">
+                    <a:lumMod val="65000"/>
+                  </a:schemeClr>
+                </a:solidFill>
+              </a:rPr>
+              <a:t>Distinguish between extending a class and implementing an interface</a:t>
+            </a:r>
+          </a:p>
+          <a:p>
+            <a:pPr marL="457200" indent="-457200">
+              <a:buFont typeface="+mj-lt"/>
+              <a:buAutoNum type="arabicPeriod"/>
+            </a:pPr>
+            <a:r>
+              <a:rPr lang="en-US" sz="2000" dirty="0"/>
+              <a:t>Explain multiple ways to implement an event handler for a particular object and event (anonymous inner classes vs. named classes vs. having the frame itself serve as the handler)</a:t>
+            </a:r>
+          </a:p>
+          <a:p>
+            <a:pPr marL="457200" indent="-457200">
+              <a:buFont typeface="+mj-lt"/>
+              <a:buAutoNum type="arabicPeriod"/>
+            </a:pPr>
+            <a:r>
+              <a:rPr lang="en-US" sz="2000" dirty="0"/>
+              <a:t>Create an event handler that implements the ActionListener interface to respond to the user clicking on a button</a:t>
+            </a:r>
+          </a:p>
+          <a:p>
+            <a:pPr marL="457200" indent="-457200">
+              <a:buFont typeface="+mj-lt"/>
+              <a:buAutoNum type="arabicPeriod"/>
+            </a:pPr>
+            <a:r>
+              <a:rPr lang="en-US" sz="2000" dirty="0">
+                <a:solidFill>
+                  <a:schemeClr val="bg1">
+                    <a:lumMod val="65000"/>
+                  </a:schemeClr>
+                </a:solidFill>
+              </a:rPr>
+              <a:t>Use paint and </a:t>
+            </a:r>
+            <a:r>
+              <a:rPr lang="en-US" sz="2000" dirty="0" err="1">
+                <a:solidFill>
+                  <a:schemeClr val="bg1">
+                    <a:lumMod val="65000"/>
+                  </a:schemeClr>
+                </a:solidFill>
+              </a:rPr>
+              <a:t>paintComponent's</a:t>
+            </a:r>
+            <a:r>
+              <a:rPr lang="en-US" sz="2000" dirty="0">
+                <a:solidFill>
+                  <a:schemeClr val="bg1">
+                    <a:lumMod val="65000"/>
+                  </a:schemeClr>
+                </a:solidFill>
+              </a:rPr>
+              <a:t> Graphics object to draw a variety of shapes</a:t>
+            </a:r>
+          </a:p>
+        </p:txBody>
+      </p:sp>
+      <p:sp>
+        <p:nvSpPr>
+          <p:cNvPr id="4" name="Rectangle 3"/>
+          <p:cNvSpPr/>
+          <p:nvPr/>
+        </p:nvSpPr>
+        <p:spPr>
+          <a:xfrm>
+            <a:off x="824026" y="4183913"/>
+            <a:ext cx="10632558" cy="1339701"/>
+          </a:xfrm>
+          <a:prstGeom prst="rect">
+            <a:avLst/>
+          </a:prstGeom>
+          <a:noFill/>
+          <a:ln w="25400">
+            <a:solidFill>
+              <a:schemeClr val="tx1"/>
+            </a:solidFill>
+          </a:ln>
+        </p:spPr>
+        <p:style>
+          <a:lnRef idx="2">
+            <a:schemeClr val="accent1">
+              <a:shade val="50000"/>
+            </a:schemeClr>
+          </a:lnRef>
+          <a:fillRef idx="1">
+            <a:schemeClr val="accent1"/>
+          </a:fillRef>
+          <a:effectRef idx="0">
+            <a:schemeClr val="accent1"/>
+          </a:effectRef>
+          <a:fontRef idx="minor">
+            <a:schemeClr val="lt1"/>
+          </a:fontRef>
+        </p:style>
+        <p:txBody>
+          <a:bodyPr rtlCol="0" anchor="ctr"/>
+          <a:lstStyle/>
+          <a:p>
+            <a:pPr algn="ctr"/>
+            <a:endParaRPr lang="en-US"/>
+          </a:p>
+        </p:txBody>
+      </p:sp>
+    </p:spTree>
+    <p:extLst>
+      <p:ext uri="{BB962C8B-B14F-4D97-AF65-F5344CB8AC3E}">
+        <p14:creationId xmlns:p14="http://schemas.microsoft.com/office/powerpoint/2010/main" val="2881372754"/>
+      </p:ext>
+    </p:extLst>
+  </p:cSld>
+  <p:clrMapOvr>
+    <a:masterClrMapping/>
+  </p:clrMapOvr>
+  <p:timing>
+    <p:tnLst>
+      <p:par>
+        <p:cTn id="1" dur="indefinite" restart="never" nodeType="tmRoot">
+          <p:childTnLst>
+            <p:seq concurrent="1" nextAc="seek">
+              <p:cTn id="2" dur="indefinite" nodeType="mainSeq">
+                <p:childTnLst>
+                  <p:par>
+                    <p:cTn id="3" fill="hold">
+                      <p:stCondLst>
+                        <p:cond delay="indefinite"/>
+                      </p:stCondLst>
+                      <p:childTnLst>
+                        <p:par>
+                          <p:cTn id="4" fill="hold">
+                            <p:stCondLst>
+                              <p:cond delay="0"/>
+                            </p:stCondLst>
+                            <p:childTnLst>
+                              <p:par>
+                                <p:cTn id="5" presetID="2" presetClass="entr" presetSubtype="4" fill="hold" grpId="0" nodeType="clickEffect">
+                                  <p:stCondLst>
+                                    <p:cond delay="0"/>
+                                  </p:stCondLst>
+                                  <p:childTnLst>
+                                    <p:set>
+                                      <p:cBhvr>
+                                        <p:cTn id="6" dur="1" fill="hold">
+                                          <p:stCondLst>
+                                            <p:cond delay="0"/>
+                                          </p:stCondLst>
+                                        </p:cTn>
+                                        <p:tgtEl>
+                                          <p:spTgt spid="4"/>
+                                        </p:tgtEl>
+                                        <p:attrNameLst>
+                                          <p:attrName>style.visibility</p:attrName>
+                                        </p:attrNameLst>
+                                      </p:cBhvr>
+                                      <p:to>
+                                        <p:strVal val="visible"/>
+                                      </p:to>
+                                    </p:set>
+                                    <p:anim calcmode="lin" valueType="num">
+                                      <p:cBhvr additive="base">
+                                        <p:cTn id="7" dur="500" fill="hold"/>
+                                        <p:tgtEl>
+                                          <p:spTgt spid="4"/>
+                                        </p:tgtEl>
+                                        <p:attrNameLst>
+                                          <p:attrName>ppt_x</p:attrName>
+                                        </p:attrNameLst>
+                                      </p:cBhvr>
+                                      <p:tavLst>
+                                        <p:tav tm="0">
+                                          <p:val>
+                                            <p:strVal val="#ppt_x"/>
+                                          </p:val>
+                                        </p:tav>
+                                        <p:tav tm="100000">
+                                          <p:val>
+                                            <p:strVal val="#ppt_x"/>
+                                          </p:val>
+                                        </p:tav>
+                                      </p:tavLst>
+                                    </p:anim>
+                                    <p:anim calcmode="lin" valueType="num">
+                                      <p:cBhvr additive="base">
+                                        <p:cTn id="8" dur="500" fill="hold"/>
+                                        <p:tgtEl>
+                                          <p:spTgt spid="4"/>
+                                        </p:tgtEl>
+                                        <p:attrNameLst>
+                                          <p:attrName>ppt_y</p:attrName>
+                                        </p:attrNameLst>
+                                      </p:cBhvr>
+                                      <p:tavLst>
+                                        <p:tav tm="0">
+                                          <p:val>
+                                            <p:strVal val="1+#ppt_h/2"/>
+                                          </p:val>
+                                        </p:tav>
+                                        <p:tav tm="100000">
+                                          <p:val>
+                                            <p:strVal val="#ppt_y"/>
+                                          </p:val>
+                                        </p:tav>
+                                      </p:tavLst>
+                                    </p:anim>
+                                  </p:childTnLst>
+                                </p:cTn>
+                              </p:par>
+                            </p:childTnLst>
+                          </p:cTn>
+                        </p:par>
+                      </p:childTnLst>
+                    </p:cTn>
+                  </p:par>
+                </p:childTnLst>
+              </p:cTn>
+              <p:prevCondLst>
+                <p:cond evt="onPrev" delay="0">
+                  <p:tgtEl>
+                    <p:sldTgt/>
+                  </p:tgtEl>
+                </p:cond>
+              </p:prevCondLst>
+              <p:nextCondLst>
+                <p:cond evt="onNext" delay="0">
+                  <p:tgtEl>
+                    <p:sldTgt/>
+                  </p:tgtEl>
+                </p:cond>
+              </p:nextCondLst>
+            </p:seq>
+          </p:childTnLst>
+        </p:cTn>
+      </p:par>
+    </p:tnLst>
+    <p:bldLst>
+      <p:bldP spid="4" grpId="0" animBg="1"/>
+    </p:bldLst>
+  </p:timing>
+</p:sld>
+</file>
+
+<file path=ppt/slides/slide32.xml><?xml version="1.0" encoding="utf-8"?>
+<p:sld xmlns:a="http://schemas.openxmlformats.org/drawingml/2006/main" xmlns:r="http://schemas.openxmlformats.org/officeDocument/2006/relationships" xmlns:p="http://schemas.openxmlformats.org/presentationml/2006/main">
+  <p:cSld>
+    <p:spTree>
+      <p:nvGrpSpPr>
+        <p:cNvPr id="1" name=""/>
+        <p:cNvGrpSpPr/>
+        <p:nvPr/>
+      </p:nvGrpSpPr>
+      <p:grpSpPr>
+        <a:xfrm>
+          <a:off x="0" y="0"/>
+          <a:ext cx="0" cy="0"/>
+          <a:chOff x="0" y="0"/>
+          <a:chExt cx="0" cy="0"/>
+        </a:xfrm>
+      </p:grpSpPr>
+      <p:sp>
+        <p:nvSpPr>
+          <p:cNvPr id="2" name="Title 1"/>
+          <p:cNvSpPr>
+            <a:spLocks noGrp="1"/>
+          </p:cNvSpPr>
+          <p:nvPr>
+            <p:ph type="title"/>
+          </p:nvPr>
+        </p:nvSpPr>
+        <p:spPr/>
+        <p:txBody>
+          <a:bodyPr/>
+          <a:lstStyle/>
+          <a:p>
+            <a:r>
+              <a:rPr lang="en-US" dirty="0"/>
+              <a:t>Event Handlers</a:t>
+            </a:r>
+          </a:p>
+        </p:txBody>
+      </p:sp>
+      <p:sp>
+        <p:nvSpPr>
+          <p:cNvPr id="3" name="Content Placeholder 2"/>
+          <p:cNvSpPr>
+            <a:spLocks noGrp="1"/>
+          </p:cNvSpPr>
+          <p:nvPr>
+            <p:ph idx="1"/>
+          </p:nvPr>
+        </p:nvSpPr>
+        <p:spPr/>
+        <p:txBody>
+          <a:bodyPr/>
+          <a:lstStyle/>
+          <a:p>
+            <a:endParaRPr lang="en-US"/>
+          </a:p>
+        </p:txBody>
+      </p:sp>
+    </p:spTree>
+    <p:extLst>
+      <p:ext uri="{BB962C8B-B14F-4D97-AF65-F5344CB8AC3E}">
+        <p14:creationId xmlns:p14="http://schemas.microsoft.com/office/powerpoint/2010/main" val="3276872850"/>
+      </p:ext>
+    </p:extLst>
+  </p:cSld>
+  <p:clrMapOvr>
+    <a:masterClrMapping/>
+  </p:clrMapOvr>
+</p:sld>
+</file>
+
+<file path=ppt/slides/slide33.xml><?xml version="1.0" encoding="utf-8"?>
+<p:sld xmlns:a="http://schemas.openxmlformats.org/drawingml/2006/main" xmlns:r="http://schemas.openxmlformats.org/officeDocument/2006/relationships" xmlns:p="http://schemas.openxmlformats.org/presentationml/2006/main">
+  <p:cSld>
+    <p:spTree>
+      <p:nvGrpSpPr>
+        <p:cNvPr id="1" name=""/>
+        <p:cNvGrpSpPr/>
+        <p:nvPr/>
+      </p:nvGrpSpPr>
+      <p:grpSpPr>
+        <a:xfrm>
+          <a:off x="0" y="0"/>
+          <a:ext cx="0" cy="0"/>
+          <a:chOff x="0" y="0"/>
+          <a:chExt cx="0" cy="0"/>
+        </a:xfrm>
+      </p:grpSpPr>
+      <p:sp>
+        <p:nvSpPr>
+          <p:cNvPr id="2" name="Title 1"/>
+          <p:cNvSpPr>
+            <a:spLocks noGrp="1"/>
+          </p:cNvSpPr>
+          <p:nvPr>
+            <p:ph type="title"/>
+          </p:nvPr>
+        </p:nvSpPr>
+        <p:spPr/>
+        <p:txBody>
+          <a:bodyPr/>
+          <a:lstStyle/>
+          <a:p>
+            <a:r>
+              <a:rPr lang="en-US" dirty="0"/>
+              <a:t>Action Listeners</a:t>
+            </a:r>
+          </a:p>
+        </p:txBody>
+      </p:sp>
+      <p:sp>
+        <p:nvSpPr>
+          <p:cNvPr id="3" name="Content Placeholder 2"/>
+          <p:cNvSpPr>
+            <a:spLocks noGrp="1"/>
+          </p:cNvSpPr>
+          <p:nvPr>
+            <p:ph idx="1"/>
+          </p:nvPr>
+        </p:nvSpPr>
+        <p:spPr/>
+        <p:txBody>
+          <a:bodyPr/>
+          <a:lstStyle/>
+          <a:p>
+            <a:endParaRPr lang="en-US"/>
+          </a:p>
+        </p:txBody>
+      </p:sp>
+    </p:spTree>
+    <p:extLst>
+      <p:ext uri="{BB962C8B-B14F-4D97-AF65-F5344CB8AC3E}">
+        <p14:creationId xmlns:p14="http://schemas.microsoft.com/office/powerpoint/2010/main" val="893141498"/>
+      </p:ext>
+    </p:extLst>
+  </p:cSld>
+  <p:clrMapOvr>
+    <a:masterClrMapping/>
+  </p:clrMapOvr>
+</p:sld>
+</file>
+
+<file path=ppt/slides/slide34.xml><?xml version="1.0" encoding="utf-8"?>
+<p:sld xmlns:a="http://schemas.openxmlformats.org/drawingml/2006/main" xmlns:r="http://schemas.openxmlformats.org/officeDocument/2006/relationships" xmlns:p="http://schemas.openxmlformats.org/presentationml/2006/main">
+  <p:cSld>
+    <p:spTree>
+      <p:nvGrpSpPr>
+        <p:cNvPr id="1" name=""/>
+        <p:cNvGrpSpPr/>
+        <p:nvPr/>
+      </p:nvGrpSpPr>
+      <p:grpSpPr>
+        <a:xfrm>
+          <a:off x="0" y="0"/>
+          <a:ext cx="0" cy="0"/>
+          <a:chOff x="0" y="0"/>
+          <a:chExt cx="0" cy="0"/>
+        </a:xfrm>
+      </p:grpSpPr>
+      <p:sp>
+        <p:nvSpPr>
+          <p:cNvPr id="2" name="Title 1"/>
+          <p:cNvSpPr>
+            <a:spLocks noGrp="1"/>
+          </p:cNvSpPr>
+          <p:nvPr>
+            <p:ph type="title"/>
+          </p:nvPr>
+        </p:nvSpPr>
+        <p:spPr>
+          <a:xfrm>
+            <a:off x="838200" y="365126"/>
+            <a:ext cx="10515600" cy="757272"/>
+          </a:xfrm>
+        </p:spPr>
+        <p:txBody>
+          <a:bodyPr>
+            <a:normAutofit/>
+          </a:bodyPr>
+          <a:lstStyle/>
+          <a:p>
+            <a:r>
+              <a:rPr lang="en-US" sz="3600" dirty="0"/>
+              <a:t>Learning Objectives – Week 3</a:t>
+            </a:r>
+            <a:endParaRPr lang="en-US" sz="3600" b="1" i="1" u="sng" dirty="0"/>
+          </a:p>
+        </p:txBody>
+      </p:sp>
+      <p:sp>
+        <p:nvSpPr>
+          <p:cNvPr id="3" name="Content Placeholder 2"/>
+          <p:cNvSpPr>
+            <a:spLocks noGrp="1"/>
+          </p:cNvSpPr>
+          <p:nvPr>
+            <p:ph idx="1"/>
+          </p:nvPr>
+        </p:nvSpPr>
+        <p:spPr>
+          <a:xfrm>
+            <a:off x="838200" y="1122398"/>
+            <a:ext cx="10718950" cy="5463343"/>
+          </a:xfrm>
+        </p:spPr>
+        <p:txBody>
+          <a:bodyPr>
+            <a:normAutofit/>
+          </a:bodyPr>
+          <a:lstStyle/>
+          <a:p>
+            <a:pPr marL="457200" indent="-457200">
+              <a:buFont typeface="+mj-lt"/>
+              <a:buAutoNum type="arabicPeriod"/>
+            </a:pPr>
+            <a:r>
+              <a:rPr lang="en-US" sz="2000" dirty="0"/>
+              <a:t>Explain the difference between lightweight and heavyweight components</a:t>
+            </a:r>
+          </a:p>
+          <a:p>
+            <a:pPr marL="457200" indent="-457200">
+              <a:buFont typeface="+mj-lt"/>
+              <a:buAutoNum type="arabicPeriod"/>
+            </a:pPr>
+            <a:r>
+              <a:rPr lang="en-US" sz="2000" dirty="0"/>
+              <a:t>Identify lightweight and heavyweight components</a:t>
+            </a:r>
+          </a:p>
+          <a:p>
+            <a:pPr marL="457200" indent="-457200">
+              <a:buFont typeface="+mj-lt"/>
+              <a:buAutoNum type="arabicPeriod"/>
+            </a:pPr>
+            <a:r>
+              <a:rPr lang="en-US" sz="2000" dirty="0"/>
+              <a:t>Describe how lightweight and heavyweight components render themselves</a:t>
+            </a:r>
+          </a:p>
+          <a:p>
+            <a:pPr marL="457200" indent="-457200">
+              <a:buFont typeface="+mj-lt"/>
+              <a:buAutoNum type="arabicPeriod"/>
+            </a:pPr>
+            <a:r>
+              <a:rPr lang="en-US" sz="2000" dirty="0"/>
+              <a:t>Identify layout managers for heavyweight and lightweight components</a:t>
+            </a:r>
+          </a:p>
+          <a:p>
+            <a:pPr marL="457200" indent="-457200">
+              <a:buFont typeface="+mj-lt"/>
+              <a:buAutoNum type="arabicPeriod"/>
+            </a:pPr>
+            <a:r>
+              <a:rPr lang="en-US" sz="2000" dirty="0"/>
+              <a:t>Explain what a layout manager does and identify and describe three of them</a:t>
+            </a:r>
+          </a:p>
+          <a:p>
+            <a:pPr marL="457200" indent="-457200">
+              <a:buFont typeface="+mj-lt"/>
+              <a:buAutoNum type="arabicPeriod"/>
+            </a:pPr>
+            <a:r>
+              <a:rPr lang="en-US" sz="2000" dirty="0"/>
+              <a:t>Explain how to achieve true Model-View-Controller architecture by removing any reference from the view to the model and from the model to the view</a:t>
+            </a:r>
+          </a:p>
+          <a:p>
+            <a:pPr marL="457200" indent="-457200">
+              <a:buFont typeface="+mj-lt"/>
+              <a:buAutoNum type="arabicPeriod"/>
+            </a:pPr>
+            <a:r>
+              <a:rPr lang="en-US" sz="2000" dirty="0"/>
+              <a:t>Distinguish between extending a class and implementing an interface</a:t>
+            </a:r>
+          </a:p>
+          <a:p>
+            <a:pPr marL="457200" indent="-457200">
+              <a:buFont typeface="+mj-lt"/>
+              <a:buAutoNum type="arabicPeriod"/>
+            </a:pPr>
+            <a:r>
+              <a:rPr lang="en-US" sz="2000" dirty="0"/>
+              <a:t>Explain multiple ways to implement an event handler for a particular object and event (anonymous inner classes vs. named classes vs. having the frame itself serve as the handler)</a:t>
+            </a:r>
+          </a:p>
+          <a:p>
+            <a:pPr marL="457200" indent="-457200">
+              <a:buFont typeface="+mj-lt"/>
+              <a:buAutoNum type="arabicPeriod"/>
+            </a:pPr>
+            <a:r>
+              <a:rPr lang="en-US" sz="2000" dirty="0"/>
+              <a:t>Create an event handler that implements the ActionListener interface to respond to the user clicking on a button</a:t>
+            </a:r>
+          </a:p>
+          <a:p>
+            <a:pPr marL="457200" indent="-457200">
+              <a:buFont typeface="+mj-lt"/>
+              <a:buAutoNum type="arabicPeriod"/>
+            </a:pPr>
+            <a:r>
+              <a:rPr lang="en-US" sz="2000" dirty="0"/>
+              <a:t>Use paint and </a:t>
+            </a:r>
+            <a:r>
+              <a:rPr lang="en-US" sz="2000" dirty="0" err="1"/>
+              <a:t>paintComponent's</a:t>
+            </a:r>
+            <a:r>
+              <a:rPr lang="en-US" sz="2000" dirty="0"/>
+              <a:t> Graphics object to draw a variety of shapes</a:t>
+            </a:r>
+          </a:p>
+        </p:txBody>
+      </p:sp>
+    </p:spTree>
+    <p:extLst>
+      <p:ext uri="{BB962C8B-B14F-4D97-AF65-F5344CB8AC3E}">
+        <p14:creationId xmlns:p14="http://schemas.microsoft.com/office/powerpoint/2010/main" val="455343880"/>
+      </p:ext>
+    </p:extLst>
+  </p:cSld>
+  <p:clrMapOvr>
+    <a:masterClrMapping/>
+  </p:clrMapOvr>
+</p:sld>
+</file>
+
+<file path=ppt/slides/slide35.xml><?xml version="1.0" encoding="utf-8"?>
+<p:sld xmlns:a="http://schemas.openxmlformats.org/drawingml/2006/main" xmlns:r="http://schemas.openxmlformats.org/officeDocument/2006/relationships" xmlns:p="http://schemas.openxmlformats.org/presentationml/2006/main">
+  <p:cSld>
+    <p:spTree>
+      <p:nvGrpSpPr>
+        <p:cNvPr id="1" name=""/>
+        <p:cNvGrpSpPr/>
+        <p:nvPr/>
+      </p:nvGrpSpPr>
+      <p:grpSpPr>
+        <a:xfrm>
+          <a:off x="0" y="0"/>
+          <a:ext cx="0" cy="0"/>
+          <a:chOff x="0" y="0"/>
+          <a:chExt cx="0" cy="0"/>
+        </a:xfrm>
+      </p:grpSpPr>
+      <p:sp>
+        <p:nvSpPr>
+          <p:cNvPr id="2" name="Title 1"/>
+          <p:cNvSpPr>
+            <a:spLocks noGrp="1"/>
+          </p:cNvSpPr>
+          <p:nvPr>
+            <p:ph type="title"/>
+          </p:nvPr>
+        </p:nvSpPr>
+        <p:spPr>
+          <a:xfrm>
+            <a:off x="838200" y="365125"/>
+            <a:ext cx="10411047" cy="1325563"/>
+          </a:xfrm>
+        </p:spPr>
+        <p:txBody>
+          <a:bodyPr>
+            <a:normAutofit/>
+          </a:bodyPr>
+          <a:lstStyle/>
+          <a:p>
+            <a:r>
+              <a:rPr lang="en-US" sz="3600" dirty="0" err="1"/>
+              <a:t>FaceDraw</a:t>
+            </a:r>
+            <a:r>
+              <a:rPr lang="en-US" sz="3600" dirty="0"/>
+              <a:t> Assignment  &amp; Learning Objectives</a:t>
+            </a:r>
+          </a:p>
+        </p:txBody>
+      </p:sp>
+      <p:sp>
+        <p:nvSpPr>
+          <p:cNvPr id="3" name="Content Placeholder 2"/>
+          <p:cNvSpPr>
+            <a:spLocks noGrp="1"/>
+          </p:cNvSpPr>
+          <p:nvPr>
+            <p:ph idx="1"/>
+          </p:nvPr>
+        </p:nvSpPr>
+        <p:spPr>
+          <a:xfrm>
+            <a:off x="838199" y="1549178"/>
+            <a:ext cx="10453578" cy="4783519"/>
+          </a:xfrm>
+        </p:spPr>
+        <p:txBody>
+          <a:bodyPr>
+            <a:normAutofit/>
+          </a:bodyPr>
+          <a:lstStyle/>
+          <a:p>
+            <a:pPr marL="0" indent="0">
+              <a:buNone/>
+            </a:pPr>
+            <a:r>
+              <a:rPr lang="en-US" sz="2000" u="sng" dirty="0" err="1"/>
+              <a:t>FaceDraw</a:t>
+            </a:r>
+            <a:r>
+              <a:rPr lang="en-US" sz="2000" u="sng" dirty="0"/>
+              <a:t> and Learning Objectives</a:t>
+            </a:r>
+            <a:r>
+              <a:rPr lang="en-US" sz="2000" dirty="0"/>
+              <a:t>: </a:t>
+            </a:r>
+            <a:r>
+              <a:rPr lang="en-US" sz="2000" dirty="0" err="1"/>
+              <a:t>FaceDraw</a:t>
+            </a:r>
+            <a:r>
+              <a:rPr lang="en-US" sz="2000" dirty="0"/>
+              <a:t> will be a challenging assignment this week. Our Learning Objects, Discussion, Lecture, and Examples will all be focused on helping you complete the assignment and learn the key concepts through delivering a concrete example. </a:t>
+            </a:r>
+          </a:p>
+          <a:p>
+            <a:pPr marL="0" indent="0">
+              <a:buNone/>
+            </a:pPr>
+            <a:r>
+              <a:rPr lang="en-US" sz="2000" dirty="0"/>
+              <a:t>In </a:t>
+            </a:r>
+            <a:r>
+              <a:rPr lang="en-US" sz="2000" dirty="0" err="1"/>
+              <a:t>FaceDraw</a:t>
+            </a:r>
+            <a:r>
+              <a:rPr lang="en-US" sz="2000" dirty="0"/>
+              <a:t> we will:</a:t>
+            </a:r>
+          </a:p>
+          <a:p>
+            <a:pPr marL="457200" indent="-457200">
+              <a:buFont typeface="+mj-lt"/>
+              <a:buAutoNum type="arabicPeriod"/>
+            </a:pPr>
+            <a:r>
+              <a:rPr lang="en-US" sz="2000" dirty="0"/>
+              <a:t>Create an application in Java that draws random faces on a window</a:t>
+            </a:r>
+          </a:p>
+          <a:p>
+            <a:pPr marL="457200" indent="-457200">
+              <a:buFont typeface="+mj-lt"/>
+              <a:buAutoNum type="arabicPeriod"/>
+            </a:pPr>
+            <a:r>
+              <a:rPr lang="en-US" sz="2000" dirty="0"/>
+              <a:t>Generate a random number between 3 &amp; 10 and draw that many faces</a:t>
+            </a:r>
+          </a:p>
+          <a:p>
+            <a:pPr marL="457200" indent="-457200">
+              <a:buFont typeface="+mj-lt"/>
+              <a:buAutoNum type="arabicPeriod"/>
+            </a:pPr>
+            <a:r>
+              <a:rPr lang="en-US" sz="2000" dirty="0"/>
+              <a:t>Randomly generate reasonable and visually appealing face</a:t>
+            </a:r>
+          </a:p>
+          <a:p>
+            <a:pPr marL="457200" indent="-457200">
+              <a:buFont typeface="+mj-lt"/>
+              <a:buAutoNum type="arabicPeriod"/>
+            </a:pPr>
+            <a:r>
+              <a:rPr lang="en-US" sz="2000" dirty="0"/>
+              <a:t>Position itself to a reasonable size and location</a:t>
+            </a:r>
+          </a:p>
+          <a:p>
+            <a:pPr marL="457200" indent="-457200">
+              <a:buFont typeface="+mj-lt"/>
+              <a:buAutoNum type="arabicPeriod"/>
+            </a:pPr>
+            <a:r>
+              <a:rPr lang="en-US" sz="2000" dirty="0"/>
+              <a:t>Draw all faces so they are entirely within the window. </a:t>
+            </a:r>
+          </a:p>
+          <a:p>
+            <a:pPr marL="457200" indent="-457200">
+              <a:buFont typeface="+mj-lt"/>
+              <a:buAutoNum type="arabicPeriod"/>
+            </a:pPr>
+            <a:r>
+              <a:rPr lang="en-US" sz="2000" dirty="0"/>
+              <a:t>Draw each face with two eyes and a mouth. </a:t>
+            </a:r>
+          </a:p>
+          <a:p>
+            <a:pPr marL="457200" indent="-457200">
+              <a:buFont typeface="+mj-lt"/>
+              <a:buAutoNum type="arabicPeriod"/>
+            </a:pPr>
+            <a:r>
+              <a:rPr lang="en-US" sz="2000" dirty="0"/>
+              <a:t>The mouth should be randomly smiling, frowning, or in-between</a:t>
+            </a:r>
+          </a:p>
+        </p:txBody>
+      </p:sp>
+      <p:pic>
+        <p:nvPicPr>
+          <p:cNvPr id="4" name="Picture 3"/>
+          <p:cNvPicPr>
+            <a:picLocks noChangeAspect="1"/>
+          </p:cNvPicPr>
+          <p:nvPr/>
+        </p:nvPicPr>
+        <p:blipFill>
+          <a:blip r:embed="rId3"/>
+          <a:stretch>
+            <a:fillRect/>
+          </a:stretch>
+        </p:blipFill>
+        <p:spPr>
+          <a:xfrm>
+            <a:off x="8760798" y="2477718"/>
+            <a:ext cx="3096276" cy="3120324"/>
+          </a:xfrm>
+          <a:prstGeom prst="rect">
+            <a:avLst/>
+          </a:prstGeom>
+        </p:spPr>
+      </p:pic>
+    </p:spTree>
+    <p:extLst>
+      <p:ext uri="{BB962C8B-B14F-4D97-AF65-F5344CB8AC3E}">
+        <p14:creationId xmlns:p14="http://schemas.microsoft.com/office/powerpoint/2010/main" val="1001494071"/>
+      </p:ext>
+    </p:extLst>
+  </p:cSld>
+  <p:clrMapOvr>
+    <a:masterClrMapping/>
+  </p:clrMapOvr>
+</p:sld>
+</file>
+
+<file path=ppt/slides/slide36.xml><?xml version="1.0" encoding="utf-8"?>
+<p:sld xmlns:a="http://schemas.openxmlformats.org/drawingml/2006/main" xmlns:r="http://schemas.openxmlformats.org/officeDocument/2006/relationships" xmlns:p="http://schemas.openxmlformats.org/presentationml/2006/main">
+  <p:cSld>
+    <p:bg>
+      <p:bgPr>
+        <a:solidFill>
+          <a:schemeClr val="bg1">
+            <a:lumMod val="65000"/>
+          </a:schemeClr>
+        </a:solidFill>
+        <a:effectLst/>
+      </p:bgPr>
+    </p:bg>
+    <p:spTree>
+      <p:nvGrpSpPr>
+        <p:cNvPr id="1" name=""/>
+        <p:cNvGrpSpPr/>
+        <p:nvPr/>
+      </p:nvGrpSpPr>
+      <p:grpSpPr>
+        <a:xfrm>
+          <a:off x="0" y="0"/>
+          <a:ext cx="0" cy="0"/>
+          <a:chOff x="0" y="0"/>
+          <a:chExt cx="0" cy="0"/>
+        </a:xfrm>
+      </p:grpSpPr>
+      <p:sp>
+        <p:nvSpPr>
+          <p:cNvPr id="2" name="Title 1"/>
+          <p:cNvSpPr>
+            <a:spLocks noGrp="1"/>
+          </p:cNvSpPr>
+          <p:nvPr>
+            <p:ph type="ctrTitle"/>
+          </p:nvPr>
+        </p:nvSpPr>
+        <p:spPr>
+          <a:xfrm>
+            <a:off x="1524000" y="1122363"/>
+            <a:ext cx="9144000" cy="2387600"/>
+          </a:xfrm>
+        </p:spPr>
+        <p:txBody>
+          <a:bodyPr>
+            <a:normAutofit/>
+          </a:bodyPr>
+          <a:lstStyle/>
+          <a:p>
+            <a:r>
+              <a:rPr lang="en-US" sz="4800" dirty="0"/>
+              <a:t>End of Session</a:t>
+            </a:r>
+          </a:p>
+        </p:txBody>
+      </p:sp>
+      <p:sp>
+        <p:nvSpPr>
+          <p:cNvPr id="3" name="Subtitle 2"/>
+          <p:cNvSpPr>
+            <a:spLocks noGrp="1"/>
+          </p:cNvSpPr>
+          <p:nvPr>
+            <p:ph type="subTitle" idx="1"/>
+          </p:nvPr>
+        </p:nvSpPr>
+        <p:spPr>
+          <a:xfrm>
+            <a:off x="1524000" y="3602038"/>
+            <a:ext cx="9144000" cy="2198022"/>
+          </a:xfrm>
+        </p:spPr>
+        <p:txBody>
+          <a:bodyPr>
+            <a:normAutofit/>
+          </a:bodyPr>
+          <a:lstStyle/>
+          <a:p>
+            <a:pPr algn="l"/>
+            <a:r>
+              <a:rPr lang="en-US" dirty="0"/>
+              <a:t>Course Number: CPSC-24500</a:t>
+            </a:r>
+          </a:p>
+          <a:p>
+            <a:pPr algn="l"/>
+            <a:r>
+              <a:rPr lang="en-US" dirty="0"/>
+              <a:t>Week: 3</a:t>
+            </a:r>
+          </a:p>
+          <a:p>
+            <a:pPr algn="l"/>
+            <a:r>
+              <a:rPr lang="en-US" dirty="0"/>
+              <a:t>Session: 4</a:t>
+            </a:r>
+          </a:p>
+          <a:p>
+            <a:pPr algn="l"/>
+            <a:r>
+              <a:rPr lang="en-US" dirty="0"/>
+              <a:t>Instructor: Eric Pogue</a:t>
+            </a:r>
+          </a:p>
+        </p:txBody>
+      </p:sp>
+    </p:spTree>
+    <p:extLst>
+      <p:ext uri="{BB962C8B-B14F-4D97-AF65-F5344CB8AC3E}">
+        <p14:creationId xmlns:p14="http://schemas.microsoft.com/office/powerpoint/2010/main" val="3313884870"/>
       </p:ext>
     </p:extLst>
   </p:cSld>
@@ -13125,6 +15180,21 @@
 </file>
 
 <file path=customXml/item1.xml><?xml version="1.0" encoding="utf-8"?>
+<?mso-contentType ?>
+<FormTemplates xmlns="http://schemas.microsoft.com/sharepoint/v3/contenttype/forms">
+  <Display>DocumentLibraryForm</Display>
+  <Edit>DocumentLibraryForm</Edit>
+  <New>DocumentLibraryForm</New>
+</FormTemplates>
+</file>
+
+<file path=customXml/item2.xml><?xml version="1.0" encoding="utf-8"?>
+<p:properties xmlns:p="http://schemas.microsoft.com/office/2006/metadata/properties" xmlns:xsi="http://www.w3.org/2001/XMLSchema-instance" xmlns:pc="http://schemas.microsoft.com/office/infopath/2007/PartnerControls">
+  <documentManagement/>
+</p:properties>
+</file>
+
+<file path=customXml/item3.xml><?xml version="1.0" encoding="utf-8"?>
 <ct:contentTypeSchema xmlns:ct="http://schemas.microsoft.com/office/2006/metadata/contentType" xmlns:ma="http://schemas.microsoft.com/office/2006/metadata/properties/metaAttributes" ct:_="" ma:_="" ma:contentTypeName="Document" ma:contentTypeID="0x0101004E7FF26E314236448B954F3A97640002" ma:contentTypeVersion="0" ma:contentTypeDescription="Create a new document." ma:contentTypeScope="" ma:versionID="dcd134f7ef3b1aa8a267b1d1a9f0b332">
   <xsd:schema xmlns:xsd="http://www.w3.org/2001/XMLSchema" xmlns:xs="http://www.w3.org/2001/XMLSchema" xmlns:p="http://schemas.microsoft.com/office/2006/metadata/properties" targetNamespace="http://schemas.microsoft.com/office/2006/metadata/properties" ma:root="true" ma:fieldsID="fad425956ca267ea5e6d723b3f3bd6f1">
     <xsd:element name="properties">
@@ -13238,22 +15308,30 @@
 </ct:contentTypeSchema>
 </file>
 
-<file path=customXml/item2.xml><?xml version="1.0" encoding="utf-8"?>
-<p:properties xmlns:p="http://schemas.microsoft.com/office/2006/metadata/properties" xmlns:xsi="http://www.w3.org/2001/XMLSchema-instance" xmlns:pc="http://schemas.microsoft.com/office/infopath/2007/PartnerControls">
-  <documentManagement/>
-</p:properties>
+<file path=customXml/itemProps1.xml><?xml version="1.0" encoding="utf-8"?>
+<ds:datastoreItem xmlns:ds="http://schemas.openxmlformats.org/officeDocument/2006/customXml" ds:itemID="{87FD8B20-B89A-4B23-9329-175195DD4D8A}">
+  <ds:schemaRefs>
+    <ds:schemaRef ds:uri="http://schemas.microsoft.com/sharepoint/v3/contenttype/forms"/>
+  </ds:schemaRefs>
+</ds:datastoreItem>
 </file>
 
-<file path=customXml/item3.xml><?xml version="1.0" encoding="utf-8"?>
-<?mso-contentType ?>
-<FormTemplates xmlns="http://schemas.microsoft.com/sharepoint/v3/contenttype/forms">
-  <Display>DocumentLibraryForm</Display>
-  <Edit>DocumentLibraryForm</Edit>
-  <New>DocumentLibraryForm</New>
-</FormTemplates>
+<file path=customXml/itemProps2.xml><?xml version="1.0" encoding="utf-8"?>
+<ds:datastoreItem xmlns:ds="http://schemas.openxmlformats.org/officeDocument/2006/customXml" ds:itemID="{3473EA1A-2744-48E8-B2A3-4F89C0FC849C}">
+  <ds:schemaRefs>
+    <ds:schemaRef ds:uri="http://purl.org/dc/elements/1.1/"/>
+    <ds:schemaRef ds:uri="http://schemas.microsoft.com/office/2006/documentManagement/types"/>
+    <ds:schemaRef ds:uri="http://purl.org/dc/terms/"/>
+    <ds:schemaRef ds:uri="http://schemas.openxmlformats.org/package/2006/metadata/core-properties"/>
+    <ds:schemaRef ds:uri="http://purl.org/dc/dcmitype/"/>
+    <ds:schemaRef ds:uri="http://schemas.microsoft.com/office/infopath/2007/PartnerControls"/>
+    <ds:schemaRef ds:uri="http://schemas.microsoft.com/office/2006/metadata/properties"/>
+    <ds:schemaRef ds:uri="http://www.w3.org/XML/1998/namespace"/>
+  </ds:schemaRefs>
+</ds:datastoreItem>
 </file>
 
-<file path=customXml/itemProps1.xml><?xml version="1.0" encoding="utf-8"?>
+<file path=customXml/itemProps3.xml><?xml version="1.0" encoding="utf-8"?>
 <ds:datastoreItem xmlns:ds="http://schemas.openxmlformats.org/officeDocument/2006/customXml" ds:itemID="{A906A71E-D2C6-4CAA-8E79-10C504BC5F58}">
   <ds:schemaRefs>
     <ds:schemaRef ds:uri="http://schemas.microsoft.com/office/2006/metadata/contentType"/>
@@ -13267,27 +15345,4 @@
     <ds:schemaRef ds:uri="http://schemas.microsoft.com/office/infopath/2007/PartnerControls"/>
   </ds:schemaRefs>
 </ds:datastoreItem>
-</file>
-
-<file path=customXml/itemProps2.xml><?xml version="1.0" encoding="utf-8"?>
-<ds:datastoreItem xmlns:ds="http://schemas.openxmlformats.org/officeDocument/2006/customXml" ds:itemID="{3473EA1A-2744-48E8-B2A3-4F89C0FC849C}">
-  <ds:schemaRefs>
-    <ds:schemaRef ds:uri="http://purl.org/dc/terms/"/>
-    <ds:schemaRef ds:uri="http://purl.org/dc/dcmitype/"/>
-    <ds:schemaRef ds:uri="http://www.w3.org/XML/1998/namespace"/>
-    <ds:schemaRef ds:uri="http://schemas.microsoft.com/office/2006/documentManagement/types"/>
-    <ds:schemaRef ds:uri="http://purl.org/dc/elements/1.1/"/>
-    <ds:schemaRef ds:uri="http://schemas.microsoft.com/office/2006/metadata/properties"/>
-    <ds:schemaRef ds:uri="http://schemas.microsoft.com/office/infopath/2007/PartnerControls"/>
-    <ds:schemaRef ds:uri="http://schemas.openxmlformats.org/package/2006/metadata/core-properties"/>
-  </ds:schemaRefs>
-</ds:datastoreItem>
-</file>
-
-<file path=customXml/itemProps3.xml><?xml version="1.0" encoding="utf-8"?>
-<ds:datastoreItem xmlns:ds="http://schemas.openxmlformats.org/officeDocument/2006/customXml" ds:itemID="{87FD8B20-B89A-4B23-9329-175195DD4D8A}">
-  <ds:schemaRefs>
-    <ds:schemaRef ds:uri="http://schemas.microsoft.com/sharepoint/v3/contenttype/forms"/>
-  </ds:schemaRefs>
-</ds:datastoreItem>
 </file>
--- a/CPSC-24500/Week03/2017SpringW03Slides.pptx
+++ b/CPSC-24500/Week03/2017SpringW03Slides.pptx
@@ -5,7 +5,7 @@
     <p:sldMasterId id="2147483648" r:id="rId4"/>
   </p:sldMasterIdLst>
   <p:notesMasterIdLst>
-    <p:notesMasterId r:id="rId41"/>
+    <p:notesMasterId r:id="rId42"/>
   </p:notesMasterIdLst>
   <p:sldIdLst>
     <p:sldId id="381" r:id="rId5"/>
@@ -39,11 +39,12 @@
     <p:sldId id="391" r:id="rId33"/>
     <p:sldId id="393" r:id="rId34"/>
     <p:sldId id="397" r:id="rId35"/>
-    <p:sldId id="400" r:id="rId36"/>
-    <p:sldId id="401" r:id="rId37"/>
-    <p:sldId id="399" r:id="rId38"/>
-    <p:sldId id="398" r:id="rId39"/>
-    <p:sldId id="396" r:id="rId40"/>
+    <p:sldId id="403" r:id="rId36"/>
+    <p:sldId id="404" r:id="rId37"/>
+    <p:sldId id="405" r:id="rId38"/>
+    <p:sldId id="399" r:id="rId39"/>
+    <p:sldId id="398" r:id="rId40"/>
+    <p:sldId id="396" r:id="rId41"/>
   </p:sldIdLst>
   <p:sldSz cx="12192000" cy="6858000"/>
   <p:notesSz cx="7315200" cy="9601200"/>
@@ -3155,7 +3156,7 @@
           <a:bodyPr/>
           <a:lstStyle/>
           <a:p>
-            <a:endParaRPr lang="en-US"/>
+            <a:endParaRPr lang="en-US" sz="1000" dirty="0"/>
           </a:p>
         </p:txBody>
       </p:sp>
@@ -3185,7 +3186,7 @@
     </p:spTree>
     <p:extLst>
       <p:ext uri="{BB962C8B-B14F-4D97-AF65-F5344CB8AC3E}">
-        <p14:creationId xmlns:p14="http://schemas.microsoft.com/office/powerpoint/2010/main" val="255305726"/>
+        <p14:creationId xmlns:p14="http://schemas.microsoft.com/office/powerpoint/2010/main" val="3902196225"/>
       </p:ext>
     </p:extLst>
   </p:cSld>
@@ -3239,7 +3240,7 @@
           <a:bodyPr/>
           <a:lstStyle/>
           <a:p>
-            <a:endParaRPr lang="en-US"/>
+            <a:endParaRPr lang="en-US" sz="1000" dirty="0"/>
           </a:p>
         </p:txBody>
       </p:sp>
@@ -3269,7 +3270,7 @@
     </p:spTree>
     <p:extLst>
       <p:ext uri="{BB962C8B-B14F-4D97-AF65-F5344CB8AC3E}">
-        <p14:creationId xmlns:p14="http://schemas.microsoft.com/office/powerpoint/2010/main" val="4109763341"/>
+        <p14:creationId xmlns:p14="http://schemas.microsoft.com/office/powerpoint/2010/main" val="404185822"/>
       </p:ext>
     </p:extLst>
   </p:cSld>
@@ -3346,14 +3347,14 @@
               <a:rPr lang="en-US" smtClean="0"/>
               <a:t>34</a:t>
             </a:fld>
-            <a:endParaRPr lang="en-US" dirty="0"/>
+            <a:endParaRPr lang="en-US"/>
           </a:p>
         </p:txBody>
       </p:sp>
     </p:spTree>
     <p:extLst>
       <p:ext uri="{BB962C8B-B14F-4D97-AF65-F5344CB8AC3E}">
-        <p14:creationId xmlns:p14="http://schemas.microsoft.com/office/powerpoint/2010/main" val="4010339127"/>
+        <p14:creationId xmlns:p14="http://schemas.microsoft.com/office/powerpoint/2010/main" val="2837534126"/>
       </p:ext>
     </p:extLst>
   </p:cSld>
@@ -3407,53 +3408,7 @@
           <a:bodyPr/>
           <a:lstStyle/>
           <a:p>
-            <a:pPr marL="0" indent="0">
-              <a:buNone/>
-            </a:pPr>
-            <a:r>
-              <a:rPr lang="en-US" sz="1000" dirty="0"/>
-              <a:t>I intentionally list our assignment first and our learning objectives second. This week our intent is to support our assignment  through our learning objectives, discussion, lecture, and examples… and not the other way around. </a:t>
-            </a:r>
-          </a:p>
-          <a:p>
-            <a:pPr marL="0" indent="0">
-              <a:buNone/>
-            </a:pPr>
             <a:endParaRPr lang="en-US" sz="1000" dirty="0"/>
-          </a:p>
-          <a:p>
-            <a:pPr marL="0" indent="0">
-              <a:buNone/>
-            </a:pPr>
-            <a:r>
-              <a:rPr lang="en-US" sz="1000" dirty="0"/>
-              <a:t>It is important to understand the concepts, practices, and principles; however, it is </a:t>
-            </a:r>
-            <a:r>
-              <a:rPr lang="en-US" sz="1000" u="sng" dirty="0"/>
-              <a:t>essential</a:t>
-            </a:r>
-            <a:r>
-              <a:rPr lang="en-US" sz="1000" dirty="0"/>
-              <a:t> that we can utilize them to deliver solutions. </a:t>
-            </a:r>
-          </a:p>
-          <a:p>
-            <a:pPr marL="0" indent="0">
-              <a:buNone/>
-            </a:pPr>
-            <a:r>
-              <a:rPr lang="en-US" sz="1000" dirty="0"/>
-              <a:t>The details of </a:t>
-            </a:r>
-            <a:r>
-              <a:rPr lang="en-US" sz="1000" dirty="0" err="1"/>
-              <a:t>FaceDraw</a:t>
-            </a:r>
-            <a:r>
-              <a:rPr lang="en-US" sz="1000" dirty="0"/>
-              <a:t> are provided in this week’s assignment. </a:t>
-            </a:r>
           </a:p>
         </p:txBody>
       </p:sp>
@@ -3476,14 +3431,14 @@
               <a:rPr lang="en-US" smtClean="0"/>
               <a:t>35</a:t>
             </a:fld>
-            <a:endParaRPr lang="en-US"/>
+            <a:endParaRPr lang="en-US" dirty="0"/>
           </a:p>
         </p:txBody>
       </p:sp>
     </p:spTree>
     <p:extLst>
       <p:ext uri="{BB962C8B-B14F-4D97-AF65-F5344CB8AC3E}">
-        <p14:creationId xmlns:p14="http://schemas.microsoft.com/office/powerpoint/2010/main" val="849031050"/>
+        <p14:creationId xmlns:p14="http://schemas.microsoft.com/office/powerpoint/2010/main" val="4010339127"/>
       </p:ext>
     </p:extLst>
   </p:cSld>
@@ -3537,7 +3492,53 @@
           <a:bodyPr/>
           <a:lstStyle/>
           <a:p>
-            <a:endParaRPr lang="en-US"/>
+            <a:pPr marL="0" indent="0">
+              <a:buNone/>
+            </a:pPr>
+            <a:r>
+              <a:rPr lang="en-US" sz="1000" dirty="0"/>
+              <a:t>I intentionally list our assignment first and our learning objectives second. This week our intent is to support our assignment  through our learning objectives, discussion, lecture, and examples… and not the other way around. </a:t>
+            </a:r>
+          </a:p>
+          <a:p>
+            <a:pPr marL="0" indent="0">
+              <a:buNone/>
+            </a:pPr>
+            <a:endParaRPr lang="en-US" sz="1000" dirty="0"/>
+          </a:p>
+          <a:p>
+            <a:pPr marL="0" indent="0">
+              <a:buNone/>
+            </a:pPr>
+            <a:r>
+              <a:rPr lang="en-US" sz="1000" dirty="0"/>
+              <a:t>It is important to understand the concepts, practices, and principles; however, it is </a:t>
+            </a:r>
+            <a:r>
+              <a:rPr lang="en-US" sz="1000" u="sng" dirty="0"/>
+              <a:t>essential</a:t>
+            </a:r>
+            <a:r>
+              <a:rPr lang="en-US" sz="1000" dirty="0"/>
+              <a:t> that we can utilize them to deliver solutions. </a:t>
+            </a:r>
+          </a:p>
+          <a:p>
+            <a:pPr marL="0" indent="0">
+              <a:buNone/>
+            </a:pPr>
+            <a:r>
+              <a:rPr lang="en-US" sz="1000" dirty="0"/>
+              <a:t>The details of </a:t>
+            </a:r>
+            <a:r>
+              <a:rPr lang="en-US" sz="1000" dirty="0" err="1"/>
+              <a:t>FaceDraw</a:t>
+            </a:r>
+            <a:r>
+              <a:rPr lang="en-US" sz="1000" dirty="0"/>
+              <a:t> are provided in this week’s assignment. </a:t>
+            </a:r>
           </a:p>
         </p:txBody>
       </p:sp>
@@ -3559,6 +3560,90 @@
             <a:fld id="{5394DE12-7B9B-46AA-AC19-C30A49928B9B}" type="slidenum">
               <a:rPr lang="en-US" smtClean="0"/>
               <a:t>36</a:t>
+            </a:fld>
+            <a:endParaRPr lang="en-US"/>
+          </a:p>
+        </p:txBody>
+      </p:sp>
+    </p:spTree>
+    <p:extLst>
+      <p:ext uri="{BB962C8B-B14F-4D97-AF65-F5344CB8AC3E}">
+        <p14:creationId xmlns:p14="http://schemas.microsoft.com/office/powerpoint/2010/main" val="849031050"/>
+      </p:ext>
+    </p:extLst>
+  </p:cSld>
+  <p:clrMapOvr>
+    <a:masterClrMapping/>
+  </p:clrMapOvr>
+</p:notes>
+</file>
+
+<file path=ppt/notesSlides/notesSlide37.xml><?xml version="1.0" encoding="utf-8"?>
+<p:notes xmlns:a="http://schemas.openxmlformats.org/drawingml/2006/main" xmlns:r="http://schemas.openxmlformats.org/officeDocument/2006/relationships" xmlns:p="http://schemas.openxmlformats.org/presentationml/2006/main">
+  <p:cSld>
+    <p:spTree>
+      <p:nvGrpSpPr>
+        <p:cNvPr id="1" name=""/>
+        <p:cNvGrpSpPr/>
+        <p:nvPr/>
+      </p:nvGrpSpPr>
+      <p:grpSpPr>
+        <a:xfrm>
+          <a:off x="0" y="0"/>
+          <a:ext cx="0" cy="0"/>
+          <a:chOff x="0" y="0"/>
+          <a:chExt cx="0" cy="0"/>
+        </a:xfrm>
+      </p:grpSpPr>
+      <p:sp>
+        <p:nvSpPr>
+          <p:cNvPr id="2" name="Slide Image Placeholder 1"/>
+          <p:cNvSpPr>
+            <a:spLocks noGrp="1" noRot="1" noChangeAspect="1"/>
+          </p:cNvSpPr>
+          <p:nvPr>
+            <p:ph type="sldImg"/>
+          </p:nvPr>
+        </p:nvSpPr>
+        <p:spPr/>
+      </p:sp>
+      <p:sp>
+        <p:nvSpPr>
+          <p:cNvPr id="3" name="Notes Placeholder 2"/>
+          <p:cNvSpPr>
+            <a:spLocks noGrp="1"/>
+          </p:cNvSpPr>
+          <p:nvPr>
+            <p:ph type="body" idx="1"/>
+          </p:nvPr>
+        </p:nvSpPr>
+        <p:spPr/>
+        <p:txBody>
+          <a:bodyPr/>
+          <a:lstStyle/>
+          <a:p>
+            <a:endParaRPr lang="en-US"/>
+          </a:p>
+        </p:txBody>
+      </p:sp>
+      <p:sp>
+        <p:nvSpPr>
+          <p:cNvPr id="4" name="Slide Number Placeholder 3"/>
+          <p:cNvSpPr>
+            <a:spLocks noGrp="1"/>
+          </p:cNvSpPr>
+          <p:nvPr>
+            <p:ph type="sldNum" sz="quarter" idx="10"/>
+          </p:nvPr>
+        </p:nvSpPr>
+        <p:spPr/>
+        <p:txBody>
+          <a:bodyPr/>
+          <a:lstStyle/>
+          <a:p>
+            <a:fld id="{5394DE12-7B9B-46AA-AC19-C30A49928B9B}" type="slidenum">
+              <a:rPr lang="en-US" smtClean="0"/>
+              <a:t>37</a:t>
             </a:fld>
             <a:endParaRPr lang="en-US"/>
           </a:p>
@@ -11650,11 +11735,13 @@
         </p:nvSpPr>
         <p:spPr/>
         <p:txBody>
-          <a:bodyPr/>
-          <a:lstStyle/>
-          <a:p>
-            <a:r>
-              <a:rPr lang="en-US" dirty="0"/>
+          <a:bodyPr>
+            <a:normAutofit/>
+          </a:bodyPr>
+          <a:lstStyle/>
+          <a:p>
+            <a:r>
+              <a:rPr lang="en-US" sz="3600" dirty="0"/>
               <a:t>Graphical Views &amp; Drawing Shapes</a:t>
             </a:r>
           </a:p>
@@ -12621,12 +12708,14 @@
         </p:nvSpPr>
         <p:spPr/>
         <p:txBody>
-          <a:bodyPr/>
-          <a:lstStyle/>
-          <a:p>
-            <a:r>
-              <a:rPr lang="en-US" dirty="0"/>
-              <a:t>Event Handlers</a:t>
+          <a:bodyPr>
+            <a:normAutofit/>
+          </a:bodyPr>
+          <a:lstStyle/>
+          <a:p>
+            <a:r>
+              <a:rPr lang="en-US" sz="3600" dirty="0"/>
+              <a:t>Quick Review: Event Handling</a:t>
             </a:r>
           </a:p>
         </p:txBody>
@@ -12641,19 +12730,74 @@
             <p:ph idx="1"/>
           </p:nvPr>
         </p:nvSpPr>
-        <p:spPr/>
-        <p:txBody>
-          <a:bodyPr/>
-          <a:lstStyle/>
-          <a:p>
-            <a:endParaRPr lang="en-US"/>
+        <p:spPr>
+          <a:xfrm>
+            <a:off x="838198" y="1525772"/>
+            <a:ext cx="10515601" cy="4651191"/>
+          </a:xfrm>
+        </p:spPr>
+        <p:txBody>
+          <a:bodyPr>
+            <a:normAutofit/>
+          </a:bodyPr>
+          <a:lstStyle/>
+          <a:p>
+            <a:pPr marL="0" indent="0">
+              <a:buNone/>
+            </a:pPr>
+            <a:r>
+              <a:rPr lang="en-US" sz="2000" dirty="0"/>
+              <a:t>Clicking Event Handling is the way that all graphic user interface environment allow an application to respond to user (or system) events. Possible events include:</a:t>
+            </a:r>
+          </a:p>
+          <a:p>
+            <a:r>
+              <a:rPr lang="en-US" sz="2000" dirty="0"/>
+              <a:t>Keyboard strokes</a:t>
+            </a:r>
+          </a:p>
+          <a:p>
+            <a:r>
+              <a:rPr lang="en-US" sz="2000" dirty="0"/>
+              <a:t>Clicking buttons</a:t>
+            </a:r>
+          </a:p>
+          <a:p>
+            <a:r>
+              <a:rPr lang="en-US" sz="2000" dirty="0"/>
+              <a:t>Dragging a mouse</a:t>
+            </a:r>
+          </a:p>
+          <a:p>
+            <a:r>
+              <a:rPr lang="en-US" sz="2000" dirty="0"/>
+              <a:t>Low power warning or automatic system hibernation</a:t>
+            </a:r>
+          </a:p>
+          <a:p>
+            <a:r>
+              <a:rPr lang="en-US" sz="2000" dirty="0"/>
+              <a:t>Attaching to an overhead projector</a:t>
+            </a:r>
+          </a:p>
+          <a:p>
+            <a:r>
+              <a:rPr lang="en-US" sz="2000" dirty="0"/>
+              <a:t>And many, many others</a:t>
+            </a:r>
+          </a:p>
+          <a:p>
+            <a:pPr marL="0" indent="0">
+              <a:buNone/>
+            </a:pPr>
+            <a:endParaRPr lang="en-US" sz="2000" dirty="0"/>
           </a:p>
         </p:txBody>
       </p:sp>
     </p:spTree>
     <p:extLst>
       <p:ext uri="{BB962C8B-B14F-4D97-AF65-F5344CB8AC3E}">
-        <p14:creationId xmlns:p14="http://schemas.microsoft.com/office/powerpoint/2010/main" val="3276872850"/>
+        <p14:creationId xmlns:p14="http://schemas.microsoft.com/office/powerpoint/2010/main" val="3820303591"/>
       </p:ext>
     </p:extLst>
   </p:cSld>
@@ -12692,12 +12836,14 @@
         </p:nvSpPr>
         <p:spPr/>
         <p:txBody>
-          <a:bodyPr/>
-          <a:lstStyle/>
-          <a:p>
-            <a:r>
-              <a:rPr lang="en-US" dirty="0"/>
-              <a:t>Action Listeners</a:t>
+          <a:bodyPr>
+            <a:normAutofit/>
+          </a:bodyPr>
+          <a:lstStyle/>
+          <a:p>
+            <a:r>
+              <a:rPr lang="en-US" sz="3600" dirty="0"/>
+              <a:t>Quick Review: Event Handling – ActionListener</a:t>
             </a:r>
           </a:p>
         </p:txBody>
@@ -12712,19 +12858,134 @@
             <p:ph idx="1"/>
           </p:nvPr>
         </p:nvSpPr>
-        <p:spPr/>
-        <p:txBody>
-          <a:bodyPr/>
-          <a:lstStyle/>
-          <a:p>
-            <a:endParaRPr lang="en-US"/>
+        <p:spPr>
+          <a:xfrm>
+            <a:off x="838198" y="1525772"/>
+            <a:ext cx="10515601" cy="4651191"/>
+          </a:xfrm>
+        </p:spPr>
+        <p:txBody>
+          <a:bodyPr>
+            <a:normAutofit/>
+          </a:bodyPr>
+          <a:lstStyle/>
+          <a:p>
+            <a:pPr marL="0" indent="0">
+              <a:buNone/>
+            </a:pPr>
+            <a:r>
+              <a:rPr lang="en-US" sz="2000" dirty="0"/>
+              <a:t>We will specifically need to implement Java </a:t>
+            </a:r>
+            <a:r>
+              <a:rPr lang="en-US" sz="2000" dirty="0" err="1"/>
+              <a:t>ActionListeners</a:t>
+            </a:r>
+            <a:r>
+              <a:rPr lang="en-US" sz="2000" dirty="0"/>
+              <a:t> to respond to button clicks. To do that we will need to:</a:t>
+            </a:r>
+          </a:p>
+          <a:p>
+            <a:r>
+              <a:rPr lang="en-US" sz="2000" dirty="0"/>
+              <a:t>Understand that </a:t>
+            </a:r>
+            <a:r>
+              <a:rPr lang="en-US" sz="2000" b="1" dirty="0"/>
+              <a:t>ActionListener</a:t>
+            </a:r>
+            <a:r>
+              <a:rPr lang="en-US" sz="2000" dirty="0"/>
+              <a:t>, like other listeners, are an </a:t>
+            </a:r>
+            <a:r>
+              <a:rPr lang="en-US" sz="2000" b="1" dirty="0"/>
+              <a:t>interface</a:t>
+            </a:r>
+            <a:r>
+              <a:rPr lang="en-US" sz="2000" dirty="0"/>
+              <a:t>… not a class</a:t>
+            </a:r>
+          </a:p>
+          <a:p>
+            <a:r>
+              <a:rPr lang="en-US" sz="2000" dirty="0"/>
+              <a:t>Implement a Java </a:t>
+            </a:r>
+            <a:r>
+              <a:rPr lang="en-US" sz="2000" dirty="0" err="1"/>
+              <a:t>ActionListeners</a:t>
+            </a:r>
+            <a:r>
+              <a:rPr lang="en-US" sz="2000" dirty="0"/>
+              <a:t> Interface</a:t>
+            </a:r>
+          </a:p>
+          <a:p>
+            <a:r>
+              <a:rPr lang="en-US" sz="2000" dirty="0"/>
+              <a:t>Utilize our ActionListener to receive notifications of an event and respond appropriately</a:t>
+            </a:r>
+          </a:p>
+          <a:p>
+            <a:r>
+              <a:rPr lang="en-US" sz="2000" dirty="0"/>
+              <a:t>Understand the three ways we could implement an ActionListener to respond to a user pressing a button contained in a our </a:t>
+            </a:r>
+            <a:r>
+              <a:rPr lang="en-US" sz="2000" dirty="0" err="1"/>
+              <a:t>JFrame</a:t>
+            </a:r>
+            <a:r>
+              <a:rPr lang="en-US" sz="2000" dirty="0"/>
+              <a:t>:</a:t>
+            </a:r>
+          </a:p>
+          <a:p>
+            <a:pPr marL="800100" lvl="1" indent="-342900">
+              <a:buFont typeface="+mj-lt"/>
+              <a:buAutoNum type="arabicPeriod"/>
+            </a:pPr>
+            <a:r>
+              <a:rPr lang="en-US" sz="1600" dirty="0"/>
+              <a:t>Implement an ActionListener interface in our  </a:t>
+            </a:r>
+            <a:r>
+              <a:rPr lang="en-US" sz="1600" dirty="0" err="1"/>
+              <a:t>JFrame</a:t>
+            </a:r>
+            <a:r>
+              <a:rPr lang="en-US" sz="1600" dirty="0"/>
+              <a:t> </a:t>
+            </a:r>
+          </a:p>
+          <a:p>
+            <a:pPr marL="800100" lvl="1" indent="-342900">
+              <a:buFont typeface="+mj-lt"/>
+              <a:buAutoNum type="arabicPeriod"/>
+            </a:pPr>
+            <a:r>
+              <a:rPr lang="en-US" sz="1600" dirty="0"/>
+              <a:t>Utilize an external class that implements ActionListener</a:t>
+            </a:r>
+          </a:p>
+          <a:p>
+            <a:pPr marL="800100" lvl="1" indent="-342900">
+              <a:buFont typeface="+mj-lt"/>
+              <a:buAutoNum type="arabicPeriod"/>
+            </a:pPr>
+            <a:r>
+              <a:rPr lang="en-US" sz="1600" dirty="0"/>
+              <a:t>Implement an ActionListener utilizing an Anonymous Inner Class  </a:t>
+            </a:r>
           </a:p>
         </p:txBody>
       </p:sp>
     </p:spTree>
     <p:extLst>
       <p:ext uri="{BB962C8B-B14F-4D97-AF65-F5344CB8AC3E}">
-        <p14:creationId xmlns:p14="http://schemas.microsoft.com/office/powerpoint/2010/main" val="893141498"/>
+        <p14:creationId xmlns:p14="http://schemas.microsoft.com/office/powerpoint/2010/main" val="2709768263"/>
       </p:ext>
     </p:extLst>
   </p:cSld>
@@ -12761,6 +13022,238 @@
             <p:ph type="title"/>
           </p:nvPr>
         </p:nvSpPr>
+        <p:spPr/>
+        <p:txBody>
+          <a:bodyPr>
+            <a:normAutofit/>
+          </a:bodyPr>
+          <a:lstStyle/>
+          <a:p>
+            <a:r>
+              <a:rPr lang="en-US" sz="3600" dirty="0"/>
+              <a:t>Live Demo: Event Handlers &amp; Action Listener</a:t>
+            </a:r>
+            <a:endParaRPr lang="en-US" sz="3600" dirty="0"/>
+          </a:p>
+        </p:txBody>
+      </p:sp>
+      <p:sp>
+        <p:nvSpPr>
+          <p:cNvPr id="3" name="Content Placeholder 2"/>
+          <p:cNvSpPr>
+            <a:spLocks noGrp="1"/>
+          </p:cNvSpPr>
+          <p:nvPr>
+            <p:ph idx="1"/>
+          </p:nvPr>
+        </p:nvSpPr>
+        <p:spPr>
+          <a:xfrm>
+            <a:off x="838198" y="1525772"/>
+            <a:ext cx="10515601" cy="4651191"/>
+          </a:xfrm>
+        </p:spPr>
+        <p:txBody>
+          <a:bodyPr>
+            <a:normAutofit/>
+          </a:bodyPr>
+          <a:lstStyle/>
+          <a:p>
+            <a:pPr marL="0" indent="0">
+              <a:buNone/>
+            </a:pPr>
+            <a:r>
+              <a:rPr lang="en-US" sz="2000" dirty="0"/>
+              <a:t>Let’s implement a new Java application to demonstrate a graphic application that responds to clicking a button. To demonstrate this we will:</a:t>
+            </a:r>
+          </a:p>
+          <a:p>
+            <a:r>
+              <a:rPr lang="en-US" sz="2000" dirty="0"/>
+              <a:t>Create a Java graphic application</a:t>
+            </a:r>
+          </a:p>
+          <a:p>
+            <a:r>
+              <a:rPr lang="en-US" sz="2000" dirty="0"/>
+              <a:t>Create a </a:t>
+            </a:r>
+            <a:r>
+              <a:rPr lang="en-US" sz="2000" dirty="0" err="1"/>
+              <a:t>JFrame</a:t>
+            </a:r>
+            <a:r>
+              <a:rPr lang="en-US" sz="2000" dirty="0"/>
+              <a:t> and </a:t>
+            </a:r>
+            <a:r>
+              <a:rPr lang="en-US" sz="2000" dirty="0" err="1"/>
+              <a:t>JPanel</a:t>
+            </a:r>
+            <a:r>
+              <a:rPr lang="en-US" sz="2000" dirty="0"/>
+              <a:t> </a:t>
+            </a:r>
+          </a:p>
+          <a:p>
+            <a:r>
+              <a:rPr lang="en-US" sz="2000" dirty="0"/>
+              <a:t>Implement a Layout Manager (</a:t>
+            </a:r>
+            <a:r>
+              <a:rPr lang="en-US" sz="2000" dirty="0" err="1"/>
+              <a:t>BorderLayout</a:t>
+            </a:r>
+            <a:r>
+              <a:rPr lang="en-US" sz="2000" dirty="0"/>
+              <a:t>) </a:t>
+            </a:r>
+            <a:r>
+              <a:rPr lang="en-US" sz="2000" dirty="0"/>
+              <a:t>on our </a:t>
+            </a:r>
+            <a:r>
+              <a:rPr lang="en-US" sz="2000" dirty="0" err="1"/>
+              <a:t>JFrame</a:t>
+            </a:r>
+            <a:endParaRPr lang="en-US" sz="2000" dirty="0"/>
+          </a:p>
+          <a:p>
+            <a:r>
+              <a:rPr lang="en-US" sz="2000" dirty="0"/>
+              <a:t>Create and insert </a:t>
+            </a:r>
+            <a:r>
+              <a:rPr lang="en-US" sz="2000" dirty="0" err="1"/>
+              <a:t>JButtons</a:t>
+            </a:r>
+            <a:r>
+              <a:rPr lang="en-US" sz="2000" dirty="0"/>
+              <a:t> in our </a:t>
+            </a:r>
+            <a:r>
+              <a:rPr lang="en-US" sz="2000" dirty="0" err="1"/>
+              <a:t>JPanel</a:t>
+            </a:r>
+            <a:r>
+              <a:rPr lang="en-US" sz="2000" dirty="0"/>
+              <a:t> </a:t>
+            </a:r>
+          </a:p>
+          <a:p>
+            <a:r>
+              <a:rPr lang="en-US" sz="2000" dirty="0"/>
+              <a:t>Insert our </a:t>
+            </a:r>
+            <a:r>
+              <a:rPr lang="en-US" sz="2000" dirty="0" err="1"/>
+              <a:t>JPanel</a:t>
+            </a:r>
+            <a:r>
+              <a:rPr lang="en-US" sz="2000" dirty="0"/>
+              <a:t> into the SOUTH section of our </a:t>
+            </a:r>
+            <a:r>
+              <a:rPr lang="en-US" sz="2000" dirty="0" err="1"/>
+              <a:t>BorderLayout</a:t>
+            </a:r>
+            <a:r>
+              <a:rPr lang="en-US" sz="2000" dirty="0"/>
+              <a:t>  Layout Manager</a:t>
+            </a:r>
+          </a:p>
+          <a:p>
+            <a:r>
+              <a:rPr lang="en-US" sz="2000" dirty="0"/>
+              <a:t>Create Action Listeners that can respond to our Buttons being clicked</a:t>
+            </a:r>
+          </a:p>
+          <a:p>
+            <a:r>
+              <a:rPr lang="en-US" sz="2000" dirty="0"/>
+              <a:t>Each of our three buttons will utilize one of  the ActionListener implementation practices:</a:t>
+            </a:r>
+          </a:p>
+          <a:p>
+            <a:pPr marL="800100" lvl="1" indent="-342900">
+              <a:buFont typeface="+mj-lt"/>
+              <a:buAutoNum type="arabicPeriod"/>
+            </a:pPr>
+            <a:r>
+              <a:rPr lang="en-US" sz="1600" dirty="0"/>
+              <a:t>Implement an ActionListener interface in our  </a:t>
+            </a:r>
+            <a:r>
+              <a:rPr lang="en-US" sz="1600" dirty="0" err="1"/>
+              <a:t>JFrame</a:t>
+            </a:r>
+            <a:r>
+              <a:rPr lang="en-US" sz="1600" dirty="0"/>
+              <a:t> </a:t>
+            </a:r>
+          </a:p>
+          <a:p>
+            <a:pPr marL="800100" lvl="1" indent="-342900">
+              <a:buFont typeface="+mj-lt"/>
+              <a:buAutoNum type="arabicPeriod"/>
+            </a:pPr>
+            <a:r>
+              <a:rPr lang="en-US" sz="1600" dirty="0"/>
+              <a:t>Utilize an external class that implements ActionListener</a:t>
+            </a:r>
+          </a:p>
+          <a:p>
+            <a:pPr marL="800100" lvl="1" indent="-342900">
+              <a:buFont typeface="+mj-lt"/>
+              <a:buAutoNum type="arabicPeriod"/>
+            </a:pPr>
+            <a:r>
+              <a:rPr lang="en-US" sz="1600" dirty="0"/>
+              <a:t>Implement an ActionListener utilizing an Anonymous Inner Class  </a:t>
+            </a:r>
+          </a:p>
+        </p:txBody>
+      </p:sp>
+    </p:spTree>
+    <p:extLst>
+      <p:ext uri="{BB962C8B-B14F-4D97-AF65-F5344CB8AC3E}">
+        <p14:creationId xmlns:p14="http://schemas.microsoft.com/office/powerpoint/2010/main" val="2032343741"/>
+      </p:ext>
+    </p:extLst>
+  </p:cSld>
+  <p:clrMapOvr>
+    <a:masterClrMapping/>
+  </p:clrMapOvr>
+</p:sld>
+</file>
+
+<file path=ppt/slides/slide35.xml><?xml version="1.0" encoding="utf-8"?>
+<p:sld xmlns:a="http://schemas.openxmlformats.org/drawingml/2006/main" xmlns:r="http://schemas.openxmlformats.org/officeDocument/2006/relationships" xmlns:p="http://schemas.openxmlformats.org/presentationml/2006/main">
+  <p:cSld>
+    <p:spTree>
+      <p:nvGrpSpPr>
+        <p:cNvPr id="1" name=""/>
+        <p:cNvGrpSpPr/>
+        <p:nvPr/>
+      </p:nvGrpSpPr>
+      <p:grpSpPr>
+        <a:xfrm>
+          <a:off x="0" y="0"/>
+          <a:ext cx="0" cy="0"/>
+          <a:chOff x="0" y="0"/>
+          <a:chExt cx="0" cy="0"/>
+        </a:xfrm>
+      </p:grpSpPr>
+      <p:sp>
+        <p:nvSpPr>
+          <p:cNvPr id="2" name="Title 1"/>
+          <p:cNvSpPr>
+            <a:spLocks noGrp="1"/>
+          </p:cNvSpPr>
+          <p:nvPr>
+            <p:ph type="title"/>
+          </p:nvPr>
+        </p:nvSpPr>
         <p:spPr>
           <a:xfrm>
             <a:off x="838200" y="365126"/>
@@ -12925,7 +13418,7 @@
 </p:sld>
 </file>
 
-<file path=ppt/slides/slide35.xml><?xml version="1.0" encoding="utf-8"?>
+<file path=ppt/slides/slide36.xml><?xml version="1.0" encoding="utf-8"?>
 <p:sld xmlns:a="http://schemas.openxmlformats.org/drawingml/2006/main" xmlns:r="http://schemas.openxmlformats.org/officeDocument/2006/relationships" xmlns:p="http://schemas.openxmlformats.org/presentationml/2006/main">
   <p:cSld>
     <p:spTree>
@@ -13147,7 +13640,7 @@
 </p:sld>
 </file>
 
-<file path=ppt/slides/slide36.xml><?xml version="1.0" encoding="utf-8"?>
+<file path=ppt/slides/slide37.xml><?xml version="1.0" encoding="utf-8"?>
 <p:sld xmlns:a="http://schemas.openxmlformats.org/drawingml/2006/main" xmlns:r="http://schemas.openxmlformats.org/officeDocument/2006/relationships" xmlns:p="http://schemas.openxmlformats.org/presentationml/2006/main">
   <p:cSld>
     <p:bg>
@@ -15180,21 +15673,6 @@
 </file>
 
 <file path=customXml/item1.xml><?xml version="1.0" encoding="utf-8"?>
-<?mso-contentType ?>
-<FormTemplates xmlns="http://schemas.microsoft.com/sharepoint/v3/contenttype/forms">
-  <Display>DocumentLibraryForm</Display>
-  <Edit>DocumentLibraryForm</Edit>
-  <New>DocumentLibraryForm</New>
-</FormTemplates>
-</file>
-
-<file path=customXml/item2.xml><?xml version="1.0" encoding="utf-8"?>
-<p:properties xmlns:p="http://schemas.microsoft.com/office/2006/metadata/properties" xmlns:xsi="http://www.w3.org/2001/XMLSchema-instance" xmlns:pc="http://schemas.microsoft.com/office/infopath/2007/PartnerControls">
-  <documentManagement/>
-</p:properties>
-</file>
-
-<file path=customXml/item3.xml><?xml version="1.0" encoding="utf-8"?>
 <ct:contentTypeSchema xmlns:ct="http://schemas.microsoft.com/office/2006/metadata/contentType" xmlns:ma="http://schemas.microsoft.com/office/2006/metadata/properties/metaAttributes" ct:_="" ma:_="" ma:contentTypeName="Document" ma:contentTypeID="0x0101004E7FF26E314236448B954F3A97640002" ma:contentTypeVersion="0" ma:contentTypeDescription="Create a new document." ma:contentTypeScope="" ma:versionID="dcd134f7ef3b1aa8a267b1d1a9f0b332">
   <xsd:schema xmlns:xsd="http://www.w3.org/2001/XMLSchema" xmlns:xs="http://www.w3.org/2001/XMLSchema" xmlns:p="http://schemas.microsoft.com/office/2006/metadata/properties" targetNamespace="http://schemas.microsoft.com/office/2006/metadata/properties" ma:root="true" ma:fieldsID="fad425956ca267ea5e6d723b3f3bd6f1">
     <xsd:element name="properties">
@@ -15308,10 +15786,33 @@
 </ct:contentTypeSchema>
 </file>
 
+<file path=customXml/item2.xml><?xml version="1.0" encoding="utf-8"?>
+<p:properties xmlns:p="http://schemas.microsoft.com/office/2006/metadata/properties" xmlns:xsi="http://www.w3.org/2001/XMLSchema-instance" xmlns:pc="http://schemas.microsoft.com/office/infopath/2007/PartnerControls">
+  <documentManagement/>
+</p:properties>
+</file>
+
+<file path=customXml/item3.xml><?xml version="1.0" encoding="utf-8"?>
+<?mso-contentType ?>
+<FormTemplates xmlns="http://schemas.microsoft.com/sharepoint/v3/contenttype/forms">
+  <Display>DocumentLibraryForm</Display>
+  <Edit>DocumentLibraryForm</Edit>
+  <New>DocumentLibraryForm</New>
+</FormTemplates>
+</file>
+
 <file path=customXml/itemProps1.xml><?xml version="1.0" encoding="utf-8"?>
-<ds:datastoreItem xmlns:ds="http://schemas.openxmlformats.org/officeDocument/2006/customXml" ds:itemID="{87FD8B20-B89A-4B23-9329-175195DD4D8A}">
+<ds:datastoreItem xmlns:ds="http://schemas.openxmlformats.org/officeDocument/2006/customXml" ds:itemID="{A906A71E-D2C6-4CAA-8E79-10C504BC5F58}">
   <ds:schemaRefs>
-    <ds:schemaRef ds:uri="http://schemas.microsoft.com/sharepoint/v3/contenttype/forms"/>
+    <ds:schemaRef ds:uri="http://schemas.microsoft.com/office/2006/metadata/contentType"/>
+    <ds:schemaRef ds:uri="http://schemas.microsoft.com/office/2006/metadata/properties/metaAttributes"/>
+    <ds:schemaRef ds:uri="http://www.w3.org/2001/XMLSchema"/>
+    <ds:schemaRef ds:uri="http://schemas.microsoft.com/office/2006/metadata/properties"/>
+    <ds:schemaRef ds:uri="http://schemas.openxmlformats.org/package/2006/metadata/core-properties"/>
+    <ds:schemaRef ds:uri="http://purl.org/dc/elements/1.1/"/>
+    <ds:schemaRef ds:uri="http://purl.org/dc/terms/"/>
+    <ds:schemaRef ds:uri="http://schemas.microsoft.com/internal/obd"/>
+    <ds:schemaRef ds:uri="http://schemas.microsoft.com/office/infopath/2007/PartnerControls"/>
   </ds:schemaRefs>
 </ds:datastoreItem>
 </file>
@@ -15332,17 +15833,9 @@
 </file>
 
 <file path=customXml/itemProps3.xml><?xml version="1.0" encoding="utf-8"?>
-<ds:datastoreItem xmlns:ds="http://schemas.openxmlformats.org/officeDocument/2006/customXml" ds:itemID="{A906A71E-D2C6-4CAA-8E79-10C504BC5F58}">
+<ds:datastoreItem xmlns:ds="http://schemas.openxmlformats.org/officeDocument/2006/customXml" ds:itemID="{87FD8B20-B89A-4B23-9329-175195DD4D8A}">
   <ds:schemaRefs>
-    <ds:schemaRef ds:uri="http://schemas.microsoft.com/office/2006/metadata/contentType"/>
-    <ds:schemaRef ds:uri="http://schemas.microsoft.com/office/2006/metadata/properties/metaAttributes"/>
-    <ds:schemaRef ds:uri="http://www.w3.org/2001/XMLSchema"/>
-    <ds:schemaRef ds:uri="http://schemas.microsoft.com/office/2006/metadata/properties"/>
-    <ds:schemaRef ds:uri="http://schemas.openxmlformats.org/package/2006/metadata/core-properties"/>
-    <ds:schemaRef ds:uri="http://purl.org/dc/elements/1.1/"/>
-    <ds:schemaRef ds:uri="http://purl.org/dc/terms/"/>
-    <ds:schemaRef ds:uri="http://schemas.microsoft.com/internal/obd"/>
-    <ds:schemaRef ds:uri="http://schemas.microsoft.com/office/infopath/2007/PartnerControls"/>
+    <ds:schemaRef ds:uri="http://schemas.microsoft.com/sharepoint/v3/contenttype/forms"/>
   </ds:schemaRefs>
 </ds:datastoreItem>
 </file>
--- a/CPSC-24500/Week03/2017SpringW03Slides.pptx
+++ b/CPSC-24500/Week03/2017SpringW03Slides.pptx
@@ -5,7 +5,7 @@
     <p:sldMasterId id="2147483648" r:id="rId4"/>
   </p:sldMasterIdLst>
   <p:notesMasterIdLst>
-    <p:notesMasterId r:id="rId42"/>
+    <p:notesMasterId r:id="rId44"/>
   </p:notesMasterIdLst>
   <p:sldIdLst>
     <p:sldId id="381" r:id="rId5"/>
@@ -34,17 +34,19 @@
     <p:sldId id="387" r:id="rId28"/>
     <p:sldId id="392" r:id="rId29"/>
     <p:sldId id="388" r:id="rId30"/>
-    <p:sldId id="389" r:id="rId31"/>
-    <p:sldId id="402" r:id="rId32"/>
-    <p:sldId id="391" r:id="rId33"/>
-    <p:sldId id="393" r:id="rId34"/>
-    <p:sldId id="397" r:id="rId35"/>
-    <p:sldId id="403" r:id="rId36"/>
-    <p:sldId id="404" r:id="rId37"/>
-    <p:sldId id="405" r:id="rId38"/>
-    <p:sldId id="399" r:id="rId39"/>
-    <p:sldId id="398" r:id="rId40"/>
-    <p:sldId id="396" r:id="rId41"/>
+    <p:sldId id="409" r:id="rId31"/>
+    <p:sldId id="389" r:id="rId32"/>
+    <p:sldId id="402" r:id="rId33"/>
+    <p:sldId id="408" r:id="rId34"/>
+    <p:sldId id="391" r:id="rId35"/>
+    <p:sldId id="393" r:id="rId36"/>
+    <p:sldId id="397" r:id="rId37"/>
+    <p:sldId id="403" r:id="rId38"/>
+    <p:sldId id="404" r:id="rId39"/>
+    <p:sldId id="405" r:id="rId40"/>
+    <p:sldId id="399" r:id="rId41"/>
+    <p:sldId id="398" r:id="rId42"/>
+    <p:sldId id="396" r:id="rId43"/>
   </p:sldIdLst>
   <p:sldSz cx="12192000" cy="6858000"/>
   <p:notesSz cx="7315200" cy="9601200"/>
@@ -236,7 +238,7 @@
           <a:p>
             <a:fld id="{91ED72D7-FE6F-4B82-8D31-76BC00B06094}" type="datetimeFigureOut">
               <a:rPr lang="en-US" smtClean="0"/>
-              <a:t>4/1/2017</a:t>
+              <a:t>4/4/2017</a:t>
             </a:fld>
             <a:endParaRPr lang="en-US"/>
           </a:p>
@@ -2363,9 +2365,61 @@
           </a:p>
           <a:p>
             <a:r>
+              <a:rPr lang="en-US" sz="1000" b="1" dirty="0"/>
+              <a:t>**Start Recording</a:t>
+            </a:r>
+          </a:p>
+          <a:p>
+            <a:endParaRPr lang="en-US" sz="1000" dirty="0"/>
+          </a:p>
+          <a:p>
+            <a:r>
               <a:rPr lang="en-US" sz="1000" dirty="0"/>
-              <a:t>I am going to stat recording so that other can watch later; however, if I think that is impacting our ability to have a good discussion, I will stop the recording and just send out notes later.</a:t>
-            </a:r>
+              <a:t>Comments:</a:t>
+            </a:r>
+          </a:p>
+          <a:p>
+            <a:pPr marL="0" marR="0" lvl="0" indent="0" algn="l" defTabSz="914400" rtl="0" eaLnBrk="1" fontAlgn="auto" latinLnBrk="0" hangingPunct="1">
+              <a:lnSpc>
+                <a:spcPct val="100000"/>
+              </a:lnSpc>
+              <a:spcBef>
+                <a:spcPts val="0"/>
+              </a:spcBef>
+              <a:spcAft>
+                <a:spcPts val="0"/>
+              </a:spcAft>
+              <a:buClrTx/>
+              <a:buSzTx/>
+              <a:buFontTx/>
+              <a:buNone/>
+              <a:tabLst/>
+              <a:defRPr/>
+            </a:pPr>
+            <a:r>
+              <a:rPr lang="en-US" sz="1000" dirty="0"/>
+              <a:t>I will post our week 1 assignment review via a separate video. I think it will take away from our current discussion if we try to intermix the topics today. I want of to have laser focus on our programming assignment today. </a:t>
+            </a:r>
+          </a:p>
+          <a:p>
+            <a:pPr marL="0" marR="0" lvl="0" indent="0" algn="l" defTabSz="914400" rtl="0" eaLnBrk="1" fontAlgn="auto" latinLnBrk="0" hangingPunct="1">
+              <a:lnSpc>
+                <a:spcPct val="100000"/>
+              </a:lnSpc>
+              <a:spcBef>
+                <a:spcPts val="0"/>
+              </a:spcBef>
+              <a:spcAft>
+                <a:spcPts val="0"/>
+              </a:spcAft>
+              <a:buClrTx/>
+              <a:buSzTx/>
+              <a:buFontTx/>
+              <a:buNone/>
+              <a:tabLst/>
+              <a:defRPr/>
+            </a:pPr>
+            <a:endParaRPr lang="en-US" sz="1000" dirty="0"/>
           </a:p>
         </p:txBody>
       </p:sp>
@@ -2534,113 +2588,106 @@
           <a:lstStyle/>
           <a:p>
             <a:r>
+              <a:rPr lang="en-US" sz="1000" dirty="0"/>
+              <a:t>This is different from environments where developers (or designers) layout screens pixel by pixel (like Visual Basic for example). With modern UIs that need to fit in all types of sizes and orientations, layout managers are a necessity.  </a:t>
+            </a:r>
+          </a:p>
+          <a:p>
+            <a:endParaRPr lang="en-US" sz="1000" dirty="0"/>
+          </a:p>
+          <a:p>
+            <a:r>
+              <a:rPr lang="en-US" sz="1000" dirty="0"/>
+              <a:t>Several AWT and Swing classes provide layout managers for general use:</a:t>
+            </a:r>
+          </a:p>
+          <a:p>
+            <a:pPr marL="171450" indent="-171450">
+              <a:buFont typeface="Arial" panose="020B0604020202020204" pitchFamily="34" charset="0"/>
+              <a:buChar char="•"/>
+            </a:pPr>
+            <a:r>
               <a:rPr lang="en-US" sz="1000" dirty="0" err="1"/>
-              <a:t>JavaDoc</a:t>
-            </a:r>
-            <a:r>
-              <a:rPr lang="en-US" sz="1000" dirty="0"/>
-              <a:t>:</a:t>
-            </a:r>
-          </a:p>
-          <a:p>
-            <a:r>
-              <a:rPr lang="en-US" sz="1000" dirty="0"/>
-              <a:t>https://docs.oracle.com/javase/7/docs/api/java/awt/Graphics.html</a:t>
-            </a:r>
-          </a:p>
-          <a:p>
+              <a:t>BorderLayout</a:t>
+            </a:r>
             <a:endParaRPr lang="en-US" sz="1000" dirty="0"/>
           </a:p>
           <a:p>
-            <a:r>
-              <a:rPr lang="en-US" sz="1000" dirty="0"/>
-              <a:t>Java Graphics Tutorial:</a:t>
-            </a:r>
-          </a:p>
-          <a:p>
-            <a:r>
-              <a:rPr lang="en-US" sz="1000" dirty="0"/>
-              <a:t>https://docs.oracle.com/javase/tutorial/2d/basic2d/</a:t>
-            </a:r>
-          </a:p>
-          <a:p>
+            <a:pPr marL="171450" indent="-171450">
+              <a:buFont typeface="Arial" panose="020B0604020202020204" pitchFamily="34" charset="0"/>
+              <a:buChar char="•"/>
+            </a:pPr>
+            <a:r>
+              <a:rPr lang="en-US" sz="1000" dirty="0" err="1"/>
+              <a:t>BoxLayout</a:t>
+            </a:r>
             <a:endParaRPr lang="en-US" sz="1000" dirty="0"/>
           </a:p>
           <a:p>
+            <a:pPr marL="171450" indent="-171450">
+              <a:buFont typeface="Arial" panose="020B0604020202020204" pitchFamily="34" charset="0"/>
+              <a:buChar char="•"/>
+            </a:pPr>
             <a:r>
               <a:rPr lang="en-US" sz="1000" dirty="0" err="1"/>
-              <a:t>drawArc</a:t>
-            </a:r>
-            <a:r>
-              <a:rPr lang="en-US" sz="1000" dirty="0"/>
-              <a:t>:</a:t>
-            </a:r>
-          </a:p>
-          <a:p>
-            <a:r>
-              <a:rPr lang="en-US" sz="1000" dirty="0"/>
-              <a:t>http://www.java2s.com/Code/JavaAPI/java.awt/GraphicsdrawArcintxintyintwidthintheightintstartAngleintarcAngle.htm</a:t>
-            </a:r>
-          </a:p>
-          <a:p>
+              <a:t>CardLayout</a:t>
+            </a:r>
             <a:endParaRPr lang="en-US" sz="1000" dirty="0"/>
           </a:p>
           <a:p>
+            <a:pPr marL="171450" indent="-171450">
+              <a:buFont typeface="Arial" panose="020B0604020202020204" pitchFamily="34" charset="0"/>
+              <a:buChar char="•"/>
+            </a:pPr>
             <a:r>
               <a:rPr lang="en-US" sz="1000" dirty="0" err="1"/>
-              <a:t>drawArc</a:t>
-            </a:r>
-            <a:r>
-              <a:rPr lang="en-US" sz="1000" dirty="0"/>
-              <a:t> Example:</a:t>
-            </a:r>
-          </a:p>
-          <a:p>
-            <a:r>
-              <a:rPr lang="en-US" sz="1000" dirty="0"/>
-              <a:t>http://www.java-examples.com/draw-arc-applet-window-example</a:t>
-            </a:r>
-          </a:p>
-          <a:p>
+              <a:t>FlowLayout</a:t>
+            </a:r>
             <a:endParaRPr lang="en-US" sz="1000" dirty="0"/>
           </a:p>
           <a:p>
-            <a:r>
-              <a:rPr lang="en-US" sz="1000" dirty="0"/>
-              <a:t>Repaint Sequence:</a:t>
-            </a:r>
-          </a:p>
-          <a:p>
-            <a:r>
-              <a:rPr lang="en-US" sz="1000" dirty="0"/>
-              <a:t>OS -&gt; Frame -&gt; Frame’s paint function -&gt; each  LW component </a:t>
-            </a:r>
+            <a:pPr marL="171450" indent="-171450">
+              <a:buFont typeface="Arial" panose="020B0604020202020204" pitchFamily="34" charset="0"/>
+              <a:buChar char="•"/>
+            </a:pPr>
             <a:r>
               <a:rPr lang="en-US" sz="1000" dirty="0" err="1"/>
-              <a:t>paintComponent</a:t>
-            </a:r>
-            <a:r>
-              <a:rPr lang="en-US" sz="1000" dirty="0"/>
-              <a:t> function</a:t>
-            </a:r>
-          </a:p>
-          <a:p>
+              <a:t>GridBagLayout</a:t>
+            </a:r>
             <a:endParaRPr lang="en-US" sz="1000" dirty="0"/>
           </a:p>
           <a:p>
+            <a:pPr marL="171450" indent="-171450">
+              <a:buFont typeface="Arial" panose="020B0604020202020204" pitchFamily="34" charset="0"/>
+              <a:buChar char="•"/>
+            </a:pPr>
+            <a:r>
+              <a:rPr lang="en-US" sz="1000" dirty="0" err="1"/>
+              <a:t>GridLayout</a:t>
+            </a:r>
             <a:endParaRPr lang="en-US" sz="1000" dirty="0"/>
           </a:p>
           <a:p>
+            <a:pPr marL="171450" indent="-171450">
+              <a:buFont typeface="Arial" panose="020B0604020202020204" pitchFamily="34" charset="0"/>
+              <a:buChar char="•"/>
+            </a:pPr>
+            <a:r>
+              <a:rPr lang="en-US" sz="1000" dirty="0" err="1"/>
+              <a:t>GroupLayout</a:t>
+            </a:r>
             <a:endParaRPr lang="en-US" sz="1000" dirty="0"/>
           </a:p>
           <a:p>
+            <a:pPr marL="171450" indent="-171450">
+              <a:buFont typeface="Arial" panose="020B0604020202020204" pitchFamily="34" charset="0"/>
+              <a:buChar char="•"/>
+            </a:pPr>
+            <a:r>
+              <a:rPr lang="en-US" sz="1000" dirty="0" err="1"/>
+              <a:t>SpringLayout</a:t>
+            </a:r>
             <a:endParaRPr lang="en-US" sz="1000" dirty="0"/>
-          </a:p>
-          <a:p>
-            <a:r>
-              <a:rPr lang="en-US" sz="1000" dirty="0"/>
-              <a:t> </a:t>
-            </a:r>
           </a:p>
         </p:txBody>
       </p:sp>
@@ -2670,7 +2717,7 @@
     </p:spTree>
     <p:extLst>
       <p:ext uri="{BB962C8B-B14F-4D97-AF65-F5344CB8AC3E}">
-        <p14:creationId xmlns:p14="http://schemas.microsoft.com/office/powerpoint/2010/main" val="3874666517"/>
+        <p14:creationId xmlns:p14="http://schemas.microsoft.com/office/powerpoint/2010/main" val="2114434865"/>
       </p:ext>
     </p:extLst>
   </p:cSld>
@@ -2724,7 +2771,123 @@
           <a:bodyPr/>
           <a:lstStyle/>
           <a:p>
-            <a:endParaRPr lang="en-US"/>
+            <a:r>
+              <a:rPr lang="en-US" sz="1000" dirty="0"/>
+              <a:t>This is your second or third time seeing this. After today, you should mostly “get it”. </a:t>
+            </a:r>
+          </a:p>
+          <a:p>
+            <a:endParaRPr lang="en-US" sz="1000" dirty="0"/>
+          </a:p>
+          <a:p>
+            <a:r>
+              <a:rPr lang="en-US" sz="1000" dirty="0" err="1"/>
+              <a:t>JavaDoc</a:t>
+            </a:r>
+            <a:r>
+              <a:rPr lang="en-US" sz="1000" dirty="0"/>
+              <a:t>:</a:t>
+            </a:r>
+          </a:p>
+          <a:p>
+            <a:r>
+              <a:rPr lang="en-US" sz="1000" dirty="0"/>
+              <a:t>https://docs.oracle.com/javase/7/docs/api/java/awt/Graphics.html</a:t>
+            </a:r>
+          </a:p>
+          <a:p>
+            <a:endParaRPr lang="en-US" sz="1000" dirty="0"/>
+          </a:p>
+          <a:p>
+            <a:r>
+              <a:rPr lang="en-US" sz="1000" dirty="0"/>
+              <a:t>Java Graphics Tutorial:</a:t>
+            </a:r>
+          </a:p>
+          <a:p>
+            <a:r>
+              <a:rPr lang="en-US" sz="1000" dirty="0"/>
+              <a:t>https://docs.oracle.com/javase/tutorial/2d/basic2d/</a:t>
+            </a:r>
+          </a:p>
+          <a:p>
+            <a:endParaRPr lang="en-US" sz="1000" dirty="0"/>
+          </a:p>
+          <a:p>
+            <a:r>
+              <a:rPr lang="en-US" sz="1000" dirty="0" err="1"/>
+              <a:t>drawArc</a:t>
+            </a:r>
+            <a:r>
+              <a:rPr lang="en-US" sz="1000" dirty="0"/>
+              <a:t>:</a:t>
+            </a:r>
+          </a:p>
+          <a:p>
+            <a:r>
+              <a:rPr lang="en-US" sz="1000" dirty="0"/>
+              <a:t>http://www.java2s.com/Code/JavaAPI/java.awt/GraphicsdrawArcintxintyintwidthintheightintstartAngleintarcAngle.htm</a:t>
+            </a:r>
+          </a:p>
+          <a:p>
+            <a:endParaRPr lang="en-US" sz="1000" dirty="0"/>
+          </a:p>
+          <a:p>
+            <a:r>
+              <a:rPr lang="en-US" sz="1000" dirty="0" err="1"/>
+              <a:t>drawArc</a:t>
+            </a:r>
+            <a:r>
+              <a:rPr lang="en-US" sz="1000" dirty="0"/>
+              <a:t> Example:</a:t>
+            </a:r>
+          </a:p>
+          <a:p>
+            <a:r>
+              <a:rPr lang="en-US" sz="1000" dirty="0"/>
+              <a:t>http://www.java-examples.com/draw-arc-applet-window-example</a:t>
+            </a:r>
+          </a:p>
+          <a:p>
+            <a:endParaRPr lang="en-US" sz="1000" dirty="0"/>
+          </a:p>
+          <a:p>
+            <a:r>
+              <a:rPr lang="en-US" sz="1000" dirty="0"/>
+              <a:t>Repaint Sequence:</a:t>
+            </a:r>
+          </a:p>
+          <a:p>
+            <a:r>
+              <a:rPr lang="en-US" sz="1000" dirty="0"/>
+              <a:t>OS -&gt; Frame -&gt; Frame’s paint function -&gt; each  LW component </a:t>
+            </a:r>
+            <a:r>
+              <a:rPr lang="en-US" sz="1000" dirty="0" err="1"/>
+              <a:t>paintComponent</a:t>
+            </a:r>
+            <a:r>
+              <a:rPr lang="en-US" sz="1000" dirty="0"/>
+              <a:t> function</a:t>
+            </a:r>
+          </a:p>
+          <a:p>
+            <a:endParaRPr lang="en-US" sz="1000" dirty="0"/>
+          </a:p>
+          <a:p>
+            <a:endParaRPr lang="en-US" sz="1000" dirty="0"/>
+          </a:p>
+          <a:p>
+            <a:endParaRPr lang="en-US" sz="1000" dirty="0"/>
+          </a:p>
+          <a:p>
+            <a:endParaRPr lang="en-US" sz="1000" dirty="0"/>
+          </a:p>
+          <a:p>
+            <a:r>
+              <a:rPr lang="en-US" sz="1000" dirty="0"/>
+              <a:t> </a:t>
+            </a:r>
           </a:p>
         </p:txBody>
       </p:sp>
@@ -2754,7 +2917,7 @@
     </p:spTree>
     <p:extLst>
       <p:ext uri="{BB962C8B-B14F-4D97-AF65-F5344CB8AC3E}">
-        <p14:creationId xmlns:p14="http://schemas.microsoft.com/office/powerpoint/2010/main" val="2473152287"/>
+        <p14:creationId xmlns:p14="http://schemas.microsoft.com/office/powerpoint/2010/main" val="3874666517"/>
       </p:ext>
     </p:extLst>
   </p:cSld>
@@ -2808,7 +2971,42 @@
           <a:bodyPr/>
           <a:lstStyle/>
           <a:p>
-            <a:endParaRPr lang="en-US"/>
+            <a:r>
+              <a:rPr lang="en-US" dirty="0"/>
+              <a:t>You can imagine that  we are going to need </a:t>
+            </a:r>
+            <a:r>
+              <a:rPr lang="en-US" dirty="0" err="1"/>
+              <a:t>JFrames</a:t>
+            </a:r>
+            <a:r>
+              <a:rPr lang="en-US" dirty="0"/>
+              <a:t>, </a:t>
+            </a:r>
+            <a:r>
+              <a:rPr lang="en-US" dirty="0" err="1"/>
+              <a:t>Jpanels</a:t>
+            </a:r>
+            <a:r>
+              <a:rPr lang="en-US" dirty="0"/>
+              <a:t> (x2), Border Layouts, Flow Layouts, </a:t>
+            </a:r>
+            <a:r>
+              <a:rPr lang="en-US" dirty="0" err="1"/>
+              <a:t>JButton</a:t>
+            </a:r>
+            <a:r>
+              <a:rPr lang="en-US" dirty="0"/>
+              <a:t>, Action Listeners, Action Events, Containers, Random, Graphics, </a:t>
+            </a:r>
+            <a:r>
+              <a:rPr lang="en-US" dirty="0" err="1"/>
+              <a:t>ArrayLists</a:t>
+            </a:r>
+            <a:r>
+              <a:rPr lang="en-US" dirty="0"/>
+              <a:t>, and more…</a:t>
+            </a:r>
           </a:p>
         </p:txBody>
       </p:sp>
@@ -2838,7 +3036,7 @@
     </p:spTree>
     <p:extLst>
       <p:ext uri="{BB962C8B-B14F-4D97-AF65-F5344CB8AC3E}">
-        <p14:creationId xmlns:p14="http://schemas.microsoft.com/office/powerpoint/2010/main" val="2944127336"/>
+        <p14:creationId xmlns:p14="http://schemas.microsoft.com/office/powerpoint/2010/main" val="2473152287"/>
       </p:ext>
     </p:extLst>
   </p:cSld>
@@ -2976,19 +3174,7 @@
           <a:bodyPr/>
           <a:lstStyle/>
           <a:p>
-            <a:r>
-              <a:rPr lang="en-US" sz="1000" dirty="0"/>
-              <a:t>While everyone is getting logged in an set up for our virtual discussion, I wanted to thank those of you who have posted their background and/or responded to other people’s discussion board posting. I have enjoyed reading through your comments. </a:t>
-            </a:r>
-          </a:p>
-          <a:p>
             <a:endParaRPr lang="en-US" sz="1000" dirty="0"/>
-          </a:p>
-          <a:p>
-            <a:r>
-              <a:rPr lang="en-US" sz="1000" dirty="0"/>
-              <a:t>I am going to stat recording so that other can watch later; however, if I think that is impacting our ability to have a good discussion, I will stop the recording and just send out notes later.</a:t>
-            </a:r>
           </a:p>
         </p:txBody>
       </p:sp>
@@ -3018,7 +3204,7 @@
     </p:spTree>
     <p:extLst>
       <p:ext uri="{BB962C8B-B14F-4D97-AF65-F5344CB8AC3E}">
-        <p14:creationId xmlns:p14="http://schemas.microsoft.com/office/powerpoint/2010/main" val="2283266762"/>
+        <p14:creationId xmlns:p14="http://schemas.microsoft.com/office/powerpoint/2010/main" val="1230372459"/>
       </p:ext>
     </p:extLst>
   </p:cSld>
@@ -3072,7 +3258,7 @@
           <a:bodyPr/>
           <a:lstStyle/>
           <a:p>
-            <a:endParaRPr lang="en-US" sz="1000" dirty="0"/>
+            <a:endParaRPr lang="en-US"/>
           </a:p>
         </p:txBody>
       </p:sp>
@@ -3095,14 +3281,14 @@
               <a:rPr lang="en-US" smtClean="0"/>
               <a:t>31</a:t>
             </a:fld>
-            <a:endParaRPr lang="en-US" dirty="0"/>
+            <a:endParaRPr lang="en-US"/>
           </a:p>
         </p:txBody>
       </p:sp>
     </p:spTree>
     <p:extLst>
       <p:ext uri="{BB962C8B-B14F-4D97-AF65-F5344CB8AC3E}">
-        <p14:creationId xmlns:p14="http://schemas.microsoft.com/office/powerpoint/2010/main" val="1231578778"/>
+        <p14:creationId xmlns:p14="http://schemas.microsoft.com/office/powerpoint/2010/main" val="2944127336"/>
       </p:ext>
     </p:extLst>
   </p:cSld>
@@ -3156,7 +3342,19 @@
           <a:bodyPr/>
           <a:lstStyle/>
           <a:p>
+            <a:r>
+              <a:rPr lang="en-US" sz="1000" dirty="0"/>
+              <a:t>While everyone is getting logged in an set up for our virtual discussion, I wanted to thank those of you who have posted their background and/or responded to other people’s discussion board posting. I have enjoyed reading through your comments. </a:t>
+            </a:r>
+          </a:p>
+          <a:p>
             <a:endParaRPr lang="en-US" sz="1000" dirty="0"/>
+          </a:p>
+          <a:p>
+            <a:r>
+              <a:rPr lang="en-US" sz="1000" dirty="0"/>
+              <a:t>I am going to stat recording so that other can watch later; however, if I think that is impacting our ability to have a good discussion, I will stop the recording and just send out notes later.</a:t>
+            </a:r>
           </a:p>
         </p:txBody>
       </p:sp>
@@ -3179,14 +3377,14 @@
               <a:rPr lang="en-US" smtClean="0"/>
               <a:t>32</a:t>
             </a:fld>
-            <a:endParaRPr lang="en-US"/>
+            <a:endParaRPr lang="en-US" dirty="0"/>
           </a:p>
         </p:txBody>
       </p:sp>
     </p:spTree>
     <p:extLst>
       <p:ext uri="{BB962C8B-B14F-4D97-AF65-F5344CB8AC3E}">
-        <p14:creationId xmlns:p14="http://schemas.microsoft.com/office/powerpoint/2010/main" val="3902196225"/>
+        <p14:creationId xmlns:p14="http://schemas.microsoft.com/office/powerpoint/2010/main" val="2283266762"/>
       </p:ext>
     </p:extLst>
   </p:cSld>
@@ -3263,14 +3461,14 @@
               <a:rPr lang="en-US" smtClean="0"/>
               <a:t>33</a:t>
             </a:fld>
-            <a:endParaRPr lang="en-US"/>
+            <a:endParaRPr lang="en-US" dirty="0"/>
           </a:p>
         </p:txBody>
       </p:sp>
     </p:spTree>
     <p:extLst>
       <p:ext uri="{BB962C8B-B14F-4D97-AF65-F5344CB8AC3E}">
-        <p14:creationId xmlns:p14="http://schemas.microsoft.com/office/powerpoint/2010/main" val="404185822"/>
+        <p14:creationId xmlns:p14="http://schemas.microsoft.com/office/powerpoint/2010/main" val="1231578778"/>
       </p:ext>
     </p:extLst>
   </p:cSld>
@@ -3354,7 +3552,7 @@
     </p:spTree>
     <p:extLst>
       <p:ext uri="{BB962C8B-B14F-4D97-AF65-F5344CB8AC3E}">
-        <p14:creationId xmlns:p14="http://schemas.microsoft.com/office/powerpoint/2010/main" val="2837534126"/>
+        <p14:creationId xmlns:p14="http://schemas.microsoft.com/office/powerpoint/2010/main" val="3902196225"/>
       </p:ext>
     </p:extLst>
   </p:cSld>
@@ -3431,14 +3629,14 @@
               <a:rPr lang="en-US" smtClean="0"/>
               <a:t>35</a:t>
             </a:fld>
-            <a:endParaRPr lang="en-US" dirty="0"/>
+            <a:endParaRPr lang="en-US"/>
           </a:p>
         </p:txBody>
       </p:sp>
     </p:spTree>
     <p:extLst>
       <p:ext uri="{BB962C8B-B14F-4D97-AF65-F5344CB8AC3E}">
-        <p14:creationId xmlns:p14="http://schemas.microsoft.com/office/powerpoint/2010/main" val="4010339127"/>
+        <p14:creationId xmlns:p14="http://schemas.microsoft.com/office/powerpoint/2010/main" val="404185822"/>
       </p:ext>
     </p:extLst>
   </p:cSld>
@@ -3492,53 +3690,7 @@
           <a:bodyPr/>
           <a:lstStyle/>
           <a:p>
-            <a:pPr marL="0" indent="0">
-              <a:buNone/>
-            </a:pPr>
-            <a:r>
-              <a:rPr lang="en-US" sz="1000" dirty="0"/>
-              <a:t>I intentionally list our assignment first and our learning objectives second. This week our intent is to support our assignment  through our learning objectives, discussion, lecture, and examples… and not the other way around. </a:t>
-            </a:r>
-          </a:p>
-          <a:p>
-            <a:pPr marL="0" indent="0">
-              <a:buNone/>
-            </a:pPr>
             <a:endParaRPr lang="en-US" sz="1000" dirty="0"/>
-          </a:p>
-          <a:p>
-            <a:pPr marL="0" indent="0">
-              <a:buNone/>
-            </a:pPr>
-            <a:r>
-              <a:rPr lang="en-US" sz="1000" dirty="0"/>
-              <a:t>It is important to understand the concepts, practices, and principles; however, it is </a:t>
-            </a:r>
-            <a:r>
-              <a:rPr lang="en-US" sz="1000" u="sng" dirty="0"/>
-              <a:t>essential</a:t>
-            </a:r>
-            <a:r>
-              <a:rPr lang="en-US" sz="1000" dirty="0"/>
-              <a:t> that we can utilize them to deliver solutions. </a:t>
-            </a:r>
-          </a:p>
-          <a:p>
-            <a:pPr marL="0" indent="0">
-              <a:buNone/>
-            </a:pPr>
-            <a:r>
-              <a:rPr lang="en-US" sz="1000" dirty="0"/>
-              <a:t>The details of </a:t>
-            </a:r>
-            <a:r>
-              <a:rPr lang="en-US" sz="1000" dirty="0" err="1"/>
-              <a:t>FaceDraw</a:t>
-            </a:r>
-            <a:r>
-              <a:rPr lang="en-US" sz="1000" dirty="0"/>
-              <a:t> are provided in this week’s assignment. </a:t>
-            </a:r>
           </a:p>
         </p:txBody>
       </p:sp>
@@ -3568,7 +3720,7 @@
     </p:spTree>
     <p:extLst>
       <p:ext uri="{BB962C8B-B14F-4D97-AF65-F5344CB8AC3E}">
-        <p14:creationId xmlns:p14="http://schemas.microsoft.com/office/powerpoint/2010/main" val="849031050"/>
+        <p14:creationId xmlns:p14="http://schemas.microsoft.com/office/powerpoint/2010/main" val="2837534126"/>
       </p:ext>
     </p:extLst>
   </p:cSld>
@@ -3622,7 +3774,7 @@
           <a:bodyPr/>
           <a:lstStyle/>
           <a:p>
-            <a:endParaRPr lang="en-US"/>
+            <a:endParaRPr lang="en-US" sz="1000" dirty="0"/>
           </a:p>
         </p:txBody>
       </p:sp>
@@ -3644,6 +3796,220 @@
             <a:fld id="{5394DE12-7B9B-46AA-AC19-C30A49928B9B}" type="slidenum">
               <a:rPr lang="en-US" smtClean="0"/>
               <a:t>37</a:t>
+            </a:fld>
+            <a:endParaRPr lang="en-US" dirty="0"/>
+          </a:p>
+        </p:txBody>
+      </p:sp>
+    </p:spTree>
+    <p:extLst>
+      <p:ext uri="{BB962C8B-B14F-4D97-AF65-F5344CB8AC3E}">
+        <p14:creationId xmlns:p14="http://schemas.microsoft.com/office/powerpoint/2010/main" val="4010339127"/>
+      </p:ext>
+    </p:extLst>
+  </p:cSld>
+  <p:clrMapOvr>
+    <a:masterClrMapping/>
+  </p:clrMapOvr>
+</p:notes>
+</file>
+
+<file path=ppt/notesSlides/notesSlide38.xml><?xml version="1.0" encoding="utf-8"?>
+<p:notes xmlns:a="http://schemas.openxmlformats.org/drawingml/2006/main" xmlns:r="http://schemas.openxmlformats.org/officeDocument/2006/relationships" xmlns:p="http://schemas.openxmlformats.org/presentationml/2006/main">
+  <p:cSld>
+    <p:spTree>
+      <p:nvGrpSpPr>
+        <p:cNvPr id="1" name=""/>
+        <p:cNvGrpSpPr/>
+        <p:nvPr/>
+      </p:nvGrpSpPr>
+      <p:grpSpPr>
+        <a:xfrm>
+          <a:off x="0" y="0"/>
+          <a:ext cx="0" cy="0"/>
+          <a:chOff x="0" y="0"/>
+          <a:chExt cx="0" cy="0"/>
+        </a:xfrm>
+      </p:grpSpPr>
+      <p:sp>
+        <p:nvSpPr>
+          <p:cNvPr id="2" name="Slide Image Placeholder 1"/>
+          <p:cNvSpPr>
+            <a:spLocks noGrp="1" noRot="1" noChangeAspect="1"/>
+          </p:cNvSpPr>
+          <p:nvPr>
+            <p:ph type="sldImg"/>
+          </p:nvPr>
+        </p:nvSpPr>
+        <p:spPr/>
+      </p:sp>
+      <p:sp>
+        <p:nvSpPr>
+          <p:cNvPr id="3" name="Notes Placeholder 2"/>
+          <p:cNvSpPr>
+            <a:spLocks noGrp="1"/>
+          </p:cNvSpPr>
+          <p:nvPr>
+            <p:ph type="body" idx="1"/>
+          </p:nvPr>
+        </p:nvSpPr>
+        <p:spPr/>
+        <p:txBody>
+          <a:bodyPr/>
+          <a:lstStyle/>
+          <a:p>
+            <a:pPr marL="0" indent="0">
+              <a:buNone/>
+            </a:pPr>
+            <a:r>
+              <a:rPr lang="en-US" sz="1000" dirty="0"/>
+              <a:t>I intentionally list our assignment first and our learning objectives second. This week our intent is to support our assignment  through our learning objectives, discussion, lecture, and examples… and not the other way around. </a:t>
+            </a:r>
+          </a:p>
+          <a:p>
+            <a:pPr marL="0" indent="0">
+              <a:buNone/>
+            </a:pPr>
+            <a:endParaRPr lang="en-US" sz="1000" dirty="0"/>
+          </a:p>
+          <a:p>
+            <a:pPr marL="0" indent="0">
+              <a:buNone/>
+            </a:pPr>
+            <a:r>
+              <a:rPr lang="en-US" sz="1000" dirty="0"/>
+              <a:t>It is important to understand the concepts, practices, and principles; however, it is </a:t>
+            </a:r>
+            <a:r>
+              <a:rPr lang="en-US" sz="1000" u="sng" dirty="0"/>
+              <a:t>essential</a:t>
+            </a:r>
+            <a:r>
+              <a:rPr lang="en-US" sz="1000" dirty="0"/>
+              <a:t> that we can utilize them to deliver solutions. </a:t>
+            </a:r>
+          </a:p>
+          <a:p>
+            <a:pPr marL="0" indent="0">
+              <a:buNone/>
+            </a:pPr>
+            <a:r>
+              <a:rPr lang="en-US" sz="1000" dirty="0"/>
+              <a:t>The details of </a:t>
+            </a:r>
+            <a:r>
+              <a:rPr lang="en-US" sz="1000" dirty="0" err="1"/>
+              <a:t>FaceDraw</a:t>
+            </a:r>
+            <a:r>
+              <a:rPr lang="en-US" sz="1000" dirty="0"/>
+              <a:t> are provided in this week’s assignment. </a:t>
+            </a:r>
+          </a:p>
+        </p:txBody>
+      </p:sp>
+      <p:sp>
+        <p:nvSpPr>
+          <p:cNvPr id="4" name="Slide Number Placeholder 3"/>
+          <p:cNvSpPr>
+            <a:spLocks noGrp="1"/>
+          </p:cNvSpPr>
+          <p:nvPr>
+            <p:ph type="sldNum" sz="quarter" idx="10"/>
+          </p:nvPr>
+        </p:nvSpPr>
+        <p:spPr/>
+        <p:txBody>
+          <a:bodyPr/>
+          <a:lstStyle/>
+          <a:p>
+            <a:fld id="{5394DE12-7B9B-46AA-AC19-C30A49928B9B}" type="slidenum">
+              <a:rPr lang="en-US" smtClean="0"/>
+              <a:t>38</a:t>
+            </a:fld>
+            <a:endParaRPr lang="en-US"/>
+          </a:p>
+        </p:txBody>
+      </p:sp>
+    </p:spTree>
+    <p:extLst>
+      <p:ext uri="{BB962C8B-B14F-4D97-AF65-F5344CB8AC3E}">
+        <p14:creationId xmlns:p14="http://schemas.microsoft.com/office/powerpoint/2010/main" val="849031050"/>
+      </p:ext>
+    </p:extLst>
+  </p:cSld>
+  <p:clrMapOvr>
+    <a:masterClrMapping/>
+  </p:clrMapOvr>
+</p:notes>
+</file>
+
+<file path=ppt/notesSlides/notesSlide39.xml><?xml version="1.0" encoding="utf-8"?>
+<p:notes xmlns:a="http://schemas.openxmlformats.org/drawingml/2006/main" xmlns:r="http://schemas.openxmlformats.org/officeDocument/2006/relationships" xmlns:p="http://schemas.openxmlformats.org/presentationml/2006/main">
+  <p:cSld>
+    <p:spTree>
+      <p:nvGrpSpPr>
+        <p:cNvPr id="1" name=""/>
+        <p:cNvGrpSpPr/>
+        <p:nvPr/>
+      </p:nvGrpSpPr>
+      <p:grpSpPr>
+        <a:xfrm>
+          <a:off x="0" y="0"/>
+          <a:ext cx="0" cy="0"/>
+          <a:chOff x="0" y="0"/>
+          <a:chExt cx="0" cy="0"/>
+        </a:xfrm>
+      </p:grpSpPr>
+      <p:sp>
+        <p:nvSpPr>
+          <p:cNvPr id="2" name="Slide Image Placeholder 1"/>
+          <p:cNvSpPr>
+            <a:spLocks noGrp="1" noRot="1" noChangeAspect="1"/>
+          </p:cNvSpPr>
+          <p:nvPr>
+            <p:ph type="sldImg"/>
+          </p:nvPr>
+        </p:nvSpPr>
+        <p:spPr/>
+      </p:sp>
+      <p:sp>
+        <p:nvSpPr>
+          <p:cNvPr id="3" name="Notes Placeholder 2"/>
+          <p:cNvSpPr>
+            <a:spLocks noGrp="1"/>
+          </p:cNvSpPr>
+          <p:nvPr>
+            <p:ph type="body" idx="1"/>
+          </p:nvPr>
+        </p:nvSpPr>
+        <p:spPr/>
+        <p:txBody>
+          <a:bodyPr/>
+          <a:lstStyle/>
+          <a:p>
+            <a:endParaRPr lang="en-US"/>
+          </a:p>
+        </p:txBody>
+      </p:sp>
+      <p:sp>
+        <p:nvSpPr>
+          <p:cNvPr id="4" name="Slide Number Placeholder 3"/>
+          <p:cNvSpPr>
+            <a:spLocks noGrp="1"/>
+          </p:cNvSpPr>
+          <p:nvPr>
+            <p:ph type="sldNum" sz="quarter" idx="10"/>
+          </p:nvPr>
+        </p:nvSpPr>
+        <p:spPr/>
+        <p:txBody>
+          <a:bodyPr/>
+          <a:lstStyle/>
+          <a:p>
+            <a:fld id="{5394DE12-7B9B-46AA-AC19-C30A49928B9B}" type="slidenum">
+              <a:rPr lang="en-US" smtClean="0"/>
+              <a:t>39</a:t>
             </a:fld>
             <a:endParaRPr lang="en-US"/>
           </a:p>
@@ -4707,7 +5073,7 @@
           <a:p>
             <a:fld id="{969F32F5-AB1C-41B2-AE79-C9DE1D1745A4}" type="datetimeFigureOut">
               <a:rPr lang="en-US" smtClean="0"/>
-              <a:t>4/1/2017</a:t>
+              <a:t>4/4/2017</a:t>
             </a:fld>
             <a:endParaRPr lang="en-US"/>
           </a:p>
@@ -4875,7 +5241,7 @@
           <a:p>
             <a:fld id="{969F32F5-AB1C-41B2-AE79-C9DE1D1745A4}" type="datetimeFigureOut">
               <a:rPr lang="en-US" smtClean="0"/>
-              <a:t>4/1/2017</a:t>
+              <a:t>4/4/2017</a:t>
             </a:fld>
             <a:endParaRPr lang="en-US"/>
           </a:p>
@@ -5053,7 +5419,7 @@
           <a:p>
             <a:fld id="{969F32F5-AB1C-41B2-AE79-C9DE1D1745A4}" type="datetimeFigureOut">
               <a:rPr lang="en-US" smtClean="0"/>
-              <a:t>4/1/2017</a:t>
+              <a:t>4/4/2017</a:t>
             </a:fld>
             <a:endParaRPr lang="en-US"/>
           </a:p>
@@ -5221,7 +5587,7 @@
           <a:p>
             <a:fld id="{969F32F5-AB1C-41B2-AE79-C9DE1D1745A4}" type="datetimeFigureOut">
               <a:rPr lang="en-US" smtClean="0"/>
-              <a:t>4/1/2017</a:t>
+              <a:t>4/4/2017</a:t>
             </a:fld>
             <a:endParaRPr lang="en-US"/>
           </a:p>
@@ -5466,7 +5832,7 @@
           <a:p>
             <a:fld id="{969F32F5-AB1C-41B2-AE79-C9DE1D1745A4}" type="datetimeFigureOut">
               <a:rPr lang="en-US" smtClean="0"/>
-              <a:t>4/1/2017</a:t>
+              <a:t>4/4/2017</a:t>
             </a:fld>
             <a:endParaRPr lang="en-US"/>
           </a:p>
@@ -5695,7 +6061,7 @@
           <a:p>
             <a:fld id="{969F32F5-AB1C-41B2-AE79-C9DE1D1745A4}" type="datetimeFigureOut">
               <a:rPr lang="en-US" smtClean="0"/>
-              <a:t>4/1/2017</a:t>
+              <a:t>4/4/2017</a:t>
             </a:fld>
             <a:endParaRPr lang="en-US"/>
           </a:p>
@@ -6059,7 +6425,7 @@
           <a:p>
             <a:fld id="{969F32F5-AB1C-41B2-AE79-C9DE1D1745A4}" type="datetimeFigureOut">
               <a:rPr lang="en-US" smtClean="0"/>
-              <a:t>4/1/2017</a:t>
+              <a:t>4/4/2017</a:t>
             </a:fld>
             <a:endParaRPr lang="en-US"/>
           </a:p>
@@ -6176,7 +6542,7 @@
           <a:p>
             <a:fld id="{969F32F5-AB1C-41B2-AE79-C9DE1D1745A4}" type="datetimeFigureOut">
               <a:rPr lang="en-US" smtClean="0"/>
-              <a:t>4/1/2017</a:t>
+              <a:t>4/4/2017</a:t>
             </a:fld>
             <a:endParaRPr lang="en-US"/>
           </a:p>
@@ -6271,7 +6637,7 @@
           <a:p>
             <a:fld id="{969F32F5-AB1C-41B2-AE79-C9DE1D1745A4}" type="datetimeFigureOut">
               <a:rPr lang="en-US" smtClean="0"/>
-              <a:t>4/1/2017</a:t>
+              <a:t>4/4/2017</a:t>
             </a:fld>
             <a:endParaRPr lang="en-US"/>
           </a:p>
@@ -6546,7 +6912,7 @@
           <a:p>
             <a:fld id="{969F32F5-AB1C-41B2-AE79-C9DE1D1745A4}" type="datetimeFigureOut">
               <a:rPr lang="en-US" smtClean="0"/>
-              <a:t>4/1/2017</a:t>
+              <a:t>4/4/2017</a:t>
             </a:fld>
             <a:endParaRPr lang="en-US"/>
           </a:p>
@@ -6798,7 +7164,7 @@
           <a:p>
             <a:fld id="{969F32F5-AB1C-41B2-AE79-C9DE1D1745A4}" type="datetimeFigureOut">
               <a:rPr lang="en-US" smtClean="0"/>
-              <a:t>4/1/2017</a:t>
+              <a:t>4/4/2017</a:t>
             </a:fld>
             <a:endParaRPr lang="en-US"/>
           </a:p>
@@ -7009,7 +7375,7 @@
           <a:p>
             <a:fld id="{969F32F5-AB1C-41B2-AE79-C9DE1D1745A4}" type="datetimeFigureOut">
               <a:rPr lang="en-US" smtClean="0"/>
-              <a:t>4/1/2017</a:t>
+              <a:t>4/4/2017</a:t>
             </a:fld>
             <a:endParaRPr lang="en-US"/>
           </a:p>
@@ -10972,7 +11338,7 @@
             </a:pPr>
             <a:r>
               <a:rPr lang="en-US" sz="2000" dirty="0"/>
-              <a:t>Review where we left off is session 1</a:t>
+              <a:t>Review where we left off after sessions 1 and 2… and what to expect in session 4</a:t>
             </a:r>
           </a:p>
           <a:p>
@@ -10982,7 +11348,7 @@
             </a:pPr>
             <a:r>
               <a:rPr lang="en-US" sz="2000" dirty="0"/>
-              <a:t>Identify the goal of session 2</a:t>
+              <a:t>Graphics Object and drawing and Layout Manager review</a:t>
             </a:r>
           </a:p>
           <a:p>
@@ -10992,11 +11358,11 @@
             </a:pPr>
             <a:r>
               <a:rPr lang="en-US" sz="2000" dirty="0"/>
-              <a:t>Implement </a:t>
+              <a:t>Update </a:t>
             </a:r>
             <a:r>
               <a:rPr lang="en-US" sz="2000" dirty="0" err="1"/>
-              <a:t>ShapesLibrary.class</a:t>
+              <a:t>ShapesLibrary</a:t>
             </a:r>
             <a:r>
               <a:rPr lang="en-US" sz="2000" dirty="0"/>
@@ -11010,8 +11376,58 @@
             </a:pPr>
             <a:r>
               <a:rPr lang="en-US" sz="2000" dirty="0"/>
-              <a:t>Get ready for Graphics drawing session</a:t>
-            </a:r>
+              <a:t>Implement </a:t>
+            </a:r>
+            <a:r>
+              <a:rPr lang="en-US" sz="2000" dirty="0" err="1"/>
+              <a:t>ShapeDraw</a:t>
+            </a:r>
+            <a:r>
+              <a:rPr lang="en-US" sz="2000" dirty="0"/>
+              <a:t> application</a:t>
+            </a:r>
+          </a:p>
+          <a:p>
+            <a:pPr marL="457200" indent="-457200">
+              <a:buFont typeface="+mj-lt"/>
+              <a:buAutoNum type="arabicPeriod"/>
+            </a:pPr>
+            <a:r>
+              <a:rPr lang="en-US" sz="2000" dirty="0"/>
+              <a:t>Possible next steps for implementing </a:t>
+            </a:r>
+            <a:r>
+              <a:rPr lang="en-US" sz="2000" dirty="0" err="1"/>
+              <a:t>FaceDraw</a:t>
+            </a:r>
+            <a:endParaRPr lang="en-US" sz="2000" dirty="0"/>
+          </a:p>
+          <a:p>
+            <a:pPr marL="457200" indent="-457200">
+              <a:buFont typeface="+mj-lt"/>
+              <a:buAutoNum type="arabicPeriod"/>
+            </a:pPr>
+            <a:r>
+              <a:rPr lang="en-US" sz="2000" dirty="0"/>
+              <a:t>Questions &amp; Answers</a:t>
+            </a:r>
+          </a:p>
+          <a:p>
+            <a:pPr marL="457200" indent="-457200">
+              <a:buFont typeface="+mj-lt"/>
+              <a:buAutoNum type="arabicPeriod"/>
+            </a:pPr>
+            <a:r>
+              <a:rPr lang="en-US" sz="2000" dirty="0"/>
+              <a:t>Closing Comments</a:t>
+            </a:r>
+          </a:p>
+          <a:p>
+            <a:pPr marL="457200" indent="-457200">
+              <a:buFont typeface="+mj-lt"/>
+              <a:buAutoNum type="arabicPeriod"/>
+            </a:pPr>
+            <a:endParaRPr lang="en-US" sz="2000" dirty="0"/>
           </a:p>
         </p:txBody>
       </p:sp>
@@ -11480,6 +11896,514 @@
           <a:chExt cx="0" cy="0"/>
         </a:xfrm>
       </p:grpSpPr>
+      <p:sp>
+        <p:nvSpPr>
+          <p:cNvPr id="2" name="Title 1"/>
+          <p:cNvSpPr>
+            <a:spLocks noGrp="1"/>
+          </p:cNvSpPr>
+          <p:nvPr>
+            <p:ph type="title"/>
+          </p:nvPr>
+        </p:nvSpPr>
+        <p:spPr/>
+        <p:txBody>
+          <a:bodyPr>
+            <a:normAutofit/>
+          </a:bodyPr>
+          <a:lstStyle/>
+          <a:p>
+            <a:r>
+              <a:rPr lang="en-US" sz="3600" dirty="0"/>
+              <a:t>Layout Managers (continued)</a:t>
+            </a:r>
+          </a:p>
+        </p:txBody>
+      </p:sp>
+      <p:sp>
+        <p:nvSpPr>
+          <p:cNvPr id="3" name="Content Placeholder 2"/>
+          <p:cNvSpPr>
+            <a:spLocks noGrp="1"/>
+          </p:cNvSpPr>
+          <p:nvPr>
+            <p:ph idx="1"/>
+          </p:nvPr>
+        </p:nvSpPr>
+        <p:spPr>
+          <a:xfrm>
+            <a:off x="838198" y="1525772"/>
+            <a:ext cx="10515601" cy="4651191"/>
+          </a:xfrm>
+        </p:spPr>
+        <p:txBody>
+          <a:bodyPr>
+            <a:normAutofit/>
+          </a:bodyPr>
+          <a:lstStyle/>
+          <a:p>
+            <a:pPr marL="0" indent="0">
+              <a:buNone/>
+            </a:pPr>
+            <a:r>
+              <a:rPr lang="en-US" sz="2000" dirty="0"/>
+              <a:t>Layout Managers arrange controls on the screen so they are visually appealing. We will be focusing on three very common Layout Managers: </a:t>
+            </a:r>
+          </a:p>
+          <a:p>
+            <a:r>
+              <a:rPr lang="en-US" sz="2000" dirty="0" err="1"/>
+              <a:t>FlowLayout</a:t>
+            </a:r>
+            <a:r>
+              <a:rPr lang="en-US" sz="2000" dirty="0"/>
+              <a:t>: Arranges components left to right, top to bottom. When a </a:t>
+            </a:r>
+            <a:r>
+              <a:rPr lang="en-US" sz="2000" dirty="0" err="1"/>
+              <a:t>FlowLayout</a:t>
+            </a:r>
+            <a:r>
+              <a:rPr lang="en-US" sz="2000" dirty="0"/>
+              <a:t> runs out of room horizontally on a row, it places the next component as far left as it can go on the row below.</a:t>
+            </a:r>
+          </a:p>
+          <a:p>
+            <a:r>
+              <a:rPr lang="en-US" sz="2000" dirty="0" err="1"/>
+              <a:t>BorderLayout</a:t>
+            </a:r>
+            <a:r>
+              <a:rPr lang="en-US" sz="2000" dirty="0"/>
+              <a:t>: Arranges components in NORTH, SOUTH, EAST, WEST, and CENTER sections.</a:t>
+            </a:r>
+          </a:p>
+          <a:p>
+            <a:r>
+              <a:rPr lang="en-US" sz="2000" dirty="0" err="1"/>
+              <a:t>GridLayout</a:t>
+            </a:r>
+            <a:r>
+              <a:rPr lang="en-US" sz="2000" dirty="0"/>
+              <a:t>: Arranges components in an Excel-like table of rows and columns.</a:t>
+            </a:r>
+          </a:p>
+          <a:p>
+            <a:pPr marL="0" indent="0">
+              <a:buNone/>
+            </a:pPr>
+            <a:endParaRPr lang="en-US" sz="2000" dirty="0"/>
+          </a:p>
+          <a:p>
+            <a:endParaRPr lang="en-US" sz="2000" dirty="0"/>
+          </a:p>
+        </p:txBody>
+      </p:sp>
+      <p:pic>
+        <p:nvPicPr>
+          <p:cNvPr id="4" name="Picture 3"/>
+          <p:cNvPicPr>
+            <a:picLocks noChangeAspect="1"/>
+          </p:cNvPicPr>
+          <p:nvPr/>
+        </p:nvPicPr>
+        <p:blipFill>
+          <a:blip r:embed="rId3"/>
+          <a:stretch>
+            <a:fillRect/>
+          </a:stretch>
+        </p:blipFill>
+        <p:spPr>
+          <a:xfrm>
+            <a:off x="1833562" y="4767248"/>
+            <a:ext cx="3934600" cy="1506172"/>
+          </a:xfrm>
+          <a:prstGeom prst="rect">
+            <a:avLst/>
+          </a:prstGeom>
+        </p:spPr>
+      </p:pic>
+      <p:pic>
+        <p:nvPicPr>
+          <p:cNvPr id="5" name="Picture 4"/>
+          <p:cNvPicPr>
+            <a:picLocks noChangeAspect="1"/>
+          </p:cNvPicPr>
+          <p:nvPr/>
+        </p:nvPicPr>
+        <p:blipFill>
+          <a:blip r:embed="rId4"/>
+          <a:stretch>
+            <a:fillRect/>
+          </a:stretch>
+        </p:blipFill>
+        <p:spPr>
+          <a:xfrm>
+            <a:off x="1094322" y="4003529"/>
+            <a:ext cx="4333599" cy="641102"/>
+          </a:xfrm>
+          <a:prstGeom prst="rect">
+            <a:avLst/>
+          </a:prstGeom>
+        </p:spPr>
+      </p:pic>
+      <p:pic>
+        <p:nvPicPr>
+          <p:cNvPr id="6" name="Picture 5"/>
+          <p:cNvPicPr>
+            <a:picLocks noChangeAspect="1"/>
+          </p:cNvPicPr>
+          <p:nvPr/>
+        </p:nvPicPr>
+        <p:blipFill>
+          <a:blip r:embed="rId5"/>
+          <a:stretch>
+            <a:fillRect/>
+          </a:stretch>
+        </p:blipFill>
+        <p:spPr>
+          <a:xfrm>
+            <a:off x="6181440" y="4003529"/>
+            <a:ext cx="2749632" cy="1814306"/>
+          </a:xfrm>
+          <a:prstGeom prst="rect">
+            <a:avLst/>
+          </a:prstGeom>
+        </p:spPr>
+      </p:pic>
+    </p:spTree>
+    <p:extLst>
+      <p:ext uri="{BB962C8B-B14F-4D97-AF65-F5344CB8AC3E}">
+        <p14:creationId xmlns:p14="http://schemas.microsoft.com/office/powerpoint/2010/main" val="671458879"/>
+      </p:ext>
+    </p:extLst>
+  </p:cSld>
+  <p:clrMapOvr>
+    <a:masterClrMapping/>
+  </p:clrMapOvr>
+  <p:timing>
+    <p:tnLst>
+      <p:par>
+        <p:cTn id="1" dur="indefinite" restart="never" nodeType="tmRoot">
+          <p:childTnLst>
+            <p:seq concurrent="1" nextAc="seek">
+              <p:cTn id="2" dur="indefinite" nodeType="mainSeq">
+                <p:childTnLst>
+                  <p:par>
+                    <p:cTn id="3" fill="hold">
+                      <p:stCondLst>
+                        <p:cond delay="indefinite"/>
+                      </p:stCondLst>
+                      <p:childTnLst>
+                        <p:par>
+                          <p:cTn id="4" fill="hold">
+                            <p:stCondLst>
+                              <p:cond delay="0"/>
+                            </p:stCondLst>
+                            <p:childTnLst>
+                              <p:par>
+                                <p:cTn id="5" presetID="2" presetClass="entr" presetSubtype="4" fill="hold" nodeType="clickEffect">
+                                  <p:stCondLst>
+                                    <p:cond delay="0"/>
+                                  </p:stCondLst>
+                                  <p:childTnLst>
+                                    <p:set>
+                                      <p:cBhvr>
+                                        <p:cTn id="6" dur="1" fill="hold">
+                                          <p:stCondLst>
+                                            <p:cond delay="0"/>
+                                          </p:stCondLst>
+                                        </p:cTn>
+                                        <p:tgtEl>
+                                          <p:spTgt spid="5"/>
+                                        </p:tgtEl>
+                                        <p:attrNameLst>
+                                          <p:attrName>style.visibility</p:attrName>
+                                        </p:attrNameLst>
+                                      </p:cBhvr>
+                                      <p:to>
+                                        <p:strVal val="visible"/>
+                                      </p:to>
+                                    </p:set>
+                                    <p:anim calcmode="lin" valueType="num">
+                                      <p:cBhvr additive="base">
+                                        <p:cTn id="7" dur="500" fill="hold"/>
+                                        <p:tgtEl>
+                                          <p:spTgt spid="5"/>
+                                        </p:tgtEl>
+                                        <p:attrNameLst>
+                                          <p:attrName>ppt_x</p:attrName>
+                                        </p:attrNameLst>
+                                      </p:cBhvr>
+                                      <p:tavLst>
+                                        <p:tav tm="0">
+                                          <p:val>
+                                            <p:strVal val="#ppt_x"/>
+                                          </p:val>
+                                        </p:tav>
+                                        <p:tav tm="100000">
+                                          <p:val>
+                                            <p:strVal val="#ppt_x"/>
+                                          </p:val>
+                                        </p:tav>
+                                      </p:tavLst>
+                                    </p:anim>
+                                    <p:anim calcmode="lin" valueType="num">
+                                      <p:cBhvr additive="base">
+                                        <p:cTn id="8" dur="500" fill="hold"/>
+                                        <p:tgtEl>
+                                          <p:spTgt spid="5"/>
+                                        </p:tgtEl>
+                                        <p:attrNameLst>
+                                          <p:attrName>ppt_y</p:attrName>
+                                        </p:attrNameLst>
+                                      </p:cBhvr>
+                                      <p:tavLst>
+                                        <p:tav tm="0">
+                                          <p:val>
+                                            <p:strVal val="1+#ppt_h/2"/>
+                                          </p:val>
+                                        </p:tav>
+                                        <p:tav tm="100000">
+                                          <p:val>
+                                            <p:strVal val="#ppt_y"/>
+                                          </p:val>
+                                        </p:tav>
+                                      </p:tavLst>
+                                    </p:anim>
+                                  </p:childTnLst>
+                                </p:cTn>
+                              </p:par>
+                            </p:childTnLst>
+                          </p:cTn>
+                        </p:par>
+                      </p:childTnLst>
+                    </p:cTn>
+                  </p:par>
+                  <p:par>
+                    <p:cTn id="9" fill="hold">
+                      <p:stCondLst>
+                        <p:cond delay="indefinite"/>
+                      </p:stCondLst>
+                      <p:childTnLst>
+                        <p:par>
+                          <p:cTn id="10" fill="hold">
+                            <p:stCondLst>
+                              <p:cond delay="0"/>
+                            </p:stCondLst>
+                            <p:childTnLst>
+                              <p:par>
+                                <p:cTn id="11" presetID="2" presetClass="entr" presetSubtype="4" fill="hold" nodeType="clickEffect">
+                                  <p:stCondLst>
+                                    <p:cond delay="0"/>
+                                  </p:stCondLst>
+                                  <p:childTnLst>
+                                    <p:set>
+                                      <p:cBhvr>
+                                        <p:cTn id="12" dur="1" fill="hold">
+                                          <p:stCondLst>
+                                            <p:cond delay="0"/>
+                                          </p:stCondLst>
+                                        </p:cTn>
+                                        <p:tgtEl>
+                                          <p:spTgt spid="4"/>
+                                        </p:tgtEl>
+                                        <p:attrNameLst>
+                                          <p:attrName>style.visibility</p:attrName>
+                                        </p:attrNameLst>
+                                      </p:cBhvr>
+                                      <p:to>
+                                        <p:strVal val="visible"/>
+                                      </p:to>
+                                    </p:set>
+                                    <p:anim calcmode="lin" valueType="num">
+                                      <p:cBhvr additive="base">
+                                        <p:cTn id="13" dur="500" fill="hold"/>
+                                        <p:tgtEl>
+                                          <p:spTgt spid="4"/>
+                                        </p:tgtEl>
+                                        <p:attrNameLst>
+                                          <p:attrName>ppt_x</p:attrName>
+                                        </p:attrNameLst>
+                                      </p:cBhvr>
+                                      <p:tavLst>
+                                        <p:tav tm="0">
+                                          <p:val>
+                                            <p:strVal val="#ppt_x"/>
+                                          </p:val>
+                                        </p:tav>
+                                        <p:tav tm="100000">
+                                          <p:val>
+                                            <p:strVal val="#ppt_x"/>
+                                          </p:val>
+                                        </p:tav>
+                                      </p:tavLst>
+                                    </p:anim>
+                                    <p:anim calcmode="lin" valueType="num">
+                                      <p:cBhvr additive="base">
+                                        <p:cTn id="14" dur="500" fill="hold"/>
+                                        <p:tgtEl>
+                                          <p:spTgt spid="4"/>
+                                        </p:tgtEl>
+                                        <p:attrNameLst>
+                                          <p:attrName>ppt_y</p:attrName>
+                                        </p:attrNameLst>
+                                      </p:cBhvr>
+                                      <p:tavLst>
+                                        <p:tav tm="0">
+                                          <p:val>
+                                            <p:strVal val="1+#ppt_h/2"/>
+                                          </p:val>
+                                        </p:tav>
+                                        <p:tav tm="100000">
+                                          <p:val>
+                                            <p:strVal val="#ppt_y"/>
+                                          </p:val>
+                                        </p:tav>
+                                      </p:tavLst>
+                                    </p:anim>
+                                  </p:childTnLst>
+                                </p:cTn>
+                              </p:par>
+                            </p:childTnLst>
+                          </p:cTn>
+                        </p:par>
+                      </p:childTnLst>
+                    </p:cTn>
+                  </p:par>
+                  <p:par>
+                    <p:cTn id="15" fill="hold">
+                      <p:stCondLst>
+                        <p:cond delay="indefinite"/>
+                      </p:stCondLst>
+                      <p:childTnLst>
+                        <p:par>
+                          <p:cTn id="16" fill="hold">
+                            <p:stCondLst>
+                              <p:cond delay="0"/>
+                            </p:stCondLst>
+                            <p:childTnLst>
+                              <p:par>
+                                <p:cTn id="17" presetID="2" presetClass="entr" presetSubtype="4" fill="hold" nodeType="clickEffect">
+                                  <p:stCondLst>
+                                    <p:cond delay="0"/>
+                                  </p:stCondLst>
+                                  <p:childTnLst>
+                                    <p:set>
+                                      <p:cBhvr>
+                                        <p:cTn id="18" dur="1" fill="hold">
+                                          <p:stCondLst>
+                                            <p:cond delay="0"/>
+                                          </p:stCondLst>
+                                        </p:cTn>
+                                        <p:tgtEl>
+                                          <p:spTgt spid="6"/>
+                                        </p:tgtEl>
+                                        <p:attrNameLst>
+                                          <p:attrName>style.visibility</p:attrName>
+                                        </p:attrNameLst>
+                                      </p:cBhvr>
+                                      <p:to>
+                                        <p:strVal val="visible"/>
+                                      </p:to>
+                                    </p:set>
+                                    <p:anim calcmode="lin" valueType="num">
+                                      <p:cBhvr additive="base">
+                                        <p:cTn id="19" dur="500" fill="hold"/>
+                                        <p:tgtEl>
+                                          <p:spTgt spid="6"/>
+                                        </p:tgtEl>
+                                        <p:attrNameLst>
+                                          <p:attrName>ppt_x</p:attrName>
+                                        </p:attrNameLst>
+                                      </p:cBhvr>
+                                      <p:tavLst>
+                                        <p:tav tm="0">
+                                          <p:val>
+                                            <p:strVal val="#ppt_x"/>
+                                          </p:val>
+                                        </p:tav>
+                                        <p:tav tm="100000">
+                                          <p:val>
+                                            <p:strVal val="#ppt_x"/>
+                                          </p:val>
+                                        </p:tav>
+                                      </p:tavLst>
+                                    </p:anim>
+                                    <p:anim calcmode="lin" valueType="num">
+                                      <p:cBhvr additive="base">
+                                        <p:cTn id="20" dur="500" fill="hold"/>
+                                        <p:tgtEl>
+                                          <p:spTgt spid="6"/>
+                                        </p:tgtEl>
+                                        <p:attrNameLst>
+                                          <p:attrName>ppt_y</p:attrName>
+                                        </p:attrNameLst>
+                                      </p:cBhvr>
+                                      <p:tavLst>
+                                        <p:tav tm="0">
+                                          <p:val>
+                                            <p:strVal val="1+#ppt_h/2"/>
+                                          </p:val>
+                                        </p:tav>
+                                        <p:tav tm="100000">
+                                          <p:val>
+                                            <p:strVal val="#ppt_y"/>
+                                          </p:val>
+                                        </p:tav>
+                                      </p:tavLst>
+                                    </p:anim>
+                                  </p:childTnLst>
+                                </p:cTn>
+                              </p:par>
+                            </p:childTnLst>
+                          </p:cTn>
+                        </p:par>
+                      </p:childTnLst>
+                    </p:cTn>
+                  </p:par>
+                </p:childTnLst>
+              </p:cTn>
+              <p:prevCondLst>
+                <p:cond evt="onPrev" delay="0">
+                  <p:tgtEl>
+                    <p:sldTgt/>
+                  </p:tgtEl>
+                </p:cond>
+              </p:prevCondLst>
+              <p:nextCondLst>
+                <p:cond evt="onNext" delay="0">
+                  <p:tgtEl>
+                    <p:sldTgt/>
+                  </p:tgtEl>
+                </p:cond>
+              </p:nextCondLst>
+            </p:seq>
+          </p:childTnLst>
+        </p:cTn>
+      </p:par>
+    </p:tnLst>
+  </p:timing>
+</p:sld>
+</file>
+
+<file path=ppt/slides/slide28.xml><?xml version="1.0" encoding="utf-8"?>
+<p:sld xmlns:a="http://schemas.openxmlformats.org/drawingml/2006/main" xmlns:r="http://schemas.openxmlformats.org/officeDocument/2006/relationships" xmlns:p="http://schemas.openxmlformats.org/presentationml/2006/main">
+  <p:cSld>
+    <p:spTree>
+      <p:nvGrpSpPr>
+        <p:cNvPr id="1" name=""/>
+        <p:cNvGrpSpPr/>
+        <p:nvPr/>
+      </p:nvGrpSpPr>
+      <p:grpSpPr>
+        <a:xfrm>
+          <a:off x="0" y="0"/>
+          <a:ext cx="0" cy="0"/>
+          <a:chOff x="0" y="0"/>
+          <a:chExt cx="0" cy="0"/>
+        </a:xfrm>
+      </p:grpSpPr>
       <p:pic>
         <p:nvPicPr>
           <p:cNvPr id="5" name="Picture 4"/>
@@ -11706,7 +12630,7 @@
 </p:sld>
 </file>
 
-<file path=ppt/slides/slide28.xml><?xml version="1.0" encoding="utf-8"?>
+<file path=ppt/slides/slide29.xml><?xml version="1.0" encoding="utf-8"?>
 <p:sld xmlns:a="http://schemas.openxmlformats.org/drawingml/2006/main" xmlns:r="http://schemas.openxmlformats.org/officeDocument/2006/relationships" xmlns:p="http://schemas.openxmlformats.org/presentationml/2006/main">
   <p:cSld>
     <p:spTree>
@@ -11757,15 +12681,217 @@
             <p:ph idx="1"/>
           </p:nvPr>
         </p:nvSpPr>
-        <p:spPr/>
-        <p:txBody>
-          <a:bodyPr/>
-          <a:lstStyle/>
-          <a:p>
-            <a:endParaRPr lang="en-US"/>
-          </a:p>
-        </p:txBody>
-      </p:sp>
+        <p:spPr>
+          <a:xfrm>
+            <a:off x="838200" y="1458802"/>
+            <a:ext cx="10515600" cy="4351338"/>
+          </a:xfrm>
+        </p:spPr>
+        <p:txBody>
+          <a:bodyPr>
+            <a:normAutofit/>
+          </a:bodyPr>
+          <a:lstStyle/>
+          <a:p>
+            <a:pPr marL="0" indent="0">
+              <a:buNone/>
+            </a:pPr>
+            <a:r>
+              <a:rPr lang="en-US" sz="2000" dirty="0"/>
+              <a:t>Our Discussion &amp; Lecture Session will be focuses on giving you some insights in methods you may want to use in implementing </a:t>
+            </a:r>
+            <a:r>
+              <a:rPr lang="en-US" sz="2000" dirty="0" err="1"/>
+              <a:t>FaceDraw</a:t>
+            </a:r>
+            <a:r>
+              <a:rPr lang="en-US" sz="2000" dirty="0"/>
+              <a:t> including:</a:t>
+            </a:r>
+          </a:p>
+          <a:p>
+            <a:pPr marL="457200" indent="-457200">
+              <a:buFont typeface="+mj-lt"/>
+              <a:buAutoNum type="arabicPeriod"/>
+            </a:pPr>
+            <a:r>
+              <a:rPr lang="en-US" sz="2000" dirty="0"/>
+              <a:t>Update </a:t>
+            </a:r>
+            <a:r>
+              <a:rPr lang="en-US" sz="2000" dirty="0" err="1"/>
+              <a:t>ShapesLibrary</a:t>
+            </a:r>
+            <a:r>
+              <a:rPr lang="en-US" sz="2000" dirty="0"/>
+              <a:t> to:</a:t>
+            </a:r>
+          </a:p>
+          <a:p>
+            <a:pPr lvl="1"/>
+            <a:r>
+              <a:rPr lang="en-US" sz="1600" dirty="0"/>
+              <a:t>Include width &amp; height in the base Shapes class so that we can use them Polymorphically</a:t>
+            </a:r>
+          </a:p>
+          <a:p>
+            <a:pPr lvl="1"/>
+            <a:r>
+              <a:rPr lang="en-US" sz="1600" dirty="0"/>
+              <a:t>Define the specifics for position x &amp; y… lower left corner of shape</a:t>
+            </a:r>
+          </a:p>
+          <a:p>
+            <a:pPr lvl="1"/>
+            <a:r>
+              <a:rPr lang="en-US" sz="1600" dirty="0"/>
+              <a:t>Updating Circle so that it utilizes width &amp; height instead of radius</a:t>
+            </a:r>
+          </a:p>
+          <a:p>
+            <a:pPr lvl="1"/>
+            <a:r>
+              <a:rPr lang="en-US" sz="1600" dirty="0"/>
+              <a:t>Create Oval which can now more easily be descended from Circle</a:t>
+            </a:r>
+          </a:p>
+          <a:p>
+            <a:pPr marL="457200" indent="-457200">
+              <a:buFont typeface="+mj-lt"/>
+              <a:buAutoNum type="arabicPeriod"/>
+            </a:pPr>
+            <a:r>
+              <a:rPr lang="en-US" sz="2000" dirty="0"/>
+              <a:t>Create a new </a:t>
+            </a:r>
+            <a:r>
+              <a:rPr lang="en-US" sz="2000" dirty="0" err="1"/>
+              <a:t>ShapeDraw</a:t>
+            </a:r>
+            <a:r>
+              <a:rPr lang="en-US" sz="2000" dirty="0"/>
+              <a:t> application that will leverage the new Oval class from </a:t>
+            </a:r>
+            <a:r>
+              <a:rPr lang="en-US" sz="2000" dirty="0" err="1"/>
+              <a:t>ShapesLibrary</a:t>
+            </a:r>
+            <a:endParaRPr lang="en-US" sz="2000" dirty="0"/>
+          </a:p>
+          <a:p>
+            <a:pPr marL="457200" indent="-457200">
+              <a:buFont typeface="+mj-lt"/>
+              <a:buAutoNum type="arabicPeriod"/>
+            </a:pPr>
+            <a:r>
+              <a:rPr lang="en-US" sz="2000" dirty="0"/>
+              <a:t>Create </a:t>
+            </a:r>
+            <a:r>
+              <a:rPr lang="en-US" sz="2000" dirty="0" err="1"/>
+              <a:t>OvalDraw</a:t>
+            </a:r>
+            <a:r>
+              <a:rPr lang="en-US" sz="2000" dirty="0"/>
+              <a:t> application</a:t>
+            </a:r>
+          </a:p>
+          <a:p>
+            <a:pPr marL="457200" indent="-457200">
+              <a:buFont typeface="+mj-lt"/>
+              <a:buAutoNum type="arabicPeriod"/>
+            </a:pPr>
+            <a:r>
+              <a:rPr lang="en-US" sz="2000" dirty="0"/>
+              <a:t>Implement </a:t>
+            </a:r>
+            <a:r>
+              <a:rPr lang="en-US" sz="2000" dirty="0" err="1"/>
+              <a:t>JFrames</a:t>
+            </a:r>
+            <a:r>
+              <a:rPr lang="en-US" sz="2000" dirty="0"/>
+              <a:t>, </a:t>
+            </a:r>
+            <a:r>
+              <a:rPr lang="en-US" sz="2000" dirty="0" err="1"/>
+              <a:t>JPanels</a:t>
+            </a:r>
+            <a:r>
+              <a:rPr lang="en-US" sz="2000" dirty="0"/>
+              <a:t>, and </a:t>
+            </a:r>
+            <a:r>
+              <a:rPr lang="en-US" sz="2000" dirty="0" err="1"/>
+              <a:t>ArrayLists</a:t>
+            </a:r>
+            <a:endParaRPr lang="en-US" sz="2000" dirty="0"/>
+          </a:p>
+          <a:p>
+            <a:pPr marL="457200" indent="-457200">
+              <a:buFont typeface="+mj-lt"/>
+              <a:buAutoNum type="arabicPeriod"/>
+            </a:pPr>
+            <a:r>
+              <a:rPr lang="en-US" sz="2000" dirty="0"/>
+              <a:t>Add new code to GitHub</a:t>
+            </a:r>
+          </a:p>
+          <a:p>
+            <a:pPr marL="457200" indent="-457200">
+              <a:buFont typeface="+mj-lt"/>
+              <a:buAutoNum type="arabicPeriod"/>
+            </a:pPr>
+            <a:r>
+              <a:rPr lang="en-US" sz="2000" dirty="0"/>
+              <a:t>Discuss how you might enhance </a:t>
+            </a:r>
+            <a:r>
+              <a:rPr lang="en-US" sz="2000" dirty="0" err="1"/>
+              <a:t>OvalDraw</a:t>
+            </a:r>
+            <a:r>
+              <a:rPr lang="en-US" sz="2000" dirty="0"/>
+              <a:t> to </a:t>
+            </a:r>
+            <a:r>
+              <a:rPr lang="en-US" sz="2000" dirty="0" err="1"/>
+              <a:t>FaceDraw</a:t>
+            </a:r>
+            <a:endParaRPr lang="en-US" sz="2000" dirty="0"/>
+          </a:p>
+          <a:p>
+            <a:pPr marL="0" indent="0">
+              <a:buNone/>
+            </a:pPr>
+            <a:endParaRPr lang="en-US" sz="2000" dirty="0"/>
+          </a:p>
+        </p:txBody>
+      </p:sp>
+      <p:pic>
+        <p:nvPicPr>
+          <p:cNvPr id="4" name="Picture 3"/>
+          <p:cNvPicPr>
+            <a:picLocks noChangeAspect="1"/>
+          </p:cNvPicPr>
+          <p:nvPr/>
+        </p:nvPicPr>
+        <p:blipFill>
+          <a:blip r:embed="rId3"/>
+          <a:stretch>
+            <a:fillRect/>
+          </a:stretch>
+        </p:blipFill>
+        <p:spPr>
+          <a:xfrm>
+            <a:off x="8005651" y="3995295"/>
+            <a:ext cx="3902813" cy="2626634"/>
+          </a:xfrm>
+          <a:prstGeom prst="rect">
+            <a:avLst/>
+          </a:prstGeom>
+        </p:spPr>
+      </p:pic>
     </p:spTree>
     <p:extLst>
       <p:ext uri="{BB962C8B-B14F-4D97-AF65-F5344CB8AC3E}">
@@ -11776,10 +12902,479 @@
   <p:clrMapOvr>
     <a:masterClrMapping/>
   </p:clrMapOvr>
+  <p:timing>
+    <p:tnLst>
+      <p:par>
+        <p:cTn id="1" dur="indefinite" restart="never" nodeType="tmRoot">
+          <p:childTnLst>
+            <p:seq concurrent="1" nextAc="seek">
+              <p:cTn id="2" dur="indefinite" nodeType="mainSeq">
+                <p:childTnLst>
+                  <p:par>
+                    <p:cTn id="3" fill="hold">
+                      <p:stCondLst>
+                        <p:cond delay="indefinite"/>
+                      </p:stCondLst>
+                      <p:childTnLst>
+                        <p:par>
+                          <p:cTn id="4" fill="hold">
+                            <p:stCondLst>
+                              <p:cond delay="0"/>
+                            </p:stCondLst>
+                            <p:childTnLst>
+                              <p:par>
+                                <p:cTn id="5" presetID="2" presetClass="entr" presetSubtype="4" fill="hold" nodeType="clickEffect">
+                                  <p:stCondLst>
+                                    <p:cond delay="0"/>
+                                  </p:stCondLst>
+                                  <p:childTnLst>
+                                    <p:set>
+                                      <p:cBhvr>
+                                        <p:cTn id="6" dur="1" fill="hold">
+                                          <p:stCondLst>
+                                            <p:cond delay="0"/>
+                                          </p:stCondLst>
+                                        </p:cTn>
+                                        <p:tgtEl>
+                                          <p:spTgt spid="4"/>
+                                        </p:tgtEl>
+                                        <p:attrNameLst>
+                                          <p:attrName>style.visibility</p:attrName>
+                                        </p:attrNameLst>
+                                      </p:cBhvr>
+                                      <p:to>
+                                        <p:strVal val="visible"/>
+                                      </p:to>
+                                    </p:set>
+                                    <p:anim calcmode="lin" valueType="num">
+                                      <p:cBhvr additive="base">
+                                        <p:cTn id="7" dur="500" fill="hold"/>
+                                        <p:tgtEl>
+                                          <p:spTgt spid="4"/>
+                                        </p:tgtEl>
+                                        <p:attrNameLst>
+                                          <p:attrName>ppt_x</p:attrName>
+                                        </p:attrNameLst>
+                                      </p:cBhvr>
+                                      <p:tavLst>
+                                        <p:tav tm="0">
+                                          <p:val>
+                                            <p:strVal val="#ppt_x"/>
+                                          </p:val>
+                                        </p:tav>
+                                        <p:tav tm="100000">
+                                          <p:val>
+                                            <p:strVal val="#ppt_x"/>
+                                          </p:val>
+                                        </p:tav>
+                                      </p:tavLst>
+                                    </p:anim>
+                                    <p:anim calcmode="lin" valueType="num">
+                                      <p:cBhvr additive="base">
+                                        <p:cTn id="8" dur="500" fill="hold"/>
+                                        <p:tgtEl>
+                                          <p:spTgt spid="4"/>
+                                        </p:tgtEl>
+                                        <p:attrNameLst>
+                                          <p:attrName>ppt_y</p:attrName>
+                                        </p:attrNameLst>
+                                      </p:cBhvr>
+                                      <p:tavLst>
+                                        <p:tav tm="0">
+                                          <p:val>
+                                            <p:strVal val="1+#ppt_h/2"/>
+                                          </p:val>
+                                        </p:tav>
+                                        <p:tav tm="100000">
+                                          <p:val>
+                                            <p:strVal val="#ppt_y"/>
+                                          </p:val>
+                                        </p:tav>
+                                      </p:tavLst>
+                                    </p:anim>
+                                  </p:childTnLst>
+                                </p:cTn>
+                              </p:par>
+                            </p:childTnLst>
+                          </p:cTn>
+                        </p:par>
+                      </p:childTnLst>
+                    </p:cTn>
+                  </p:par>
+                </p:childTnLst>
+              </p:cTn>
+              <p:prevCondLst>
+                <p:cond evt="onPrev" delay="0">
+                  <p:tgtEl>
+                    <p:sldTgt/>
+                  </p:tgtEl>
+                </p:cond>
+              </p:prevCondLst>
+              <p:nextCondLst>
+                <p:cond evt="onNext" delay="0">
+                  <p:tgtEl>
+                    <p:sldTgt/>
+                  </p:tgtEl>
+                </p:cond>
+              </p:nextCondLst>
+            </p:seq>
+          </p:childTnLst>
+        </p:cTn>
+      </p:par>
+    </p:tnLst>
+  </p:timing>
 </p:sld>
 </file>
 
-<file path=ppt/slides/slide29.xml><?xml version="1.0" encoding="utf-8"?>
+<file path=ppt/slides/slide3.xml><?xml version="1.0" encoding="utf-8"?>
+<p:sld xmlns:a="http://schemas.openxmlformats.org/drawingml/2006/main" xmlns:r="http://schemas.openxmlformats.org/officeDocument/2006/relationships" xmlns:p="http://schemas.openxmlformats.org/presentationml/2006/main">
+  <p:cSld>
+    <p:spTree>
+      <p:nvGrpSpPr>
+        <p:cNvPr id="1" name=""/>
+        <p:cNvGrpSpPr/>
+        <p:nvPr/>
+      </p:nvGrpSpPr>
+      <p:grpSpPr>
+        <a:xfrm>
+          <a:off x="0" y="0"/>
+          <a:ext cx="0" cy="0"/>
+          <a:chOff x="0" y="0"/>
+          <a:chExt cx="0" cy="0"/>
+        </a:xfrm>
+      </p:grpSpPr>
+      <p:sp>
+        <p:nvSpPr>
+          <p:cNvPr id="2" name="Title 1"/>
+          <p:cNvSpPr>
+            <a:spLocks noGrp="1"/>
+          </p:cNvSpPr>
+          <p:nvPr>
+            <p:ph type="title"/>
+          </p:nvPr>
+        </p:nvSpPr>
+        <p:spPr>
+          <a:xfrm>
+            <a:off x="838200" y="365126"/>
+            <a:ext cx="10515600" cy="757272"/>
+          </a:xfrm>
+        </p:spPr>
+        <p:txBody>
+          <a:bodyPr>
+            <a:normAutofit/>
+          </a:bodyPr>
+          <a:lstStyle/>
+          <a:p>
+            <a:r>
+              <a:rPr lang="en-US" sz="3600" dirty="0"/>
+              <a:t>Learning Objectives – Week 3</a:t>
+            </a:r>
+            <a:endParaRPr lang="en-US" sz="3600" b="1" i="1" u="sng" dirty="0"/>
+          </a:p>
+        </p:txBody>
+      </p:sp>
+      <p:sp>
+        <p:nvSpPr>
+          <p:cNvPr id="3" name="Content Placeholder 2"/>
+          <p:cNvSpPr>
+            <a:spLocks noGrp="1"/>
+          </p:cNvSpPr>
+          <p:nvPr>
+            <p:ph idx="1"/>
+          </p:nvPr>
+        </p:nvSpPr>
+        <p:spPr>
+          <a:xfrm>
+            <a:off x="838200" y="1122398"/>
+            <a:ext cx="10718950" cy="5463343"/>
+          </a:xfrm>
+        </p:spPr>
+        <p:txBody>
+          <a:bodyPr>
+            <a:normAutofit/>
+          </a:bodyPr>
+          <a:lstStyle/>
+          <a:p>
+            <a:pPr marL="457200" indent="-457200">
+              <a:buFont typeface="+mj-lt"/>
+              <a:buAutoNum type="arabicPeriod"/>
+            </a:pPr>
+            <a:r>
+              <a:rPr lang="en-US" sz="2000" dirty="0"/>
+              <a:t>Explain the difference between lightweight and heavyweight components</a:t>
+            </a:r>
+          </a:p>
+          <a:p>
+            <a:pPr marL="457200" indent="-457200">
+              <a:buFont typeface="+mj-lt"/>
+              <a:buAutoNum type="arabicPeriod"/>
+            </a:pPr>
+            <a:r>
+              <a:rPr lang="en-US" sz="2000" dirty="0"/>
+              <a:t>Identify lightweight and heavyweight components</a:t>
+            </a:r>
+          </a:p>
+          <a:p>
+            <a:pPr marL="457200" indent="-457200">
+              <a:buFont typeface="+mj-lt"/>
+              <a:buAutoNum type="arabicPeriod"/>
+            </a:pPr>
+            <a:r>
+              <a:rPr lang="en-US" sz="2000" dirty="0"/>
+              <a:t>Describe how lightweight and heavyweight components render themselves</a:t>
+            </a:r>
+          </a:p>
+          <a:p>
+            <a:pPr marL="457200" indent="-457200">
+              <a:buFont typeface="+mj-lt"/>
+              <a:buAutoNum type="arabicPeriod"/>
+            </a:pPr>
+            <a:r>
+              <a:rPr lang="en-US" sz="2000" dirty="0"/>
+              <a:t>Identify layout managers for heavyweight and lightweight components</a:t>
+            </a:r>
+          </a:p>
+          <a:p>
+            <a:pPr marL="457200" indent="-457200">
+              <a:buFont typeface="+mj-lt"/>
+              <a:buAutoNum type="arabicPeriod"/>
+            </a:pPr>
+            <a:r>
+              <a:rPr lang="en-US" sz="2000" dirty="0"/>
+              <a:t>Explain what a layout manager does and identify and describe three of them</a:t>
+            </a:r>
+          </a:p>
+          <a:p>
+            <a:pPr marL="457200" indent="-457200">
+              <a:buFont typeface="+mj-lt"/>
+              <a:buAutoNum type="arabicPeriod"/>
+            </a:pPr>
+            <a:r>
+              <a:rPr lang="en-US" sz="2000" dirty="0"/>
+              <a:t>Explain how to achieve true Model-View-Controller architecture by removing any reference from the view to the model and from the model to the view</a:t>
+            </a:r>
+          </a:p>
+          <a:p>
+            <a:pPr marL="457200" indent="-457200">
+              <a:buFont typeface="+mj-lt"/>
+              <a:buAutoNum type="arabicPeriod"/>
+            </a:pPr>
+            <a:r>
+              <a:rPr lang="en-US" sz="2000" dirty="0"/>
+              <a:t>Distinguish between extending a class and implementing an interface</a:t>
+            </a:r>
+          </a:p>
+          <a:p>
+            <a:pPr marL="457200" indent="-457200">
+              <a:buFont typeface="+mj-lt"/>
+              <a:buAutoNum type="arabicPeriod"/>
+            </a:pPr>
+            <a:r>
+              <a:rPr lang="en-US" sz="2000" dirty="0"/>
+              <a:t>Explain multiple ways to implement an event handler for a particular object and event (anonymous inner classes vs. named classes vs. having the frame itself serve as the handler)</a:t>
+            </a:r>
+          </a:p>
+          <a:p>
+            <a:pPr marL="457200" indent="-457200">
+              <a:buFont typeface="+mj-lt"/>
+              <a:buAutoNum type="arabicPeriod"/>
+            </a:pPr>
+            <a:r>
+              <a:rPr lang="en-US" sz="2000" dirty="0"/>
+              <a:t>Create an event handler that implements the ActionListener interface to respond to the user clicking on a button</a:t>
+            </a:r>
+          </a:p>
+          <a:p>
+            <a:pPr marL="457200" indent="-457200">
+              <a:buFont typeface="+mj-lt"/>
+              <a:buAutoNum type="arabicPeriod"/>
+            </a:pPr>
+            <a:r>
+              <a:rPr lang="en-US" sz="2000" dirty="0"/>
+              <a:t>Use paint and </a:t>
+            </a:r>
+            <a:r>
+              <a:rPr lang="en-US" sz="2000" dirty="0" err="1"/>
+              <a:t>paintComponent's</a:t>
+            </a:r>
+            <a:r>
+              <a:rPr lang="en-US" sz="2000" dirty="0"/>
+              <a:t> Graphics object to draw a variety of shapes</a:t>
+            </a:r>
+          </a:p>
+        </p:txBody>
+      </p:sp>
+    </p:spTree>
+    <p:extLst>
+      <p:ext uri="{BB962C8B-B14F-4D97-AF65-F5344CB8AC3E}">
+        <p14:creationId xmlns:p14="http://schemas.microsoft.com/office/powerpoint/2010/main" val="1072399538"/>
+      </p:ext>
+    </p:extLst>
+  </p:cSld>
+  <p:clrMapOvr>
+    <a:masterClrMapping/>
+  </p:clrMapOvr>
+</p:sld>
+</file>
+
+<file path=ppt/slides/slide30.xml><?xml version="1.0" encoding="utf-8"?>
+<p:sld xmlns:a="http://schemas.openxmlformats.org/drawingml/2006/main" xmlns:r="http://schemas.openxmlformats.org/officeDocument/2006/relationships" xmlns:p="http://schemas.openxmlformats.org/presentationml/2006/main">
+  <p:cSld>
+    <p:spTree>
+      <p:nvGrpSpPr>
+        <p:cNvPr id="1" name=""/>
+        <p:cNvGrpSpPr/>
+        <p:nvPr/>
+      </p:nvGrpSpPr>
+      <p:grpSpPr>
+        <a:xfrm>
+          <a:off x="0" y="0"/>
+          <a:ext cx="0" cy="0"/>
+          <a:chOff x="0" y="0"/>
+          <a:chExt cx="0" cy="0"/>
+        </a:xfrm>
+      </p:grpSpPr>
+      <p:sp>
+        <p:nvSpPr>
+          <p:cNvPr id="2" name="Title 1"/>
+          <p:cNvSpPr>
+            <a:spLocks noGrp="1"/>
+          </p:cNvSpPr>
+          <p:nvPr>
+            <p:ph type="title"/>
+          </p:nvPr>
+        </p:nvSpPr>
+        <p:spPr>
+          <a:xfrm>
+            <a:off x="838200" y="365126"/>
+            <a:ext cx="6113662" cy="1409174"/>
+          </a:xfrm>
+        </p:spPr>
+        <p:txBody>
+          <a:bodyPr>
+            <a:normAutofit/>
+          </a:bodyPr>
+          <a:lstStyle/>
+          <a:p>
+            <a:r>
+              <a:rPr lang="en-US" sz="3600" dirty="0"/>
+              <a:t>Object-Oriented Programming</a:t>
+            </a:r>
+            <a:br>
+              <a:rPr lang="en-US" sz="3600" dirty="0"/>
+            </a:br>
+            <a:r>
+              <a:rPr lang="en-US" sz="1800" dirty="0"/>
+              <a:t>Session: Discussion &amp; Lecture (Week 3 Session 3)</a:t>
+            </a:r>
+            <a:br>
+              <a:rPr lang="en-US" sz="1800" dirty="0"/>
+            </a:br>
+            <a:r>
+              <a:rPr lang="en-US" sz="1800" dirty="0"/>
+              <a:t>Instructor: Eric Pogue</a:t>
+            </a:r>
+            <a:endParaRPr lang="en-US" sz="1800" b="1" i="1" u="sng" dirty="0"/>
+          </a:p>
+        </p:txBody>
+      </p:sp>
+      <p:sp>
+        <p:nvSpPr>
+          <p:cNvPr id="3" name="Content Placeholder 2"/>
+          <p:cNvSpPr>
+            <a:spLocks noGrp="1"/>
+          </p:cNvSpPr>
+          <p:nvPr>
+            <p:ph idx="1"/>
+          </p:nvPr>
+        </p:nvSpPr>
+        <p:spPr>
+          <a:xfrm>
+            <a:off x="838200" y="1943857"/>
+            <a:ext cx="10718950" cy="4571242"/>
+          </a:xfrm>
+        </p:spPr>
+        <p:txBody>
+          <a:bodyPr>
+            <a:noAutofit/>
+          </a:bodyPr>
+          <a:lstStyle/>
+          <a:p>
+            <a:pPr marL="0" indent="0">
+              <a:buNone/>
+            </a:pPr>
+            <a:r>
+              <a:rPr lang="en-US" sz="2000" u="sng" dirty="0"/>
+              <a:t>Closing Comments:</a:t>
+            </a:r>
+          </a:p>
+          <a:p>
+            <a:pPr marL="457200" indent="-457200">
+              <a:buFont typeface="+mj-lt"/>
+              <a:buAutoNum type="arabicPeriod"/>
+            </a:pPr>
+            <a:r>
+              <a:rPr lang="en-US" sz="2000" dirty="0"/>
+              <a:t>Build something that you can take pride in delivering!</a:t>
+            </a:r>
+          </a:p>
+          <a:p>
+            <a:pPr marL="457200" indent="-457200">
+              <a:buFont typeface="+mj-lt"/>
+              <a:buAutoNum type="arabicPeriod"/>
+            </a:pPr>
+            <a:r>
+              <a:rPr lang="en-US" sz="2000" dirty="0"/>
+              <a:t>If you do something special in this assignment, let me know</a:t>
+            </a:r>
+          </a:p>
+          <a:p>
+            <a:pPr marL="457200" indent="-457200">
+              <a:buFont typeface="+mj-lt"/>
+              <a:buAutoNum type="arabicPeriod"/>
+            </a:pPr>
+            <a:endParaRPr lang="en-US" sz="2000" dirty="0"/>
+          </a:p>
+        </p:txBody>
+      </p:sp>
+      <p:pic>
+        <p:nvPicPr>
+          <p:cNvPr id="4" name="Content Placeholder 4"/>
+          <p:cNvPicPr>
+            <a:picLocks noChangeAspect="1"/>
+          </p:cNvPicPr>
+          <p:nvPr/>
+        </p:nvPicPr>
+        <p:blipFill>
+          <a:blip r:embed="rId3"/>
+          <a:stretch>
+            <a:fillRect/>
+          </a:stretch>
+        </p:blipFill>
+        <p:spPr>
+          <a:xfrm>
+            <a:off x="9072894" y="182925"/>
+            <a:ext cx="2656367" cy="1366321"/>
+          </a:xfrm>
+          <a:prstGeom prst="rect">
+            <a:avLst/>
+          </a:prstGeom>
+        </p:spPr>
+      </p:pic>
+    </p:spTree>
+    <p:extLst>
+      <p:ext uri="{BB962C8B-B14F-4D97-AF65-F5344CB8AC3E}">
+        <p14:creationId xmlns:p14="http://schemas.microsoft.com/office/powerpoint/2010/main" val="3656617671"/>
+      </p:ext>
+    </p:extLst>
+  </p:cSld>
+  <p:clrMapOvr>
+    <a:masterClrMapping/>
+  </p:clrMapOvr>
+</p:sld>
+</file>
+
+<file path=ppt/slides/slide31.xml><?xml version="1.0" encoding="utf-8"?>
 <p:sld xmlns:a="http://schemas.openxmlformats.org/drawingml/2006/main" xmlns:r="http://schemas.openxmlformats.org/officeDocument/2006/relationships" xmlns:p="http://schemas.openxmlformats.org/presentationml/2006/main">
   <p:cSld>
     <p:bg>
@@ -11899,198 +13494,7 @@
 </p:sld>
 </file>
 
-<file path=ppt/slides/slide3.xml><?xml version="1.0" encoding="utf-8"?>
-<p:sld xmlns:a="http://schemas.openxmlformats.org/drawingml/2006/main" xmlns:r="http://schemas.openxmlformats.org/officeDocument/2006/relationships" xmlns:p="http://schemas.openxmlformats.org/presentationml/2006/main">
-  <p:cSld>
-    <p:spTree>
-      <p:nvGrpSpPr>
-        <p:cNvPr id="1" name=""/>
-        <p:cNvGrpSpPr/>
-        <p:nvPr/>
-      </p:nvGrpSpPr>
-      <p:grpSpPr>
-        <a:xfrm>
-          <a:off x="0" y="0"/>
-          <a:ext cx="0" cy="0"/>
-          <a:chOff x="0" y="0"/>
-          <a:chExt cx="0" cy="0"/>
-        </a:xfrm>
-      </p:grpSpPr>
-      <p:sp>
-        <p:nvSpPr>
-          <p:cNvPr id="2" name="Title 1"/>
-          <p:cNvSpPr>
-            <a:spLocks noGrp="1"/>
-          </p:cNvSpPr>
-          <p:nvPr>
-            <p:ph type="title"/>
-          </p:nvPr>
-        </p:nvSpPr>
-        <p:spPr>
-          <a:xfrm>
-            <a:off x="838200" y="365126"/>
-            <a:ext cx="10515600" cy="757272"/>
-          </a:xfrm>
-        </p:spPr>
-        <p:txBody>
-          <a:bodyPr>
-            <a:normAutofit/>
-          </a:bodyPr>
-          <a:lstStyle/>
-          <a:p>
-            <a:r>
-              <a:rPr lang="en-US" sz="3600" dirty="0"/>
-              <a:t>Learning Objectives – Week 3</a:t>
-            </a:r>
-            <a:endParaRPr lang="en-US" sz="3600" b="1" i="1" u="sng" dirty="0"/>
-          </a:p>
-        </p:txBody>
-      </p:sp>
-      <p:sp>
-        <p:nvSpPr>
-          <p:cNvPr id="3" name="Content Placeholder 2"/>
-          <p:cNvSpPr>
-            <a:spLocks noGrp="1"/>
-          </p:cNvSpPr>
-          <p:nvPr>
-            <p:ph idx="1"/>
-          </p:nvPr>
-        </p:nvSpPr>
-        <p:spPr>
-          <a:xfrm>
-            <a:off x="838200" y="1122398"/>
-            <a:ext cx="10718950" cy="5463343"/>
-          </a:xfrm>
-        </p:spPr>
-        <p:txBody>
-          <a:bodyPr>
-            <a:normAutofit/>
-          </a:bodyPr>
-          <a:lstStyle/>
-          <a:p>
-            <a:pPr marL="457200" indent="-457200">
-              <a:buFont typeface="+mj-lt"/>
-              <a:buAutoNum type="arabicPeriod"/>
-            </a:pPr>
-            <a:r>
-              <a:rPr lang="en-US" sz="2000" dirty="0"/>
-              <a:t>Explain the difference between lightweight and heavyweight components</a:t>
-            </a:r>
-          </a:p>
-          <a:p>
-            <a:pPr marL="457200" indent="-457200">
-              <a:buFont typeface="+mj-lt"/>
-              <a:buAutoNum type="arabicPeriod"/>
-            </a:pPr>
-            <a:r>
-              <a:rPr lang="en-US" sz="2000" dirty="0"/>
-              <a:t>Identify lightweight and heavyweight components</a:t>
-            </a:r>
-          </a:p>
-          <a:p>
-            <a:pPr marL="457200" indent="-457200">
-              <a:buFont typeface="+mj-lt"/>
-              <a:buAutoNum type="arabicPeriod"/>
-            </a:pPr>
-            <a:r>
-              <a:rPr lang="en-US" sz="2000" dirty="0"/>
-              <a:t>Describe how lightweight and heavyweight components render themselves</a:t>
-            </a:r>
-          </a:p>
-          <a:p>
-            <a:pPr marL="457200" indent="-457200">
-              <a:buFont typeface="+mj-lt"/>
-              <a:buAutoNum type="arabicPeriod"/>
-            </a:pPr>
-            <a:r>
-              <a:rPr lang="en-US" sz="2000" dirty="0"/>
-              <a:t>Identify layout managers for heavyweight and lightweight components</a:t>
-            </a:r>
-          </a:p>
-          <a:p>
-            <a:pPr marL="457200" indent="-457200">
-              <a:buFont typeface="+mj-lt"/>
-              <a:buAutoNum type="arabicPeriod"/>
-            </a:pPr>
-            <a:r>
-              <a:rPr lang="en-US" sz="2000" dirty="0"/>
-              <a:t>Explain what a layout manager does and identify and describe three of them</a:t>
-            </a:r>
-          </a:p>
-          <a:p>
-            <a:pPr marL="457200" indent="-457200">
-              <a:buFont typeface="+mj-lt"/>
-              <a:buAutoNum type="arabicPeriod"/>
-            </a:pPr>
-            <a:r>
-              <a:rPr lang="en-US" sz="2000" dirty="0"/>
-              <a:t>Explain how to achieve true Model-View-Controller architecture by removing any reference from the view to the model and from the model to the view</a:t>
-            </a:r>
-          </a:p>
-          <a:p>
-            <a:pPr marL="457200" indent="-457200">
-              <a:buFont typeface="+mj-lt"/>
-              <a:buAutoNum type="arabicPeriod"/>
-            </a:pPr>
-            <a:r>
-              <a:rPr lang="en-US" sz="2000" dirty="0"/>
-              <a:t>Distinguish between extending a class and implementing an interface</a:t>
-            </a:r>
-          </a:p>
-          <a:p>
-            <a:pPr marL="457200" indent="-457200">
-              <a:buFont typeface="+mj-lt"/>
-              <a:buAutoNum type="arabicPeriod"/>
-            </a:pPr>
-            <a:r>
-              <a:rPr lang="en-US" sz="2000" dirty="0"/>
-              <a:t>Explain multiple ways to implement an event handler for a particular object and event (anonymous inner classes vs. named classes vs. having the frame itself serve as the handler)</a:t>
-            </a:r>
-          </a:p>
-          <a:p>
-            <a:pPr marL="457200" indent="-457200">
-              <a:buFont typeface="+mj-lt"/>
-              <a:buAutoNum type="arabicPeriod"/>
-            </a:pPr>
-            <a:r>
-              <a:rPr lang="en-US" sz="2000" dirty="0"/>
-              <a:t>Create an event handler that implements the ActionListener interface to respond to the user clicking on a button</a:t>
-            </a:r>
-          </a:p>
-          <a:p>
-            <a:pPr marL="457200" indent="-457200">
-              <a:buFont typeface="+mj-lt"/>
-              <a:buAutoNum type="arabicPeriod"/>
-            </a:pPr>
-            <a:r>
-              <a:rPr lang="en-US" sz="2000" dirty="0"/>
-              <a:t>Use paint and </a:t>
-            </a:r>
-            <a:r>
-              <a:rPr lang="en-US" sz="2000" dirty="0" err="1"/>
-              <a:t>paintComponent's</a:t>
-            </a:r>
-            <a:r>
-              <a:rPr lang="en-US" sz="2000" dirty="0"/>
-              <a:t> Graphics object to draw a variety of shapes</a:t>
-            </a:r>
-          </a:p>
-        </p:txBody>
-      </p:sp>
-    </p:spTree>
-    <p:extLst>
-      <p:ext uri="{BB962C8B-B14F-4D97-AF65-F5344CB8AC3E}">
-        <p14:creationId xmlns:p14="http://schemas.microsoft.com/office/powerpoint/2010/main" val="1072399538"/>
-      </p:ext>
-    </p:extLst>
-  </p:cSld>
-  <p:clrMapOvr>
-    <a:masterClrMapping/>
-  </p:clrMapOvr>
-</p:sld>
-</file>
-
-<file path=ppt/slides/slide30.xml><?xml version="1.0" encoding="utf-8"?>
+<file path=ppt/slides/slide32.xml><?xml version="1.0" encoding="utf-8"?>
 <p:sld xmlns:a="http://schemas.openxmlformats.org/drawingml/2006/main" xmlns:r="http://schemas.openxmlformats.org/officeDocument/2006/relationships" xmlns:p="http://schemas.openxmlformats.org/presentationml/2006/main">
   <p:cSld>
     <p:spTree>
@@ -12258,7 +13662,7 @@
 </p:sld>
 </file>
 
-<file path=ppt/slides/slide31.xml><?xml version="1.0" encoding="utf-8"?>
+<file path=ppt/slides/slide33.xml><?xml version="1.0" encoding="utf-8"?>
 <p:sld xmlns:a="http://schemas.openxmlformats.org/drawingml/2006/main" xmlns:r="http://schemas.openxmlformats.org/officeDocument/2006/relationships" xmlns:p="http://schemas.openxmlformats.org/presentationml/2006/main">
   <p:cSld>
     <p:spTree>
@@ -12679,322 +14083,6 @@
 </p:sld>
 </file>
 
-<file path=ppt/slides/slide32.xml><?xml version="1.0" encoding="utf-8"?>
-<p:sld xmlns:a="http://schemas.openxmlformats.org/drawingml/2006/main" xmlns:r="http://schemas.openxmlformats.org/officeDocument/2006/relationships" xmlns:p="http://schemas.openxmlformats.org/presentationml/2006/main">
-  <p:cSld>
-    <p:spTree>
-      <p:nvGrpSpPr>
-        <p:cNvPr id="1" name=""/>
-        <p:cNvGrpSpPr/>
-        <p:nvPr/>
-      </p:nvGrpSpPr>
-      <p:grpSpPr>
-        <a:xfrm>
-          <a:off x="0" y="0"/>
-          <a:ext cx="0" cy="0"/>
-          <a:chOff x="0" y="0"/>
-          <a:chExt cx="0" cy="0"/>
-        </a:xfrm>
-      </p:grpSpPr>
-      <p:sp>
-        <p:nvSpPr>
-          <p:cNvPr id="2" name="Title 1"/>
-          <p:cNvSpPr>
-            <a:spLocks noGrp="1"/>
-          </p:cNvSpPr>
-          <p:nvPr>
-            <p:ph type="title"/>
-          </p:nvPr>
-        </p:nvSpPr>
-        <p:spPr/>
-        <p:txBody>
-          <a:bodyPr>
-            <a:normAutofit/>
-          </a:bodyPr>
-          <a:lstStyle/>
-          <a:p>
-            <a:r>
-              <a:rPr lang="en-US" sz="3600" dirty="0"/>
-              <a:t>Quick Review: Event Handling</a:t>
-            </a:r>
-          </a:p>
-        </p:txBody>
-      </p:sp>
-      <p:sp>
-        <p:nvSpPr>
-          <p:cNvPr id="3" name="Content Placeholder 2"/>
-          <p:cNvSpPr>
-            <a:spLocks noGrp="1"/>
-          </p:cNvSpPr>
-          <p:nvPr>
-            <p:ph idx="1"/>
-          </p:nvPr>
-        </p:nvSpPr>
-        <p:spPr>
-          <a:xfrm>
-            <a:off x="838198" y="1525772"/>
-            <a:ext cx="10515601" cy="4651191"/>
-          </a:xfrm>
-        </p:spPr>
-        <p:txBody>
-          <a:bodyPr>
-            <a:normAutofit/>
-          </a:bodyPr>
-          <a:lstStyle/>
-          <a:p>
-            <a:pPr marL="0" indent="0">
-              <a:buNone/>
-            </a:pPr>
-            <a:r>
-              <a:rPr lang="en-US" sz="2000" dirty="0"/>
-              <a:t>Clicking Event Handling is the way that all graphic user interface environment allow an application to respond to user (or system) events. Possible events include:</a:t>
-            </a:r>
-          </a:p>
-          <a:p>
-            <a:r>
-              <a:rPr lang="en-US" sz="2000" dirty="0"/>
-              <a:t>Keyboard strokes</a:t>
-            </a:r>
-          </a:p>
-          <a:p>
-            <a:r>
-              <a:rPr lang="en-US" sz="2000" dirty="0"/>
-              <a:t>Clicking buttons</a:t>
-            </a:r>
-          </a:p>
-          <a:p>
-            <a:r>
-              <a:rPr lang="en-US" sz="2000" dirty="0"/>
-              <a:t>Dragging a mouse</a:t>
-            </a:r>
-          </a:p>
-          <a:p>
-            <a:r>
-              <a:rPr lang="en-US" sz="2000" dirty="0"/>
-              <a:t>Low power warning or automatic system hibernation</a:t>
-            </a:r>
-          </a:p>
-          <a:p>
-            <a:r>
-              <a:rPr lang="en-US" sz="2000" dirty="0"/>
-              <a:t>Attaching to an overhead projector</a:t>
-            </a:r>
-          </a:p>
-          <a:p>
-            <a:r>
-              <a:rPr lang="en-US" sz="2000" dirty="0"/>
-              <a:t>And many, many others</a:t>
-            </a:r>
-          </a:p>
-          <a:p>
-            <a:pPr marL="0" indent="0">
-              <a:buNone/>
-            </a:pPr>
-            <a:endParaRPr lang="en-US" sz="2000" dirty="0"/>
-          </a:p>
-        </p:txBody>
-      </p:sp>
-    </p:spTree>
-    <p:extLst>
-      <p:ext uri="{BB962C8B-B14F-4D97-AF65-F5344CB8AC3E}">
-        <p14:creationId xmlns:p14="http://schemas.microsoft.com/office/powerpoint/2010/main" val="3820303591"/>
-      </p:ext>
-    </p:extLst>
-  </p:cSld>
-  <p:clrMapOvr>
-    <a:masterClrMapping/>
-  </p:clrMapOvr>
-</p:sld>
-</file>
-
-<file path=ppt/slides/slide33.xml><?xml version="1.0" encoding="utf-8"?>
-<p:sld xmlns:a="http://schemas.openxmlformats.org/drawingml/2006/main" xmlns:r="http://schemas.openxmlformats.org/officeDocument/2006/relationships" xmlns:p="http://schemas.openxmlformats.org/presentationml/2006/main">
-  <p:cSld>
-    <p:spTree>
-      <p:nvGrpSpPr>
-        <p:cNvPr id="1" name=""/>
-        <p:cNvGrpSpPr/>
-        <p:nvPr/>
-      </p:nvGrpSpPr>
-      <p:grpSpPr>
-        <a:xfrm>
-          <a:off x="0" y="0"/>
-          <a:ext cx="0" cy="0"/>
-          <a:chOff x="0" y="0"/>
-          <a:chExt cx="0" cy="0"/>
-        </a:xfrm>
-      </p:grpSpPr>
-      <p:sp>
-        <p:nvSpPr>
-          <p:cNvPr id="2" name="Title 1"/>
-          <p:cNvSpPr>
-            <a:spLocks noGrp="1"/>
-          </p:cNvSpPr>
-          <p:nvPr>
-            <p:ph type="title"/>
-          </p:nvPr>
-        </p:nvSpPr>
-        <p:spPr/>
-        <p:txBody>
-          <a:bodyPr>
-            <a:normAutofit/>
-          </a:bodyPr>
-          <a:lstStyle/>
-          <a:p>
-            <a:r>
-              <a:rPr lang="en-US" sz="3600" dirty="0"/>
-              <a:t>Quick Review: Event Handling – ActionListener</a:t>
-            </a:r>
-          </a:p>
-        </p:txBody>
-      </p:sp>
-      <p:sp>
-        <p:nvSpPr>
-          <p:cNvPr id="3" name="Content Placeholder 2"/>
-          <p:cNvSpPr>
-            <a:spLocks noGrp="1"/>
-          </p:cNvSpPr>
-          <p:nvPr>
-            <p:ph idx="1"/>
-          </p:nvPr>
-        </p:nvSpPr>
-        <p:spPr>
-          <a:xfrm>
-            <a:off x="838198" y="1525772"/>
-            <a:ext cx="10515601" cy="4651191"/>
-          </a:xfrm>
-        </p:spPr>
-        <p:txBody>
-          <a:bodyPr>
-            <a:normAutofit/>
-          </a:bodyPr>
-          <a:lstStyle/>
-          <a:p>
-            <a:pPr marL="0" indent="0">
-              <a:buNone/>
-            </a:pPr>
-            <a:r>
-              <a:rPr lang="en-US" sz="2000" dirty="0"/>
-              <a:t>We will specifically need to implement Java </a:t>
-            </a:r>
-            <a:r>
-              <a:rPr lang="en-US" sz="2000" dirty="0" err="1"/>
-              <a:t>ActionListeners</a:t>
-            </a:r>
-            <a:r>
-              <a:rPr lang="en-US" sz="2000" dirty="0"/>
-              <a:t> to respond to button clicks. To do that we will need to:</a:t>
-            </a:r>
-          </a:p>
-          <a:p>
-            <a:r>
-              <a:rPr lang="en-US" sz="2000" dirty="0"/>
-              <a:t>Understand that </a:t>
-            </a:r>
-            <a:r>
-              <a:rPr lang="en-US" sz="2000" b="1" dirty="0"/>
-              <a:t>ActionListener</a:t>
-            </a:r>
-            <a:r>
-              <a:rPr lang="en-US" sz="2000" dirty="0"/>
-              <a:t>, like other listeners, are an </a:t>
-            </a:r>
-            <a:r>
-              <a:rPr lang="en-US" sz="2000" b="1" dirty="0"/>
-              <a:t>interface</a:t>
-            </a:r>
-            <a:r>
-              <a:rPr lang="en-US" sz="2000" dirty="0"/>
-              <a:t>… not a class</a:t>
-            </a:r>
-          </a:p>
-          <a:p>
-            <a:r>
-              <a:rPr lang="en-US" sz="2000" dirty="0"/>
-              <a:t>Implement a Java </a:t>
-            </a:r>
-            <a:r>
-              <a:rPr lang="en-US" sz="2000" dirty="0" err="1"/>
-              <a:t>ActionListeners</a:t>
-            </a:r>
-            <a:r>
-              <a:rPr lang="en-US" sz="2000" dirty="0"/>
-              <a:t> Interface</a:t>
-            </a:r>
-          </a:p>
-          <a:p>
-            <a:r>
-              <a:rPr lang="en-US" sz="2000" dirty="0"/>
-              <a:t>Utilize our ActionListener to receive notifications of an event and respond appropriately</a:t>
-            </a:r>
-          </a:p>
-          <a:p>
-            <a:r>
-              <a:rPr lang="en-US" sz="2000" dirty="0"/>
-              <a:t>Understand the three ways we could implement an ActionListener to respond to a user pressing a button contained in a our </a:t>
-            </a:r>
-            <a:r>
-              <a:rPr lang="en-US" sz="2000" dirty="0" err="1"/>
-              <a:t>JFrame</a:t>
-            </a:r>
-            <a:r>
-              <a:rPr lang="en-US" sz="2000" dirty="0"/>
-              <a:t>:</a:t>
-            </a:r>
-          </a:p>
-          <a:p>
-            <a:pPr marL="800100" lvl="1" indent="-342900">
-              <a:buFont typeface="+mj-lt"/>
-              <a:buAutoNum type="arabicPeriod"/>
-            </a:pPr>
-            <a:r>
-              <a:rPr lang="en-US" sz="1600" dirty="0"/>
-              <a:t>Implement an ActionListener interface in our  </a:t>
-            </a:r>
-            <a:r>
-              <a:rPr lang="en-US" sz="1600" dirty="0" err="1"/>
-              <a:t>JFrame</a:t>
-            </a:r>
-            <a:r>
-              <a:rPr lang="en-US" sz="1600" dirty="0"/>
-              <a:t> </a:t>
-            </a:r>
-          </a:p>
-          <a:p>
-            <a:pPr marL="800100" lvl="1" indent="-342900">
-              <a:buFont typeface="+mj-lt"/>
-              <a:buAutoNum type="arabicPeriod"/>
-            </a:pPr>
-            <a:r>
-              <a:rPr lang="en-US" sz="1600" dirty="0"/>
-              <a:t>Utilize an external class that implements ActionListener</a:t>
-            </a:r>
-          </a:p>
-          <a:p>
-            <a:pPr marL="800100" lvl="1" indent="-342900">
-              <a:buFont typeface="+mj-lt"/>
-              <a:buAutoNum type="arabicPeriod"/>
-            </a:pPr>
-            <a:r>
-              <a:rPr lang="en-US" sz="1600" dirty="0"/>
-              <a:t>Implement an ActionListener utilizing an Anonymous Inner Class  </a:t>
-            </a:r>
-          </a:p>
-        </p:txBody>
-      </p:sp>
-    </p:spTree>
-    <p:extLst>
-      <p:ext uri="{BB962C8B-B14F-4D97-AF65-F5344CB8AC3E}">
-        <p14:creationId xmlns:p14="http://schemas.microsoft.com/office/powerpoint/2010/main" val="2709768263"/>
-      </p:ext>
-    </p:extLst>
-  </p:cSld>
-  <p:clrMapOvr>
-    <a:masterClrMapping/>
-  </p:clrMapOvr>
-</p:sld>
-</file>
-
 <file path=ppt/slides/slide34.xml><?xml version="1.0" encoding="utf-8"?>
 <p:sld xmlns:a="http://schemas.openxmlformats.org/drawingml/2006/main" xmlns:r="http://schemas.openxmlformats.org/officeDocument/2006/relationships" xmlns:p="http://schemas.openxmlformats.org/presentationml/2006/main">
   <p:cSld>
@@ -13031,9 +14119,8 @@
           <a:p>
             <a:r>
               <a:rPr lang="en-US" sz="3600" dirty="0"/>
-              <a:t>Live Demo: Event Handlers &amp; Action Listener</a:t>
-            </a:r>
-            <a:endParaRPr lang="en-US" sz="3600" dirty="0"/>
+              <a:t>Quick Review: Event Handling</a:t>
+            </a:r>
           </a:p>
         </p:txBody>
       </p:sp>
@@ -13064,160 +14151,57 @@
             </a:pPr>
             <a:r>
               <a:rPr lang="en-US" sz="2000" dirty="0"/>
-              <a:t>Let’s implement a new Java application to demonstrate a graphic application that responds to clicking a button. To demonstrate this we will:</a:t>
-            </a:r>
-          </a:p>
-          <a:p>
-            <a:r>
-              <a:rPr lang="en-US" sz="2000" dirty="0"/>
-              <a:t>Create a Java graphic application</a:t>
-            </a:r>
-          </a:p>
-          <a:p>
-            <a:r>
-              <a:rPr lang="en-US" sz="2000" dirty="0"/>
-              <a:t>Create a </a:t>
-            </a:r>
-            <a:r>
-              <a:rPr lang="en-US" sz="2000" dirty="0" err="1"/>
-              <a:t>JFrame</a:t>
-            </a:r>
-            <a:r>
-              <a:rPr lang="en-US" sz="2000" dirty="0"/>
-              <a:t> and </a:t>
-            </a:r>
-            <a:r>
-              <a:rPr lang="en-US" sz="2000" dirty="0" err="1"/>
-              <a:t>JPanel</a:t>
-            </a:r>
-            <a:r>
-              <a:rPr lang="en-US" sz="2000" dirty="0"/>
-              <a:t> </a:t>
-            </a:r>
-          </a:p>
-          <a:p>
-            <a:r>
-              <a:rPr lang="en-US" sz="2000" dirty="0"/>
-              <a:t>Implement a Layout Manager (</a:t>
-            </a:r>
-            <a:r>
-              <a:rPr lang="en-US" sz="2000" dirty="0" err="1"/>
-              <a:t>BorderLayout</a:t>
-            </a:r>
-            <a:r>
-              <a:rPr lang="en-US" sz="2000" dirty="0"/>
-              <a:t>) </a:t>
-            </a:r>
-            <a:r>
-              <a:rPr lang="en-US" sz="2000" dirty="0"/>
-              <a:t>on our </a:t>
-            </a:r>
-            <a:r>
-              <a:rPr lang="en-US" sz="2000" dirty="0" err="1"/>
-              <a:t>JFrame</a:t>
-            </a:r>
+              <a:t>Clicking Event Handling is the way that all graphic user interface environment allow an application to respond to user (or system) events. Possible events include:</a:t>
+            </a:r>
+          </a:p>
+          <a:p>
+            <a:r>
+              <a:rPr lang="en-US" sz="2000" dirty="0"/>
+              <a:t>Keyboard strokes</a:t>
+            </a:r>
+          </a:p>
+          <a:p>
+            <a:r>
+              <a:rPr lang="en-US" sz="2000" dirty="0"/>
+              <a:t>Clicking buttons</a:t>
+            </a:r>
+          </a:p>
+          <a:p>
+            <a:r>
+              <a:rPr lang="en-US" sz="2000" dirty="0"/>
+              <a:t>Dragging a mouse</a:t>
+            </a:r>
+          </a:p>
+          <a:p>
+            <a:r>
+              <a:rPr lang="en-US" sz="2000" dirty="0"/>
+              <a:t>Low power warning or automatic system hibernation</a:t>
+            </a:r>
+          </a:p>
+          <a:p>
+            <a:r>
+              <a:rPr lang="en-US" sz="2000" dirty="0"/>
+              <a:t>Attaching to an overhead projector</a:t>
+            </a:r>
+          </a:p>
+          <a:p>
+            <a:r>
+              <a:rPr lang="en-US" sz="2000" dirty="0"/>
+              <a:t>And many, many others</a:t>
+            </a:r>
+          </a:p>
+          <a:p>
+            <a:pPr marL="0" indent="0">
+              <a:buNone/>
+            </a:pPr>
             <a:endParaRPr lang="en-US" sz="2000" dirty="0"/>
-          </a:p>
-          <a:p>
-            <a:r>
-              <a:rPr lang="en-US" sz="2000" dirty="0"/>
-              <a:t>Create and insert </a:t>
-            </a:r>
-            <a:r>
-              <a:rPr lang="en-US" sz="2000" dirty="0" err="1"/>
-              <a:t>JButtons</a:t>
-            </a:r>
-            <a:r>
-              <a:rPr lang="en-US" sz="2000" dirty="0"/>
-              <a:t> in our </a:t>
-            </a:r>
-            <a:r>
-              <a:rPr lang="en-US" sz="2000" dirty="0" err="1"/>
-              <a:t>JPanel</a:t>
-            </a:r>
-            <a:r>
-              <a:rPr lang="en-US" sz="2000" dirty="0"/>
-              <a:t> </a:t>
-            </a:r>
-          </a:p>
-          <a:p>
-            <a:r>
-              <a:rPr lang="en-US" sz="2000" dirty="0"/>
-              <a:t>Insert our </a:t>
-            </a:r>
-            <a:r>
-              <a:rPr lang="en-US" sz="2000" dirty="0" err="1"/>
-              <a:t>JPanel</a:t>
-            </a:r>
-            <a:r>
-              <a:rPr lang="en-US" sz="2000" dirty="0"/>
-              <a:t> into the SOUTH section of our </a:t>
-            </a:r>
-            <a:r>
-              <a:rPr lang="en-US" sz="2000" dirty="0" err="1"/>
-              <a:t>BorderLayout</a:t>
-            </a:r>
-            <a:r>
-              <a:rPr lang="en-US" sz="2000" dirty="0"/>
-              <a:t>  Layout Manager</a:t>
-            </a:r>
-          </a:p>
-          <a:p>
-            <a:r>
-              <a:rPr lang="en-US" sz="2000" dirty="0"/>
-              <a:t>Create Action Listeners that can respond to our Buttons being clicked</a:t>
-            </a:r>
-          </a:p>
-          <a:p>
-            <a:r>
-              <a:rPr lang="en-US" sz="2000" dirty="0"/>
-              <a:t>Each of our three buttons will utilize one of  the ActionListener implementation practices:</a:t>
-            </a:r>
-          </a:p>
-          <a:p>
-            <a:pPr marL="800100" lvl="1" indent="-342900">
-              <a:buFont typeface="+mj-lt"/>
-              <a:buAutoNum type="arabicPeriod"/>
-            </a:pPr>
-            <a:r>
-              <a:rPr lang="en-US" sz="1600" dirty="0"/>
-              <a:t>Implement an ActionListener interface in our  </a:t>
-            </a:r>
-            <a:r>
-              <a:rPr lang="en-US" sz="1600" dirty="0" err="1"/>
-              <a:t>JFrame</a:t>
-            </a:r>
-            <a:r>
-              <a:rPr lang="en-US" sz="1600" dirty="0"/>
-              <a:t> </a:t>
-            </a:r>
-          </a:p>
-          <a:p>
-            <a:pPr marL="800100" lvl="1" indent="-342900">
-              <a:buFont typeface="+mj-lt"/>
-              <a:buAutoNum type="arabicPeriod"/>
-            </a:pPr>
-            <a:r>
-              <a:rPr lang="en-US" sz="1600" dirty="0"/>
-              <a:t>Utilize an external class that implements ActionListener</a:t>
-            </a:r>
-          </a:p>
-          <a:p>
-            <a:pPr marL="800100" lvl="1" indent="-342900">
-              <a:buFont typeface="+mj-lt"/>
-              <a:buAutoNum type="arabicPeriod"/>
-            </a:pPr>
-            <a:r>
-              <a:rPr lang="en-US" sz="1600" dirty="0"/>
-              <a:t>Implement an ActionListener utilizing an Anonymous Inner Class  </a:t>
-            </a:r>
           </a:p>
         </p:txBody>
       </p:sp>
     </p:spTree>
     <p:extLst>
       <p:ext uri="{BB962C8B-B14F-4D97-AF65-F5344CB8AC3E}">
-        <p14:creationId xmlns:p14="http://schemas.microsoft.com/office/powerpoint/2010/main" val="2032343741"/>
+        <p14:creationId xmlns:p14="http://schemas.microsoft.com/office/powerpoint/2010/main" val="3820303591"/>
       </p:ext>
     </p:extLst>
   </p:cSld>
@@ -13254,6 +14238,421 @@
             <p:ph type="title"/>
           </p:nvPr>
         </p:nvSpPr>
+        <p:spPr/>
+        <p:txBody>
+          <a:bodyPr>
+            <a:normAutofit/>
+          </a:bodyPr>
+          <a:lstStyle/>
+          <a:p>
+            <a:r>
+              <a:rPr lang="en-US" sz="3600" dirty="0"/>
+              <a:t>Quick Review: Event Handling – ActionListener</a:t>
+            </a:r>
+          </a:p>
+        </p:txBody>
+      </p:sp>
+      <p:sp>
+        <p:nvSpPr>
+          <p:cNvPr id="3" name="Content Placeholder 2"/>
+          <p:cNvSpPr>
+            <a:spLocks noGrp="1"/>
+          </p:cNvSpPr>
+          <p:nvPr>
+            <p:ph idx="1"/>
+          </p:nvPr>
+        </p:nvSpPr>
+        <p:spPr>
+          <a:xfrm>
+            <a:off x="838198" y="1525772"/>
+            <a:ext cx="10515601" cy="4651191"/>
+          </a:xfrm>
+        </p:spPr>
+        <p:txBody>
+          <a:bodyPr>
+            <a:normAutofit/>
+          </a:bodyPr>
+          <a:lstStyle/>
+          <a:p>
+            <a:pPr marL="0" indent="0">
+              <a:buNone/>
+            </a:pPr>
+            <a:r>
+              <a:rPr lang="en-US" sz="2000" dirty="0"/>
+              <a:t>We will specifically need to implement Java </a:t>
+            </a:r>
+            <a:r>
+              <a:rPr lang="en-US" sz="2000" dirty="0" err="1"/>
+              <a:t>ActionListeners</a:t>
+            </a:r>
+            <a:r>
+              <a:rPr lang="en-US" sz="2000" dirty="0"/>
+              <a:t> to respond to button clicks. To do that we will need to:</a:t>
+            </a:r>
+          </a:p>
+          <a:p>
+            <a:r>
+              <a:rPr lang="en-US" sz="2000" dirty="0"/>
+              <a:t>Understand that </a:t>
+            </a:r>
+            <a:r>
+              <a:rPr lang="en-US" sz="2000" b="1" dirty="0"/>
+              <a:t>ActionListener</a:t>
+            </a:r>
+            <a:r>
+              <a:rPr lang="en-US" sz="2000" dirty="0"/>
+              <a:t>, like other listeners, are an </a:t>
+            </a:r>
+            <a:r>
+              <a:rPr lang="en-US" sz="2000" b="1" dirty="0"/>
+              <a:t>interface</a:t>
+            </a:r>
+            <a:r>
+              <a:rPr lang="en-US" sz="2000" dirty="0"/>
+              <a:t>… not a class</a:t>
+            </a:r>
+          </a:p>
+          <a:p>
+            <a:r>
+              <a:rPr lang="en-US" sz="2000" dirty="0"/>
+              <a:t>Implement a Java </a:t>
+            </a:r>
+            <a:r>
+              <a:rPr lang="en-US" sz="2000" dirty="0" err="1"/>
+              <a:t>ActionListeners</a:t>
+            </a:r>
+            <a:r>
+              <a:rPr lang="en-US" sz="2000" dirty="0"/>
+              <a:t> Interface</a:t>
+            </a:r>
+          </a:p>
+          <a:p>
+            <a:r>
+              <a:rPr lang="en-US" sz="2000" dirty="0"/>
+              <a:t>Utilize our ActionListener to receive notifications of an event and respond appropriately</a:t>
+            </a:r>
+          </a:p>
+          <a:p>
+            <a:r>
+              <a:rPr lang="en-US" sz="2000" dirty="0"/>
+              <a:t>Understand the three ways we could implement an ActionListener to respond to a user pressing a button contained in a our </a:t>
+            </a:r>
+            <a:r>
+              <a:rPr lang="en-US" sz="2000" dirty="0" err="1"/>
+              <a:t>JFrame</a:t>
+            </a:r>
+            <a:r>
+              <a:rPr lang="en-US" sz="2000" dirty="0"/>
+              <a:t>:</a:t>
+            </a:r>
+          </a:p>
+          <a:p>
+            <a:pPr marL="800100" lvl="1" indent="-342900">
+              <a:buFont typeface="+mj-lt"/>
+              <a:buAutoNum type="arabicPeriod"/>
+            </a:pPr>
+            <a:r>
+              <a:rPr lang="en-US" sz="1600" dirty="0"/>
+              <a:t>Implement an ActionListener interface in our  </a:t>
+            </a:r>
+            <a:r>
+              <a:rPr lang="en-US" sz="1600" dirty="0" err="1"/>
+              <a:t>JFrame</a:t>
+            </a:r>
+            <a:r>
+              <a:rPr lang="en-US" sz="1600" dirty="0"/>
+              <a:t> </a:t>
+            </a:r>
+          </a:p>
+          <a:p>
+            <a:pPr marL="800100" lvl="1" indent="-342900">
+              <a:buFont typeface="+mj-lt"/>
+              <a:buAutoNum type="arabicPeriod"/>
+            </a:pPr>
+            <a:r>
+              <a:rPr lang="en-US" sz="1600" dirty="0"/>
+              <a:t>Utilize an external class that implements ActionListener</a:t>
+            </a:r>
+          </a:p>
+          <a:p>
+            <a:pPr marL="800100" lvl="1" indent="-342900">
+              <a:buFont typeface="+mj-lt"/>
+              <a:buAutoNum type="arabicPeriod"/>
+            </a:pPr>
+            <a:r>
+              <a:rPr lang="en-US" sz="1600" dirty="0"/>
+              <a:t>Implement an ActionListener utilizing an Anonymous Inner Class  </a:t>
+            </a:r>
+          </a:p>
+        </p:txBody>
+      </p:sp>
+    </p:spTree>
+    <p:extLst>
+      <p:ext uri="{BB962C8B-B14F-4D97-AF65-F5344CB8AC3E}">
+        <p14:creationId xmlns:p14="http://schemas.microsoft.com/office/powerpoint/2010/main" val="2709768263"/>
+      </p:ext>
+    </p:extLst>
+  </p:cSld>
+  <p:clrMapOvr>
+    <a:masterClrMapping/>
+  </p:clrMapOvr>
+</p:sld>
+</file>
+
+<file path=ppt/slides/slide36.xml><?xml version="1.0" encoding="utf-8"?>
+<p:sld xmlns:a="http://schemas.openxmlformats.org/drawingml/2006/main" xmlns:r="http://schemas.openxmlformats.org/officeDocument/2006/relationships" xmlns:p="http://schemas.openxmlformats.org/presentationml/2006/main">
+  <p:cSld>
+    <p:spTree>
+      <p:nvGrpSpPr>
+        <p:cNvPr id="1" name=""/>
+        <p:cNvGrpSpPr/>
+        <p:nvPr/>
+      </p:nvGrpSpPr>
+      <p:grpSpPr>
+        <a:xfrm>
+          <a:off x="0" y="0"/>
+          <a:ext cx="0" cy="0"/>
+          <a:chOff x="0" y="0"/>
+          <a:chExt cx="0" cy="0"/>
+        </a:xfrm>
+      </p:grpSpPr>
+      <p:sp>
+        <p:nvSpPr>
+          <p:cNvPr id="2" name="Title 1"/>
+          <p:cNvSpPr>
+            <a:spLocks noGrp="1"/>
+          </p:cNvSpPr>
+          <p:nvPr>
+            <p:ph type="title"/>
+          </p:nvPr>
+        </p:nvSpPr>
+        <p:spPr/>
+        <p:txBody>
+          <a:bodyPr>
+            <a:normAutofit/>
+          </a:bodyPr>
+          <a:lstStyle/>
+          <a:p>
+            <a:r>
+              <a:rPr lang="en-US" sz="3600" dirty="0"/>
+              <a:t>Live Demo: Event Handlers &amp; Action Listener</a:t>
+            </a:r>
+          </a:p>
+        </p:txBody>
+      </p:sp>
+      <p:sp>
+        <p:nvSpPr>
+          <p:cNvPr id="3" name="Content Placeholder 2"/>
+          <p:cNvSpPr>
+            <a:spLocks noGrp="1"/>
+          </p:cNvSpPr>
+          <p:nvPr>
+            <p:ph idx="1"/>
+          </p:nvPr>
+        </p:nvSpPr>
+        <p:spPr>
+          <a:xfrm>
+            <a:off x="838198" y="1525772"/>
+            <a:ext cx="10515601" cy="4651191"/>
+          </a:xfrm>
+        </p:spPr>
+        <p:txBody>
+          <a:bodyPr>
+            <a:normAutofit/>
+          </a:bodyPr>
+          <a:lstStyle/>
+          <a:p>
+            <a:pPr marL="0" indent="0">
+              <a:buNone/>
+            </a:pPr>
+            <a:r>
+              <a:rPr lang="en-US" sz="2000" dirty="0"/>
+              <a:t>Let’s implement a new Java application to demonstrate a graphic application that responds to clicking a button. To demonstrate this we will:</a:t>
+            </a:r>
+          </a:p>
+          <a:p>
+            <a:r>
+              <a:rPr lang="en-US" sz="2000" dirty="0"/>
+              <a:t>Create a Java graphic application</a:t>
+            </a:r>
+          </a:p>
+          <a:p>
+            <a:r>
+              <a:rPr lang="en-US" sz="2000" dirty="0"/>
+              <a:t>Create a </a:t>
+            </a:r>
+            <a:r>
+              <a:rPr lang="en-US" sz="2000" dirty="0" err="1"/>
+              <a:t>JFrame</a:t>
+            </a:r>
+            <a:r>
+              <a:rPr lang="en-US" sz="2000" dirty="0"/>
+              <a:t> and </a:t>
+            </a:r>
+            <a:r>
+              <a:rPr lang="en-US" sz="2000" dirty="0" err="1"/>
+              <a:t>JPanel</a:t>
+            </a:r>
+            <a:r>
+              <a:rPr lang="en-US" sz="2000" dirty="0"/>
+              <a:t> </a:t>
+            </a:r>
+          </a:p>
+          <a:p>
+            <a:r>
+              <a:rPr lang="en-US" sz="2000" dirty="0"/>
+              <a:t>Implement a Layout Manager (</a:t>
+            </a:r>
+            <a:r>
+              <a:rPr lang="en-US" sz="2000" dirty="0" err="1"/>
+              <a:t>BorderLayout</a:t>
+            </a:r>
+            <a:r>
+              <a:rPr lang="en-US" sz="2000" dirty="0"/>
+              <a:t>) on our </a:t>
+            </a:r>
+            <a:r>
+              <a:rPr lang="en-US" sz="2000" dirty="0" err="1"/>
+              <a:t>JFrame</a:t>
+            </a:r>
+            <a:endParaRPr lang="en-US" sz="2000" dirty="0"/>
+          </a:p>
+          <a:p>
+            <a:r>
+              <a:rPr lang="en-US" sz="2000" dirty="0"/>
+              <a:t>Create and insert </a:t>
+            </a:r>
+            <a:r>
+              <a:rPr lang="en-US" sz="2000" dirty="0" err="1"/>
+              <a:t>JButtons</a:t>
+            </a:r>
+            <a:r>
+              <a:rPr lang="en-US" sz="2000" dirty="0"/>
+              <a:t> in our </a:t>
+            </a:r>
+            <a:r>
+              <a:rPr lang="en-US" sz="2000" dirty="0" err="1"/>
+              <a:t>JPanel</a:t>
+            </a:r>
+            <a:r>
+              <a:rPr lang="en-US" sz="2000" dirty="0"/>
+              <a:t> </a:t>
+            </a:r>
+          </a:p>
+          <a:p>
+            <a:r>
+              <a:rPr lang="en-US" sz="2000" dirty="0"/>
+              <a:t>Insert our </a:t>
+            </a:r>
+            <a:r>
+              <a:rPr lang="en-US" sz="2000" dirty="0" err="1"/>
+              <a:t>JPanel</a:t>
+            </a:r>
+            <a:r>
+              <a:rPr lang="en-US" sz="2000" dirty="0"/>
+              <a:t> into the SOUTH section of our </a:t>
+            </a:r>
+            <a:r>
+              <a:rPr lang="en-US" sz="2000" dirty="0" err="1"/>
+              <a:t>BorderLayout</a:t>
+            </a:r>
+            <a:r>
+              <a:rPr lang="en-US" sz="2000" dirty="0"/>
+              <a:t>  Layout Manager</a:t>
+            </a:r>
+          </a:p>
+          <a:p>
+            <a:r>
+              <a:rPr lang="en-US" sz="2000" dirty="0"/>
+              <a:t>Create Action Listeners that can respond to our Buttons being clicked</a:t>
+            </a:r>
+          </a:p>
+          <a:p>
+            <a:r>
+              <a:rPr lang="en-US" sz="2000" dirty="0"/>
+              <a:t>Each of our three buttons will utilize one of  the ActionListener implementation practices:</a:t>
+            </a:r>
+          </a:p>
+          <a:p>
+            <a:pPr marL="800100" lvl="1" indent="-342900">
+              <a:buFont typeface="+mj-lt"/>
+              <a:buAutoNum type="arabicPeriod"/>
+            </a:pPr>
+            <a:r>
+              <a:rPr lang="en-US" sz="1600" dirty="0"/>
+              <a:t>Implement an ActionListener interface in our  </a:t>
+            </a:r>
+            <a:r>
+              <a:rPr lang="en-US" sz="1600" dirty="0" err="1"/>
+              <a:t>JFrame</a:t>
+            </a:r>
+            <a:r>
+              <a:rPr lang="en-US" sz="1600" dirty="0"/>
+              <a:t> </a:t>
+            </a:r>
+          </a:p>
+          <a:p>
+            <a:pPr marL="800100" lvl="1" indent="-342900">
+              <a:buFont typeface="+mj-lt"/>
+              <a:buAutoNum type="arabicPeriod"/>
+            </a:pPr>
+            <a:r>
+              <a:rPr lang="en-US" sz="1600" dirty="0"/>
+              <a:t>Utilize an external class that implements ActionListener</a:t>
+            </a:r>
+          </a:p>
+          <a:p>
+            <a:pPr marL="800100" lvl="1" indent="-342900">
+              <a:buFont typeface="+mj-lt"/>
+              <a:buAutoNum type="arabicPeriod"/>
+            </a:pPr>
+            <a:r>
+              <a:rPr lang="en-US" sz="1600" dirty="0"/>
+              <a:t>Implement an ActionListener utilizing an Anonymous Inner Class  </a:t>
+            </a:r>
+          </a:p>
+        </p:txBody>
+      </p:sp>
+    </p:spTree>
+    <p:extLst>
+      <p:ext uri="{BB962C8B-B14F-4D97-AF65-F5344CB8AC3E}">
+        <p14:creationId xmlns:p14="http://schemas.microsoft.com/office/powerpoint/2010/main" val="2032343741"/>
+      </p:ext>
+    </p:extLst>
+  </p:cSld>
+  <p:clrMapOvr>
+    <a:masterClrMapping/>
+  </p:clrMapOvr>
+</p:sld>
+</file>
+
+<file path=ppt/slides/slide37.xml><?xml version="1.0" encoding="utf-8"?>
+<p:sld xmlns:a="http://schemas.openxmlformats.org/drawingml/2006/main" xmlns:r="http://schemas.openxmlformats.org/officeDocument/2006/relationships" xmlns:p="http://schemas.openxmlformats.org/presentationml/2006/main">
+  <p:cSld>
+    <p:spTree>
+      <p:nvGrpSpPr>
+        <p:cNvPr id="1" name=""/>
+        <p:cNvGrpSpPr/>
+        <p:nvPr/>
+      </p:nvGrpSpPr>
+      <p:grpSpPr>
+        <a:xfrm>
+          <a:off x="0" y="0"/>
+          <a:ext cx="0" cy="0"/>
+          <a:chOff x="0" y="0"/>
+          <a:chExt cx="0" cy="0"/>
+        </a:xfrm>
+      </p:grpSpPr>
+      <p:sp>
+        <p:nvSpPr>
+          <p:cNvPr id="2" name="Title 1"/>
+          <p:cNvSpPr>
+            <a:spLocks noGrp="1"/>
+          </p:cNvSpPr>
+          <p:nvPr>
+            <p:ph type="title"/>
+          </p:nvPr>
+        </p:nvSpPr>
         <p:spPr>
           <a:xfrm>
             <a:off x="838200" y="365126"/>
@@ -13418,7 +14817,7 @@
 </p:sld>
 </file>
 
-<file path=ppt/slides/slide36.xml><?xml version="1.0" encoding="utf-8"?>
+<file path=ppt/slides/slide38.xml><?xml version="1.0" encoding="utf-8"?>
 <p:sld xmlns:a="http://schemas.openxmlformats.org/drawingml/2006/main" xmlns:r="http://schemas.openxmlformats.org/officeDocument/2006/relationships" xmlns:p="http://schemas.openxmlformats.org/presentationml/2006/main">
   <p:cSld>
     <p:spTree>
@@ -13640,7 +15039,7 @@
 </p:sld>
 </file>
 
-<file path=ppt/slides/slide37.xml><?xml version="1.0" encoding="utf-8"?>
+<file path=ppt/slides/slide39.xml><?xml version="1.0" encoding="utf-8"?>
 <p:sld xmlns:a="http://schemas.openxmlformats.org/drawingml/2006/main" xmlns:r="http://schemas.openxmlformats.org/officeDocument/2006/relationships" xmlns:p="http://schemas.openxmlformats.org/presentationml/2006/main">
   <p:cSld>
     <p:bg>
@@ -15673,6 +17072,21 @@
 </file>
 
 <file path=customXml/item1.xml><?xml version="1.0" encoding="utf-8"?>
+<?mso-contentType ?>
+<FormTemplates xmlns="http://schemas.microsoft.com/sharepoint/v3/contenttype/forms">
+  <Display>DocumentLibraryForm</Display>
+  <Edit>DocumentLibraryForm</Edit>
+  <New>DocumentLibraryForm</New>
+</FormTemplates>
+</file>
+
+<file path=customXml/item2.xml><?xml version="1.0" encoding="utf-8"?>
+<p:properties xmlns:p="http://schemas.microsoft.com/office/2006/metadata/properties" xmlns:xsi="http://www.w3.org/2001/XMLSchema-instance" xmlns:pc="http://schemas.microsoft.com/office/infopath/2007/PartnerControls">
+  <documentManagement/>
+</p:properties>
+</file>
+
+<file path=customXml/item3.xml><?xml version="1.0" encoding="utf-8"?>
 <ct:contentTypeSchema xmlns:ct="http://schemas.microsoft.com/office/2006/metadata/contentType" xmlns:ma="http://schemas.microsoft.com/office/2006/metadata/properties/metaAttributes" ct:_="" ma:_="" ma:contentTypeName="Document" ma:contentTypeID="0x0101004E7FF26E314236448B954F3A97640002" ma:contentTypeVersion="0" ma:contentTypeDescription="Create a new document." ma:contentTypeScope="" ma:versionID="dcd134f7ef3b1aa8a267b1d1a9f0b332">
   <xsd:schema xmlns:xsd="http://www.w3.org/2001/XMLSchema" xmlns:xs="http://www.w3.org/2001/XMLSchema" xmlns:p="http://schemas.microsoft.com/office/2006/metadata/properties" targetNamespace="http://schemas.microsoft.com/office/2006/metadata/properties" ma:root="true" ma:fieldsID="fad425956ca267ea5e6d723b3f3bd6f1">
     <xsd:element name="properties">
@@ -15786,22 +17200,30 @@
 </ct:contentTypeSchema>
 </file>
 
-<file path=customXml/item2.xml><?xml version="1.0" encoding="utf-8"?>
-<p:properties xmlns:p="http://schemas.microsoft.com/office/2006/metadata/properties" xmlns:xsi="http://www.w3.org/2001/XMLSchema-instance" xmlns:pc="http://schemas.microsoft.com/office/infopath/2007/PartnerControls">
-  <documentManagement/>
-</p:properties>
+<file path=customXml/itemProps1.xml><?xml version="1.0" encoding="utf-8"?>
+<ds:datastoreItem xmlns:ds="http://schemas.openxmlformats.org/officeDocument/2006/customXml" ds:itemID="{87FD8B20-B89A-4B23-9329-175195DD4D8A}">
+  <ds:schemaRefs>
+    <ds:schemaRef ds:uri="http://schemas.microsoft.com/sharepoint/v3/contenttype/forms"/>
+  </ds:schemaRefs>
+</ds:datastoreItem>
 </file>
 
-<file path=customXml/item3.xml><?xml version="1.0" encoding="utf-8"?>
-<?mso-contentType ?>
-<FormTemplates xmlns="http://schemas.microsoft.com/sharepoint/v3/contenttype/forms">
-  <Display>DocumentLibraryForm</Display>
-  <Edit>DocumentLibraryForm</Edit>
-  <New>DocumentLibraryForm</New>
-</FormTemplates>
+<file path=customXml/itemProps2.xml><?xml version="1.0" encoding="utf-8"?>
+<ds:datastoreItem xmlns:ds="http://schemas.openxmlformats.org/officeDocument/2006/customXml" ds:itemID="{3473EA1A-2744-48E8-B2A3-4F89C0FC849C}">
+  <ds:schemaRefs>
+    <ds:schemaRef ds:uri="http://purl.org/dc/elements/1.1/"/>
+    <ds:schemaRef ds:uri="http://schemas.microsoft.com/office/2006/metadata/properties"/>
+    <ds:schemaRef ds:uri="http://schemas.microsoft.com/office/2006/documentManagement/types"/>
+    <ds:schemaRef ds:uri="http://purl.org/dc/terms/"/>
+    <ds:schemaRef ds:uri="http://schemas.openxmlformats.org/package/2006/metadata/core-properties"/>
+    <ds:schemaRef ds:uri="http://purl.org/dc/dcmitype/"/>
+    <ds:schemaRef ds:uri="http://schemas.microsoft.com/office/infopath/2007/PartnerControls"/>
+    <ds:schemaRef ds:uri="http://www.w3.org/XML/1998/namespace"/>
+  </ds:schemaRefs>
+</ds:datastoreItem>
 </file>
 
-<file path=customXml/itemProps1.xml><?xml version="1.0" encoding="utf-8"?>
+<file path=customXml/itemProps3.xml><?xml version="1.0" encoding="utf-8"?>
 <ds:datastoreItem xmlns:ds="http://schemas.openxmlformats.org/officeDocument/2006/customXml" ds:itemID="{A906A71E-D2C6-4CAA-8E79-10C504BC5F58}">
   <ds:schemaRefs>
     <ds:schemaRef ds:uri="http://schemas.microsoft.com/office/2006/metadata/contentType"/>
@@ -15815,27 +17237,4 @@
     <ds:schemaRef ds:uri="http://schemas.microsoft.com/office/infopath/2007/PartnerControls"/>
   </ds:schemaRefs>
 </ds:datastoreItem>
-</file>
-
-<file path=customXml/itemProps2.xml><?xml version="1.0" encoding="utf-8"?>
-<ds:datastoreItem xmlns:ds="http://schemas.openxmlformats.org/officeDocument/2006/customXml" ds:itemID="{3473EA1A-2744-48E8-B2A3-4F89C0FC849C}">
-  <ds:schemaRefs>
-    <ds:schemaRef ds:uri="http://purl.org/dc/elements/1.1/"/>
-    <ds:schemaRef ds:uri="http://schemas.microsoft.com/office/2006/documentManagement/types"/>
-    <ds:schemaRef ds:uri="http://purl.org/dc/terms/"/>
-    <ds:schemaRef ds:uri="http://schemas.openxmlformats.org/package/2006/metadata/core-properties"/>
-    <ds:schemaRef ds:uri="http://purl.org/dc/dcmitype/"/>
-    <ds:schemaRef ds:uri="http://schemas.microsoft.com/office/infopath/2007/PartnerControls"/>
-    <ds:schemaRef ds:uri="http://schemas.microsoft.com/office/2006/metadata/properties"/>
-    <ds:schemaRef ds:uri="http://www.w3.org/XML/1998/namespace"/>
-  </ds:schemaRefs>
-</ds:datastoreItem>
-</file>
-
-<file path=customXml/itemProps3.xml><?xml version="1.0" encoding="utf-8"?>
-<ds:datastoreItem xmlns:ds="http://schemas.openxmlformats.org/officeDocument/2006/customXml" ds:itemID="{87FD8B20-B89A-4B23-9329-175195DD4D8A}">
-  <ds:schemaRefs>
-    <ds:schemaRef ds:uri="http://schemas.microsoft.com/sharepoint/v3/contenttype/forms"/>
-  </ds:schemaRefs>
-</ds:datastoreItem>
 </file>